--- a/presentations/2011-12-07_Projektvorstellung.pptx
+++ b/presentations/2011-12-07_Projektvorstellung.pptx
@@ -5432,76 +5432,36 @@
           </a:p>
         </p:txBody>
       </p:sp>
-      <p:sp>
-        <p:nvSpPr>
-          <p:cNvPr id="6" name="TextBox 5"/>
-          <p:cNvSpPr txBox="1"/>
+      <p:pic>
+        <p:nvPicPr>
+          <p:cNvPr id="5" name="Picture 4" descr="Icon.png"/>
+          <p:cNvPicPr>
+            <a:picLocks noChangeAspect="1"/>
+          </p:cNvPicPr>
           <p:nvPr/>
-        </p:nvSpPr>
+        </p:nvPicPr>
+        <p:blipFill>
+          <a:blip r:embed="rId2">
+            <a:extLst>
+              <a:ext uri="{28A0092B-C50C-407E-A947-70E740481C1C}">
+                <a14:useLocalDpi xmlns:a14="http://schemas.microsoft.com/office/drawing/2010/main" val="0"/>
+              </a:ext>
+            </a:extLst>
+          </a:blip>
+          <a:stretch>
+            <a:fillRect/>
+          </a:stretch>
+        </p:blipFill>
         <p:spPr>
           <a:xfrm>
-            <a:off x="113323" y="4022032"/>
-            <a:ext cx="1800831" cy="369332"/>
+            <a:off x="221224" y="3371773"/>
+            <a:ext cx="1828595" cy="1838926"/>
           </a:xfrm>
           <a:prstGeom prst="rect">
             <a:avLst/>
           </a:prstGeom>
-          <a:noFill/>
         </p:spPr>
-        <p:txBody>
-          <a:bodyPr wrap="none" rtlCol="0">
-            <a:spAutoFit/>
-          </a:bodyPr>
-          <a:lstStyle/>
-          <a:p>
-            <a:r>
-              <a:rPr lang="en-US" dirty="0" smtClean="0">
-                <a:solidFill>
-                  <a:schemeClr val="tx1"/>
-                </a:solidFill>
-              </a:rPr>
-              <a:t>[</a:t>
-            </a:r>
-            <a:r>
-              <a:rPr lang="en-US" dirty="0" err="1" smtClean="0">
-                <a:solidFill>
-                  <a:schemeClr val="tx1"/>
-                </a:solidFill>
-              </a:rPr>
-              <a:t>Bild</a:t>
-            </a:r>
-            <a:r>
-              <a:rPr lang="en-US" dirty="0" smtClean="0">
-                <a:solidFill>
-                  <a:schemeClr val="tx1"/>
-                </a:solidFill>
-              </a:rPr>
-              <a:t> / Icon </a:t>
-            </a:r>
-            <a:r>
-              <a:rPr lang="en-US" dirty="0" smtClean="0">
-                <a:solidFill>
-                  <a:schemeClr val="tx1"/>
-                </a:solidFill>
-              </a:rPr>
-              <a:t>?</a:t>
-            </a:r>
-            <a:r>
-              <a:rPr lang="en-US" dirty="0" smtClean="0">
-                <a:solidFill>
-                  <a:schemeClr val="tx1"/>
-                </a:solidFill>
-              </a:rPr>
-              <a:t>]</a:t>
-            </a:r>
-            <a:endParaRPr lang="en-US" dirty="0" smtClean="0">
-              <a:solidFill>
-                <a:schemeClr val="tx1"/>
-              </a:solidFill>
-            </a:endParaRPr>
-          </a:p>
-        </p:txBody>
-      </p:sp>
+      </p:pic>
     </p:spTree>
     <p:extLst>
       <p:ext uri="{BB962C8B-B14F-4D97-AF65-F5344CB8AC3E}">
@@ -5787,15 +5747,7 @@
             </a:pPr>
             <a:r>
               <a:rPr lang="en-US" noProof="1" smtClean="0"/>
-              <a:t>Alice m</a:t>
-            </a:r>
-            <a:r>
-              <a:rPr lang="en-US" noProof="1" smtClean="0"/>
-              <a:t>ö</a:t>
-            </a:r>
-            <a:r>
-              <a:rPr lang="en-US" noProof="1" smtClean="0"/>
-              <a:t>chte gerne einen Berliner Weihnachtsmarkt besuchen</a:t>
+              <a:t>Alice möchte gerne einen Berliner Weihnachtsmarkt besuchen</a:t>
             </a:r>
           </a:p>
           <a:p>
@@ -5845,11 +5797,7 @@
             </a:pPr>
             <a:r>
               <a:rPr lang="en-US" noProof="1" smtClean="0"/>
-              <a:t>Den f</a:t>
-            </a:r>
-            <a:r>
-              <a:rPr lang="en-US" noProof="1" smtClean="0"/>
-              <a:t>ür alle Teilnehmer günstig erreichbaren Weihnachtsmarkt ermitteln</a:t>
+              <a:t>Den für alle Teilnehmer günstig erreichbaren Weihnachtsmarkt ermitteln</a:t>
             </a:r>
           </a:p>
           <a:p>
@@ -5996,11 +5944,7 @@
             </a:pPr>
             <a:r>
               <a:rPr lang="en-US" noProof="1" smtClean="0"/>
-              <a:t>Heterogene Umgebung: 3 </a:t>
-            </a:r>
-            <a:r>
-              <a:rPr lang="en-US" noProof="1" smtClean="0"/>
-              <a:t>verschiedene mobile Betriebssysteme</a:t>
+              <a:t>Heterogene Umgebung: 3 verschiedene mobile Betriebssysteme</a:t>
             </a:r>
           </a:p>
           <a:p>
@@ -6032,7 +5976,6 @@
               <a:rPr lang="en-US" noProof="1" smtClean="0"/>
               <a:t>Datenvolumen</a:t>
             </a:r>
-            <a:endParaRPr lang="en-US" noProof="1" smtClean="0"/>
           </a:p>
           <a:p>
             <a:endParaRPr lang="en-US" noProof="1" smtClean="0"/>
@@ -6133,15 +6076,7 @@
           <a:p>
             <a:r>
               <a:rPr lang="en-US" noProof="1" smtClean="0"/>
-              <a:t>Die </a:t>
-            </a:r>
-            <a:r>
-              <a:rPr lang="en-US" noProof="1" smtClean="0"/>
-              <a:t>L</a:t>
-            </a:r>
-            <a:r>
-              <a:rPr lang="en-US" noProof="1" smtClean="0"/>
-              <a:t>ösung</a:t>
+              <a:t>Die Lösung</a:t>
             </a:r>
             <a:endParaRPr lang="en-US" noProof="1"/>
           </a:p>
@@ -6223,7 +6158,6 @@
               <a:rPr lang="en-US" noProof="1" smtClean="0"/>
               <a:t>]</a:t>
             </a:r>
-            <a:endParaRPr lang="en-US" noProof="1" smtClean="0"/>
           </a:p>
         </p:txBody>
       </p:sp>
@@ -6358,13 +6292,8 @@
             </a:pPr>
             <a:r>
               <a:rPr lang="en-US" noProof="1" smtClean="0"/>
-              <a:t>JSON-Kommunikations-Protokoll </a:t>
-            </a:r>
-            <a:r>
-              <a:rPr lang="en-US" noProof="1" smtClean="0"/>
-              <a:t>über HTTP</a:t>
-            </a:r>
-            <a:endParaRPr lang="en-US" noProof="1" smtClean="0"/>
+              <a:t>JSON-Kommunikations-Protokoll über HTTP</a:t>
+            </a:r>
           </a:p>
           <a:p>
             <a:pPr marL="285750" indent="-285750">
@@ -6375,7 +6304,6 @@
               <a:rPr lang="en-US" noProof="1" smtClean="0"/>
               <a:t>[Server-Technologie (OS, Framework, …)]</a:t>
             </a:r>
-            <a:endParaRPr lang="en-US" noProof="1" smtClean="0"/>
           </a:p>
         </p:txBody>
       </p:sp>
@@ -6500,13 +6428,8 @@
             </a:pPr>
             <a:r>
               <a:rPr lang="en-US" noProof="1" smtClean="0"/>
-              <a:t>Alternative Ans</a:t>
-            </a:r>
-            <a:r>
-              <a:rPr lang="en-US" noProof="1" smtClean="0"/>
-              <a:t>ätze für Binärprotokolle:</a:t>
-            </a:r>
-            <a:endParaRPr lang="en-US" noProof="1" smtClean="0"/>
+              <a:t>Alternative Ansätze für Binärprotokolle:</a:t>
+            </a:r>
           </a:p>
           <a:p>
             <a:pPr marL="731838" lvl="1" indent="-285750">
@@ -6515,13 +6438,8 @@
             </a:pPr>
             <a:r>
               <a:rPr lang="en-US" noProof="1" smtClean="0"/>
-              <a:t>CORBA: kompiliziert, Overkill, mangelhafte Implementierungen f</a:t>
-            </a:r>
-            <a:r>
-              <a:rPr lang="en-US" noProof="1" smtClean="0"/>
-              <a:t>ür Embdedded</a:t>
-            </a:r>
-            <a:endParaRPr lang="en-US" noProof="1" smtClean="0"/>
+              <a:t>CORBA: kompiliziert, Overkill, mangelhafte Implementierungen für Embdedded</a:t>
+            </a:r>
           </a:p>
           <a:p>
             <a:pPr marL="731838" lvl="1" indent="-285750">
@@ -6530,13 +6448,8 @@
             </a:pPr>
             <a:r>
               <a:rPr lang="en-US" noProof="1" smtClean="0"/>
-              <a:t>Thrift: schlecht dokumentiert, quasi propriet</a:t>
-            </a:r>
-            <a:r>
-              <a:rPr lang="en-US" noProof="1" smtClean="0"/>
-              <a:t>är</a:t>
-            </a:r>
-            <a:endParaRPr lang="en-US" noProof="1" smtClean="0"/>
+              <a:t>Thrift: schlecht dokumentiert, quasi proprietär</a:t>
+            </a:r>
           </a:p>
           <a:p>
             <a:pPr marL="731838" lvl="1" indent="-285750">
@@ -6545,13 +6458,8 @@
             </a:pPr>
             <a:r>
               <a:rPr lang="en-US" noProof="1" smtClean="0"/>
-              <a:t>Hessian: schlecht dokumentiert, unvollst</a:t>
-            </a:r>
-            <a:r>
-              <a:rPr lang="en-US" noProof="1" smtClean="0"/>
-              <a:t>ändige Implementierungen</a:t>
-            </a:r>
-            <a:endParaRPr lang="en-US" noProof="1" smtClean="0"/>
+              <a:t>Hessian: schlecht dokumentiert, unvollständige Implementierungen</a:t>
+            </a:r>
           </a:p>
           <a:p>
             <a:pPr marL="285750" indent="-285750">
@@ -6567,13 +6475,8 @@
             </a:pPr>
             <a:r>
               <a:rPr lang="en-US" noProof="1" smtClean="0"/>
-              <a:t>Wie viel Overhead bringt JSON tats</a:t>
-            </a:r>
-            <a:r>
-              <a:rPr lang="en-US" noProof="1" smtClean="0"/>
-              <a:t>ächlich mit? -&gt; Tim</a:t>
-            </a:r>
-            <a:endParaRPr lang="en-US" noProof="1" smtClean="0"/>
+              <a:t>Wie viel Overhead bringt JSON tatsächlich mit? -&gt; Tim</a:t>
+            </a:r>
           </a:p>
         </p:txBody>
       </p:sp>
@@ -6714,7 +6617,6 @@
               <a:rPr lang="en-US" noProof="1" smtClean="0"/>
               <a:t>]</a:t>
             </a:r>
-            <a:endParaRPr lang="en-US" noProof="1" smtClean="0"/>
           </a:p>
         </p:txBody>
       </p:sp>

--- a/presentations/2011-12-07_Projektvorstellung.pptx
+++ b/presentations/2011-12-07_Projektvorstellung.pptx
@@ -6,10 +6,10 @@
     <p:sldMasterId id="2147483653" r:id="rId2"/>
   </p:sldMasterIdLst>
   <p:notesMasterIdLst>
-    <p:notesMasterId r:id="rId11"/>
+    <p:notesMasterId r:id="rId12"/>
   </p:notesMasterIdLst>
   <p:handoutMasterIdLst>
-    <p:handoutMasterId r:id="rId12"/>
+    <p:handoutMasterId r:id="rId13"/>
   </p:handoutMasterIdLst>
   <p:sldIdLst>
     <p:sldId id="256" r:id="rId3"/>
@@ -19,7 +19,8 @@
     <p:sldId id="261" r:id="rId7"/>
     <p:sldId id="262" r:id="rId8"/>
     <p:sldId id="263" r:id="rId9"/>
-    <p:sldId id="264" r:id="rId10"/>
+    <p:sldId id="265" r:id="rId10"/>
+    <p:sldId id="264" r:id="rId11"/>
   </p:sldIdLst>
   <p:sldSz cx="9144000" cy="6858000" type="screen4x3"/>
   <p:notesSz cx="7772400" cy="10515600"/>
@@ -376,7 +377,7 @@
     </p:spTree>
     <p:extLst>
       <p:ext uri="{BB962C8B-B14F-4D97-AF65-F5344CB8AC3E}">
-        <p14:creationId xmlns:p14="http://schemas.microsoft.com/office/powerpoint/2010/main" val="613277410"/>
+        <p14:creationId xmlns:p14="http://schemas.microsoft.com/office/powerpoint/2010/main" xmlns="" val="613277410"/>
       </p:ext>
     </p:extLst>
   </p:cSld>
@@ -711,7 +712,7 @@
     </p:spTree>
     <p:extLst>
       <p:ext uri="{BB962C8B-B14F-4D97-AF65-F5344CB8AC3E}">
-        <p14:creationId xmlns:p14="http://schemas.microsoft.com/office/powerpoint/2010/main" val="4271866226"/>
+        <p14:creationId xmlns:p14="http://schemas.microsoft.com/office/powerpoint/2010/main" xmlns="" val="4271866226"/>
       </p:ext>
     </p:extLst>
   </p:cSld>
@@ -935,9 +936,287 @@
     </p:spTree>
     <p:extLst>
       <p:ext uri="{BB962C8B-B14F-4D97-AF65-F5344CB8AC3E}">
-        <p14:creationId xmlns:p14="http://schemas.microsoft.com/office/powerpoint/2010/main" val="663482453"/>
+        <p14:creationId xmlns:p14="http://schemas.microsoft.com/office/powerpoint/2010/main" xmlns="" val="663482453"/>
       </p:ext>
     </p:extLst>
+  </p:cSld>
+  <p:clrMapOvr>
+    <a:masterClrMapping/>
+  </p:clrMapOvr>
+</p:notes>
+</file>
+
+<file path=ppt/notesSlides/notesSlide2.xml><?xml version="1.0" encoding="utf-8"?>
+<p:notes xmlns:a="http://schemas.openxmlformats.org/drawingml/2006/main" xmlns:r="http://schemas.openxmlformats.org/officeDocument/2006/relationships" xmlns:p="http://schemas.openxmlformats.org/presentationml/2006/main">
+  <p:cSld>
+    <p:spTree>
+      <p:nvGrpSpPr>
+        <p:cNvPr id="1" name=""/>
+        <p:cNvGrpSpPr/>
+        <p:nvPr/>
+      </p:nvGrpSpPr>
+      <p:grpSpPr>
+        <a:xfrm>
+          <a:off x="0" y="0"/>
+          <a:ext cx="0" cy="0"/>
+          <a:chOff x="0" y="0"/>
+          <a:chExt cx="0" cy="0"/>
+        </a:xfrm>
+      </p:grpSpPr>
+      <p:sp>
+        <p:nvSpPr>
+          <p:cNvPr id="2" name="Slide Image Placeholder 1"/>
+          <p:cNvSpPr>
+            <a:spLocks noGrp="1" noRot="1" noChangeAspect="1"/>
+          </p:cNvSpPr>
+          <p:nvPr>
+            <p:ph type="sldImg"/>
+          </p:nvPr>
+        </p:nvSpPr>
+        <p:spPr/>
+      </p:sp>
+      <p:sp>
+        <p:nvSpPr>
+          <p:cNvPr id="3" name="Notes Placeholder 2"/>
+          <p:cNvSpPr>
+            <a:spLocks noGrp="1"/>
+          </p:cNvSpPr>
+          <p:nvPr>
+            <p:ph type="body" idx="1"/>
+          </p:nvPr>
+        </p:nvSpPr>
+        <p:spPr/>
+        <p:txBody>
+          <a:bodyPr>
+            <a:normAutofit/>
+          </a:bodyPr>
+          <a:lstStyle/>
+          <a:p>
+            <a:pPr marL="285750" indent="-285750">
+              <a:buFont typeface="Arial"/>
+              <a:buChar char="•"/>
+            </a:pPr>
+            <a:r>
+              <a:rPr lang="en-US" noProof="1" smtClean="0"/>
+              <a:t>Ansätze für Binärprotokolle:</a:t>
+            </a:r>
+          </a:p>
+          <a:p>
+            <a:pPr marL="731838" lvl="1" indent="-285750">
+              <a:buFont typeface="Arial"/>
+              <a:buChar char="•"/>
+            </a:pPr>
+            <a:r>
+              <a:rPr lang="en-US" noProof="1" smtClean="0"/>
+              <a:t>CORBA: mangelhafte Implementierungen für Embdedded, bietet deutlich mehr als wir zu brauchen erwarten</a:t>
+            </a:r>
+          </a:p>
+          <a:p>
+            <a:pPr marL="731838" lvl="1" indent="-285750">
+              <a:buFont typeface="Arial"/>
+              <a:buChar char="•"/>
+            </a:pPr>
+            <a:r>
+              <a:rPr lang="en-US" noProof="1" smtClean="0"/>
+              <a:t>Thrift: schlecht dokumentiert, quasi proprietär (Facebook, Twitter)</a:t>
+            </a:r>
+          </a:p>
+          <a:p>
+            <a:pPr marL="731838" lvl="1" indent="-285750">
+              <a:buFont typeface="Arial"/>
+              <a:buChar char="•"/>
+            </a:pPr>
+            <a:r>
+              <a:rPr lang="en-US" noProof="1" smtClean="0"/>
+              <a:t>Hessian: schlecht dokumentiert, </a:t>
+            </a:r>
+          </a:p>
+          <a:p>
+            <a:pPr marL="285750" indent="-285750">
+              <a:buFont typeface="Arial"/>
+              <a:buChar char="•"/>
+            </a:pPr>
+            <a:endParaRPr lang="en-US" noProof="1" smtClean="0"/>
+          </a:p>
+          <a:p>
+            <a:pPr marL="285750" indent="-285750">
+              <a:buFont typeface="Arial"/>
+              <a:buChar char="•"/>
+            </a:pPr>
+            <a:r>
+              <a:rPr lang="en-US" noProof="1" smtClean="0"/>
+              <a:t>Wie viel Overhead bringt JSON tatsächlich mit? -&gt; Tim</a:t>
+            </a:r>
+          </a:p>
+          <a:p>
+            <a:endParaRPr lang="en-US" dirty="0"/>
+          </a:p>
+        </p:txBody>
+      </p:sp>
+      <p:sp>
+        <p:nvSpPr>
+          <p:cNvPr id="4" name="Slide Number Placeholder 3"/>
+          <p:cNvSpPr>
+            <a:spLocks noGrp="1"/>
+          </p:cNvSpPr>
+          <p:nvPr>
+            <p:ph type="sldNum" sz="quarter" idx="10"/>
+          </p:nvPr>
+        </p:nvSpPr>
+        <p:spPr/>
+        <p:txBody>
+          <a:bodyPr/>
+          <a:lstStyle/>
+          <a:p>
+            <a:fld id="{6A8F3DCA-10DE-494A-957E-84CDB678C40F}" type="slidenum">
+              <a:rPr lang="de-DE" smtClean="0"/>
+              <a:pPr/>
+              <a:t>7</a:t>
+            </a:fld>
+            <a:endParaRPr lang="de-DE"/>
+          </a:p>
+        </p:txBody>
+      </p:sp>
+    </p:spTree>
+  </p:cSld>
+  <p:clrMapOvr>
+    <a:masterClrMapping/>
+  </p:clrMapOvr>
+</p:notes>
+</file>
+
+<file path=ppt/notesSlides/notesSlide3.xml><?xml version="1.0" encoding="utf-8"?>
+<p:notes xmlns:a="http://schemas.openxmlformats.org/drawingml/2006/main" xmlns:r="http://schemas.openxmlformats.org/officeDocument/2006/relationships" xmlns:p="http://schemas.openxmlformats.org/presentationml/2006/main">
+  <p:cSld>
+    <p:spTree>
+      <p:nvGrpSpPr>
+        <p:cNvPr id="1" name=""/>
+        <p:cNvGrpSpPr/>
+        <p:nvPr/>
+      </p:nvGrpSpPr>
+      <p:grpSpPr>
+        <a:xfrm>
+          <a:off x="0" y="0"/>
+          <a:ext cx="0" cy="0"/>
+          <a:chOff x="0" y="0"/>
+          <a:chExt cx="0" cy="0"/>
+        </a:xfrm>
+      </p:grpSpPr>
+      <p:sp>
+        <p:nvSpPr>
+          <p:cNvPr id="2" name="Slide Image Placeholder 1"/>
+          <p:cNvSpPr>
+            <a:spLocks noGrp="1" noRot="1" noChangeAspect="1"/>
+          </p:cNvSpPr>
+          <p:nvPr>
+            <p:ph type="sldImg"/>
+          </p:nvPr>
+        </p:nvSpPr>
+        <p:spPr/>
+      </p:sp>
+      <p:sp>
+        <p:nvSpPr>
+          <p:cNvPr id="3" name="Notes Placeholder 2"/>
+          <p:cNvSpPr>
+            <a:spLocks noGrp="1"/>
+          </p:cNvSpPr>
+          <p:nvPr>
+            <p:ph type="body" idx="1"/>
+          </p:nvPr>
+        </p:nvSpPr>
+        <p:spPr/>
+        <p:txBody>
+          <a:bodyPr>
+            <a:normAutofit/>
+          </a:bodyPr>
+          <a:lstStyle/>
+          <a:p>
+            <a:pPr marL="285750" indent="-285750">
+              <a:buFont typeface="Arial"/>
+              <a:buChar char="•"/>
+            </a:pPr>
+            <a:r>
+              <a:rPr lang="en-US" noProof="1" smtClean="0"/>
+              <a:t>Ansätze für Binärprotokolle:</a:t>
+            </a:r>
+          </a:p>
+          <a:p>
+            <a:pPr marL="731838" lvl="1" indent="-285750">
+              <a:buFont typeface="Arial"/>
+              <a:buChar char="•"/>
+            </a:pPr>
+            <a:r>
+              <a:rPr lang="en-US" noProof="1" smtClean="0"/>
+              <a:t>CORBA: mangelhafte Implementierungen für Embdedded, bietet deutlich mehr als wir zu brauchen erwarten</a:t>
+            </a:r>
+          </a:p>
+          <a:p>
+            <a:pPr marL="731838" lvl="1" indent="-285750">
+              <a:buFont typeface="Arial"/>
+              <a:buChar char="•"/>
+            </a:pPr>
+            <a:r>
+              <a:rPr lang="en-US" noProof="1" smtClean="0"/>
+              <a:t>Thrift: schlecht dokumentiert, quasi proprietär (Facebook, Twitter)</a:t>
+            </a:r>
+          </a:p>
+          <a:p>
+            <a:pPr marL="731838" lvl="1" indent="-285750">
+              <a:buFont typeface="Arial"/>
+              <a:buChar char="•"/>
+            </a:pPr>
+            <a:r>
+              <a:rPr lang="en-US" noProof="1" smtClean="0"/>
+              <a:t>Hessian: schlecht dokumentiert, </a:t>
+            </a:r>
+          </a:p>
+          <a:p>
+            <a:pPr marL="285750" indent="-285750">
+              <a:buFont typeface="Arial"/>
+              <a:buChar char="•"/>
+            </a:pPr>
+            <a:endParaRPr lang="en-US" noProof="1" smtClean="0"/>
+          </a:p>
+          <a:p>
+            <a:pPr marL="285750" indent="-285750">
+              <a:buFont typeface="Arial"/>
+              <a:buChar char="•"/>
+            </a:pPr>
+            <a:r>
+              <a:rPr lang="en-US" noProof="1" smtClean="0"/>
+              <a:t>Wie viel Overhead bringt JSON tatsächlich mit? -&gt; Tim</a:t>
+            </a:r>
+          </a:p>
+          <a:p>
+            <a:endParaRPr lang="en-US"/>
+          </a:p>
+        </p:txBody>
+      </p:sp>
+      <p:sp>
+        <p:nvSpPr>
+          <p:cNvPr id="4" name="Slide Number Placeholder 3"/>
+          <p:cNvSpPr>
+            <a:spLocks noGrp="1"/>
+          </p:cNvSpPr>
+          <p:nvPr>
+            <p:ph type="sldNum" sz="quarter" idx="10"/>
+          </p:nvPr>
+        </p:nvSpPr>
+        <p:spPr/>
+        <p:txBody>
+          <a:bodyPr/>
+          <a:lstStyle/>
+          <a:p>
+            <a:fld id="{6A8F3DCA-10DE-494A-957E-84CDB678C40F}" type="slidenum">
+              <a:rPr lang="de-DE" smtClean="0"/>
+              <a:pPr/>
+              <a:t>8</a:t>
+            </a:fld>
+            <a:endParaRPr lang="de-DE"/>
+          </a:p>
+        </p:txBody>
+      </p:sp>
+    </p:spTree>
   </p:cSld>
   <p:clrMapOvr>
     <a:masterClrMapping/>
@@ -1297,7 +1576,7 @@
   <p:timing>
     <p:tnLst>
       <p:par>
-        <p:cTn xmlns:p14="http://schemas.microsoft.com/office/powerpoint/2010/main" id="1" dur="indefinite" restart="never" nodeType="tmRoot"/>
+        <p:cTn id="1" dur="indefinite" restart="never" nodeType="tmRoot"/>
       </p:par>
     </p:tnLst>
   </p:timing>
@@ -3418,7 +3697,7 @@
   <p:timing>
     <p:tnLst>
       <p:par>
-        <p:cTn xmlns:p14="http://schemas.microsoft.com/office/powerpoint/2010/main" id="1" dur="indefinite" restart="never" nodeType="tmRoot"/>
+        <p:cTn id="1" dur="indefinite" restart="never" nodeType="tmRoot"/>
       </p:par>
     </p:tnLst>
   </p:timing>
@@ -4079,7 +4358,7 @@
   <p:timing>
     <p:tnLst>
       <p:par>
-        <p:cTn xmlns:p14="http://schemas.microsoft.com/office/powerpoint/2010/main" id="1" dur="indefinite" restart="never" nodeType="tmRoot"/>
+        <p:cTn id="1" dur="indefinite" restart="never" nodeType="tmRoot"/>
       </p:par>
     </p:tnLst>
   </p:timing>
@@ -4940,7 +5219,7 @@
   <p:timing>
     <p:tnLst>
       <p:par>
-        <p:cTn xmlns:p14="http://schemas.microsoft.com/office/powerpoint/2010/main" id="1" dur="indefinite" restart="never" nodeType="tmRoot"/>
+        <p:cTn id="1" dur="indefinite" restart="never" nodeType="tmRoot"/>
       </p:par>
     </p:tnLst>
   </p:timing>
@@ -5444,7 +5723,7 @@
           <a:blip r:embed="rId2">
             <a:extLst>
               <a:ext uri="{28A0092B-C50C-407E-A947-70E740481C1C}">
-                <a14:useLocalDpi xmlns:a14="http://schemas.microsoft.com/office/drawing/2010/main" val="0"/>
+                <a14:useLocalDpi xmlns:a14="http://schemas.microsoft.com/office/drawing/2010/main" xmlns="" val="0"/>
               </a:ext>
             </a:extLst>
           </a:blip>
@@ -5465,7 +5744,7 @@
     </p:spTree>
     <p:extLst>
       <p:ext uri="{BB962C8B-B14F-4D97-AF65-F5344CB8AC3E}">
-        <p14:creationId xmlns:p14="http://schemas.microsoft.com/office/powerpoint/2010/main" val="1369177957"/>
+        <p14:creationId xmlns:p14="http://schemas.microsoft.com/office/powerpoint/2010/main" xmlns="" val="1369177957"/>
       </p:ext>
     </p:extLst>
   </p:cSld>
@@ -5475,7 +5754,7 @@
   <p:timing>
     <p:tnLst>
       <p:par>
-        <p:cTn xmlns:p14="http://schemas.microsoft.com/office/powerpoint/2010/main" id="1" dur="indefinite" restart="never" nodeType="tmRoot"/>
+        <p:cTn id="1" dur="indefinite" restart="never" nodeType="tmRoot"/>
       </p:par>
     </p:tnLst>
   </p:timing>
@@ -5659,7 +5938,7 @@
     </p:spTree>
     <p:extLst>
       <p:ext uri="{BB962C8B-B14F-4D97-AF65-F5344CB8AC3E}">
-        <p14:creationId xmlns:p14="http://schemas.microsoft.com/office/powerpoint/2010/main" val="2255331236"/>
+        <p14:creationId xmlns:p14="http://schemas.microsoft.com/office/powerpoint/2010/main" xmlns="" val="2255331236"/>
       </p:ext>
     </p:extLst>
   </p:cSld>
@@ -5669,7 +5948,7 @@
   <p:timing>
     <p:tnLst>
       <p:par>
-        <p:cTn xmlns:p14="http://schemas.microsoft.com/office/powerpoint/2010/main" id="1" dur="indefinite" restart="never" nodeType="tmRoot"/>
+        <p:cTn id="1" dur="indefinite" restart="never" nodeType="tmRoot"/>
       </p:par>
     </p:tnLst>
   </p:timing>
@@ -5863,7 +6142,7 @@
     </p:spTree>
     <p:extLst>
       <p:ext uri="{BB962C8B-B14F-4D97-AF65-F5344CB8AC3E}">
-        <p14:creationId xmlns:p14="http://schemas.microsoft.com/office/powerpoint/2010/main" val="527401345"/>
+        <p14:creationId xmlns:p14="http://schemas.microsoft.com/office/powerpoint/2010/main" xmlns="" val="527401345"/>
       </p:ext>
     </p:extLst>
   </p:cSld>
@@ -5954,8 +6233,9 @@
             </a:pPr>
             <a:r>
               <a:rPr lang="en-US" noProof="1" smtClean="0"/>
-              <a:t>Netzwerkabbruch</a:t>
-            </a:r>
+              <a:t>Umgehen mit Netzwerkabbrüchen</a:t>
+            </a:r>
+            <a:endParaRPr lang="en-US" noProof="1" smtClean="0"/>
           </a:p>
           <a:p>
             <a:pPr marL="731838" lvl="1" indent="-285750">
@@ -5964,8 +6244,9 @@
             </a:pPr>
             <a:r>
               <a:rPr lang="en-US" noProof="1" smtClean="0"/>
-              <a:t>Energieverbrauch</a:t>
-            </a:r>
+              <a:t>Niedrighalten des Energieverbrauches</a:t>
+            </a:r>
+            <a:endParaRPr lang="en-US" noProof="1" smtClean="0"/>
           </a:p>
           <a:p>
             <a:pPr marL="731838" lvl="1" indent="-285750">
@@ -5974,8 +6255,9 @@
             </a:pPr>
             <a:r>
               <a:rPr lang="en-US" noProof="1" smtClean="0"/>
-              <a:t>Datenvolumen</a:t>
-            </a:r>
+              <a:t>Datenvolumenbeschränkungen von mobilen Tarifen beachten</a:t>
+            </a:r>
+            <a:endParaRPr lang="en-US" noProof="1" smtClean="0"/>
           </a:p>
           <a:p>
             <a:endParaRPr lang="en-US" noProof="1" smtClean="0"/>
@@ -6032,7 +6314,7 @@
     </p:spTree>
     <p:extLst>
       <p:ext uri="{BB962C8B-B14F-4D97-AF65-F5344CB8AC3E}">
-        <p14:creationId xmlns:p14="http://schemas.microsoft.com/office/powerpoint/2010/main" val="2173126471"/>
+        <p14:creationId xmlns:p14="http://schemas.microsoft.com/office/powerpoint/2010/main" xmlns="" val="2173126471"/>
       </p:ext>
     </p:extLst>
   </p:cSld>
@@ -6211,7 +6493,7 @@
     </p:spTree>
     <p:extLst>
       <p:ext uri="{BB962C8B-B14F-4D97-AF65-F5344CB8AC3E}">
-        <p14:creationId xmlns:p14="http://schemas.microsoft.com/office/powerpoint/2010/main" val="3078081548"/>
+        <p14:creationId xmlns:p14="http://schemas.microsoft.com/office/powerpoint/2010/main" xmlns="" val="3078081548"/>
       </p:ext>
     </p:extLst>
   </p:cSld>
@@ -6282,7 +6564,37 @@
             </a:pPr>
             <a:r>
               <a:rPr lang="en-US" noProof="1" smtClean="0"/>
-              <a:t>[SDK’s]</a:t>
+              <a:t>3 SDKs</a:t>
+            </a:r>
+          </a:p>
+          <a:p>
+            <a:pPr marL="731838" lvl="1" indent="-285750">
+              <a:buFont typeface="Arial"/>
+              <a:buChar char="•"/>
+            </a:pPr>
+            <a:r>
+              <a:rPr lang="en-US" noProof="1" smtClean="0"/>
+              <a:t>Objective-C (+ MacRuby?)</a:t>
+            </a:r>
+          </a:p>
+          <a:p>
+            <a:pPr marL="731838" lvl="1" indent="-285750">
+              <a:buFont typeface="Arial"/>
+              <a:buChar char="•"/>
+            </a:pPr>
+            <a:r>
+              <a:rPr lang="en-US" noProof="1" smtClean="0"/>
+              <a:t>C# (+ IronRuby)</a:t>
+            </a:r>
+          </a:p>
+          <a:p>
+            <a:pPr marL="731838" lvl="1" indent="-285750">
+              <a:buFont typeface="Arial"/>
+              <a:buChar char="•"/>
+            </a:pPr>
+            <a:r>
+              <a:rPr lang="en-US" noProof="1" smtClean="0"/>
+              <a:t>Java (+ JRuby)</a:t>
             </a:r>
           </a:p>
           <a:p>
@@ -6292,7 +6604,17 @@
             </a:pPr>
             <a:r>
               <a:rPr lang="en-US" noProof="1" smtClean="0"/>
-              <a:t>JSON-Kommunikations-Protokoll über HTTP</a:t>
+              <a:t>1 Server</a:t>
+            </a:r>
+          </a:p>
+          <a:p>
+            <a:pPr marL="731838" lvl="1" indent="-285750">
+              <a:buFont typeface="Arial"/>
+              <a:buChar char="•"/>
+            </a:pPr>
+            <a:r>
+              <a:rPr lang="en-US" noProof="1" smtClean="0"/>
+              <a:t>JRuby</a:t>
             </a:r>
           </a:p>
           <a:p>
@@ -6300,10 +6622,7 @@
               <a:buFont typeface="Arial"/>
               <a:buChar char="•"/>
             </a:pPr>
-            <a:r>
-              <a:rPr lang="en-US" noProof="1" smtClean="0"/>
-              <a:t>[Server-Technologie (OS, Framework, …)]</a:t>
-            </a:r>
+            <a:endParaRPr lang="en-US" noProof="1" smtClean="0"/>
           </a:p>
         </p:txBody>
       </p:sp>
@@ -6357,7 +6676,7 @@
     </p:spTree>
     <p:extLst>
       <p:ext uri="{BB962C8B-B14F-4D97-AF65-F5344CB8AC3E}">
-        <p14:creationId xmlns:p14="http://schemas.microsoft.com/office/powerpoint/2010/main" val="480089758"/>
+        <p14:creationId xmlns:p14="http://schemas.microsoft.com/office/powerpoint/2010/main" xmlns="" val="480089758"/>
       </p:ext>
     </p:extLst>
   </p:cSld>
@@ -6401,85 +6720,489 @@
           <a:p>
             <a:r>
               <a:rPr lang="en-US" noProof="1" smtClean="0"/>
-              <a:t>Diskussion – Warum JSON?</a:t>
+              <a:t>Diskussion – </a:t>
+            </a:r>
+            <a:r>
+              <a:rPr lang="en-US" noProof="1" smtClean="0"/>
+              <a:t>Das Wire-Protocol</a:t>
             </a:r>
             <a:endParaRPr lang="en-US" noProof="1"/>
           </a:p>
         </p:txBody>
       </p:sp>
-      <p:sp>
-        <p:nvSpPr>
-          <p:cNvPr id="3" name="Content Placeholder 2"/>
-          <p:cNvSpPr>
-            <a:spLocks noGrp="1"/>
-          </p:cNvSpPr>
+      <p:graphicFrame>
+        <p:nvGraphicFramePr>
+          <p:cNvPr id="6" name="Content Placeholder 5"/>
+          <p:cNvGraphicFramePr>
+            <a:graphicFrameLocks noGrp="1"/>
+          </p:cNvGraphicFramePr>
           <p:nvPr>
             <p:ph idx="1"/>
           </p:nvPr>
-        </p:nvSpPr>
-        <p:spPr/>
-        <p:txBody>
-          <a:bodyPr/>
-          <a:lstStyle/>
-          <a:p>
-            <a:pPr marL="285750" indent="-285750">
-              <a:buFont typeface="Arial"/>
-              <a:buChar char="•"/>
-            </a:pPr>
-            <a:r>
-              <a:rPr lang="en-US" noProof="1" smtClean="0"/>
-              <a:t>Alternative Ansätze für Binärprotokolle:</a:t>
-            </a:r>
-          </a:p>
-          <a:p>
-            <a:pPr marL="731838" lvl="1" indent="-285750">
-              <a:buFont typeface="Arial"/>
-              <a:buChar char="•"/>
-            </a:pPr>
-            <a:r>
-              <a:rPr lang="en-US" noProof="1" smtClean="0"/>
-              <a:t>CORBA: kompiliziert, Overkill, mangelhafte Implementierungen für Embdedded</a:t>
-            </a:r>
-          </a:p>
-          <a:p>
-            <a:pPr marL="731838" lvl="1" indent="-285750">
-              <a:buFont typeface="Arial"/>
-              <a:buChar char="•"/>
-            </a:pPr>
-            <a:r>
-              <a:rPr lang="en-US" noProof="1" smtClean="0"/>
-              <a:t>Thrift: schlecht dokumentiert, quasi proprietär</a:t>
-            </a:r>
-          </a:p>
-          <a:p>
-            <a:pPr marL="731838" lvl="1" indent="-285750">
-              <a:buFont typeface="Arial"/>
-              <a:buChar char="•"/>
-            </a:pPr>
-            <a:r>
-              <a:rPr lang="en-US" noProof="1" smtClean="0"/>
-              <a:t>Hessian: schlecht dokumentiert, unvollständige Implementierungen</a:t>
-            </a:r>
-          </a:p>
-          <a:p>
-            <a:pPr marL="285750" indent="-285750">
-              <a:buFont typeface="Arial"/>
-              <a:buChar char="•"/>
-            </a:pPr>
-            <a:endParaRPr lang="en-US" noProof="1" smtClean="0"/>
-          </a:p>
-          <a:p>
-            <a:pPr marL="285750" indent="-285750">
-              <a:buFont typeface="Arial"/>
-              <a:buChar char="•"/>
-            </a:pPr>
-            <a:r>
-              <a:rPr lang="en-US" noProof="1" smtClean="0"/>
-              <a:t>Wie viel Overhead bringt JSON tatsächlich mit? -&gt; Tim</a:t>
-            </a:r>
-          </a:p>
-        </p:txBody>
-      </p:sp>
+        </p:nvGraphicFramePr>
+        <p:xfrm>
+          <a:off x="719138" y="1728788"/>
+          <a:ext cx="8174037" cy="4577080"/>
+        </p:xfrm>
+        <a:graphic>
+          <a:graphicData uri="http://schemas.openxmlformats.org/drawingml/2006/table">
+            <a:tbl>
+              <a:tblPr firstRow="1" bandRow="1">
+                <a:tableStyleId>{2D5ABB26-0587-4C30-8999-92F81FD0307C}</a:tableStyleId>
+              </a:tblPr>
+              <a:tblGrid>
+                <a:gridCol w="1714573"/>
+                <a:gridCol w="2954215"/>
+                <a:gridCol w="3505249"/>
+              </a:tblGrid>
+              <a:tr h="370840">
+                <a:tc>
+                  <a:txBody>
+                    <a:bodyPr/>
+                    <a:lstStyle/>
+                    <a:p>
+                      <a:endParaRPr lang="en-US" dirty="0"/>
+                    </a:p>
+                  </a:txBody>
+                  <a:tcPr/>
+                </a:tc>
+                <a:tc>
+                  <a:txBody>
+                    <a:bodyPr/>
+                    <a:lstStyle/>
+                    <a:p>
+                      <a:endParaRPr lang="en-US" dirty="0"/>
+                    </a:p>
+                  </a:txBody>
+                  <a:tcPr/>
+                </a:tc>
+                <a:tc>
+                  <a:txBody>
+                    <a:bodyPr/>
+                    <a:lstStyle/>
+                    <a:p>
+                      <a:endParaRPr lang="en-US"/>
+                    </a:p>
+                  </a:txBody>
+                  <a:tcPr/>
+                </a:tc>
+              </a:tr>
+              <a:tr h="370840">
+                <a:tc>
+                  <a:txBody>
+                    <a:bodyPr/>
+                    <a:lstStyle/>
+                    <a:p>
+                      <a:r>
+                        <a:rPr lang="en-US" b="1" dirty="0" smtClean="0"/>
+                        <a:t>CORBA</a:t>
+                      </a:r>
+                      <a:endParaRPr lang="en-US" b="1" dirty="0"/>
+                    </a:p>
+                  </a:txBody>
+                  <a:tcPr/>
+                </a:tc>
+                <a:tc>
+                  <a:txBody>
+                    <a:bodyPr/>
+                    <a:lstStyle/>
+                    <a:p>
+                      <a:r>
+                        <a:rPr lang="en-US" dirty="0" smtClean="0"/>
+                        <a:t>IDL,</a:t>
+                      </a:r>
+                      <a:r>
+                        <a:rPr lang="en-US" baseline="0" dirty="0" smtClean="0"/>
+                        <a:t> </a:t>
+                      </a:r>
+                      <a:r>
+                        <a:rPr lang="en-US" baseline="0" dirty="0" err="1" smtClean="0"/>
+                        <a:t>Codegenerierung</a:t>
+                      </a:r>
+                      <a:r>
+                        <a:rPr lang="en-US" baseline="0" dirty="0" smtClean="0"/>
+                        <a:t>, </a:t>
+                      </a:r>
+                      <a:r>
+                        <a:rPr lang="en-US" baseline="0" dirty="0" err="1" smtClean="0"/>
+                        <a:t>Binär</a:t>
+                      </a:r>
+                      <a:r>
+                        <a:rPr lang="en-US" baseline="0" dirty="0" smtClean="0"/>
+                        <a:t>, </a:t>
+                      </a:r>
+                      <a:r>
+                        <a:rPr lang="en-US" baseline="0" dirty="0" err="1" smtClean="0"/>
+                        <a:t>Viel</a:t>
+                      </a:r>
+                      <a:r>
+                        <a:rPr lang="en-US" baseline="0" dirty="0" smtClean="0"/>
+                        <a:t> </a:t>
+                      </a:r>
+                      <a:r>
+                        <a:rPr lang="en-US" baseline="0" dirty="0" err="1" smtClean="0"/>
+                        <a:t>eingesetzt</a:t>
+                      </a:r>
+                      <a:endParaRPr lang="en-US" dirty="0"/>
+                    </a:p>
+                  </a:txBody>
+                  <a:tcPr/>
+                </a:tc>
+                <a:tc>
+                  <a:txBody>
+                    <a:bodyPr/>
+                    <a:lstStyle/>
+                    <a:p>
+                      <a:r>
+                        <a:rPr lang="en-US" baseline="0" dirty="0" err="1" smtClean="0"/>
+                        <a:t>komplizierteres</a:t>
+                      </a:r>
+                      <a:r>
+                        <a:rPr lang="en-US" baseline="0" dirty="0" smtClean="0"/>
+                        <a:t> API, </a:t>
+                      </a:r>
+                      <a:r>
+                        <a:rPr lang="en-US" baseline="0" dirty="0" err="1" smtClean="0"/>
+                        <a:t>viele</a:t>
+                      </a:r>
+                      <a:r>
+                        <a:rPr lang="en-US" baseline="0" dirty="0" smtClean="0"/>
+                        <a:t> Features, </a:t>
+                      </a:r>
+                      <a:r>
+                        <a:rPr lang="en-US" baseline="0" dirty="0" err="1" smtClean="0"/>
+                        <a:t>Keine</a:t>
+                      </a:r>
+                      <a:r>
+                        <a:rPr lang="en-US" baseline="0" dirty="0" smtClean="0"/>
+                        <a:t> </a:t>
+                      </a:r>
+                      <a:r>
+                        <a:rPr lang="en-US" baseline="0" dirty="0" err="1" smtClean="0"/>
+                        <a:t>fertige</a:t>
+                      </a:r>
+                      <a:r>
+                        <a:rPr lang="en-US" baseline="0" dirty="0" smtClean="0"/>
+                        <a:t> </a:t>
+                      </a:r>
+                      <a:r>
+                        <a:rPr lang="en-US" baseline="0" dirty="0" err="1" smtClean="0"/>
+                        <a:t>Implementierung</a:t>
+                      </a:r>
+                      <a:r>
+                        <a:rPr lang="en-US" baseline="0" dirty="0" smtClean="0"/>
+                        <a:t> </a:t>
+                      </a:r>
+                      <a:r>
+                        <a:rPr lang="en-US" baseline="0" dirty="0" err="1" smtClean="0"/>
+                        <a:t>für</a:t>
+                      </a:r>
+                      <a:r>
+                        <a:rPr lang="en-US" baseline="0" dirty="0" smtClean="0"/>
+                        <a:t> Embedded</a:t>
+                      </a:r>
+                      <a:endParaRPr lang="en-US" dirty="0"/>
+                    </a:p>
+                  </a:txBody>
+                  <a:tcPr/>
+                </a:tc>
+              </a:tr>
+              <a:tr h="370840">
+                <a:tc>
+                  <a:txBody>
+                    <a:bodyPr/>
+                    <a:lstStyle/>
+                    <a:p>
+                      <a:r>
+                        <a:rPr lang="en-US" b="1" dirty="0" smtClean="0"/>
+                        <a:t>Thrift</a:t>
+                      </a:r>
+                      <a:endParaRPr lang="en-US" dirty="0"/>
+                    </a:p>
+                  </a:txBody>
+                  <a:tcPr/>
+                </a:tc>
+                <a:tc>
+                  <a:txBody>
+                    <a:bodyPr/>
+                    <a:lstStyle/>
+                    <a:p>
+                      <a:r>
+                        <a:rPr lang="en-US" dirty="0" smtClean="0"/>
+                        <a:t>IDL, </a:t>
+                      </a:r>
+                      <a:r>
+                        <a:rPr lang="en-US" dirty="0" err="1" smtClean="0"/>
+                        <a:t>Codegenerierung</a:t>
+                      </a:r>
+                      <a:r>
+                        <a:rPr lang="en-US" dirty="0" smtClean="0"/>
+                        <a:t>, Encoding </a:t>
+                      </a:r>
+                      <a:r>
+                        <a:rPr lang="en-US" dirty="0" err="1" smtClean="0"/>
+                        <a:t>Binär</a:t>
+                      </a:r>
+                      <a:r>
+                        <a:rPr lang="en-US" dirty="0" smtClean="0"/>
+                        <a:t> </a:t>
+                      </a:r>
+                      <a:r>
+                        <a:rPr lang="en-US" dirty="0" err="1" smtClean="0"/>
+                        <a:t>oder</a:t>
+                      </a:r>
+                      <a:r>
+                        <a:rPr lang="en-US" dirty="0" smtClean="0"/>
+                        <a:t> JSON</a:t>
+                      </a:r>
+                      <a:endParaRPr lang="en-US" dirty="0"/>
+                    </a:p>
+                  </a:txBody>
+                  <a:tcPr/>
+                </a:tc>
+                <a:tc>
+                  <a:txBody>
+                    <a:bodyPr/>
+                    <a:lstStyle/>
+                    <a:p>
+                      <a:r>
+                        <a:rPr lang="en-US" dirty="0" err="1" smtClean="0"/>
+                        <a:t>Keine</a:t>
+                      </a:r>
+                      <a:r>
+                        <a:rPr lang="en-US" dirty="0" smtClean="0"/>
+                        <a:t> </a:t>
+                      </a:r>
+                      <a:r>
+                        <a:rPr lang="en-US" dirty="0" err="1" smtClean="0"/>
+                        <a:t>Dokumentation</a:t>
+                      </a:r>
+                      <a:r>
+                        <a:rPr lang="en-US" dirty="0" smtClean="0"/>
+                        <a:t>, </a:t>
+                      </a:r>
+                      <a:r>
+                        <a:rPr lang="en-US" dirty="0" err="1" smtClean="0"/>
+                        <a:t>geschlossene</a:t>
+                      </a:r>
+                      <a:r>
+                        <a:rPr lang="en-US" dirty="0" smtClean="0"/>
+                        <a:t> </a:t>
+                      </a:r>
+                      <a:r>
+                        <a:rPr lang="en-US" dirty="0" err="1" smtClean="0"/>
+                        <a:t>Entwicklung</a:t>
+                      </a:r>
+                      <a:r>
+                        <a:rPr lang="en-US" dirty="0" smtClean="0"/>
+                        <a:t>, </a:t>
+                      </a:r>
+                      <a:r>
+                        <a:rPr lang="en-US" dirty="0" err="1" smtClean="0"/>
+                        <a:t>keine</a:t>
+                      </a:r>
+                      <a:r>
+                        <a:rPr lang="en-US" dirty="0" smtClean="0"/>
+                        <a:t> </a:t>
+                      </a:r>
+                      <a:r>
+                        <a:rPr lang="en-US" dirty="0" err="1" smtClean="0"/>
+                        <a:t>Verschlüsselung</a:t>
+                      </a:r>
+                      <a:endParaRPr lang="en-US" dirty="0"/>
+                    </a:p>
+                  </a:txBody>
+                  <a:tcPr/>
+                </a:tc>
+              </a:tr>
+              <a:tr h="370840">
+                <a:tc>
+                  <a:txBody>
+                    <a:bodyPr/>
+                    <a:lstStyle/>
+                    <a:p>
+                      <a:r>
+                        <a:rPr lang="en-US" b="1" dirty="0" smtClean="0"/>
+                        <a:t>Hessian</a:t>
+                      </a:r>
+                      <a:endParaRPr lang="en-US" b="1" dirty="0"/>
+                    </a:p>
+                  </a:txBody>
+                  <a:tcPr/>
+                </a:tc>
+                <a:tc>
+                  <a:txBody>
+                    <a:bodyPr/>
+                    <a:lstStyle/>
+                    <a:p>
+                      <a:r>
+                        <a:rPr lang="en-US" dirty="0" err="1" smtClean="0"/>
+                        <a:t>Binär</a:t>
+                      </a:r>
+                      <a:r>
+                        <a:rPr lang="en-US" dirty="0" smtClean="0"/>
+                        <a:t>, </a:t>
+                      </a:r>
+                      <a:r>
+                        <a:rPr lang="en-US" dirty="0" err="1" smtClean="0"/>
+                        <a:t>als</a:t>
+                      </a:r>
+                      <a:r>
+                        <a:rPr lang="en-US" dirty="0" smtClean="0"/>
+                        <a:t> HTTP Payload, hat </a:t>
+                      </a:r>
+                      <a:r>
+                        <a:rPr lang="en-US" dirty="0" err="1" smtClean="0"/>
+                        <a:t>Implementierungen</a:t>
+                      </a:r>
+                      <a:r>
+                        <a:rPr lang="en-US" dirty="0" smtClean="0"/>
+                        <a:t> </a:t>
+                      </a:r>
+                      <a:r>
+                        <a:rPr lang="en-US" dirty="0" err="1" smtClean="0"/>
+                        <a:t>für</a:t>
+                      </a:r>
+                      <a:r>
+                        <a:rPr lang="en-US" baseline="0" dirty="0" smtClean="0"/>
+                        <a:t> Android + </a:t>
+                      </a:r>
+                      <a:r>
+                        <a:rPr lang="en-US" baseline="0" dirty="0" err="1" smtClean="0"/>
+                        <a:t>iOS</a:t>
+                      </a:r>
+                      <a:r>
+                        <a:rPr lang="en-US" baseline="0" dirty="0" smtClean="0"/>
+                        <a:t>, </a:t>
+                      </a:r>
+                      <a:r>
+                        <a:rPr lang="en-US" baseline="0" dirty="0" err="1" smtClean="0"/>
+                        <a:t>viel</a:t>
+                      </a:r>
+                      <a:r>
+                        <a:rPr lang="en-US" baseline="0" dirty="0" smtClean="0"/>
+                        <a:t> </a:t>
+                      </a:r>
+                      <a:r>
+                        <a:rPr lang="en-US" baseline="0" dirty="0" err="1" smtClean="0"/>
+                        <a:t>eingesetzt</a:t>
+                      </a:r>
+                      <a:endParaRPr lang="en-US" dirty="0"/>
+                    </a:p>
+                  </a:txBody>
+                  <a:tcPr/>
+                </a:tc>
+                <a:tc>
+                  <a:txBody>
+                    <a:bodyPr/>
+                    <a:lstStyle/>
+                    <a:p>
+                      <a:r>
+                        <a:rPr lang="en-US" dirty="0" err="1" smtClean="0"/>
+                        <a:t>Schlechte</a:t>
+                      </a:r>
+                      <a:r>
+                        <a:rPr lang="en-US" dirty="0" smtClean="0"/>
+                        <a:t> </a:t>
+                      </a:r>
+                      <a:r>
+                        <a:rPr lang="en-US" dirty="0" err="1" smtClean="0"/>
+                        <a:t>Doku</a:t>
+                      </a:r>
+                      <a:r>
+                        <a:rPr lang="en-US" dirty="0" smtClean="0"/>
+                        <a:t>, </a:t>
+                      </a:r>
+                      <a:r>
+                        <a:rPr lang="en-US" dirty="0" err="1" smtClean="0"/>
+                        <a:t>keine</a:t>
+                      </a:r>
+                      <a:r>
+                        <a:rPr lang="en-US" dirty="0" smtClean="0"/>
+                        <a:t> IDL, </a:t>
+                      </a:r>
+                      <a:r>
+                        <a:rPr lang="en-US" dirty="0" err="1" smtClean="0"/>
+                        <a:t>keine</a:t>
+                      </a:r>
+                      <a:r>
+                        <a:rPr lang="en-US" dirty="0" smtClean="0"/>
+                        <a:t> </a:t>
+                      </a:r>
+                      <a:r>
+                        <a:rPr lang="en-US" dirty="0" err="1" smtClean="0"/>
+                        <a:t>Codegenerierung</a:t>
+                      </a:r>
+                      <a:endParaRPr lang="en-US" dirty="0"/>
+                    </a:p>
+                  </a:txBody>
+                  <a:tcPr/>
+                </a:tc>
+              </a:tr>
+              <a:tr h="370840">
+                <a:tc>
+                  <a:txBody>
+                    <a:bodyPr/>
+                    <a:lstStyle/>
+                    <a:p>
+                      <a:r>
+                        <a:rPr lang="en-US" b="1" dirty="0" smtClean="0"/>
+                        <a:t>JSON</a:t>
+                      </a:r>
+                      <a:endParaRPr lang="en-US" b="1" dirty="0"/>
+                    </a:p>
+                  </a:txBody>
+                  <a:tcPr/>
+                </a:tc>
+                <a:tc>
+                  <a:txBody>
+                    <a:bodyPr/>
+                    <a:lstStyle/>
+                    <a:p>
+                      <a:r>
+                        <a:rPr lang="en-US" dirty="0" err="1" smtClean="0"/>
+                        <a:t>Einfach</a:t>
+                      </a:r>
+                      <a:r>
+                        <a:rPr lang="en-US" dirty="0" smtClean="0"/>
+                        <a:t>,</a:t>
+                      </a:r>
+                      <a:r>
+                        <a:rPr lang="en-US" baseline="0" dirty="0" smtClean="0"/>
+                        <a:t> </a:t>
+                      </a:r>
+                      <a:r>
+                        <a:rPr lang="en-US" baseline="0" dirty="0" err="1" smtClean="0"/>
+                        <a:t>beliebt</a:t>
+                      </a:r>
+                      <a:endParaRPr lang="en-US" dirty="0"/>
+                    </a:p>
+                  </a:txBody>
+                  <a:tcPr/>
+                </a:tc>
+                <a:tc>
+                  <a:txBody>
+                    <a:bodyPr/>
+                    <a:lstStyle/>
+                    <a:p>
+                      <a:r>
+                        <a:rPr lang="en-US" smtClean="0"/>
+                        <a:t>Größere</a:t>
+                      </a:r>
+                      <a:r>
+                        <a:rPr lang="en-US" baseline="0" smtClean="0"/>
+                        <a:t> Datenmenge als bei anderen Protokollen, kein “Standard”-Framework</a:t>
+                      </a:r>
+                      <a:endParaRPr lang="en-US" dirty="0"/>
+                    </a:p>
+                  </a:txBody>
+                  <a:tcPr/>
+                </a:tc>
+              </a:tr>
+            </a:tbl>
+          </a:graphicData>
+        </a:graphic>
+      </p:graphicFrame>
       <p:sp>
         <p:nvSpPr>
           <p:cNvPr id="4" name="Footer Placeholder 3"/>
@@ -6527,10 +7250,136 @@
           </a:p>
         </p:txBody>
       </p:sp>
+      <p:sp>
+        <p:nvSpPr>
+          <p:cNvPr id="7" name="Cross 6"/>
+          <p:cNvSpPr/>
+          <p:nvPr/>
+        </p:nvSpPr>
+        <p:spPr bwMode="auto">
+          <a:xfrm>
+            <a:off x="3488788" y="1378631"/>
+            <a:ext cx="661181" cy="618978"/>
+          </a:xfrm>
+          <a:prstGeom prst="plus">
+            <a:avLst>
+              <a:gd name="adj" fmla="val 38637"/>
+            </a:avLst>
+          </a:prstGeom>
+          <a:solidFill>
+            <a:srgbClr val="92D050"/>
+          </a:solidFill>
+          <a:ln w="9525" cap="flat" cmpd="sng" algn="ctr">
+            <a:solidFill>
+              <a:schemeClr val="tx1"/>
+            </a:solidFill>
+            <a:prstDash val="solid"/>
+            <a:round/>
+            <a:headEnd type="none" w="med" len="med"/>
+            <a:tailEnd type="none" w="med" len="med"/>
+          </a:ln>
+          <a:effectLst/>
+        </p:spPr>
+        <p:txBody>
+          <a:bodyPr vert="horz" wrap="none" lIns="91440" tIns="45720" rIns="91440" bIns="45720" numCol="1" rtlCol="0" anchor="ctr" anchorCtr="0" compatLnSpc="1">
+            <a:prstTxWarp prst="textNoShape">
+              <a:avLst/>
+            </a:prstTxWarp>
+          </a:bodyPr>
+          <a:lstStyle/>
+          <a:p>
+            <a:pPr marL="0" marR="0" indent="0" algn="ctr" defTabSz="914400" rtl="0" eaLnBrk="1" fontAlgn="base" latinLnBrk="0" hangingPunct="1">
+              <a:lnSpc>
+                <a:spcPct val="100000"/>
+              </a:lnSpc>
+              <a:spcBef>
+                <a:spcPct val="0"/>
+              </a:spcBef>
+              <a:spcAft>
+                <a:spcPct val="0"/>
+              </a:spcAft>
+              <a:buClrTx/>
+              <a:buSzTx/>
+              <a:buFontTx/>
+              <a:buNone/>
+              <a:tabLst/>
+            </a:pPr>
+            <a:endParaRPr kumimoji="0" lang="en-US" sz="1800" b="0" i="0" u="none" strike="noStrike" cap="none" normalizeH="0" baseline="0" smtClean="0">
+              <a:ln>
+                <a:noFill/>
+              </a:ln>
+              <a:effectLst/>
+              <a:latin typeface="Verdana" pitchFamily="34" charset="0"/>
+            </a:endParaRPr>
+          </a:p>
+        </p:txBody>
+      </p:sp>
+      <p:sp>
+        <p:nvSpPr>
+          <p:cNvPr id="8" name="Lightning Bolt 7"/>
+          <p:cNvSpPr/>
+          <p:nvPr/>
+        </p:nvSpPr>
+        <p:spPr bwMode="auto">
+          <a:xfrm>
+            <a:off x="6457071" y="1420837"/>
+            <a:ext cx="618978" cy="548640"/>
+          </a:xfrm>
+          <a:prstGeom prst="lightningBolt">
+            <a:avLst/>
+          </a:prstGeom>
+          <a:solidFill>
+            <a:schemeClr val="accent1"/>
+          </a:solidFill>
+          <a:ln w="9525" cap="flat" cmpd="sng" algn="ctr">
+            <a:solidFill>
+              <a:schemeClr val="tx1"/>
+            </a:solidFill>
+            <a:prstDash val="solid"/>
+            <a:round/>
+            <a:headEnd type="none" w="med" len="med"/>
+            <a:tailEnd type="none" w="med" len="med"/>
+          </a:ln>
+          <a:effectLst/>
+        </p:spPr>
+        <p:txBody>
+          <a:bodyPr vert="horz" wrap="none" lIns="91440" tIns="45720" rIns="91440" bIns="45720" numCol="1" rtlCol="0" anchor="ctr" anchorCtr="0" compatLnSpc="1">
+            <a:prstTxWarp prst="textNoShape">
+              <a:avLst/>
+            </a:prstTxWarp>
+          </a:bodyPr>
+          <a:lstStyle/>
+          <a:p>
+            <a:pPr marL="0" marR="0" indent="0" algn="ctr" defTabSz="914400" rtl="0" eaLnBrk="1" fontAlgn="base" latinLnBrk="0" hangingPunct="1">
+              <a:lnSpc>
+                <a:spcPct val="100000"/>
+              </a:lnSpc>
+              <a:spcBef>
+                <a:spcPct val="0"/>
+              </a:spcBef>
+              <a:spcAft>
+                <a:spcPct val="0"/>
+              </a:spcAft>
+              <a:buClrTx/>
+              <a:buSzTx/>
+              <a:buFontTx/>
+              <a:buNone/>
+              <a:tabLst/>
+            </a:pPr>
+            <a:endParaRPr kumimoji="0" lang="en-US" sz="1800" b="0" i="0" u="none" strike="noStrike" cap="none" normalizeH="0" baseline="0" smtClean="0">
+              <a:ln>
+                <a:noFill/>
+              </a:ln>
+              <a:effectLst/>
+              <a:latin typeface="Verdana" pitchFamily="34" charset="0"/>
+            </a:endParaRPr>
+          </a:p>
+        </p:txBody>
+      </p:sp>
     </p:spTree>
     <p:extLst>
       <p:ext uri="{BB962C8B-B14F-4D97-AF65-F5344CB8AC3E}">
-        <p14:creationId xmlns:p14="http://schemas.microsoft.com/office/powerpoint/2010/main" val="480089758"/>
+        <p14:creationId xmlns:p14="http://schemas.microsoft.com/office/powerpoint/2010/main" xmlns="" val="480089758"/>
       </p:ext>
     </p:extLst>
   </p:cSld>
@@ -6574,52 +7423,501 @@
           <a:p>
             <a:r>
               <a:rPr lang="en-US" noProof="1" smtClean="0"/>
-              <a:t>Server API Version 1</a:t>
+              <a:t>Diskussion – </a:t>
+            </a:r>
+            <a:r>
+              <a:rPr lang="en-US" noProof="1" smtClean="0"/>
+              <a:t>Das Wire-Protocol</a:t>
             </a:r>
             <a:endParaRPr lang="en-US" noProof="1"/>
           </a:p>
         </p:txBody>
       </p:sp>
-      <p:sp>
-        <p:nvSpPr>
-          <p:cNvPr id="3" name="Content Placeholder 2"/>
-          <p:cNvSpPr>
-            <a:spLocks noGrp="1"/>
-          </p:cNvSpPr>
+      <p:graphicFrame>
+        <p:nvGraphicFramePr>
+          <p:cNvPr id="6" name="Content Placeholder 5"/>
+          <p:cNvGraphicFramePr>
+            <a:graphicFrameLocks noGrp="1"/>
+          </p:cNvGraphicFramePr>
           <p:nvPr>
             <p:ph idx="1"/>
           </p:nvPr>
-        </p:nvSpPr>
-        <p:spPr/>
-        <p:txBody>
-          <a:bodyPr/>
-          <a:lstStyle/>
-          <a:p>
-            <a:r>
-              <a:rPr lang="en-US" noProof="1" smtClean="0"/>
-              <a:t>[</a:t>
-            </a:r>
-          </a:p>
-          <a:p>
-            <a:r>
-              <a:rPr lang="en-US" noProof="1" smtClean="0"/>
-              <a:t>grobe Beschreibung der API</a:t>
-            </a:r>
-          </a:p>
-          <a:p>
-            <a:r>
-              <a:rPr lang="en-US" noProof="1" smtClean="0"/>
-              <a:t>und des Ablaufs</a:t>
-            </a:r>
-          </a:p>
-          <a:p>
-            <a:r>
-              <a:rPr lang="en-US" noProof="1" smtClean="0"/>
-              <a:t>]</a:t>
-            </a:r>
-          </a:p>
-        </p:txBody>
-      </p:sp>
+        </p:nvGraphicFramePr>
+        <p:xfrm>
+          <a:off x="719138" y="1728788"/>
+          <a:ext cx="8174037" cy="4577080"/>
+        </p:xfrm>
+        <a:graphic>
+          <a:graphicData uri="http://schemas.openxmlformats.org/drawingml/2006/table">
+            <a:tbl>
+              <a:tblPr firstRow="1" bandRow="1">
+                <a:tableStyleId>{2D5ABB26-0587-4C30-8999-92F81FD0307C}</a:tableStyleId>
+              </a:tblPr>
+              <a:tblGrid>
+                <a:gridCol w="1714573"/>
+                <a:gridCol w="2954215"/>
+                <a:gridCol w="3505249"/>
+              </a:tblGrid>
+              <a:tr h="370840">
+                <a:tc>
+                  <a:txBody>
+                    <a:bodyPr/>
+                    <a:lstStyle/>
+                    <a:p>
+                      <a:endParaRPr lang="en-US" dirty="0"/>
+                    </a:p>
+                  </a:txBody>
+                  <a:tcPr/>
+                </a:tc>
+                <a:tc>
+                  <a:txBody>
+                    <a:bodyPr/>
+                    <a:lstStyle/>
+                    <a:p>
+                      <a:endParaRPr lang="en-US"/>
+                    </a:p>
+                  </a:txBody>
+                  <a:tcPr/>
+                </a:tc>
+                <a:tc>
+                  <a:txBody>
+                    <a:bodyPr/>
+                    <a:lstStyle/>
+                    <a:p>
+                      <a:endParaRPr lang="en-US"/>
+                    </a:p>
+                  </a:txBody>
+                  <a:tcPr/>
+                </a:tc>
+              </a:tr>
+              <a:tr h="370840">
+                <a:tc>
+                  <a:txBody>
+                    <a:bodyPr/>
+                    <a:lstStyle/>
+                    <a:p>
+                      <a:r>
+                        <a:rPr lang="en-US" b="1" dirty="0" smtClean="0"/>
+                        <a:t>CORBA</a:t>
+                      </a:r>
+                      <a:endParaRPr lang="en-US" b="1" dirty="0"/>
+                    </a:p>
+                  </a:txBody>
+                  <a:tcPr/>
+                </a:tc>
+                <a:tc>
+                  <a:txBody>
+                    <a:bodyPr/>
+                    <a:lstStyle/>
+                    <a:p>
+                      <a:r>
+                        <a:rPr lang="en-US" dirty="0" smtClean="0"/>
+                        <a:t>IDL,</a:t>
+                      </a:r>
+                      <a:r>
+                        <a:rPr lang="en-US" baseline="0" dirty="0" smtClean="0"/>
+                        <a:t> </a:t>
+                      </a:r>
+                      <a:r>
+                        <a:rPr lang="en-US" baseline="0" dirty="0" err="1" smtClean="0"/>
+                        <a:t>Codegenerierung</a:t>
+                      </a:r>
+                      <a:r>
+                        <a:rPr lang="en-US" baseline="0" dirty="0" smtClean="0"/>
+                        <a:t>, </a:t>
+                      </a:r>
+                      <a:r>
+                        <a:rPr lang="en-US" baseline="0" dirty="0" err="1" smtClean="0"/>
+                        <a:t>Binär</a:t>
+                      </a:r>
+                      <a:r>
+                        <a:rPr lang="en-US" baseline="0" dirty="0" smtClean="0"/>
+                        <a:t>, </a:t>
+                      </a:r>
+                      <a:r>
+                        <a:rPr lang="en-US" baseline="0" dirty="0" err="1" smtClean="0"/>
+                        <a:t>Viel</a:t>
+                      </a:r>
+                      <a:r>
+                        <a:rPr lang="en-US" baseline="0" dirty="0" smtClean="0"/>
+                        <a:t> </a:t>
+                      </a:r>
+                      <a:r>
+                        <a:rPr lang="en-US" baseline="0" dirty="0" err="1" smtClean="0"/>
+                        <a:t>eingesetzt</a:t>
+                      </a:r>
+                      <a:endParaRPr lang="en-US" dirty="0"/>
+                    </a:p>
+                  </a:txBody>
+                  <a:tcPr/>
+                </a:tc>
+                <a:tc>
+                  <a:txBody>
+                    <a:bodyPr/>
+                    <a:lstStyle/>
+                    <a:p>
+                      <a:r>
+                        <a:rPr lang="en-US" baseline="0" dirty="0" err="1" smtClean="0"/>
+                        <a:t>komplizierteres</a:t>
+                      </a:r>
+                      <a:r>
+                        <a:rPr lang="en-US" baseline="0" dirty="0" smtClean="0"/>
+                        <a:t> API, </a:t>
+                      </a:r>
+                      <a:r>
+                        <a:rPr lang="en-US" baseline="0" dirty="0" err="1" smtClean="0"/>
+                        <a:t>viele</a:t>
+                      </a:r>
+                      <a:r>
+                        <a:rPr lang="en-US" baseline="0" dirty="0" smtClean="0"/>
+                        <a:t> Features, </a:t>
+                      </a:r>
+                      <a:r>
+                        <a:rPr lang="en-US" baseline="0" dirty="0" err="1" smtClean="0"/>
+                        <a:t>Keine</a:t>
+                      </a:r>
+                      <a:r>
+                        <a:rPr lang="en-US" baseline="0" dirty="0" smtClean="0"/>
+                        <a:t> </a:t>
+                      </a:r>
+                      <a:r>
+                        <a:rPr lang="en-US" baseline="0" dirty="0" err="1" smtClean="0"/>
+                        <a:t>fertige</a:t>
+                      </a:r>
+                      <a:r>
+                        <a:rPr lang="en-US" baseline="0" dirty="0" smtClean="0"/>
+                        <a:t> </a:t>
+                      </a:r>
+                      <a:r>
+                        <a:rPr lang="en-US" baseline="0" dirty="0" err="1" smtClean="0"/>
+                        <a:t>Implementierung</a:t>
+                      </a:r>
+                      <a:r>
+                        <a:rPr lang="en-US" baseline="0" dirty="0" smtClean="0"/>
+                        <a:t> </a:t>
+                      </a:r>
+                      <a:r>
+                        <a:rPr lang="en-US" baseline="0" dirty="0" err="1" smtClean="0"/>
+                        <a:t>für</a:t>
+                      </a:r>
+                      <a:r>
+                        <a:rPr lang="en-US" baseline="0" dirty="0" smtClean="0"/>
+                        <a:t> Embedded</a:t>
+                      </a:r>
+                      <a:endParaRPr lang="en-US" dirty="0"/>
+                    </a:p>
+                  </a:txBody>
+                  <a:tcPr/>
+                </a:tc>
+              </a:tr>
+              <a:tr h="370840">
+                <a:tc>
+                  <a:txBody>
+                    <a:bodyPr/>
+                    <a:lstStyle/>
+                    <a:p>
+                      <a:r>
+                        <a:rPr lang="en-US" b="1" dirty="0" smtClean="0"/>
+                        <a:t>Thrift</a:t>
+                      </a:r>
+                      <a:endParaRPr lang="en-US" dirty="0"/>
+                    </a:p>
+                  </a:txBody>
+                  <a:tcPr/>
+                </a:tc>
+                <a:tc>
+                  <a:txBody>
+                    <a:bodyPr/>
+                    <a:lstStyle/>
+                    <a:p>
+                      <a:r>
+                        <a:rPr lang="en-US" dirty="0" smtClean="0"/>
+                        <a:t>IDL, </a:t>
+                      </a:r>
+                      <a:r>
+                        <a:rPr lang="en-US" dirty="0" err="1" smtClean="0"/>
+                        <a:t>Codegenerierung</a:t>
+                      </a:r>
+                      <a:r>
+                        <a:rPr lang="en-US" dirty="0" smtClean="0"/>
+                        <a:t>, Encoding </a:t>
+                      </a:r>
+                      <a:r>
+                        <a:rPr lang="en-US" dirty="0" err="1" smtClean="0"/>
+                        <a:t>Binär</a:t>
+                      </a:r>
+                      <a:r>
+                        <a:rPr lang="en-US" dirty="0" smtClean="0"/>
+                        <a:t> </a:t>
+                      </a:r>
+                      <a:r>
+                        <a:rPr lang="en-US" dirty="0" err="1" smtClean="0"/>
+                        <a:t>oder</a:t>
+                      </a:r>
+                      <a:r>
+                        <a:rPr lang="en-US" dirty="0" smtClean="0"/>
+                        <a:t> JSON</a:t>
+                      </a:r>
+                      <a:endParaRPr lang="en-US" dirty="0"/>
+                    </a:p>
+                  </a:txBody>
+                  <a:tcPr/>
+                </a:tc>
+                <a:tc>
+                  <a:txBody>
+                    <a:bodyPr/>
+                    <a:lstStyle/>
+                    <a:p>
+                      <a:r>
+                        <a:rPr lang="en-US" dirty="0" err="1" smtClean="0"/>
+                        <a:t>Keine</a:t>
+                      </a:r>
+                      <a:r>
+                        <a:rPr lang="en-US" dirty="0" smtClean="0"/>
+                        <a:t> </a:t>
+                      </a:r>
+                      <a:r>
+                        <a:rPr lang="en-US" dirty="0" err="1" smtClean="0"/>
+                        <a:t>Dokumentation</a:t>
+                      </a:r>
+                      <a:r>
+                        <a:rPr lang="en-US" dirty="0" smtClean="0"/>
+                        <a:t>, </a:t>
+                      </a:r>
+                      <a:r>
+                        <a:rPr lang="en-US" dirty="0" err="1" smtClean="0"/>
+                        <a:t>geschlossene</a:t>
+                      </a:r>
+                      <a:r>
+                        <a:rPr lang="en-US" dirty="0" smtClean="0"/>
+                        <a:t> </a:t>
+                      </a:r>
+                      <a:r>
+                        <a:rPr lang="en-US" dirty="0" err="1" smtClean="0"/>
+                        <a:t>Entwicklung</a:t>
+                      </a:r>
+                      <a:r>
+                        <a:rPr lang="en-US" dirty="0" smtClean="0"/>
+                        <a:t>, </a:t>
+                      </a:r>
+                      <a:r>
+                        <a:rPr lang="en-US" dirty="0" err="1" smtClean="0"/>
+                        <a:t>keine</a:t>
+                      </a:r>
+                      <a:r>
+                        <a:rPr lang="en-US" dirty="0" smtClean="0"/>
+                        <a:t> </a:t>
+                      </a:r>
+                      <a:r>
+                        <a:rPr lang="en-US" dirty="0" err="1" smtClean="0"/>
+                        <a:t>Verschlüsselung</a:t>
+                      </a:r>
+                      <a:endParaRPr lang="en-US" dirty="0"/>
+                    </a:p>
+                  </a:txBody>
+                  <a:tcPr/>
+                </a:tc>
+              </a:tr>
+              <a:tr h="370840">
+                <a:tc>
+                  <a:txBody>
+                    <a:bodyPr/>
+                    <a:lstStyle/>
+                    <a:p>
+                      <a:r>
+                        <a:rPr lang="en-US" b="1" dirty="0" smtClean="0"/>
+                        <a:t>Hessian</a:t>
+                      </a:r>
+                      <a:endParaRPr lang="en-US" b="1" dirty="0"/>
+                    </a:p>
+                  </a:txBody>
+                  <a:tcPr>
+                    <a:solidFill>
+                      <a:srgbClr val="FFC000"/>
+                    </a:solidFill>
+                  </a:tcPr>
+                </a:tc>
+                <a:tc>
+                  <a:txBody>
+                    <a:bodyPr/>
+                    <a:lstStyle/>
+                    <a:p>
+                      <a:r>
+                        <a:rPr lang="en-US" dirty="0" err="1" smtClean="0"/>
+                        <a:t>Binär</a:t>
+                      </a:r>
+                      <a:r>
+                        <a:rPr lang="en-US" dirty="0" smtClean="0"/>
+                        <a:t>, </a:t>
+                      </a:r>
+                      <a:r>
+                        <a:rPr lang="en-US" dirty="0" err="1" smtClean="0"/>
+                        <a:t>als</a:t>
+                      </a:r>
+                      <a:r>
+                        <a:rPr lang="en-US" dirty="0" smtClean="0"/>
+                        <a:t> HTTP Payload, hat </a:t>
+                      </a:r>
+                      <a:r>
+                        <a:rPr lang="en-US" dirty="0" err="1" smtClean="0"/>
+                        <a:t>Implementierungen</a:t>
+                      </a:r>
+                      <a:r>
+                        <a:rPr lang="en-US" dirty="0" smtClean="0"/>
+                        <a:t> </a:t>
+                      </a:r>
+                      <a:r>
+                        <a:rPr lang="en-US" dirty="0" err="1" smtClean="0"/>
+                        <a:t>für</a:t>
+                      </a:r>
+                      <a:r>
+                        <a:rPr lang="en-US" baseline="0" dirty="0" smtClean="0"/>
+                        <a:t> Android + </a:t>
+                      </a:r>
+                      <a:r>
+                        <a:rPr lang="en-US" baseline="0" dirty="0" err="1" smtClean="0"/>
+                        <a:t>iOS</a:t>
+                      </a:r>
+                      <a:r>
+                        <a:rPr lang="en-US" baseline="0" dirty="0" smtClean="0"/>
+                        <a:t>, </a:t>
+                      </a:r>
+                      <a:r>
+                        <a:rPr lang="en-US" baseline="0" dirty="0" err="1" smtClean="0"/>
+                        <a:t>viel</a:t>
+                      </a:r>
+                      <a:r>
+                        <a:rPr lang="en-US" baseline="0" dirty="0" smtClean="0"/>
+                        <a:t> </a:t>
+                      </a:r>
+                      <a:r>
+                        <a:rPr lang="en-US" baseline="0" dirty="0" err="1" smtClean="0"/>
+                        <a:t>eingesetzt</a:t>
+                      </a:r>
+                      <a:endParaRPr lang="en-US" dirty="0"/>
+                    </a:p>
+                  </a:txBody>
+                  <a:tcPr>
+                    <a:solidFill>
+                      <a:srgbClr val="FFC000"/>
+                    </a:solidFill>
+                  </a:tcPr>
+                </a:tc>
+                <a:tc>
+                  <a:txBody>
+                    <a:bodyPr/>
+                    <a:lstStyle/>
+                    <a:p>
+                      <a:r>
+                        <a:rPr lang="en-US" dirty="0" err="1" smtClean="0"/>
+                        <a:t>Schlechte</a:t>
+                      </a:r>
+                      <a:r>
+                        <a:rPr lang="en-US" dirty="0" smtClean="0"/>
+                        <a:t> </a:t>
+                      </a:r>
+                      <a:r>
+                        <a:rPr lang="en-US" dirty="0" err="1" smtClean="0"/>
+                        <a:t>Doku</a:t>
+                      </a:r>
+                      <a:r>
+                        <a:rPr lang="en-US" dirty="0" smtClean="0"/>
+                        <a:t>, </a:t>
+                      </a:r>
+                      <a:r>
+                        <a:rPr lang="en-US" dirty="0" err="1" smtClean="0"/>
+                        <a:t>keine</a:t>
+                      </a:r>
+                      <a:r>
+                        <a:rPr lang="en-US" dirty="0" smtClean="0"/>
+                        <a:t> IDL, </a:t>
+                      </a:r>
+                      <a:r>
+                        <a:rPr lang="en-US" dirty="0" err="1" smtClean="0"/>
+                        <a:t>keine</a:t>
+                      </a:r>
+                      <a:r>
+                        <a:rPr lang="en-US" dirty="0" smtClean="0"/>
+                        <a:t> </a:t>
+                      </a:r>
+                      <a:r>
+                        <a:rPr lang="en-US" dirty="0" err="1" smtClean="0"/>
+                        <a:t>Codegenerierung</a:t>
+                      </a:r>
+                      <a:endParaRPr lang="en-US" dirty="0"/>
+                    </a:p>
+                  </a:txBody>
+                  <a:tcPr>
+                    <a:solidFill>
+                      <a:srgbClr val="FFC000"/>
+                    </a:solidFill>
+                  </a:tcPr>
+                </a:tc>
+              </a:tr>
+              <a:tr h="370840">
+                <a:tc>
+                  <a:txBody>
+                    <a:bodyPr/>
+                    <a:lstStyle/>
+                    <a:p>
+                      <a:r>
+                        <a:rPr lang="en-US" b="1" dirty="0" smtClean="0"/>
+                        <a:t>JSON</a:t>
+                      </a:r>
+                      <a:endParaRPr lang="en-US" b="1" dirty="0"/>
+                    </a:p>
+                  </a:txBody>
+                  <a:tcPr/>
+                </a:tc>
+                <a:tc>
+                  <a:txBody>
+                    <a:bodyPr/>
+                    <a:lstStyle/>
+                    <a:p>
+                      <a:r>
+                        <a:rPr lang="en-US" dirty="0" err="1" smtClean="0"/>
+                        <a:t>Einfach</a:t>
+                      </a:r>
+                      <a:r>
+                        <a:rPr lang="en-US" dirty="0" smtClean="0"/>
+                        <a:t>,</a:t>
+                      </a:r>
+                      <a:r>
+                        <a:rPr lang="en-US" baseline="0" dirty="0" smtClean="0"/>
+                        <a:t> </a:t>
+                      </a:r>
+                      <a:r>
+                        <a:rPr lang="en-US" baseline="0" dirty="0" err="1" smtClean="0"/>
+                        <a:t>beliebt</a:t>
+                      </a:r>
+                      <a:endParaRPr lang="en-US" dirty="0"/>
+                    </a:p>
+                  </a:txBody>
+                  <a:tcPr/>
+                </a:tc>
+                <a:tc>
+                  <a:txBody>
+                    <a:bodyPr/>
+                    <a:lstStyle/>
+                    <a:p>
+                      <a:r>
+                        <a:rPr lang="en-US" smtClean="0"/>
+                        <a:t>Größere</a:t>
+                      </a:r>
+                      <a:r>
+                        <a:rPr lang="en-US" baseline="0" smtClean="0"/>
+                        <a:t> Datenmenge als bei anderen Protokollen, kein “Standard”-Framework</a:t>
+                      </a:r>
+                      <a:endParaRPr lang="en-US" dirty="0"/>
+                    </a:p>
+                  </a:txBody>
+                  <a:tcPr/>
+                </a:tc>
+              </a:tr>
+            </a:tbl>
+          </a:graphicData>
+        </a:graphic>
+      </p:graphicFrame>
       <p:sp>
         <p:nvSpPr>
           <p:cNvPr id="4" name="Footer Placeholder 3"/>
@@ -6667,10 +7965,276 @@
           </a:p>
         </p:txBody>
       </p:sp>
+      <p:sp>
+        <p:nvSpPr>
+          <p:cNvPr id="7" name="Cross 6"/>
+          <p:cNvSpPr/>
+          <p:nvPr/>
+        </p:nvSpPr>
+        <p:spPr bwMode="auto">
+          <a:xfrm>
+            <a:off x="3488788" y="1378631"/>
+            <a:ext cx="661181" cy="618978"/>
+          </a:xfrm>
+          <a:prstGeom prst="plus">
+            <a:avLst>
+              <a:gd name="adj" fmla="val 38637"/>
+            </a:avLst>
+          </a:prstGeom>
+          <a:solidFill>
+            <a:srgbClr val="92D050"/>
+          </a:solidFill>
+          <a:ln w="9525" cap="flat" cmpd="sng" algn="ctr">
+            <a:solidFill>
+              <a:schemeClr val="tx1"/>
+            </a:solidFill>
+            <a:prstDash val="solid"/>
+            <a:round/>
+            <a:headEnd type="none" w="med" len="med"/>
+            <a:tailEnd type="none" w="med" len="med"/>
+          </a:ln>
+          <a:effectLst/>
+        </p:spPr>
+        <p:txBody>
+          <a:bodyPr vert="horz" wrap="none" lIns="91440" tIns="45720" rIns="91440" bIns="45720" numCol="1" rtlCol="0" anchor="ctr" anchorCtr="0" compatLnSpc="1">
+            <a:prstTxWarp prst="textNoShape">
+              <a:avLst/>
+            </a:prstTxWarp>
+          </a:bodyPr>
+          <a:lstStyle/>
+          <a:p>
+            <a:pPr marL="0" marR="0" indent="0" algn="ctr" defTabSz="914400" rtl="0" eaLnBrk="1" fontAlgn="base" latinLnBrk="0" hangingPunct="1">
+              <a:lnSpc>
+                <a:spcPct val="100000"/>
+              </a:lnSpc>
+              <a:spcBef>
+                <a:spcPct val="0"/>
+              </a:spcBef>
+              <a:spcAft>
+                <a:spcPct val="0"/>
+              </a:spcAft>
+              <a:buClrTx/>
+              <a:buSzTx/>
+              <a:buFontTx/>
+              <a:buNone/>
+              <a:tabLst/>
+            </a:pPr>
+            <a:endParaRPr kumimoji="0" lang="en-US" sz="1800" b="0" i="0" u="none" strike="noStrike" cap="none" normalizeH="0" baseline="0" smtClean="0">
+              <a:ln>
+                <a:noFill/>
+              </a:ln>
+              <a:effectLst/>
+              <a:latin typeface="Verdana" pitchFamily="34" charset="0"/>
+            </a:endParaRPr>
+          </a:p>
+        </p:txBody>
+      </p:sp>
+      <p:sp>
+        <p:nvSpPr>
+          <p:cNvPr id="8" name="Lightning Bolt 7"/>
+          <p:cNvSpPr/>
+          <p:nvPr/>
+        </p:nvSpPr>
+        <p:spPr bwMode="auto">
+          <a:xfrm>
+            <a:off x="6457071" y="1420837"/>
+            <a:ext cx="618978" cy="548640"/>
+          </a:xfrm>
+          <a:prstGeom prst="lightningBolt">
+            <a:avLst/>
+          </a:prstGeom>
+          <a:solidFill>
+            <a:schemeClr val="accent1"/>
+          </a:solidFill>
+          <a:ln w="9525" cap="flat" cmpd="sng" algn="ctr">
+            <a:solidFill>
+              <a:schemeClr val="tx1"/>
+            </a:solidFill>
+            <a:prstDash val="solid"/>
+            <a:round/>
+            <a:headEnd type="none" w="med" len="med"/>
+            <a:tailEnd type="none" w="med" len="med"/>
+          </a:ln>
+          <a:effectLst/>
+        </p:spPr>
+        <p:txBody>
+          <a:bodyPr vert="horz" wrap="none" lIns="91440" tIns="45720" rIns="91440" bIns="45720" numCol="1" rtlCol="0" anchor="ctr" anchorCtr="0" compatLnSpc="1">
+            <a:prstTxWarp prst="textNoShape">
+              <a:avLst/>
+            </a:prstTxWarp>
+          </a:bodyPr>
+          <a:lstStyle/>
+          <a:p>
+            <a:pPr marL="0" marR="0" indent="0" algn="ctr" defTabSz="914400" rtl="0" eaLnBrk="1" fontAlgn="base" latinLnBrk="0" hangingPunct="1">
+              <a:lnSpc>
+                <a:spcPct val="100000"/>
+              </a:lnSpc>
+              <a:spcBef>
+                <a:spcPct val="0"/>
+              </a:spcBef>
+              <a:spcAft>
+                <a:spcPct val="0"/>
+              </a:spcAft>
+              <a:buClrTx/>
+              <a:buSzTx/>
+              <a:buFontTx/>
+              <a:buNone/>
+              <a:tabLst/>
+            </a:pPr>
+            <a:endParaRPr kumimoji="0" lang="en-US" sz="1800" b="0" i="0" u="none" strike="noStrike" cap="none" normalizeH="0" baseline="0" smtClean="0">
+              <a:ln>
+                <a:noFill/>
+              </a:ln>
+              <a:effectLst/>
+              <a:latin typeface="Verdana" pitchFamily="34" charset="0"/>
+            </a:endParaRPr>
+          </a:p>
+        </p:txBody>
+      </p:sp>
     </p:spTree>
     <p:extLst>
       <p:ext uri="{BB962C8B-B14F-4D97-AF65-F5344CB8AC3E}">
-        <p14:creationId xmlns:p14="http://schemas.microsoft.com/office/powerpoint/2010/main" val="1623943854"/>
+        <p14:creationId xmlns:p14="http://schemas.microsoft.com/office/powerpoint/2010/main" xmlns="" val="480089758"/>
+      </p:ext>
+    </p:extLst>
+  </p:cSld>
+  <p:clrMapOvr>
+    <a:masterClrMapping/>
+  </p:clrMapOvr>
+</p:sld>
+</file>
+
+<file path=ppt/slides/slide9.xml><?xml version="1.0" encoding="utf-8"?>
+<p:sld xmlns:a="http://schemas.openxmlformats.org/drawingml/2006/main" xmlns:r="http://schemas.openxmlformats.org/officeDocument/2006/relationships" xmlns:p="http://schemas.openxmlformats.org/presentationml/2006/main">
+  <p:cSld>
+    <p:spTree>
+      <p:nvGrpSpPr>
+        <p:cNvPr id="1" name=""/>
+        <p:cNvGrpSpPr/>
+        <p:nvPr/>
+      </p:nvGrpSpPr>
+      <p:grpSpPr>
+        <a:xfrm>
+          <a:off x="0" y="0"/>
+          <a:ext cx="0" cy="0"/>
+          <a:chOff x="0" y="0"/>
+          <a:chExt cx="0" cy="0"/>
+        </a:xfrm>
+      </p:grpSpPr>
+      <p:sp>
+        <p:nvSpPr>
+          <p:cNvPr id="2" name="Title 1"/>
+          <p:cNvSpPr>
+            <a:spLocks noGrp="1"/>
+          </p:cNvSpPr>
+          <p:nvPr>
+            <p:ph type="title"/>
+          </p:nvPr>
+        </p:nvSpPr>
+        <p:spPr/>
+        <p:txBody>
+          <a:bodyPr/>
+          <a:lstStyle/>
+          <a:p>
+            <a:r>
+              <a:rPr lang="en-US" noProof="1" smtClean="0"/>
+              <a:t>Server API Version 1</a:t>
+            </a:r>
+            <a:endParaRPr lang="en-US" noProof="1"/>
+          </a:p>
+        </p:txBody>
+      </p:sp>
+      <p:sp>
+        <p:nvSpPr>
+          <p:cNvPr id="3" name="Content Placeholder 2"/>
+          <p:cNvSpPr>
+            <a:spLocks noGrp="1"/>
+          </p:cNvSpPr>
+          <p:nvPr>
+            <p:ph idx="1"/>
+          </p:nvPr>
+        </p:nvSpPr>
+        <p:spPr/>
+        <p:txBody>
+          <a:bodyPr/>
+          <a:lstStyle/>
+          <a:p>
+            <a:r>
+              <a:rPr lang="en-US" noProof="1" smtClean="0"/>
+              <a:t>[</a:t>
+            </a:r>
+          </a:p>
+          <a:p>
+            <a:r>
+              <a:rPr lang="en-US" noProof="1" smtClean="0"/>
+              <a:t>grobe Beschreibung der API</a:t>
+            </a:r>
+          </a:p>
+          <a:p>
+            <a:r>
+              <a:rPr lang="en-US" noProof="1" smtClean="0"/>
+              <a:t>und des Ablaufs</a:t>
+            </a:r>
+          </a:p>
+          <a:p>
+            <a:r>
+              <a:rPr lang="en-US" noProof="1" smtClean="0"/>
+              <a:t>]</a:t>
+            </a:r>
+          </a:p>
+        </p:txBody>
+      </p:sp>
+      <p:sp>
+        <p:nvSpPr>
+          <p:cNvPr id="4" name="Footer Placeholder 3"/>
+          <p:cNvSpPr>
+            <a:spLocks noGrp="1"/>
+          </p:cNvSpPr>
+          <p:nvPr>
+            <p:ph type="ftr" sz="quarter" idx="10"/>
+          </p:nvPr>
+        </p:nvSpPr>
+        <p:spPr/>
+        <p:txBody>
+          <a:bodyPr/>
+          <a:lstStyle/>
+          <a:p>
+            <a:r>
+              <a:rPr lang="de-DE" smtClean="0"/>
+              <a:t>Find All My Friends | Eingebettete Betriebssysteme | 7. Dezember 2011</a:t>
+            </a:r>
+            <a:endParaRPr lang="de-DE"/>
+          </a:p>
+        </p:txBody>
+      </p:sp>
+      <p:sp>
+        <p:nvSpPr>
+          <p:cNvPr id="5" name="Slide Number Placeholder 4"/>
+          <p:cNvSpPr>
+            <a:spLocks noGrp="1"/>
+          </p:cNvSpPr>
+          <p:nvPr>
+            <p:ph type="sldNum" sz="quarter" idx="11"/>
+          </p:nvPr>
+        </p:nvSpPr>
+        <p:spPr/>
+        <p:txBody>
+          <a:bodyPr/>
+          <a:lstStyle/>
+          <a:p>
+            <a:fld id="{0C6113F6-D982-4F1F-82B4-AFA466AB9AFB}" type="slidenum">
+              <a:rPr lang="de-DE" smtClean="0"/>
+              <a:pPr/>
+              <a:t>9</a:t>
+            </a:fld>
+            <a:endParaRPr lang="de-DE"/>
+          </a:p>
+        </p:txBody>
+      </p:sp>
+    </p:spTree>
+    <p:extLst>
+      <p:ext uri="{BB962C8B-B14F-4D97-AF65-F5344CB8AC3E}">
+        <p14:creationId xmlns:p14="http://schemas.microsoft.com/office/powerpoint/2010/main" xmlns="" val="1623943854"/>
       </p:ext>
     </p:extLst>
   </p:cSld>

--- a/presentations/2011-12-07_Projektvorstellung.pptx
+++ b/presentations/2011-12-07_Projektvorstellung.pptx
@@ -6,10 +6,10 @@
     <p:sldMasterId id="2147483653" r:id="rId2"/>
   </p:sldMasterIdLst>
   <p:notesMasterIdLst>
-    <p:notesMasterId r:id="rId12"/>
+    <p:notesMasterId r:id="rId19"/>
   </p:notesMasterIdLst>
   <p:handoutMasterIdLst>
-    <p:handoutMasterId r:id="rId13"/>
+    <p:handoutMasterId r:id="rId20"/>
   </p:handoutMasterIdLst>
   <p:sldIdLst>
     <p:sldId id="256" r:id="rId3"/>
@@ -20,7 +20,14 @@
     <p:sldId id="262" r:id="rId8"/>
     <p:sldId id="263" r:id="rId9"/>
     <p:sldId id="265" r:id="rId10"/>
-    <p:sldId id="264" r:id="rId11"/>
+    <p:sldId id="267" r:id="rId11"/>
+    <p:sldId id="266" r:id="rId12"/>
+    <p:sldId id="264" r:id="rId13"/>
+    <p:sldId id="269" r:id="rId14"/>
+    <p:sldId id="268" r:id="rId15"/>
+    <p:sldId id="270" r:id="rId16"/>
+    <p:sldId id="271" r:id="rId17"/>
+    <p:sldId id="272" r:id="rId18"/>
   </p:sldIdLst>
   <p:sldSz cx="9144000" cy="6858000" type="screen4x3"/>
   <p:notesSz cx="7772400" cy="10515600"/>
@@ -946,6 +953,266 @@
 </p:notes>
 </file>
 
+<file path=ppt/notesSlides/notesSlide10.xml><?xml version="1.0" encoding="utf-8"?>
+<p:notes xmlns:a="http://schemas.openxmlformats.org/drawingml/2006/main" xmlns:r="http://schemas.openxmlformats.org/officeDocument/2006/relationships" xmlns:p="http://schemas.openxmlformats.org/presentationml/2006/main">
+  <p:cSld>
+    <p:spTree>
+      <p:nvGrpSpPr>
+        <p:cNvPr id="1" name=""/>
+        <p:cNvGrpSpPr/>
+        <p:nvPr/>
+      </p:nvGrpSpPr>
+      <p:grpSpPr>
+        <a:xfrm>
+          <a:off x="0" y="0"/>
+          <a:ext cx="0" cy="0"/>
+          <a:chOff x="0" y="0"/>
+          <a:chExt cx="0" cy="0"/>
+        </a:xfrm>
+      </p:grpSpPr>
+      <p:sp>
+        <p:nvSpPr>
+          <p:cNvPr id="2" name="Slide Image Placeholder 1"/>
+          <p:cNvSpPr>
+            <a:spLocks noGrp="1" noRot="1" noChangeAspect="1"/>
+          </p:cNvSpPr>
+          <p:nvPr>
+            <p:ph type="sldImg"/>
+          </p:nvPr>
+        </p:nvSpPr>
+        <p:spPr/>
+      </p:sp>
+      <p:sp>
+        <p:nvSpPr>
+          <p:cNvPr id="3" name="Notes Placeholder 2"/>
+          <p:cNvSpPr>
+            <a:spLocks noGrp="1"/>
+          </p:cNvSpPr>
+          <p:nvPr>
+            <p:ph type="body" idx="1"/>
+          </p:nvPr>
+        </p:nvSpPr>
+        <p:spPr/>
+        <p:txBody>
+          <a:bodyPr>
+            <a:normAutofit/>
+          </a:bodyPr>
+          <a:lstStyle/>
+          <a:p>
+            <a:r>
+              <a:rPr lang="en-US" dirty="0" err="1" smtClean="0"/>
+              <a:t>Alle</a:t>
+            </a:r>
+            <a:r>
+              <a:rPr lang="en-US" dirty="0" smtClean="0"/>
+              <a:t> </a:t>
+            </a:r>
+            <a:r>
+              <a:rPr lang="en-US" dirty="0" err="1" smtClean="0"/>
+              <a:t>bekommen</a:t>
+            </a:r>
+            <a:r>
+              <a:rPr lang="en-US" dirty="0" smtClean="0"/>
+              <a:t> die </a:t>
+            </a:r>
+            <a:r>
+              <a:rPr lang="en-US" dirty="0" err="1" smtClean="0"/>
+              <a:t>finalisierung</a:t>
+            </a:r>
+            <a:r>
+              <a:rPr lang="en-US" dirty="0" smtClean="0"/>
+              <a:t> </a:t>
+            </a:r>
+            <a:r>
+              <a:rPr lang="en-US" dirty="0" err="1" smtClean="0"/>
+              <a:t>mitgeteilt</a:t>
+            </a:r>
+            <a:endParaRPr lang="en-US" dirty="0"/>
+          </a:p>
+        </p:txBody>
+      </p:sp>
+      <p:sp>
+        <p:nvSpPr>
+          <p:cNvPr id="4" name="Slide Number Placeholder 3"/>
+          <p:cNvSpPr>
+            <a:spLocks noGrp="1"/>
+          </p:cNvSpPr>
+          <p:nvPr>
+            <p:ph type="sldNum" sz="quarter" idx="10"/>
+          </p:nvPr>
+        </p:nvSpPr>
+        <p:spPr/>
+        <p:txBody>
+          <a:bodyPr/>
+          <a:lstStyle/>
+          <a:p>
+            <a:fld id="{6A8F3DCA-10DE-494A-957E-84CDB678C40F}" type="slidenum">
+              <a:rPr lang="de-DE" smtClean="0"/>
+              <a:pPr/>
+              <a:t>15</a:t>
+            </a:fld>
+            <a:endParaRPr lang="de-DE"/>
+          </a:p>
+        </p:txBody>
+      </p:sp>
+    </p:spTree>
+  </p:cSld>
+  <p:clrMapOvr>
+    <a:masterClrMapping/>
+  </p:clrMapOvr>
+</p:notes>
+</file>
+
+<file path=ppt/notesSlides/notesSlide11.xml><?xml version="1.0" encoding="utf-8"?>
+<p:notes xmlns:a="http://schemas.openxmlformats.org/drawingml/2006/main" xmlns:r="http://schemas.openxmlformats.org/officeDocument/2006/relationships" xmlns:p="http://schemas.openxmlformats.org/presentationml/2006/main">
+  <p:cSld>
+    <p:spTree>
+      <p:nvGrpSpPr>
+        <p:cNvPr id="1" name=""/>
+        <p:cNvGrpSpPr/>
+        <p:nvPr/>
+      </p:nvGrpSpPr>
+      <p:grpSpPr>
+        <a:xfrm>
+          <a:off x="0" y="0"/>
+          <a:ext cx="0" cy="0"/>
+          <a:chOff x="0" y="0"/>
+          <a:chExt cx="0" cy="0"/>
+        </a:xfrm>
+      </p:grpSpPr>
+      <p:sp>
+        <p:nvSpPr>
+          <p:cNvPr id="2" name="Slide Image Placeholder 1"/>
+          <p:cNvSpPr>
+            <a:spLocks noGrp="1" noRot="1" noChangeAspect="1"/>
+          </p:cNvSpPr>
+          <p:nvPr>
+            <p:ph type="sldImg"/>
+          </p:nvPr>
+        </p:nvSpPr>
+        <p:spPr/>
+      </p:sp>
+      <p:sp>
+        <p:nvSpPr>
+          <p:cNvPr id="3" name="Notes Placeholder 2"/>
+          <p:cNvSpPr>
+            <a:spLocks noGrp="1"/>
+          </p:cNvSpPr>
+          <p:nvPr>
+            <p:ph type="body" idx="1"/>
+          </p:nvPr>
+        </p:nvSpPr>
+        <p:spPr/>
+        <p:txBody>
+          <a:bodyPr>
+            <a:normAutofit/>
+          </a:bodyPr>
+          <a:lstStyle/>
+          <a:p>
+            <a:r>
+              <a:rPr lang="en-US" dirty="0" err="1" smtClean="0"/>
+              <a:t>Tessi</a:t>
+            </a:r>
+            <a:r>
+              <a:rPr lang="en-US" dirty="0" smtClean="0"/>
+              <a:t> </a:t>
+            </a:r>
+            <a:r>
+              <a:rPr lang="en-US" dirty="0" err="1" smtClean="0"/>
+              <a:t>kann</a:t>
+            </a:r>
+            <a:r>
+              <a:rPr lang="en-US" dirty="0" smtClean="0"/>
+              <a:t> </a:t>
+            </a:r>
+            <a:r>
+              <a:rPr lang="en-US" dirty="0" err="1" smtClean="0"/>
+              <a:t>jetzt</a:t>
+            </a:r>
+            <a:r>
+              <a:rPr lang="en-US" dirty="0" smtClean="0"/>
+              <a:t> </a:t>
+            </a:r>
+            <a:r>
+              <a:rPr lang="en-US" dirty="0" err="1" smtClean="0"/>
+              <a:t>nurnoch</a:t>
+            </a:r>
+            <a:r>
+              <a:rPr lang="en-US" dirty="0" smtClean="0"/>
+              <a:t> den </a:t>
+            </a:r>
+            <a:r>
+              <a:rPr lang="en-US" dirty="0" err="1" smtClean="0"/>
+              <a:t>TravelPlan</a:t>
+            </a:r>
+            <a:r>
+              <a:rPr lang="en-US" baseline="0" dirty="0" smtClean="0"/>
+              <a:t> </a:t>
+            </a:r>
+            <a:r>
+              <a:rPr lang="en-US" baseline="0" dirty="0" err="1" smtClean="0"/>
+              <a:t>holen</a:t>
+            </a:r>
+            <a:r>
+              <a:rPr lang="en-US" baseline="0" dirty="0" smtClean="0"/>
+              <a:t>, join </a:t>
+            </a:r>
+            <a:r>
+              <a:rPr lang="en-US" baseline="0" dirty="0" err="1" smtClean="0"/>
+              <a:t>ist</a:t>
+            </a:r>
+            <a:r>
+              <a:rPr lang="en-US" baseline="0" dirty="0" smtClean="0"/>
+              <a:t> </a:t>
+            </a:r>
+            <a:r>
+              <a:rPr lang="en-US" baseline="0" dirty="0" err="1" smtClean="0"/>
+              <a:t>nichtmehr</a:t>
+            </a:r>
+            <a:r>
+              <a:rPr lang="en-US" baseline="0" dirty="0" smtClean="0"/>
+              <a:t> </a:t>
+            </a:r>
+            <a:r>
+              <a:rPr lang="en-US" baseline="0" dirty="0" err="1" smtClean="0"/>
+              <a:t>möglich</a:t>
+            </a:r>
+            <a:endParaRPr lang="en-US" dirty="0"/>
+          </a:p>
+        </p:txBody>
+      </p:sp>
+      <p:sp>
+        <p:nvSpPr>
+          <p:cNvPr id="4" name="Slide Number Placeholder 3"/>
+          <p:cNvSpPr>
+            <a:spLocks noGrp="1"/>
+          </p:cNvSpPr>
+          <p:nvPr>
+            <p:ph type="sldNum" sz="quarter" idx="10"/>
+          </p:nvPr>
+        </p:nvSpPr>
+        <p:spPr/>
+        <p:txBody>
+          <a:bodyPr/>
+          <a:lstStyle/>
+          <a:p>
+            <a:fld id="{6A8F3DCA-10DE-494A-957E-84CDB678C40F}" type="slidenum">
+              <a:rPr lang="de-DE" smtClean="0"/>
+              <a:pPr/>
+              <a:t>16</a:t>
+            </a:fld>
+            <a:endParaRPr lang="de-DE"/>
+          </a:p>
+        </p:txBody>
+      </p:sp>
+    </p:spTree>
+  </p:cSld>
+  <p:clrMapOvr>
+    <a:masterClrMapping/>
+  </p:clrMapOvr>
+</p:notes>
+</file>
+
 <file path=ppt/notesSlides/notesSlide2.xml><?xml version="1.0" encoding="utf-8"?>
 <p:notes xmlns:a="http://schemas.openxmlformats.org/drawingml/2006/main" xmlns:r="http://schemas.openxmlformats.org/officeDocument/2006/relationships" xmlns:p="http://schemas.openxmlformats.org/presentationml/2006/main">
   <p:cSld>
@@ -1211,6 +1478,662 @@
               <a:rPr lang="de-DE" smtClean="0"/>
               <a:pPr/>
               <a:t>8</a:t>
+            </a:fld>
+            <a:endParaRPr lang="de-DE"/>
+          </a:p>
+        </p:txBody>
+      </p:sp>
+    </p:spTree>
+  </p:cSld>
+  <p:clrMapOvr>
+    <a:masterClrMapping/>
+  </p:clrMapOvr>
+</p:notes>
+</file>
+
+<file path=ppt/notesSlides/notesSlide4.xml><?xml version="1.0" encoding="utf-8"?>
+<p:notes xmlns:a="http://schemas.openxmlformats.org/drawingml/2006/main" xmlns:r="http://schemas.openxmlformats.org/officeDocument/2006/relationships" xmlns:p="http://schemas.openxmlformats.org/presentationml/2006/main">
+  <p:cSld>
+    <p:spTree>
+      <p:nvGrpSpPr>
+        <p:cNvPr id="1" name=""/>
+        <p:cNvGrpSpPr/>
+        <p:nvPr/>
+      </p:nvGrpSpPr>
+      <p:grpSpPr>
+        <a:xfrm>
+          <a:off x="0" y="0"/>
+          <a:ext cx="0" cy="0"/>
+          <a:chOff x="0" y="0"/>
+          <a:chExt cx="0" cy="0"/>
+        </a:xfrm>
+      </p:grpSpPr>
+      <p:sp>
+        <p:nvSpPr>
+          <p:cNvPr id="2" name="Slide Image Placeholder 1"/>
+          <p:cNvSpPr>
+            <a:spLocks noGrp="1" noRot="1" noChangeAspect="1"/>
+          </p:cNvSpPr>
+          <p:nvPr>
+            <p:ph type="sldImg"/>
+          </p:nvPr>
+        </p:nvSpPr>
+        <p:spPr/>
+      </p:sp>
+      <p:sp>
+        <p:nvSpPr>
+          <p:cNvPr id="3" name="Notes Placeholder 2"/>
+          <p:cNvSpPr>
+            <a:spLocks noGrp="1"/>
+          </p:cNvSpPr>
+          <p:nvPr>
+            <p:ph type="body" idx="1"/>
+          </p:nvPr>
+        </p:nvSpPr>
+        <p:spPr/>
+        <p:txBody>
+          <a:bodyPr>
+            <a:normAutofit/>
+          </a:bodyPr>
+          <a:lstStyle/>
+          <a:p>
+            <a:r>
+              <a:rPr lang="en-US" dirty="0" smtClean="0"/>
+              <a:t>Frank </a:t>
+            </a:r>
+            <a:r>
+              <a:rPr lang="en-US" dirty="0" err="1" smtClean="0"/>
+              <a:t>legt</a:t>
+            </a:r>
+            <a:r>
+              <a:rPr lang="en-US" dirty="0" smtClean="0"/>
+              <a:t> was an</a:t>
+            </a:r>
+            <a:endParaRPr lang="en-US" dirty="0"/>
+          </a:p>
+        </p:txBody>
+      </p:sp>
+      <p:sp>
+        <p:nvSpPr>
+          <p:cNvPr id="4" name="Slide Number Placeholder 3"/>
+          <p:cNvSpPr>
+            <a:spLocks noGrp="1"/>
+          </p:cNvSpPr>
+          <p:nvPr>
+            <p:ph type="sldNum" sz="quarter" idx="10"/>
+          </p:nvPr>
+        </p:nvSpPr>
+        <p:spPr/>
+        <p:txBody>
+          <a:bodyPr/>
+          <a:lstStyle/>
+          <a:p>
+            <a:fld id="{6A8F3DCA-10DE-494A-957E-84CDB678C40F}" type="slidenum">
+              <a:rPr lang="de-DE" smtClean="0"/>
+              <a:pPr/>
+              <a:t>9</a:t>
+            </a:fld>
+            <a:endParaRPr lang="de-DE"/>
+          </a:p>
+        </p:txBody>
+      </p:sp>
+    </p:spTree>
+  </p:cSld>
+  <p:clrMapOvr>
+    <a:masterClrMapping/>
+  </p:clrMapOvr>
+</p:notes>
+</file>
+
+<file path=ppt/notesSlides/notesSlide5.xml><?xml version="1.0" encoding="utf-8"?>
+<p:notes xmlns:a="http://schemas.openxmlformats.org/drawingml/2006/main" xmlns:r="http://schemas.openxmlformats.org/officeDocument/2006/relationships" xmlns:p="http://schemas.openxmlformats.org/presentationml/2006/main">
+  <p:cSld>
+    <p:spTree>
+      <p:nvGrpSpPr>
+        <p:cNvPr id="1" name=""/>
+        <p:cNvGrpSpPr/>
+        <p:nvPr/>
+      </p:nvGrpSpPr>
+      <p:grpSpPr>
+        <a:xfrm>
+          <a:off x="0" y="0"/>
+          <a:ext cx="0" cy="0"/>
+          <a:chOff x="0" y="0"/>
+          <a:chExt cx="0" cy="0"/>
+        </a:xfrm>
+      </p:grpSpPr>
+      <p:sp>
+        <p:nvSpPr>
+          <p:cNvPr id="2" name="Slide Image Placeholder 1"/>
+          <p:cNvSpPr>
+            <a:spLocks noGrp="1" noRot="1" noChangeAspect="1"/>
+          </p:cNvSpPr>
+          <p:nvPr>
+            <p:ph type="sldImg"/>
+          </p:nvPr>
+        </p:nvSpPr>
+        <p:spPr/>
+      </p:sp>
+      <p:sp>
+        <p:nvSpPr>
+          <p:cNvPr id="3" name="Notes Placeholder 2"/>
+          <p:cNvSpPr>
+            <a:spLocks noGrp="1"/>
+          </p:cNvSpPr>
+          <p:nvPr>
+            <p:ph type="body" idx="1"/>
+          </p:nvPr>
+        </p:nvSpPr>
+        <p:spPr/>
+        <p:txBody>
+          <a:bodyPr>
+            <a:normAutofit/>
+          </a:bodyPr>
+          <a:lstStyle/>
+          <a:p>
+            <a:r>
+              <a:rPr lang="en-US" dirty="0" smtClean="0"/>
+              <a:t>Frank </a:t>
+            </a:r>
+            <a:r>
+              <a:rPr lang="en-US" dirty="0" err="1" smtClean="0"/>
+              <a:t>wird</a:t>
+            </a:r>
+            <a:r>
+              <a:rPr lang="en-US" dirty="0" smtClean="0"/>
+              <a:t> </a:t>
+            </a:r>
+            <a:r>
+              <a:rPr lang="en-US" dirty="0" err="1" smtClean="0"/>
+              <a:t>als</a:t>
+            </a:r>
+            <a:r>
+              <a:rPr lang="en-US" dirty="0" smtClean="0"/>
+              <a:t> Initiator and </a:t>
+            </a:r>
+            <a:r>
+              <a:rPr lang="en-US" dirty="0" err="1" smtClean="0"/>
+              <a:t>alle</a:t>
+            </a:r>
+            <a:r>
+              <a:rPr lang="en-US" dirty="0" smtClean="0"/>
+              <a:t> </a:t>
+            </a:r>
+            <a:r>
+              <a:rPr lang="en-US" dirty="0" err="1" smtClean="0"/>
+              <a:t>gepusht</a:t>
+            </a:r>
+            <a:endParaRPr lang="en-US" dirty="0"/>
+          </a:p>
+        </p:txBody>
+      </p:sp>
+      <p:sp>
+        <p:nvSpPr>
+          <p:cNvPr id="4" name="Slide Number Placeholder 3"/>
+          <p:cNvSpPr>
+            <a:spLocks noGrp="1"/>
+          </p:cNvSpPr>
+          <p:nvPr>
+            <p:ph type="sldNum" sz="quarter" idx="10"/>
+          </p:nvPr>
+        </p:nvSpPr>
+        <p:spPr/>
+        <p:txBody>
+          <a:bodyPr/>
+          <a:lstStyle/>
+          <a:p>
+            <a:fld id="{6A8F3DCA-10DE-494A-957E-84CDB678C40F}" type="slidenum">
+              <a:rPr lang="de-DE" smtClean="0"/>
+              <a:pPr/>
+              <a:t>10</a:t>
+            </a:fld>
+            <a:endParaRPr lang="de-DE"/>
+          </a:p>
+        </p:txBody>
+      </p:sp>
+    </p:spTree>
+  </p:cSld>
+  <p:clrMapOvr>
+    <a:masterClrMapping/>
+  </p:clrMapOvr>
+</p:notes>
+</file>
+
+<file path=ppt/notesSlides/notesSlide6.xml><?xml version="1.0" encoding="utf-8"?>
+<p:notes xmlns:a="http://schemas.openxmlformats.org/drawingml/2006/main" xmlns:r="http://schemas.openxmlformats.org/officeDocument/2006/relationships" xmlns:p="http://schemas.openxmlformats.org/presentationml/2006/main">
+  <p:cSld>
+    <p:spTree>
+      <p:nvGrpSpPr>
+        <p:cNvPr id="1" name=""/>
+        <p:cNvGrpSpPr/>
+        <p:nvPr/>
+      </p:nvGrpSpPr>
+      <p:grpSpPr>
+        <a:xfrm>
+          <a:off x="0" y="0"/>
+          <a:ext cx="0" cy="0"/>
+          <a:chOff x="0" y="0"/>
+          <a:chExt cx="0" cy="0"/>
+        </a:xfrm>
+      </p:grpSpPr>
+      <p:sp>
+        <p:nvSpPr>
+          <p:cNvPr id="2" name="Slide Image Placeholder 1"/>
+          <p:cNvSpPr>
+            <a:spLocks noGrp="1" noRot="1" noChangeAspect="1"/>
+          </p:cNvSpPr>
+          <p:nvPr>
+            <p:ph type="sldImg"/>
+          </p:nvPr>
+        </p:nvSpPr>
+        <p:spPr/>
+      </p:sp>
+      <p:sp>
+        <p:nvSpPr>
+          <p:cNvPr id="3" name="Notes Placeholder 2"/>
+          <p:cNvSpPr>
+            <a:spLocks noGrp="1"/>
+          </p:cNvSpPr>
+          <p:nvPr>
+            <p:ph type="body" idx="1"/>
+          </p:nvPr>
+        </p:nvSpPr>
+        <p:spPr/>
+        <p:txBody>
+          <a:bodyPr>
+            <a:normAutofit/>
+          </a:bodyPr>
+          <a:lstStyle/>
+          <a:p>
+            <a:r>
+              <a:rPr lang="en-US" dirty="0" err="1" smtClean="0"/>
+              <a:t>Lysann</a:t>
+            </a:r>
+            <a:r>
+              <a:rPr lang="en-US" dirty="0" smtClean="0"/>
+              <a:t> </a:t>
+            </a:r>
+            <a:r>
+              <a:rPr lang="en-US" dirty="0" err="1" smtClean="0"/>
+              <a:t>fragt</a:t>
+            </a:r>
+            <a:r>
+              <a:rPr lang="en-US" baseline="0" dirty="0" smtClean="0"/>
+              <a:t> </a:t>
+            </a:r>
+            <a:r>
+              <a:rPr lang="en-US" baseline="0" dirty="0" err="1" smtClean="0"/>
+              <a:t>nach</a:t>
+            </a:r>
+            <a:r>
+              <a:rPr lang="en-US" baseline="0" dirty="0" smtClean="0"/>
+              <a:t> </a:t>
+            </a:r>
+            <a:r>
+              <a:rPr lang="en-US" baseline="0" dirty="0" err="1" smtClean="0"/>
+              <a:t>dem</a:t>
+            </a:r>
+            <a:r>
+              <a:rPr lang="en-US" baseline="0" dirty="0" smtClean="0"/>
+              <a:t> </a:t>
+            </a:r>
+            <a:r>
+              <a:rPr lang="en-US" baseline="0" dirty="0" err="1" smtClean="0"/>
+              <a:t>hypotetischen</a:t>
+            </a:r>
+            <a:r>
+              <a:rPr lang="en-US" baseline="0" dirty="0" smtClean="0"/>
+              <a:t> Travel Plan, falls </a:t>
+            </a:r>
+            <a:r>
+              <a:rPr lang="en-US" baseline="0" dirty="0" err="1" smtClean="0"/>
+              <a:t>sie</a:t>
+            </a:r>
+            <a:r>
+              <a:rPr lang="en-US" baseline="0" dirty="0" smtClean="0"/>
+              <a:t> joined</a:t>
+            </a:r>
+            <a:endParaRPr lang="en-US" dirty="0"/>
+          </a:p>
+        </p:txBody>
+      </p:sp>
+      <p:sp>
+        <p:nvSpPr>
+          <p:cNvPr id="4" name="Slide Number Placeholder 3"/>
+          <p:cNvSpPr>
+            <a:spLocks noGrp="1"/>
+          </p:cNvSpPr>
+          <p:nvPr>
+            <p:ph type="sldNum" sz="quarter" idx="10"/>
+          </p:nvPr>
+        </p:nvSpPr>
+        <p:spPr/>
+        <p:txBody>
+          <a:bodyPr/>
+          <a:lstStyle/>
+          <a:p>
+            <a:fld id="{6A8F3DCA-10DE-494A-957E-84CDB678C40F}" type="slidenum">
+              <a:rPr lang="de-DE" smtClean="0"/>
+              <a:pPr/>
+              <a:t>11</a:t>
+            </a:fld>
+            <a:endParaRPr lang="de-DE"/>
+          </a:p>
+        </p:txBody>
+      </p:sp>
+    </p:spTree>
+  </p:cSld>
+  <p:clrMapOvr>
+    <a:masterClrMapping/>
+  </p:clrMapOvr>
+</p:notes>
+</file>
+
+<file path=ppt/notesSlides/notesSlide7.xml><?xml version="1.0" encoding="utf-8"?>
+<p:notes xmlns:a="http://schemas.openxmlformats.org/drawingml/2006/main" xmlns:r="http://schemas.openxmlformats.org/officeDocument/2006/relationships" xmlns:p="http://schemas.openxmlformats.org/presentationml/2006/main">
+  <p:cSld>
+    <p:spTree>
+      <p:nvGrpSpPr>
+        <p:cNvPr id="1" name=""/>
+        <p:cNvGrpSpPr/>
+        <p:nvPr/>
+      </p:nvGrpSpPr>
+      <p:grpSpPr>
+        <a:xfrm>
+          <a:off x="0" y="0"/>
+          <a:ext cx="0" cy="0"/>
+          <a:chOff x="0" y="0"/>
+          <a:chExt cx="0" cy="0"/>
+        </a:xfrm>
+      </p:grpSpPr>
+      <p:sp>
+        <p:nvSpPr>
+          <p:cNvPr id="2" name="Slide Image Placeholder 1"/>
+          <p:cNvSpPr>
+            <a:spLocks noGrp="1" noRot="1" noChangeAspect="1"/>
+          </p:cNvSpPr>
+          <p:nvPr>
+            <p:ph type="sldImg"/>
+          </p:nvPr>
+        </p:nvSpPr>
+        <p:spPr/>
+      </p:sp>
+      <p:sp>
+        <p:nvSpPr>
+          <p:cNvPr id="3" name="Notes Placeholder 2"/>
+          <p:cNvSpPr>
+            <a:spLocks noGrp="1"/>
+          </p:cNvSpPr>
+          <p:nvPr>
+            <p:ph type="body" idx="1"/>
+          </p:nvPr>
+        </p:nvSpPr>
+        <p:spPr/>
+        <p:txBody>
+          <a:bodyPr>
+            <a:normAutofit/>
+          </a:bodyPr>
+          <a:lstStyle/>
+          <a:p>
+            <a:r>
+              <a:rPr lang="en-US" dirty="0" err="1" smtClean="0"/>
+              <a:t>Dann</a:t>
+            </a:r>
+            <a:r>
+              <a:rPr lang="en-US" dirty="0" smtClean="0"/>
+              <a:t> joint </a:t>
+            </a:r>
+            <a:r>
+              <a:rPr lang="en-US" dirty="0" err="1" smtClean="0"/>
+              <a:t>Lysann</a:t>
+            </a:r>
+            <a:endParaRPr lang="en-US" dirty="0"/>
+          </a:p>
+        </p:txBody>
+      </p:sp>
+      <p:sp>
+        <p:nvSpPr>
+          <p:cNvPr id="4" name="Slide Number Placeholder 3"/>
+          <p:cNvSpPr>
+            <a:spLocks noGrp="1"/>
+          </p:cNvSpPr>
+          <p:nvPr>
+            <p:ph type="sldNum" sz="quarter" idx="10"/>
+          </p:nvPr>
+        </p:nvSpPr>
+        <p:spPr/>
+        <p:txBody>
+          <a:bodyPr/>
+          <a:lstStyle/>
+          <a:p>
+            <a:fld id="{6A8F3DCA-10DE-494A-957E-84CDB678C40F}" type="slidenum">
+              <a:rPr lang="de-DE" smtClean="0"/>
+              <a:pPr/>
+              <a:t>12</a:t>
+            </a:fld>
+            <a:endParaRPr lang="de-DE"/>
+          </a:p>
+        </p:txBody>
+      </p:sp>
+    </p:spTree>
+  </p:cSld>
+  <p:clrMapOvr>
+    <a:masterClrMapping/>
+  </p:clrMapOvr>
+</p:notes>
+</file>
+
+<file path=ppt/notesSlides/notesSlide8.xml><?xml version="1.0" encoding="utf-8"?>
+<p:notes xmlns:a="http://schemas.openxmlformats.org/drawingml/2006/main" xmlns:r="http://schemas.openxmlformats.org/officeDocument/2006/relationships" xmlns:p="http://schemas.openxmlformats.org/presentationml/2006/main">
+  <p:cSld>
+    <p:spTree>
+      <p:nvGrpSpPr>
+        <p:cNvPr id="1" name=""/>
+        <p:cNvGrpSpPr/>
+        <p:nvPr/>
+      </p:nvGrpSpPr>
+      <p:grpSpPr>
+        <a:xfrm>
+          <a:off x="0" y="0"/>
+          <a:ext cx="0" cy="0"/>
+          <a:chOff x="0" y="0"/>
+          <a:chExt cx="0" cy="0"/>
+        </a:xfrm>
+      </p:grpSpPr>
+      <p:sp>
+        <p:nvSpPr>
+          <p:cNvPr id="2" name="Slide Image Placeholder 1"/>
+          <p:cNvSpPr>
+            <a:spLocks noGrp="1" noRot="1" noChangeAspect="1"/>
+          </p:cNvSpPr>
+          <p:nvPr>
+            <p:ph type="sldImg"/>
+          </p:nvPr>
+        </p:nvSpPr>
+        <p:spPr/>
+      </p:sp>
+      <p:sp>
+        <p:nvSpPr>
+          <p:cNvPr id="3" name="Notes Placeholder 2"/>
+          <p:cNvSpPr>
+            <a:spLocks noGrp="1"/>
+          </p:cNvSpPr>
+          <p:nvPr>
+            <p:ph type="body" idx="1"/>
+          </p:nvPr>
+        </p:nvSpPr>
+        <p:spPr/>
+        <p:txBody>
+          <a:bodyPr>
+            <a:normAutofit/>
+          </a:bodyPr>
+          <a:lstStyle/>
+          <a:p>
+            <a:r>
+              <a:rPr lang="en-US" dirty="0" smtClean="0"/>
+              <a:t>Allen</a:t>
+            </a:r>
+            <a:r>
+              <a:rPr lang="en-US" baseline="0" dirty="0" smtClean="0"/>
+              <a:t> </a:t>
+            </a:r>
+            <a:r>
+              <a:rPr lang="en-US" baseline="0" dirty="0" err="1" smtClean="0"/>
+              <a:t>wird</a:t>
+            </a:r>
+            <a:r>
+              <a:rPr lang="en-US" baseline="0" dirty="0" smtClean="0"/>
+              <a:t> </a:t>
+            </a:r>
+            <a:r>
+              <a:rPr lang="en-US" baseline="0" dirty="0" err="1" smtClean="0"/>
+              <a:t>Lysanns</a:t>
+            </a:r>
+            <a:r>
+              <a:rPr lang="en-US" baseline="0" dirty="0" smtClean="0"/>
+              <a:t> join </a:t>
+            </a:r>
+            <a:r>
+              <a:rPr lang="en-US" baseline="0" dirty="0" err="1" smtClean="0"/>
+              <a:t>mitgeteilt</a:t>
+            </a:r>
+            <a:endParaRPr lang="en-US" dirty="0"/>
+          </a:p>
+        </p:txBody>
+      </p:sp>
+      <p:sp>
+        <p:nvSpPr>
+          <p:cNvPr id="4" name="Slide Number Placeholder 3"/>
+          <p:cNvSpPr>
+            <a:spLocks noGrp="1"/>
+          </p:cNvSpPr>
+          <p:nvPr>
+            <p:ph type="sldNum" sz="quarter" idx="10"/>
+          </p:nvPr>
+        </p:nvSpPr>
+        <p:spPr/>
+        <p:txBody>
+          <a:bodyPr/>
+          <a:lstStyle/>
+          <a:p>
+            <a:fld id="{6A8F3DCA-10DE-494A-957E-84CDB678C40F}" type="slidenum">
+              <a:rPr lang="de-DE" smtClean="0"/>
+              <a:pPr/>
+              <a:t>13</a:t>
+            </a:fld>
+            <a:endParaRPr lang="de-DE"/>
+          </a:p>
+        </p:txBody>
+      </p:sp>
+    </p:spTree>
+  </p:cSld>
+  <p:clrMapOvr>
+    <a:masterClrMapping/>
+  </p:clrMapOvr>
+</p:notes>
+</file>
+
+<file path=ppt/notesSlides/notesSlide9.xml><?xml version="1.0" encoding="utf-8"?>
+<p:notes xmlns:a="http://schemas.openxmlformats.org/drawingml/2006/main" xmlns:r="http://schemas.openxmlformats.org/officeDocument/2006/relationships" xmlns:p="http://schemas.openxmlformats.org/presentationml/2006/main">
+  <p:cSld>
+    <p:spTree>
+      <p:nvGrpSpPr>
+        <p:cNvPr id="1" name=""/>
+        <p:cNvGrpSpPr/>
+        <p:nvPr/>
+      </p:nvGrpSpPr>
+      <p:grpSpPr>
+        <a:xfrm>
+          <a:off x="0" y="0"/>
+          <a:ext cx="0" cy="0"/>
+          <a:chOff x="0" y="0"/>
+          <a:chExt cx="0" cy="0"/>
+        </a:xfrm>
+      </p:grpSpPr>
+      <p:sp>
+        <p:nvSpPr>
+          <p:cNvPr id="2" name="Slide Image Placeholder 1"/>
+          <p:cNvSpPr>
+            <a:spLocks noGrp="1" noRot="1" noChangeAspect="1"/>
+          </p:cNvSpPr>
+          <p:nvPr>
+            <p:ph type="sldImg"/>
+          </p:nvPr>
+        </p:nvSpPr>
+        <p:spPr/>
+      </p:sp>
+      <p:sp>
+        <p:nvSpPr>
+          <p:cNvPr id="3" name="Notes Placeholder 2"/>
+          <p:cNvSpPr>
+            <a:spLocks noGrp="1"/>
+          </p:cNvSpPr>
+          <p:nvPr>
+            <p:ph type="body" idx="1"/>
+          </p:nvPr>
+        </p:nvSpPr>
+        <p:spPr/>
+        <p:txBody>
+          <a:bodyPr>
+            <a:normAutofit/>
+          </a:bodyPr>
+          <a:lstStyle/>
+          <a:p>
+            <a:r>
+              <a:rPr lang="en-US" dirty="0" smtClean="0"/>
+              <a:t>Frank </a:t>
+            </a:r>
+            <a:r>
+              <a:rPr lang="en-US" dirty="0" err="1" smtClean="0"/>
+              <a:t>reicht</a:t>
+            </a:r>
+            <a:r>
+              <a:rPr lang="en-US" dirty="0" smtClean="0"/>
+              <a:t> das</a:t>
+            </a:r>
+            <a:r>
+              <a:rPr lang="en-US" baseline="0" dirty="0" smtClean="0"/>
+              <a:t>, und </a:t>
+            </a:r>
+            <a:r>
+              <a:rPr lang="en-US" baseline="0" dirty="0" err="1" smtClean="0"/>
+              <a:t>er</a:t>
+            </a:r>
+            <a:r>
+              <a:rPr lang="en-US" baseline="0" dirty="0" smtClean="0"/>
+              <a:t> </a:t>
+            </a:r>
+            <a:r>
+              <a:rPr lang="en-US" baseline="0" dirty="0" err="1" smtClean="0"/>
+              <a:t>finalisiert</a:t>
+            </a:r>
+            <a:r>
+              <a:rPr lang="en-US" baseline="0" dirty="0" smtClean="0"/>
+              <a:t> das Appointment</a:t>
+            </a:r>
+            <a:endParaRPr lang="en-US" dirty="0"/>
+          </a:p>
+        </p:txBody>
+      </p:sp>
+      <p:sp>
+        <p:nvSpPr>
+          <p:cNvPr id="4" name="Slide Number Placeholder 3"/>
+          <p:cNvSpPr>
+            <a:spLocks noGrp="1"/>
+          </p:cNvSpPr>
+          <p:nvPr>
+            <p:ph type="sldNum" sz="quarter" idx="10"/>
+          </p:nvPr>
+        </p:nvSpPr>
+        <p:spPr/>
+        <p:txBody>
+          <a:bodyPr/>
+          <a:lstStyle/>
+          <a:p>
+            <a:fld id="{6A8F3DCA-10DE-494A-957E-84CDB678C40F}" type="slidenum">
+              <a:rPr lang="de-DE" smtClean="0"/>
+              <a:pPr/>
+              <a:t>14</a:t>
             </a:fld>
             <a:endParaRPr lang="de-DE"/>
           </a:p>
@@ -5761,6 +6684,3877 @@
 </p:sld>
 </file>
 
+<file path=ppt/slides/slide10.xml><?xml version="1.0" encoding="utf-8"?>
+<p:sld xmlns:a="http://schemas.openxmlformats.org/drawingml/2006/main" xmlns:r="http://schemas.openxmlformats.org/officeDocument/2006/relationships" xmlns:p="http://schemas.openxmlformats.org/presentationml/2006/main">
+  <p:cSld>
+    <p:spTree>
+      <p:nvGrpSpPr>
+        <p:cNvPr id="1" name=""/>
+        <p:cNvGrpSpPr/>
+        <p:nvPr/>
+      </p:nvGrpSpPr>
+      <p:grpSpPr>
+        <a:xfrm>
+          <a:off x="0" y="0"/>
+          <a:ext cx="0" cy="0"/>
+          <a:chOff x="0" y="0"/>
+          <a:chExt cx="0" cy="0"/>
+        </a:xfrm>
+      </p:grpSpPr>
+      <p:sp>
+        <p:nvSpPr>
+          <p:cNvPr id="2" name="Title 1"/>
+          <p:cNvSpPr>
+            <a:spLocks noGrp="1"/>
+          </p:cNvSpPr>
+          <p:nvPr>
+            <p:ph type="title"/>
+          </p:nvPr>
+        </p:nvSpPr>
+        <p:spPr/>
+        <p:txBody>
+          <a:bodyPr/>
+          <a:lstStyle/>
+          <a:p>
+            <a:r>
+              <a:rPr lang="en-US" noProof="1" smtClean="0"/>
+              <a:t>Server API Version 1</a:t>
+            </a:r>
+            <a:endParaRPr lang="en-US" noProof="1"/>
+          </a:p>
+        </p:txBody>
+      </p:sp>
+      <p:sp>
+        <p:nvSpPr>
+          <p:cNvPr id="4" name="Footer Placeholder 3"/>
+          <p:cNvSpPr>
+            <a:spLocks noGrp="1"/>
+          </p:cNvSpPr>
+          <p:nvPr>
+            <p:ph type="ftr" sz="quarter" idx="10"/>
+          </p:nvPr>
+        </p:nvSpPr>
+        <p:spPr/>
+        <p:txBody>
+          <a:bodyPr/>
+          <a:lstStyle/>
+          <a:p>
+            <a:r>
+              <a:rPr lang="de-DE" smtClean="0"/>
+              <a:t>Find All My Friends | Eingebettete Betriebssysteme | 7. Dezember 2011</a:t>
+            </a:r>
+            <a:endParaRPr lang="de-DE"/>
+          </a:p>
+        </p:txBody>
+      </p:sp>
+      <p:sp>
+        <p:nvSpPr>
+          <p:cNvPr id="5" name="Slide Number Placeholder 4"/>
+          <p:cNvSpPr>
+            <a:spLocks noGrp="1"/>
+          </p:cNvSpPr>
+          <p:nvPr>
+            <p:ph type="sldNum" sz="quarter" idx="11"/>
+          </p:nvPr>
+        </p:nvSpPr>
+        <p:spPr/>
+        <p:txBody>
+          <a:bodyPr/>
+          <a:lstStyle/>
+          <a:p>
+            <a:fld id="{0C6113F6-D982-4F1F-82B4-AFA466AB9AFB}" type="slidenum">
+              <a:rPr lang="de-DE" smtClean="0"/>
+              <a:pPr/>
+              <a:t>10</a:t>
+            </a:fld>
+            <a:endParaRPr lang="de-DE"/>
+          </a:p>
+        </p:txBody>
+      </p:sp>
+      <p:sp>
+        <p:nvSpPr>
+          <p:cNvPr id="6" name="Content Placeholder 5"/>
+          <p:cNvSpPr>
+            <a:spLocks noGrp="1"/>
+          </p:cNvSpPr>
+          <p:nvPr>
+            <p:ph idx="1"/>
+          </p:nvPr>
+        </p:nvSpPr>
+        <p:spPr/>
+        <p:txBody>
+          <a:bodyPr/>
+          <a:lstStyle/>
+          <a:p>
+            <a:r>
+              <a:rPr lang="en-US" dirty="0" smtClean="0"/>
+              <a:t>  Philipp	</a:t>
+            </a:r>
+            <a:r>
+              <a:rPr lang="en-US" dirty="0" err="1" smtClean="0"/>
+              <a:t>Lysann</a:t>
+            </a:r>
+            <a:r>
+              <a:rPr lang="en-US" dirty="0" smtClean="0"/>
+              <a:t>		</a:t>
+            </a:r>
+            <a:r>
+              <a:rPr lang="en-US" b="1" dirty="0" smtClean="0">
+                <a:solidFill>
+                  <a:srgbClr val="FF0000"/>
+                </a:solidFill>
+              </a:rPr>
+              <a:t>Frank</a:t>
+            </a:r>
+            <a:r>
+              <a:rPr lang="en-US" dirty="0" smtClean="0"/>
+              <a:t>			Server</a:t>
+            </a:r>
+            <a:endParaRPr lang="en-US" dirty="0"/>
+          </a:p>
+        </p:txBody>
+      </p:sp>
+      <p:cxnSp>
+        <p:nvCxnSpPr>
+          <p:cNvPr id="8" name="Straight Connector 7"/>
+          <p:cNvCxnSpPr/>
+          <p:nvPr/>
+        </p:nvCxnSpPr>
+        <p:spPr bwMode="auto">
+          <a:xfrm rot="16200000" flipH="1">
+            <a:off x="-647118" y="4234369"/>
+            <a:ext cx="3854556" cy="5"/>
+          </a:xfrm>
+          <a:prstGeom prst="line">
+            <a:avLst/>
+          </a:prstGeom>
+          <a:solidFill>
+            <a:schemeClr val="accent1"/>
+          </a:solidFill>
+          <a:ln w="9525" cap="flat" cmpd="sng" algn="ctr">
+            <a:solidFill>
+              <a:schemeClr val="tx1"/>
+            </a:solidFill>
+            <a:prstDash val="solid"/>
+            <a:round/>
+            <a:headEnd type="none" w="med" len="med"/>
+            <a:tailEnd type="none" w="med" len="med"/>
+          </a:ln>
+          <a:effectLst/>
+        </p:spPr>
+      </p:cxnSp>
+      <p:cxnSp>
+        <p:nvCxnSpPr>
+          <p:cNvPr id="11" name="Straight Connector 10"/>
+          <p:cNvCxnSpPr/>
+          <p:nvPr/>
+        </p:nvCxnSpPr>
+        <p:spPr bwMode="auto">
+          <a:xfrm rot="16200000" flipH="1">
+            <a:off x="1066801" y="4232020"/>
+            <a:ext cx="3854556" cy="5"/>
+          </a:xfrm>
+          <a:prstGeom prst="line">
+            <a:avLst/>
+          </a:prstGeom>
+          <a:solidFill>
+            <a:schemeClr val="accent1"/>
+          </a:solidFill>
+          <a:ln w="9525" cap="flat" cmpd="sng" algn="ctr">
+            <a:solidFill>
+              <a:schemeClr val="tx1"/>
+            </a:solidFill>
+            <a:prstDash val="solid"/>
+            <a:round/>
+            <a:headEnd type="none" w="med" len="med"/>
+            <a:tailEnd type="none" w="med" len="med"/>
+          </a:ln>
+          <a:effectLst/>
+        </p:spPr>
+      </p:cxnSp>
+      <p:cxnSp>
+        <p:nvCxnSpPr>
+          <p:cNvPr id="12" name="Straight Connector 11"/>
+          <p:cNvCxnSpPr/>
+          <p:nvPr/>
+        </p:nvCxnSpPr>
+        <p:spPr bwMode="auto">
+          <a:xfrm rot="16200000" flipH="1">
+            <a:off x="2754917" y="4232023"/>
+            <a:ext cx="3854556" cy="5"/>
+          </a:xfrm>
+          <a:prstGeom prst="line">
+            <a:avLst/>
+          </a:prstGeom>
+          <a:solidFill>
+            <a:schemeClr val="accent1"/>
+          </a:solidFill>
+          <a:ln w="9525" cap="flat" cmpd="sng" algn="ctr">
+            <a:solidFill>
+              <a:schemeClr val="tx1"/>
+            </a:solidFill>
+            <a:prstDash val="solid"/>
+            <a:round/>
+            <a:headEnd type="none" w="med" len="med"/>
+            <a:tailEnd type="none" w="med" len="med"/>
+          </a:ln>
+          <a:effectLst/>
+        </p:spPr>
+      </p:cxnSp>
+      <p:cxnSp>
+        <p:nvCxnSpPr>
+          <p:cNvPr id="13" name="Straight Connector 12"/>
+          <p:cNvCxnSpPr/>
+          <p:nvPr/>
+        </p:nvCxnSpPr>
+        <p:spPr bwMode="auto">
+          <a:xfrm rot="16200000" flipH="1">
+            <a:off x="5498118" y="4232019"/>
+            <a:ext cx="3854556" cy="5"/>
+          </a:xfrm>
+          <a:prstGeom prst="line">
+            <a:avLst/>
+          </a:prstGeom>
+          <a:solidFill>
+            <a:schemeClr val="accent1"/>
+          </a:solidFill>
+          <a:ln w="9525" cap="flat" cmpd="sng" algn="ctr">
+            <a:solidFill>
+              <a:schemeClr val="tx1"/>
+            </a:solidFill>
+            <a:prstDash val="solid"/>
+            <a:round/>
+            <a:headEnd type="none" w="med" len="med"/>
+            <a:tailEnd type="none" w="med" len="med"/>
+          </a:ln>
+          <a:effectLst/>
+        </p:spPr>
+      </p:cxnSp>
+      <p:cxnSp>
+        <p:nvCxnSpPr>
+          <p:cNvPr id="15" name="Straight Arrow Connector 14"/>
+          <p:cNvCxnSpPr/>
+          <p:nvPr/>
+        </p:nvCxnSpPr>
+        <p:spPr bwMode="auto">
+          <a:xfrm>
+            <a:off x="4684542" y="2363372"/>
+            <a:ext cx="2743200" cy="56271"/>
+          </a:xfrm>
+          <a:prstGeom prst="straightConnector1">
+            <a:avLst/>
+          </a:prstGeom>
+          <a:solidFill>
+            <a:schemeClr val="accent1"/>
+          </a:solidFill>
+          <a:ln w="9525" cap="flat" cmpd="sng" algn="ctr">
+            <a:solidFill>
+              <a:schemeClr val="tx1"/>
+            </a:solidFill>
+            <a:prstDash val="solid"/>
+            <a:round/>
+            <a:headEnd type="none" w="med" len="med"/>
+            <a:tailEnd type="arrow"/>
+          </a:ln>
+          <a:effectLst/>
+        </p:spPr>
+      </p:cxnSp>
+      <p:cxnSp>
+        <p:nvCxnSpPr>
+          <p:cNvPr id="27" name="Straight Arrow Connector 26"/>
+          <p:cNvCxnSpPr/>
+          <p:nvPr/>
+        </p:nvCxnSpPr>
+        <p:spPr bwMode="auto">
+          <a:xfrm rot="10800000" flipV="1">
+            <a:off x="4656407" y="2715067"/>
+            <a:ext cx="2771347" cy="154741"/>
+          </a:xfrm>
+          <a:prstGeom prst="straightConnector1">
+            <a:avLst/>
+          </a:prstGeom>
+          <a:solidFill>
+            <a:schemeClr val="accent1"/>
+          </a:solidFill>
+          <a:ln w="9525" cap="flat" cmpd="sng" algn="ctr">
+            <a:solidFill>
+              <a:schemeClr val="tx1"/>
+            </a:solidFill>
+            <a:prstDash val="solid"/>
+            <a:round/>
+            <a:headEnd type="none" w="med" len="med"/>
+            <a:tailEnd type="arrow"/>
+          </a:ln>
+          <a:effectLst/>
+        </p:spPr>
+      </p:cxnSp>
+      <p:sp>
+        <p:nvSpPr>
+          <p:cNvPr id="37" name="TextBox 36"/>
+          <p:cNvSpPr txBox="1"/>
+          <p:nvPr/>
+        </p:nvSpPr>
+        <p:spPr>
+          <a:xfrm>
+            <a:off x="4923686" y="2053878"/>
+            <a:ext cx="2393605" cy="369332"/>
+          </a:xfrm>
+          <a:prstGeom prst="rect">
+            <a:avLst/>
+          </a:prstGeom>
+          <a:noFill/>
+        </p:spPr>
+        <p:txBody>
+          <a:bodyPr wrap="none" rtlCol="0">
+            <a:spAutoFit/>
+          </a:bodyPr>
+          <a:lstStyle/>
+          <a:p>
+            <a:r>
+              <a:rPr lang="en-US" dirty="0" err="1" smtClean="0">
+                <a:solidFill>
+                  <a:schemeClr val="tx1"/>
+                </a:solidFill>
+              </a:rPr>
+              <a:t>createAppointment</a:t>
+            </a:r>
+            <a:endParaRPr lang="en-US" dirty="0" smtClean="0">
+              <a:solidFill>
+                <a:schemeClr val="tx1"/>
+              </a:solidFill>
+            </a:endParaRPr>
+          </a:p>
+        </p:txBody>
+      </p:sp>
+      <p:cxnSp>
+        <p:nvCxnSpPr>
+          <p:cNvPr id="38" name="Straight Arrow Connector 37"/>
+          <p:cNvCxnSpPr/>
+          <p:nvPr/>
+        </p:nvCxnSpPr>
+        <p:spPr bwMode="auto">
+          <a:xfrm rot="10800000" flipV="1">
+            <a:off x="2994075" y="2616591"/>
+            <a:ext cx="4447734" cy="250872"/>
+          </a:xfrm>
+          <a:prstGeom prst="straightConnector1">
+            <a:avLst/>
+          </a:prstGeom>
+          <a:solidFill>
+            <a:schemeClr val="accent1"/>
+          </a:solidFill>
+          <a:ln w="9525" cap="flat" cmpd="sng" algn="ctr">
+            <a:solidFill>
+              <a:schemeClr val="tx1"/>
+            </a:solidFill>
+            <a:prstDash val="solid"/>
+            <a:round/>
+            <a:headEnd type="none" w="med" len="med"/>
+            <a:tailEnd type="arrow"/>
+          </a:ln>
+          <a:effectLst/>
+        </p:spPr>
+      </p:cxnSp>
+      <p:cxnSp>
+        <p:nvCxnSpPr>
+          <p:cNvPr id="40" name="Straight Arrow Connector 39"/>
+          <p:cNvCxnSpPr/>
+          <p:nvPr/>
+        </p:nvCxnSpPr>
+        <p:spPr bwMode="auto">
+          <a:xfrm rot="10800000" flipV="1">
+            <a:off x="1320021" y="2489982"/>
+            <a:ext cx="6135857" cy="335278"/>
+          </a:xfrm>
+          <a:prstGeom prst="straightConnector1">
+            <a:avLst/>
+          </a:prstGeom>
+          <a:solidFill>
+            <a:schemeClr val="accent1"/>
+          </a:solidFill>
+          <a:ln w="9525" cap="flat" cmpd="sng" algn="ctr">
+            <a:solidFill>
+              <a:schemeClr val="tx1"/>
+            </a:solidFill>
+            <a:prstDash val="solid"/>
+            <a:round/>
+            <a:headEnd type="none" w="med" len="med"/>
+            <a:tailEnd type="arrow"/>
+          </a:ln>
+          <a:effectLst/>
+        </p:spPr>
+      </p:cxnSp>
+      <p:sp>
+        <p:nvSpPr>
+          <p:cNvPr id="42" name="TextBox 41"/>
+          <p:cNvSpPr txBox="1"/>
+          <p:nvPr/>
+        </p:nvSpPr>
+        <p:spPr>
+          <a:xfrm>
+            <a:off x="5261316" y="2771331"/>
+            <a:ext cx="2226892" cy="369332"/>
+          </a:xfrm>
+          <a:prstGeom prst="rect">
+            <a:avLst/>
+          </a:prstGeom>
+          <a:noFill/>
+        </p:spPr>
+        <p:txBody>
+          <a:bodyPr wrap="none" rtlCol="0">
+            <a:spAutoFit/>
+          </a:bodyPr>
+          <a:lstStyle/>
+          <a:p>
+            <a:r>
+              <a:rPr lang="en-US" dirty="0" err="1" smtClean="0">
+                <a:solidFill>
+                  <a:schemeClr val="tx1"/>
+                </a:solidFill>
+              </a:rPr>
+              <a:t>pushAppointment</a:t>
+            </a:r>
+            <a:endParaRPr lang="en-US" dirty="0" smtClean="0">
+              <a:solidFill>
+                <a:schemeClr val="tx1"/>
+              </a:solidFill>
+            </a:endParaRPr>
+          </a:p>
+        </p:txBody>
+      </p:sp>
+    </p:spTree>
+    <p:extLst>
+      <p:ext uri="{BB962C8B-B14F-4D97-AF65-F5344CB8AC3E}">
+        <p14:creationId xmlns:p14="http://schemas.microsoft.com/office/powerpoint/2010/main" xmlns="" val="1623943854"/>
+      </p:ext>
+    </p:extLst>
+  </p:cSld>
+  <p:clrMapOvr>
+    <a:masterClrMapping/>
+  </p:clrMapOvr>
+</p:sld>
+</file>
+
+<file path=ppt/slides/slide11.xml><?xml version="1.0" encoding="utf-8"?>
+<p:sld xmlns:a="http://schemas.openxmlformats.org/drawingml/2006/main" xmlns:r="http://schemas.openxmlformats.org/officeDocument/2006/relationships" xmlns:p="http://schemas.openxmlformats.org/presentationml/2006/main">
+  <p:cSld>
+    <p:spTree>
+      <p:nvGrpSpPr>
+        <p:cNvPr id="1" name=""/>
+        <p:cNvGrpSpPr/>
+        <p:nvPr/>
+      </p:nvGrpSpPr>
+      <p:grpSpPr>
+        <a:xfrm>
+          <a:off x="0" y="0"/>
+          <a:ext cx="0" cy="0"/>
+          <a:chOff x="0" y="0"/>
+          <a:chExt cx="0" cy="0"/>
+        </a:xfrm>
+      </p:grpSpPr>
+      <p:sp>
+        <p:nvSpPr>
+          <p:cNvPr id="2" name="Title 1"/>
+          <p:cNvSpPr>
+            <a:spLocks noGrp="1"/>
+          </p:cNvSpPr>
+          <p:nvPr>
+            <p:ph type="title"/>
+          </p:nvPr>
+        </p:nvSpPr>
+        <p:spPr/>
+        <p:txBody>
+          <a:bodyPr/>
+          <a:lstStyle/>
+          <a:p>
+            <a:r>
+              <a:rPr lang="en-US" noProof="1" smtClean="0"/>
+              <a:t>Server API Version 1</a:t>
+            </a:r>
+            <a:endParaRPr lang="en-US" noProof="1"/>
+          </a:p>
+        </p:txBody>
+      </p:sp>
+      <p:sp>
+        <p:nvSpPr>
+          <p:cNvPr id="4" name="Footer Placeholder 3"/>
+          <p:cNvSpPr>
+            <a:spLocks noGrp="1"/>
+          </p:cNvSpPr>
+          <p:nvPr>
+            <p:ph type="ftr" sz="quarter" idx="10"/>
+          </p:nvPr>
+        </p:nvSpPr>
+        <p:spPr/>
+        <p:txBody>
+          <a:bodyPr/>
+          <a:lstStyle/>
+          <a:p>
+            <a:r>
+              <a:rPr lang="de-DE" smtClean="0"/>
+              <a:t>Find All My Friends | Eingebettete Betriebssysteme | 7. Dezember 2011</a:t>
+            </a:r>
+            <a:endParaRPr lang="de-DE"/>
+          </a:p>
+        </p:txBody>
+      </p:sp>
+      <p:sp>
+        <p:nvSpPr>
+          <p:cNvPr id="5" name="Slide Number Placeholder 4"/>
+          <p:cNvSpPr>
+            <a:spLocks noGrp="1"/>
+          </p:cNvSpPr>
+          <p:nvPr>
+            <p:ph type="sldNum" sz="quarter" idx="11"/>
+          </p:nvPr>
+        </p:nvSpPr>
+        <p:spPr/>
+        <p:txBody>
+          <a:bodyPr/>
+          <a:lstStyle/>
+          <a:p>
+            <a:fld id="{0C6113F6-D982-4F1F-82B4-AFA466AB9AFB}" type="slidenum">
+              <a:rPr lang="de-DE" smtClean="0"/>
+              <a:pPr/>
+              <a:t>11</a:t>
+            </a:fld>
+            <a:endParaRPr lang="de-DE"/>
+          </a:p>
+        </p:txBody>
+      </p:sp>
+      <p:sp>
+        <p:nvSpPr>
+          <p:cNvPr id="6" name="Content Placeholder 5"/>
+          <p:cNvSpPr>
+            <a:spLocks noGrp="1"/>
+          </p:cNvSpPr>
+          <p:nvPr>
+            <p:ph idx="1"/>
+          </p:nvPr>
+        </p:nvSpPr>
+        <p:spPr/>
+        <p:txBody>
+          <a:bodyPr/>
+          <a:lstStyle/>
+          <a:p>
+            <a:r>
+              <a:rPr lang="en-US" dirty="0" smtClean="0"/>
+              <a:t>  Philipp	</a:t>
+            </a:r>
+            <a:r>
+              <a:rPr lang="en-US" dirty="0" err="1" smtClean="0"/>
+              <a:t>Lysann</a:t>
+            </a:r>
+            <a:r>
+              <a:rPr lang="en-US" dirty="0" smtClean="0"/>
+              <a:t>		Frank			Server</a:t>
+            </a:r>
+            <a:endParaRPr lang="en-US" dirty="0"/>
+          </a:p>
+        </p:txBody>
+      </p:sp>
+      <p:cxnSp>
+        <p:nvCxnSpPr>
+          <p:cNvPr id="8" name="Straight Connector 7"/>
+          <p:cNvCxnSpPr/>
+          <p:nvPr/>
+        </p:nvCxnSpPr>
+        <p:spPr bwMode="auto">
+          <a:xfrm rot="16200000" flipH="1">
+            <a:off x="-647118" y="4234369"/>
+            <a:ext cx="3854556" cy="5"/>
+          </a:xfrm>
+          <a:prstGeom prst="line">
+            <a:avLst/>
+          </a:prstGeom>
+          <a:solidFill>
+            <a:schemeClr val="accent1"/>
+          </a:solidFill>
+          <a:ln w="9525" cap="flat" cmpd="sng" algn="ctr">
+            <a:solidFill>
+              <a:schemeClr val="tx1"/>
+            </a:solidFill>
+            <a:prstDash val="solid"/>
+            <a:round/>
+            <a:headEnd type="none" w="med" len="med"/>
+            <a:tailEnd type="none" w="med" len="med"/>
+          </a:ln>
+          <a:effectLst/>
+        </p:spPr>
+      </p:cxnSp>
+      <p:cxnSp>
+        <p:nvCxnSpPr>
+          <p:cNvPr id="11" name="Straight Connector 10"/>
+          <p:cNvCxnSpPr/>
+          <p:nvPr/>
+        </p:nvCxnSpPr>
+        <p:spPr bwMode="auto">
+          <a:xfrm rot="16200000" flipH="1">
+            <a:off x="1066801" y="4232020"/>
+            <a:ext cx="3854556" cy="5"/>
+          </a:xfrm>
+          <a:prstGeom prst="line">
+            <a:avLst/>
+          </a:prstGeom>
+          <a:solidFill>
+            <a:schemeClr val="accent1"/>
+          </a:solidFill>
+          <a:ln w="9525" cap="flat" cmpd="sng" algn="ctr">
+            <a:solidFill>
+              <a:schemeClr val="tx1"/>
+            </a:solidFill>
+            <a:prstDash val="solid"/>
+            <a:round/>
+            <a:headEnd type="none" w="med" len="med"/>
+            <a:tailEnd type="none" w="med" len="med"/>
+          </a:ln>
+          <a:effectLst/>
+        </p:spPr>
+      </p:cxnSp>
+      <p:cxnSp>
+        <p:nvCxnSpPr>
+          <p:cNvPr id="12" name="Straight Connector 11"/>
+          <p:cNvCxnSpPr/>
+          <p:nvPr/>
+        </p:nvCxnSpPr>
+        <p:spPr bwMode="auto">
+          <a:xfrm rot="16200000" flipH="1">
+            <a:off x="2754917" y="4232023"/>
+            <a:ext cx="3854556" cy="5"/>
+          </a:xfrm>
+          <a:prstGeom prst="line">
+            <a:avLst/>
+          </a:prstGeom>
+          <a:solidFill>
+            <a:schemeClr val="accent1"/>
+          </a:solidFill>
+          <a:ln w="9525" cap="flat" cmpd="sng" algn="ctr">
+            <a:solidFill>
+              <a:schemeClr val="tx1"/>
+            </a:solidFill>
+            <a:prstDash val="solid"/>
+            <a:round/>
+            <a:headEnd type="none" w="med" len="med"/>
+            <a:tailEnd type="none" w="med" len="med"/>
+          </a:ln>
+          <a:effectLst/>
+        </p:spPr>
+      </p:cxnSp>
+      <p:cxnSp>
+        <p:nvCxnSpPr>
+          <p:cNvPr id="13" name="Straight Connector 12"/>
+          <p:cNvCxnSpPr/>
+          <p:nvPr/>
+        </p:nvCxnSpPr>
+        <p:spPr bwMode="auto">
+          <a:xfrm rot="16200000" flipH="1">
+            <a:off x="5498118" y="4232019"/>
+            <a:ext cx="3854556" cy="5"/>
+          </a:xfrm>
+          <a:prstGeom prst="line">
+            <a:avLst/>
+          </a:prstGeom>
+          <a:solidFill>
+            <a:schemeClr val="accent1"/>
+          </a:solidFill>
+          <a:ln w="9525" cap="flat" cmpd="sng" algn="ctr">
+            <a:solidFill>
+              <a:schemeClr val="tx1"/>
+            </a:solidFill>
+            <a:prstDash val="solid"/>
+            <a:round/>
+            <a:headEnd type="none" w="med" len="med"/>
+            <a:tailEnd type="none" w="med" len="med"/>
+          </a:ln>
+          <a:effectLst/>
+        </p:spPr>
+      </p:cxnSp>
+      <p:cxnSp>
+        <p:nvCxnSpPr>
+          <p:cNvPr id="15" name="Straight Arrow Connector 14"/>
+          <p:cNvCxnSpPr/>
+          <p:nvPr/>
+        </p:nvCxnSpPr>
+        <p:spPr bwMode="auto">
+          <a:xfrm>
+            <a:off x="4684542" y="2363372"/>
+            <a:ext cx="2743200" cy="56271"/>
+          </a:xfrm>
+          <a:prstGeom prst="straightConnector1">
+            <a:avLst/>
+          </a:prstGeom>
+          <a:solidFill>
+            <a:schemeClr val="accent1"/>
+          </a:solidFill>
+          <a:ln w="9525" cap="flat" cmpd="sng" algn="ctr">
+            <a:solidFill>
+              <a:schemeClr val="tx1"/>
+            </a:solidFill>
+            <a:prstDash val="solid"/>
+            <a:round/>
+            <a:headEnd type="none" w="med" len="med"/>
+            <a:tailEnd type="arrow"/>
+          </a:ln>
+          <a:effectLst/>
+        </p:spPr>
+      </p:cxnSp>
+      <p:cxnSp>
+        <p:nvCxnSpPr>
+          <p:cNvPr id="27" name="Straight Arrow Connector 26"/>
+          <p:cNvCxnSpPr/>
+          <p:nvPr/>
+        </p:nvCxnSpPr>
+        <p:spPr bwMode="auto">
+          <a:xfrm rot="10800000" flipV="1">
+            <a:off x="4656407" y="2715067"/>
+            <a:ext cx="2771347" cy="154741"/>
+          </a:xfrm>
+          <a:prstGeom prst="straightConnector1">
+            <a:avLst/>
+          </a:prstGeom>
+          <a:solidFill>
+            <a:schemeClr val="accent1"/>
+          </a:solidFill>
+          <a:ln w="9525" cap="flat" cmpd="sng" algn="ctr">
+            <a:solidFill>
+              <a:schemeClr val="tx1"/>
+            </a:solidFill>
+            <a:prstDash val="solid"/>
+            <a:round/>
+            <a:headEnd type="none" w="med" len="med"/>
+            <a:tailEnd type="arrow"/>
+          </a:ln>
+          <a:effectLst/>
+        </p:spPr>
+      </p:cxnSp>
+      <p:sp>
+        <p:nvSpPr>
+          <p:cNvPr id="37" name="TextBox 36"/>
+          <p:cNvSpPr txBox="1"/>
+          <p:nvPr/>
+        </p:nvSpPr>
+        <p:spPr>
+          <a:xfrm>
+            <a:off x="4923686" y="2053878"/>
+            <a:ext cx="2393605" cy="369332"/>
+          </a:xfrm>
+          <a:prstGeom prst="rect">
+            <a:avLst/>
+          </a:prstGeom>
+          <a:noFill/>
+        </p:spPr>
+        <p:txBody>
+          <a:bodyPr wrap="none" rtlCol="0">
+            <a:spAutoFit/>
+          </a:bodyPr>
+          <a:lstStyle/>
+          <a:p>
+            <a:r>
+              <a:rPr lang="en-US" dirty="0" err="1" smtClean="0">
+                <a:solidFill>
+                  <a:schemeClr val="tx1"/>
+                </a:solidFill>
+              </a:rPr>
+              <a:t>createAppointment</a:t>
+            </a:r>
+            <a:endParaRPr lang="en-US" dirty="0" smtClean="0">
+              <a:solidFill>
+                <a:schemeClr val="tx1"/>
+              </a:solidFill>
+            </a:endParaRPr>
+          </a:p>
+        </p:txBody>
+      </p:sp>
+      <p:cxnSp>
+        <p:nvCxnSpPr>
+          <p:cNvPr id="38" name="Straight Arrow Connector 37"/>
+          <p:cNvCxnSpPr/>
+          <p:nvPr/>
+        </p:nvCxnSpPr>
+        <p:spPr bwMode="auto">
+          <a:xfrm rot="10800000" flipV="1">
+            <a:off x="2994075" y="2616591"/>
+            <a:ext cx="4447734" cy="250872"/>
+          </a:xfrm>
+          <a:prstGeom prst="straightConnector1">
+            <a:avLst/>
+          </a:prstGeom>
+          <a:solidFill>
+            <a:schemeClr val="accent1"/>
+          </a:solidFill>
+          <a:ln w="9525" cap="flat" cmpd="sng" algn="ctr">
+            <a:solidFill>
+              <a:schemeClr val="tx1"/>
+            </a:solidFill>
+            <a:prstDash val="solid"/>
+            <a:round/>
+            <a:headEnd type="none" w="med" len="med"/>
+            <a:tailEnd type="arrow"/>
+          </a:ln>
+          <a:effectLst/>
+        </p:spPr>
+      </p:cxnSp>
+      <p:cxnSp>
+        <p:nvCxnSpPr>
+          <p:cNvPr id="40" name="Straight Arrow Connector 39"/>
+          <p:cNvCxnSpPr/>
+          <p:nvPr/>
+        </p:nvCxnSpPr>
+        <p:spPr bwMode="auto">
+          <a:xfrm rot="10800000" flipV="1">
+            <a:off x="1320021" y="2489982"/>
+            <a:ext cx="6135857" cy="335278"/>
+          </a:xfrm>
+          <a:prstGeom prst="straightConnector1">
+            <a:avLst/>
+          </a:prstGeom>
+          <a:solidFill>
+            <a:schemeClr val="accent1"/>
+          </a:solidFill>
+          <a:ln w="9525" cap="flat" cmpd="sng" algn="ctr">
+            <a:solidFill>
+              <a:schemeClr val="tx1"/>
+            </a:solidFill>
+            <a:prstDash val="solid"/>
+            <a:round/>
+            <a:headEnd type="none" w="med" len="med"/>
+            <a:tailEnd type="arrow"/>
+          </a:ln>
+          <a:effectLst/>
+        </p:spPr>
+      </p:cxnSp>
+      <p:sp>
+        <p:nvSpPr>
+          <p:cNvPr id="42" name="TextBox 41"/>
+          <p:cNvSpPr txBox="1"/>
+          <p:nvPr/>
+        </p:nvSpPr>
+        <p:spPr>
+          <a:xfrm>
+            <a:off x="5261316" y="2771331"/>
+            <a:ext cx="2226892" cy="369332"/>
+          </a:xfrm>
+          <a:prstGeom prst="rect">
+            <a:avLst/>
+          </a:prstGeom>
+          <a:noFill/>
+        </p:spPr>
+        <p:txBody>
+          <a:bodyPr wrap="none" rtlCol="0">
+            <a:spAutoFit/>
+          </a:bodyPr>
+          <a:lstStyle/>
+          <a:p>
+            <a:r>
+              <a:rPr lang="en-US" dirty="0" err="1" smtClean="0">
+                <a:solidFill>
+                  <a:schemeClr val="tx1"/>
+                </a:solidFill>
+              </a:rPr>
+              <a:t>pushAppointment</a:t>
+            </a:r>
+            <a:endParaRPr lang="en-US" dirty="0" smtClean="0">
+              <a:solidFill>
+                <a:schemeClr val="tx1"/>
+              </a:solidFill>
+            </a:endParaRPr>
+          </a:p>
+        </p:txBody>
+      </p:sp>
+      <p:cxnSp>
+        <p:nvCxnSpPr>
+          <p:cNvPr id="45" name="Straight Arrow Connector 44"/>
+          <p:cNvCxnSpPr/>
+          <p:nvPr/>
+        </p:nvCxnSpPr>
+        <p:spPr bwMode="auto">
+          <a:xfrm>
+            <a:off x="3008139" y="3866278"/>
+            <a:ext cx="4433670" cy="86752"/>
+          </a:xfrm>
+          <a:prstGeom prst="straightConnector1">
+            <a:avLst/>
+          </a:prstGeom>
+          <a:solidFill>
+            <a:schemeClr val="accent1"/>
+          </a:solidFill>
+          <a:ln w="9525" cap="flat" cmpd="sng" algn="ctr">
+            <a:solidFill>
+              <a:schemeClr val="tx1"/>
+            </a:solidFill>
+            <a:prstDash val="solid"/>
+            <a:round/>
+            <a:headEnd type="none" w="med" len="med"/>
+            <a:tailEnd type="arrow"/>
+          </a:ln>
+          <a:effectLst/>
+        </p:spPr>
+      </p:cxnSp>
+      <p:sp>
+        <p:nvSpPr>
+          <p:cNvPr id="47" name="TextBox 46"/>
+          <p:cNvSpPr txBox="1"/>
+          <p:nvPr/>
+        </p:nvSpPr>
+        <p:spPr>
+          <a:xfrm>
+            <a:off x="3137089" y="3545061"/>
+            <a:ext cx="1731180" cy="369332"/>
+          </a:xfrm>
+          <a:prstGeom prst="rect">
+            <a:avLst/>
+          </a:prstGeom>
+          <a:noFill/>
+        </p:spPr>
+        <p:txBody>
+          <a:bodyPr wrap="none" rtlCol="0">
+            <a:spAutoFit/>
+          </a:bodyPr>
+          <a:lstStyle/>
+          <a:p>
+            <a:r>
+              <a:rPr lang="en-US" dirty="0" err="1" smtClean="0">
+                <a:solidFill>
+                  <a:schemeClr val="tx1"/>
+                </a:solidFill>
+              </a:rPr>
+              <a:t>getTravelPlan</a:t>
+            </a:r>
+            <a:endParaRPr lang="en-US" dirty="0" smtClean="0">
+              <a:solidFill>
+                <a:schemeClr val="tx1"/>
+              </a:solidFill>
+            </a:endParaRPr>
+          </a:p>
+        </p:txBody>
+      </p:sp>
+    </p:spTree>
+    <p:extLst>
+      <p:ext uri="{BB962C8B-B14F-4D97-AF65-F5344CB8AC3E}">
+        <p14:creationId xmlns:p14="http://schemas.microsoft.com/office/powerpoint/2010/main" xmlns="" val="1623943854"/>
+      </p:ext>
+    </p:extLst>
+  </p:cSld>
+  <p:clrMapOvr>
+    <a:masterClrMapping/>
+  </p:clrMapOvr>
+</p:sld>
+</file>
+
+<file path=ppt/slides/slide12.xml><?xml version="1.0" encoding="utf-8"?>
+<p:sld xmlns:a="http://schemas.openxmlformats.org/drawingml/2006/main" xmlns:r="http://schemas.openxmlformats.org/officeDocument/2006/relationships" xmlns:p="http://schemas.openxmlformats.org/presentationml/2006/main">
+  <p:cSld>
+    <p:spTree>
+      <p:nvGrpSpPr>
+        <p:cNvPr id="1" name=""/>
+        <p:cNvGrpSpPr/>
+        <p:nvPr/>
+      </p:nvGrpSpPr>
+      <p:grpSpPr>
+        <a:xfrm>
+          <a:off x="0" y="0"/>
+          <a:ext cx="0" cy="0"/>
+          <a:chOff x="0" y="0"/>
+          <a:chExt cx="0" cy="0"/>
+        </a:xfrm>
+      </p:grpSpPr>
+      <p:sp>
+        <p:nvSpPr>
+          <p:cNvPr id="2" name="Title 1"/>
+          <p:cNvSpPr>
+            <a:spLocks noGrp="1"/>
+          </p:cNvSpPr>
+          <p:nvPr>
+            <p:ph type="title"/>
+          </p:nvPr>
+        </p:nvSpPr>
+        <p:spPr/>
+        <p:txBody>
+          <a:bodyPr/>
+          <a:lstStyle/>
+          <a:p>
+            <a:r>
+              <a:rPr lang="en-US" noProof="1" smtClean="0"/>
+              <a:t>Server API Version 1</a:t>
+            </a:r>
+            <a:endParaRPr lang="en-US" noProof="1"/>
+          </a:p>
+        </p:txBody>
+      </p:sp>
+      <p:sp>
+        <p:nvSpPr>
+          <p:cNvPr id="4" name="Footer Placeholder 3"/>
+          <p:cNvSpPr>
+            <a:spLocks noGrp="1"/>
+          </p:cNvSpPr>
+          <p:nvPr>
+            <p:ph type="ftr" sz="quarter" idx="10"/>
+          </p:nvPr>
+        </p:nvSpPr>
+        <p:spPr/>
+        <p:txBody>
+          <a:bodyPr/>
+          <a:lstStyle/>
+          <a:p>
+            <a:r>
+              <a:rPr lang="de-DE" smtClean="0"/>
+              <a:t>Find All My Friends | Eingebettete Betriebssysteme | 7. Dezember 2011</a:t>
+            </a:r>
+            <a:endParaRPr lang="de-DE"/>
+          </a:p>
+        </p:txBody>
+      </p:sp>
+      <p:sp>
+        <p:nvSpPr>
+          <p:cNvPr id="5" name="Slide Number Placeholder 4"/>
+          <p:cNvSpPr>
+            <a:spLocks noGrp="1"/>
+          </p:cNvSpPr>
+          <p:nvPr>
+            <p:ph type="sldNum" sz="quarter" idx="11"/>
+          </p:nvPr>
+        </p:nvSpPr>
+        <p:spPr/>
+        <p:txBody>
+          <a:bodyPr/>
+          <a:lstStyle/>
+          <a:p>
+            <a:fld id="{0C6113F6-D982-4F1F-82B4-AFA466AB9AFB}" type="slidenum">
+              <a:rPr lang="de-DE" smtClean="0"/>
+              <a:pPr/>
+              <a:t>12</a:t>
+            </a:fld>
+            <a:endParaRPr lang="de-DE"/>
+          </a:p>
+        </p:txBody>
+      </p:sp>
+      <p:sp>
+        <p:nvSpPr>
+          <p:cNvPr id="6" name="Content Placeholder 5"/>
+          <p:cNvSpPr>
+            <a:spLocks noGrp="1"/>
+          </p:cNvSpPr>
+          <p:nvPr>
+            <p:ph idx="1"/>
+          </p:nvPr>
+        </p:nvSpPr>
+        <p:spPr/>
+        <p:txBody>
+          <a:bodyPr/>
+          <a:lstStyle/>
+          <a:p>
+            <a:r>
+              <a:rPr lang="en-US" dirty="0" smtClean="0"/>
+              <a:t>  Philipp	</a:t>
+            </a:r>
+            <a:r>
+              <a:rPr lang="en-US" dirty="0" err="1" smtClean="0"/>
+              <a:t>Lysann</a:t>
+            </a:r>
+            <a:r>
+              <a:rPr lang="en-US" dirty="0" smtClean="0"/>
+              <a:t>		Frank			Server</a:t>
+            </a:r>
+            <a:endParaRPr lang="en-US" dirty="0"/>
+          </a:p>
+        </p:txBody>
+      </p:sp>
+      <p:cxnSp>
+        <p:nvCxnSpPr>
+          <p:cNvPr id="8" name="Straight Connector 7"/>
+          <p:cNvCxnSpPr/>
+          <p:nvPr/>
+        </p:nvCxnSpPr>
+        <p:spPr bwMode="auto">
+          <a:xfrm rot="16200000" flipH="1">
+            <a:off x="-647118" y="4234369"/>
+            <a:ext cx="3854556" cy="5"/>
+          </a:xfrm>
+          <a:prstGeom prst="line">
+            <a:avLst/>
+          </a:prstGeom>
+          <a:solidFill>
+            <a:schemeClr val="accent1"/>
+          </a:solidFill>
+          <a:ln w="9525" cap="flat" cmpd="sng" algn="ctr">
+            <a:solidFill>
+              <a:schemeClr val="tx1"/>
+            </a:solidFill>
+            <a:prstDash val="solid"/>
+            <a:round/>
+            <a:headEnd type="none" w="med" len="med"/>
+            <a:tailEnd type="none" w="med" len="med"/>
+          </a:ln>
+          <a:effectLst/>
+        </p:spPr>
+      </p:cxnSp>
+      <p:cxnSp>
+        <p:nvCxnSpPr>
+          <p:cNvPr id="11" name="Straight Connector 10"/>
+          <p:cNvCxnSpPr/>
+          <p:nvPr/>
+        </p:nvCxnSpPr>
+        <p:spPr bwMode="auto">
+          <a:xfrm rot="16200000" flipH="1">
+            <a:off x="1066801" y="4232020"/>
+            <a:ext cx="3854556" cy="5"/>
+          </a:xfrm>
+          <a:prstGeom prst="line">
+            <a:avLst/>
+          </a:prstGeom>
+          <a:solidFill>
+            <a:schemeClr val="accent1"/>
+          </a:solidFill>
+          <a:ln w="9525" cap="flat" cmpd="sng" algn="ctr">
+            <a:solidFill>
+              <a:schemeClr val="tx1"/>
+            </a:solidFill>
+            <a:prstDash val="solid"/>
+            <a:round/>
+            <a:headEnd type="none" w="med" len="med"/>
+            <a:tailEnd type="none" w="med" len="med"/>
+          </a:ln>
+          <a:effectLst/>
+        </p:spPr>
+      </p:cxnSp>
+      <p:cxnSp>
+        <p:nvCxnSpPr>
+          <p:cNvPr id="12" name="Straight Connector 11"/>
+          <p:cNvCxnSpPr/>
+          <p:nvPr/>
+        </p:nvCxnSpPr>
+        <p:spPr bwMode="auto">
+          <a:xfrm rot="16200000" flipH="1">
+            <a:off x="2754917" y="4232023"/>
+            <a:ext cx="3854556" cy="5"/>
+          </a:xfrm>
+          <a:prstGeom prst="line">
+            <a:avLst/>
+          </a:prstGeom>
+          <a:solidFill>
+            <a:schemeClr val="accent1"/>
+          </a:solidFill>
+          <a:ln w="9525" cap="flat" cmpd="sng" algn="ctr">
+            <a:solidFill>
+              <a:schemeClr val="tx1"/>
+            </a:solidFill>
+            <a:prstDash val="solid"/>
+            <a:round/>
+            <a:headEnd type="none" w="med" len="med"/>
+            <a:tailEnd type="none" w="med" len="med"/>
+          </a:ln>
+          <a:effectLst/>
+        </p:spPr>
+      </p:cxnSp>
+      <p:cxnSp>
+        <p:nvCxnSpPr>
+          <p:cNvPr id="13" name="Straight Connector 12"/>
+          <p:cNvCxnSpPr/>
+          <p:nvPr/>
+        </p:nvCxnSpPr>
+        <p:spPr bwMode="auto">
+          <a:xfrm rot="16200000" flipH="1">
+            <a:off x="5498118" y="4232019"/>
+            <a:ext cx="3854556" cy="5"/>
+          </a:xfrm>
+          <a:prstGeom prst="line">
+            <a:avLst/>
+          </a:prstGeom>
+          <a:solidFill>
+            <a:schemeClr val="accent1"/>
+          </a:solidFill>
+          <a:ln w="9525" cap="flat" cmpd="sng" algn="ctr">
+            <a:solidFill>
+              <a:schemeClr val="tx1"/>
+            </a:solidFill>
+            <a:prstDash val="solid"/>
+            <a:round/>
+            <a:headEnd type="none" w="med" len="med"/>
+            <a:tailEnd type="none" w="med" len="med"/>
+          </a:ln>
+          <a:effectLst/>
+        </p:spPr>
+      </p:cxnSp>
+      <p:cxnSp>
+        <p:nvCxnSpPr>
+          <p:cNvPr id="15" name="Straight Arrow Connector 14"/>
+          <p:cNvCxnSpPr/>
+          <p:nvPr/>
+        </p:nvCxnSpPr>
+        <p:spPr bwMode="auto">
+          <a:xfrm>
+            <a:off x="4684542" y="2363372"/>
+            <a:ext cx="2743200" cy="56271"/>
+          </a:xfrm>
+          <a:prstGeom prst="straightConnector1">
+            <a:avLst/>
+          </a:prstGeom>
+          <a:solidFill>
+            <a:schemeClr val="accent1"/>
+          </a:solidFill>
+          <a:ln w="9525" cap="flat" cmpd="sng" algn="ctr">
+            <a:solidFill>
+              <a:schemeClr val="tx1"/>
+            </a:solidFill>
+            <a:prstDash val="solid"/>
+            <a:round/>
+            <a:headEnd type="none" w="med" len="med"/>
+            <a:tailEnd type="arrow"/>
+          </a:ln>
+          <a:effectLst/>
+        </p:spPr>
+      </p:cxnSp>
+      <p:cxnSp>
+        <p:nvCxnSpPr>
+          <p:cNvPr id="27" name="Straight Arrow Connector 26"/>
+          <p:cNvCxnSpPr/>
+          <p:nvPr/>
+        </p:nvCxnSpPr>
+        <p:spPr bwMode="auto">
+          <a:xfrm rot="10800000" flipV="1">
+            <a:off x="4656407" y="2715067"/>
+            <a:ext cx="2771347" cy="154741"/>
+          </a:xfrm>
+          <a:prstGeom prst="straightConnector1">
+            <a:avLst/>
+          </a:prstGeom>
+          <a:solidFill>
+            <a:schemeClr val="accent1"/>
+          </a:solidFill>
+          <a:ln w="9525" cap="flat" cmpd="sng" algn="ctr">
+            <a:solidFill>
+              <a:schemeClr val="tx1"/>
+            </a:solidFill>
+            <a:prstDash val="solid"/>
+            <a:round/>
+            <a:headEnd type="none" w="med" len="med"/>
+            <a:tailEnd type="arrow"/>
+          </a:ln>
+          <a:effectLst/>
+        </p:spPr>
+      </p:cxnSp>
+      <p:sp>
+        <p:nvSpPr>
+          <p:cNvPr id="37" name="TextBox 36"/>
+          <p:cNvSpPr txBox="1"/>
+          <p:nvPr/>
+        </p:nvSpPr>
+        <p:spPr>
+          <a:xfrm>
+            <a:off x="4923686" y="2053878"/>
+            <a:ext cx="2393605" cy="369332"/>
+          </a:xfrm>
+          <a:prstGeom prst="rect">
+            <a:avLst/>
+          </a:prstGeom>
+          <a:noFill/>
+        </p:spPr>
+        <p:txBody>
+          <a:bodyPr wrap="none" rtlCol="0">
+            <a:spAutoFit/>
+          </a:bodyPr>
+          <a:lstStyle/>
+          <a:p>
+            <a:r>
+              <a:rPr lang="en-US" dirty="0" err="1" smtClean="0">
+                <a:solidFill>
+                  <a:schemeClr val="tx1"/>
+                </a:solidFill>
+              </a:rPr>
+              <a:t>createAppointment</a:t>
+            </a:r>
+            <a:endParaRPr lang="en-US" dirty="0" smtClean="0">
+              <a:solidFill>
+                <a:schemeClr val="tx1"/>
+              </a:solidFill>
+            </a:endParaRPr>
+          </a:p>
+        </p:txBody>
+      </p:sp>
+      <p:cxnSp>
+        <p:nvCxnSpPr>
+          <p:cNvPr id="38" name="Straight Arrow Connector 37"/>
+          <p:cNvCxnSpPr/>
+          <p:nvPr/>
+        </p:nvCxnSpPr>
+        <p:spPr bwMode="auto">
+          <a:xfrm rot="10800000" flipV="1">
+            <a:off x="2994075" y="2616591"/>
+            <a:ext cx="4447734" cy="250872"/>
+          </a:xfrm>
+          <a:prstGeom prst="straightConnector1">
+            <a:avLst/>
+          </a:prstGeom>
+          <a:solidFill>
+            <a:schemeClr val="accent1"/>
+          </a:solidFill>
+          <a:ln w="9525" cap="flat" cmpd="sng" algn="ctr">
+            <a:solidFill>
+              <a:schemeClr val="tx1"/>
+            </a:solidFill>
+            <a:prstDash val="solid"/>
+            <a:round/>
+            <a:headEnd type="none" w="med" len="med"/>
+            <a:tailEnd type="arrow"/>
+          </a:ln>
+          <a:effectLst/>
+        </p:spPr>
+      </p:cxnSp>
+      <p:cxnSp>
+        <p:nvCxnSpPr>
+          <p:cNvPr id="40" name="Straight Arrow Connector 39"/>
+          <p:cNvCxnSpPr/>
+          <p:nvPr/>
+        </p:nvCxnSpPr>
+        <p:spPr bwMode="auto">
+          <a:xfrm rot="10800000" flipV="1">
+            <a:off x="1320021" y="2489982"/>
+            <a:ext cx="6135857" cy="335278"/>
+          </a:xfrm>
+          <a:prstGeom prst="straightConnector1">
+            <a:avLst/>
+          </a:prstGeom>
+          <a:solidFill>
+            <a:schemeClr val="accent1"/>
+          </a:solidFill>
+          <a:ln w="9525" cap="flat" cmpd="sng" algn="ctr">
+            <a:solidFill>
+              <a:schemeClr val="tx1"/>
+            </a:solidFill>
+            <a:prstDash val="solid"/>
+            <a:round/>
+            <a:headEnd type="none" w="med" len="med"/>
+            <a:tailEnd type="arrow"/>
+          </a:ln>
+          <a:effectLst/>
+        </p:spPr>
+      </p:cxnSp>
+      <p:sp>
+        <p:nvSpPr>
+          <p:cNvPr id="42" name="TextBox 41"/>
+          <p:cNvSpPr txBox="1"/>
+          <p:nvPr/>
+        </p:nvSpPr>
+        <p:spPr>
+          <a:xfrm>
+            <a:off x="5261316" y="2771331"/>
+            <a:ext cx="2226892" cy="369332"/>
+          </a:xfrm>
+          <a:prstGeom prst="rect">
+            <a:avLst/>
+          </a:prstGeom>
+          <a:noFill/>
+        </p:spPr>
+        <p:txBody>
+          <a:bodyPr wrap="none" rtlCol="0">
+            <a:spAutoFit/>
+          </a:bodyPr>
+          <a:lstStyle/>
+          <a:p>
+            <a:r>
+              <a:rPr lang="en-US" dirty="0" err="1" smtClean="0">
+                <a:solidFill>
+                  <a:schemeClr val="tx1"/>
+                </a:solidFill>
+              </a:rPr>
+              <a:t>pushAppointment</a:t>
+            </a:r>
+            <a:endParaRPr lang="en-US" dirty="0" smtClean="0">
+              <a:solidFill>
+                <a:schemeClr val="tx1"/>
+              </a:solidFill>
+            </a:endParaRPr>
+          </a:p>
+        </p:txBody>
+      </p:sp>
+      <p:cxnSp>
+        <p:nvCxnSpPr>
+          <p:cNvPr id="45" name="Straight Arrow Connector 44"/>
+          <p:cNvCxnSpPr/>
+          <p:nvPr/>
+        </p:nvCxnSpPr>
+        <p:spPr bwMode="auto">
+          <a:xfrm>
+            <a:off x="3008139" y="3866278"/>
+            <a:ext cx="4433670" cy="86752"/>
+          </a:xfrm>
+          <a:prstGeom prst="straightConnector1">
+            <a:avLst/>
+          </a:prstGeom>
+          <a:solidFill>
+            <a:schemeClr val="accent1"/>
+          </a:solidFill>
+          <a:ln w="9525" cap="flat" cmpd="sng" algn="ctr">
+            <a:solidFill>
+              <a:schemeClr val="tx1"/>
+            </a:solidFill>
+            <a:prstDash val="solid"/>
+            <a:round/>
+            <a:headEnd type="none" w="med" len="med"/>
+            <a:tailEnd type="arrow"/>
+          </a:ln>
+          <a:effectLst/>
+        </p:spPr>
+      </p:cxnSp>
+      <p:sp>
+        <p:nvSpPr>
+          <p:cNvPr id="47" name="TextBox 46"/>
+          <p:cNvSpPr txBox="1"/>
+          <p:nvPr/>
+        </p:nvSpPr>
+        <p:spPr>
+          <a:xfrm>
+            <a:off x="3137089" y="3545061"/>
+            <a:ext cx="1731180" cy="369332"/>
+          </a:xfrm>
+          <a:prstGeom prst="rect">
+            <a:avLst/>
+          </a:prstGeom>
+          <a:noFill/>
+        </p:spPr>
+        <p:txBody>
+          <a:bodyPr wrap="none" rtlCol="0">
+            <a:spAutoFit/>
+          </a:bodyPr>
+          <a:lstStyle/>
+          <a:p>
+            <a:r>
+              <a:rPr lang="en-US" dirty="0" err="1" smtClean="0">
+                <a:solidFill>
+                  <a:schemeClr val="tx1"/>
+                </a:solidFill>
+              </a:rPr>
+              <a:t>getTravelPlan</a:t>
+            </a:r>
+            <a:endParaRPr lang="en-US" dirty="0" smtClean="0">
+              <a:solidFill>
+                <a:schemeClr val="tx1"/>
+              </a:solidFill>
+            </a:endParaRPr>
+          </a:p>
+        </p:txBody>
+      </p:sp>
+      <p:cxnSp>
+        <p:nvCxnSpPr>
+          <p:cNvPr id="48" name="Straight Arrow Connector 47"/>
+          <p:cNvCxnSpPr/>
+          <p:nvPr/>
+        </p:nvCxnSpPr>
+        <p:spPr bwMode="auto">
+          <a:xfrm>
+            <a:off x="3005791" y="4356310"/>
+            <a:ext cx="4433670" cy="86752"/>
+          </a:xfrm>
+          <a:prstGeom prst="straightConnector1">
+            <a:avLst/>
+          </a:prstGeom>
+          <a:solidFill>
+            <a:schemeClr val="accent1"/>
+          </a:solidFill>
+          <a:ln w="9525" cap="flat" cmpd="sng" algn="ctr">
+            <a:solidFill>
+              <a:schemeClr val="tx1"/>
+            </a:solidFill>
+            <a:prstDash val="solid"/>
+            <a:round/>
+            <a:headEnd type="none" w="med" len="med"/>
+            <a:tailEnd type="arrow"/>
+          </a:ln>
+          <a:effectLst/>
+        </p:spPr>
+      </p:cxnSp>
+      <p:sp>
+        <p:nvSpPr>
+          <p:cNvPr id="49" name="TextBox 48"/>
+          <p:cNvSpPr txBox="1"/>
+          <p:nvPr/>
+        </p:nvSpPr>
+        <p:spPr>
+          <a:xfrm>
+            <a:off x="3134741" y="4035093"/>
+            <a:ext cx="2100255" cy="369332"/>
+          </a:xfrm>
+          <a:prstGeom prst="rect">
+            <a:avLst/>
+          </a:prstGeom>
+          <a:noFill/>
+        </p:spPr>
+        <p:txBody>
+          <a:bodyPr wrap="none" rtlCol="0">
+            <a:spAutoFit/>
+          </a:bodyPr>
+          <a:lstStyle/>
+          <a:p>
+            <a:r>
+              <a:rPr lang="en-US" dirty="0" err="1" smtClean="0">
+                <a:solidFill>
+                  <a:schemeClr val="tx1"/>
+                </a:solidFill>
+              </a:rPr>
+              <a:t>joinAppointment</a:t>
+            </a:r>
+            <a:endParaRPr lang="en-US" dirty="0" smtClean="0">
+              <a:solidFill>
+                <a:schemeClr val="tx1"/>
+              </a:solidFill>
+            </a:endParaRPr>
+          </a:p>
+        </p:txBody>
+      </p:sp>
+    </p:spTree>
+    <p:extLst>
+      <p:ext uri="{BB962C8B-B14F-4D97-AF65-F5344CB8AC3E}">
+        <p14:creationId xmlns:p14="http://schemas.microsoft.com/office/powerpoint/2010/main" xmlns="" val="1623943854"/>
+      </p:ext>
+    </p:extLst>
+  </p:cSld>
+  <p:clrMapOvr>
+    <a:masterClrMapping/>
+  </p:clrMapOvr>
+</p:sld>
+</file>
+
+<file path=ppt/slides/slide13.xml><?xml version="1.0" encoding="utf-8"?>
+<p:sld xmlns:a="http://schemas.openxmlformats.org/drawingml/2006/main" xmlns:r="http://schemas.openxmlformats.org/officeDocument/2006/relationships" xmlns:p="http://schemas.openxmlformats.org/presentationml/2006/main">
+  <p:cSld>
+    <p:spTree>
+      <p:nvGrpSpPr>
+        <p:cNvPr id="1" name=""/>
+        <p:cNvGrpSpPr/>
+        <p:nvPr/>
+      </p:nvGrpSpPr>
+      <p:grpSpPr>
+        <a:xfrm>
+          <a:off x="0" y="0"/>
+          <a:ext cx="0" cy="0"/>
+          <a:chOff x="0" y="0"/>
+          <a:chExt cx="0" cy="0"/>
+        </a:xfrm>
+      </p:grpSpPr>
+      <p:sp>
+        <p:nvSpPr>
+          <p:cNvPr id="2" name="Title 1"/>
+          <p:cNvSpPr>
+            <a:spLocks noGrp="1"/>
+          </p:cNvSpPr>
+          <p:nvPr>
+            <p:ph type="title"/>
+          </p:nvPr>
+        </p:nvSpPr>
+        <p:spPr/>
+        <p:txBody>
+          <a:bodyPr/>
+          <a:lstStyle/>
+          <a:p>
+            <a:r>
+              <a:rPr lang="en-US" noProof="1" smtClean="0"/>
+              <a:t>Server API Version 1</a:t>
+            </a:r>
+            <a:endParaRPr lang="en-US" noProof="1"/>
+          </a:p>
+        </p:txBody>
+      </p:sp>
+      <p:sp>
+        <p:nvSpPr>
+          <p:cNvPr id="4" name="Footer Placeholder 3"/>
+          <p:cNvSpPr>
+            <a:spLocks noGrp="1"/>
+          </p:cNvSpPr>
+          <p:nvPr>
+            <p:ph type="ftr" sz="quarter" idx="10"/>
+          </p:nvPr>
+        </p:nvSpPr>
+        <p:spPr/>
+        <p:txBody>
+          <a:bodyPr/>
+          <a:lstStyle/>
+          <a:p>
+            <a:r>
+              <a:rPr lang="de-DE" smtClean="0"/>
+              <a:t>Find All My Friends | Eingebettete Betriebssysteme | 7. Dezember 2011</a:t>
+            </a:r>
+            <a:endParaRPr lang="de-DE"/>
+          </a:p>
+        </p:txBody>
+      </p:sp>
+      <p:sp>
+        <p:nvSpPr>
+          <p:cNvPr id="5" name="Slide Number Placeholder 4"/>
+          <p:cNvSpPr>
+            <a:spLocks noGrp="1"/>
+          </p:cNvSpPr>
+          <p:nvPr>
+            <p:ph type="sldNum" sz="quarter" idx="11"/>
+          </p:nvPr>
+        </p:nvSpPr>
+        <p:spPr/>
+        <p:txBody>
+          <a:bodyPr/>
+          <a:lstStyle/>
+          <a:p>
+            <a:fld id="{0C6113F6-D982-4F1F-82B4-AFA466AB9AFB}" type="slidenum">
+              <a:rPr lang="de-DE" smtClean="0"/>
+              <a:pPr/>
+              <a:t>13</a:t>
+            </a:fld>
+            <a:endParaRPr lang="de-DE"/>
+          </a:p>
+        </p:txBody>
+      </p:sp>
+      <p:sp>
+        <p:nvSpPr>
+          <p:cNvPr id="6" name="Content Placeholder 5"/>
+          <p:cNvSpPr>
+            <a:spLocks noGrp="1"/>
+          </p:cNvSpPr>
+          <p:nvPr>
+            <p:ph idx="1"/>
+          </p:nvPr>
+        </p:nvSpPr>
+        <p:spPr/>
+        <p:txBody>
+          <a:bodyPr/>
+          <a:lstStyle/>
+          <a:p>
+            <a:r>
+              <a:rPr lang="en-US" dirty="0" smtClean="0"/>
+              <a:t>  Philipp	</a:t>
+            </a:r>
+            <a:r>
+              <a:rPr lang="en-US" dirty="0" err="1" smtClean="0"/>
+              <a:t>Lysann</a:t>
+            </a:r>
+            <a:r>
+              <a:rPr lang="en-US" dirty="0" smtClean="0"/>
+              <a:t>		Frank			Server</a:t>
+            </a:r>
+            <a:endParaRPr lang="en-US" dirty="0"/>
+          </a:p>
+        </p:txBody>
+      </p:sp>
+      <p:cxnSp>
+        <p:nvCxnSpPr>
+          <p:cNvPr id="8" name="Straight Connector 7"/>
+          <p:cNvCxnSpPr/>
+          <p:nvPr/>
+        </p:nvCxnSpPr>
+        <p:spPr bwMode="auto">
+          <a:xfrm rot="16200000" flipH="1">
+            <a:off x="-647118" y="4234369"/>
+            <a:ext cx="3854556" cy="5"/>
+          </a:xfrm>
+          <a:prstGeom prst="line">
+            <a:avLst/>
+          </a:prstGeom>
+          <a:solidFill>
+            <a:schemeClr val="accent1"/>
+          </a:solidFill>
+          <a:ln w="9525" cap="flat" cmpd="sng" algn="ctr">
+            <a:solidFill>
+              <a:schemeClr val="tx1"/>
+            </a:solidFill>
+            <a:prstDash val="solid"/>
+            <a:round/>
+            <a:headEnd type="none" w="med" len="med"/>
+            <a:tailEnd type="none" w="med" len="med"/>
+          </a:ln>
+          <a:effectLst/>
+        </p:spPr>
+      </p:cxnSp>
+      <p:cxnSp>
+        <p:nvCxnSpPr>
+          <p:cNvPr id="11" name="Straight Connector 10"/>
+          <p:cNvCxnSpPr/>
+          <p:nvPr/>
+        </p:nvCxnSpPr>
+        <p:spPr bwMode="auto">
+          <a:xfrm rot="16200000" flipH="1">
+            <a:off x="1066801" y="4232020"/>
+            <a:ext cx="3854556" cy="5"/>
+          </a:xfrm>
+          <a:prstGeom prst="line">
+            <a:avLst/>
+          </a:prstGeom>
+          <a:solidFill>
+            <a:schemeClr val="accent1"/>
+          </a:solidFill>
+          <a:ln w="9525" cap="flat" cmpd="sng" algn="ctr">
+            <a:solidFill>
+              <a:schemeClr val="tx1"/>
+            </a:solidFill>
+            <a:prstDash val="solid"/>
+            <a:round/>
+            <a:headEnd type="none" w="med" len="med"/>
+            <a:tailEnd type="none" w="med" len="med"/>
+          </a:ln>
+          <a:effectLst/>
+        </p:spPr>
+      </p:cxnSp>
+      <p:cxnSp>
+        <p:nvCxnSpPr>
+          <p:cNvPr id="12" name="Straight Connector 11"/>
+          <p:cNvCxnSpPr/>
+          <p:nvPr/>
+        </p:nvCxnSpPr>
+        <p:spPr bwMode="auto">
+          <a:xfrm rot="16200000" flipH="1">
+            <a:off x="2754917" y="4232023"/>
+            <a:ext cx="3854556" cy="5"/>
+          </a:xfrm>
+          <a:prstGeom prst="line">
+            <a:avLst/>
+          </a:prstGeom>
+          <a:solidFill>
+            <a:schemeClr val="accent1"/>
+          </a:solidFill>
+          <a:ln w="9525" cap="flat" cmpd="sng" algn="ctr">
+            <a:solidFill>
+              <a:schemeClr val="tx1"/>
+            </a:solidFill>
+            <a:prstDash val="solid"/>
+            <a:round/>
+            <a:headEnd type="none" w="med" len="med"/>
+            <a:tailEnd type="none" w="med" len="med"/>
+          </a:ln>
+          <a:effectLst/>
+        </p:spPr>
+      </p:cxnSp>
+      <p:cxnSp>
+        <p:nvCxnSpPr>
+          <p:cNvPr id="13" name="Straight Connector 12"/>
+          <p:cNvCxnSpPr/>
+          <p:nvPr/>
+        </p:nvCxnSpPr>
+        <p:spPr bwMode="auto">
+          <a:xfrm rot="16200000" flipH="1">
+            <a:off x="5498118" y="4232019"/>
+            <a:ext cx="3854556" cy="5"/>
+          </a:xfrm>
+          <a:prstGeom prst="line">
+            <a:avLst/>
+          </a:prstGeom>
+          <a:solidFill>
+            <a:schemeClr val="accent1"/>
+          </a:solidFill>
+          <a:ln w="9525" cap="flat" cmpd="sng" algn="ctr">
+            <a:solidFill>
+              <a:schemeClr val="tx1"/>
+            </a:solidFill>
+            <a:prstDash val="solid"/>
+            <a:round/>
+            <a:headEnd type="none" w="med" len="med"/>
+            <a:tailEnd type="none" w="med" len="med"/>
+          </a:ln>
+          <a:effectLst/>
+        </p:spPr>
+      </p:cxnSp>
+      <p:cxnSp>
+        <p:nvCxnSpPr>
+          <p:cNvPr id="15" name="Straight Arrow Connector 14"/>
+          <p:cNvCxnSpPr/>
+          <p:nvPr/>
+        </p:nvCxnSpPr>
+        <p:spPr bwMode="auto">
+          <a:xfrm>
+            <a:off x="4684542" y="2363372"/>
+            <a:ext cx="2743200" cy="56271"/>
+          </a:xfrm>
+          <a:prstGeom prst="straightConnector1">
+            <a:avLst/>
+          </a:prstGeom>
+          <a:solidFill>
+            <a:schemeClr val="accent1"/>
+          </a:solidFill>
+          <a:ln w="9525" cap="flat" cmpd="sng" algn="ctr">
+            <a:solidFill>
+              <a:schemeClr val="tx1"/>
+            </a:solidFill>
+            <a:prstDash val="solid"/>
+            <a:round/>
+            <a:headEnd type="none" w="med" len="med"/>
+            <a:tailEnd type="arrow"/>
+          </a:ln>
+          <a:effectLst/>
+        </p:spPr>
+      </p:cxnSp>
+      <p:cxnSp>
+        <p:nvCxnSpPr>
+          <p:cNvPr id="27" name="Straight Arrow Connector 26"/>
+          <p:cNvCxnSpPr/>
+          <p:nvPr/>
+        </p:nvCxnSpPr>
+        <p:spPr bwMode="auto">
+          <a:xfrm rot="10800000" flipV="1">
+            <a:off x="4656407" y="2715067"/>
+            <a:ext cx="2771347" cy="154741"/>
+          </a:xfrm>
+          <a:prstGeom prst="straightConnector1">
+            <a:avLst/>
+          </a:prstGeom>
+          <a:solidFill>
+            <a:schemeClr val="accent1"/>
+          </a:solidFill>
+          <a:ln w="9525" cap="flat" cmpd="sng" algn="ctr">
+            <a:solidFill>
+              <a:schemeClr val="tx1"/>
+            </a:solidFill>
+            <a:prstDash val="solid"/>
+            <a:round/>
+            <a:headEnd type="none" w="med" len="med"/>
+            <a:tailEnd type="arrow"/>
+          </a:ln>
+          <a:effectLst/>
+        </p:spPr>
+      </p:cxnSp>
+      <p:sp>
+        <p:nvSpPr>
+          <p:cNvPr id="37" name="TextBox 36"/>
+          <p:cNvSpPr txBox="1"/>
+          <p:nvPr/>
+        </p:nvSpPr>
+        <p:spPr>
+          <a:xfrm>
+            <a:off x="4923686" y="2053878"/>
+            <a:ext cx="2393605" cy="369332"/>
+          </a:xfrm>
+          <a:prstGeom prst="rect">
+            <a:avLst/>
+          </a:prstGeom>
+          <a:noFill/>
+        </p:spPr>
+        <p:txBody>
+          <a:bodyPr wrap="none" rtlCol="0">
+            <a:spAutoFit/>
+          </a:bodyPr>
+          <a:lstStyle/>
+          <a:p>
+            <a:r>
+              <a:rPr lang="en-US" dirty="0" err="1" smtClean="0">
+                <a:solidFill>
+                  <a:schemeClr val="tx1"/>
+                </a:solidFill>
+              </a:rPr>
+              <a:t>createAppointment</a:t>
+            </a:r>
+            <a:endParaRPr lang="en-US" dirty="0" smtClean="0">
+              <a:solidFill>
+                <a:schemeClr val="tx1"/>
+              </a:solidFill>
+            </a:endParaRPr>
+          </a:p>
+        </p:txBody>
+      </p:sp>
+      <p:cxnSp>
+        <p:nvCxnSpPr>
+          <p:cNvPr id="38" name="Straight Arrow Connector 37"/>
+          <p:cNvCxnSpPr/>
+          <p:nvPr/>
+        </p:nvCxnSpPr>
+        <p:spPr bwMode="auto">
+          <a:xfrm rot="10800000" flipV="1">
+            <a:off x="2994075" y="2616591"/>
+            <a:ext cx="4447734" cy="250872"/>
+          </a:xfrm>
+          <a:prstGeom prst="straightConnector1">
+            <a:avLst/>
+          </a:prstGeom>
+          <a:solidFill>
+            <a:schemeClr val="accent1"/>
+          </a:solidFill>
+          <a:ln w="9525" cap="flat" cmpd="sng" algn="ctr">
+            <a:solidFill>
+              <a:schemeClr val="tx1"/>
+            </a:solidFill>
+            <a:prstDash val="solid"/>
+            <a:round/>
+            <a:headEnd type="none" w="med" len="med"/>
+            <a:tailEnd type="arrow"/>
+          </a:ln>
+          <a:effectLst/>
+        </p:spPr>
+      </p:cxnSp>
+      <p:cxnSp>
+        <p:nvCxnSpPr>
+          <p:cNvPr id="40" name="Straight Arrow Connector 39"/>
+          <p:cNvCxnSpPr/>
+          <p:nvPr/>
+        </p:nvCxnSpPr>
+        <p:spPr bwMode="auto">
+          <a:xfrm rot="10800000" flipV="1">
+            <a:off x="1320021" y="2489982"/>
+            <a:ext cx="6135857" cy="335278"/>
+          </a:xfrm>
+          <a:prstGeom prst="straightConnector1">
+            <a:avLst/>
+          </a:prstGeom>
+          <a:solidFill>
+            <a:schemeClr val="accent1"/>
+          </a:solidFill>
+          <a:ln w="9525" cap="flat" cmpd="sng" algn="ctr">
+            <a:solidFill>
+              <a:schemeClr val="tx1"/>
+            </a:solidFill>
+            <a:prstDash val="solid"/>
+            <a:round/>
+            <a:headEnd type="none" w="med" len="med"/>
+            <a:tailEnd type="arrow"/>
+          </a:ln>
+          <a:effectLst/>
+        </p:spPr>
+      </p:cxnSp>
+      <p:sp>
+        <p:nvSpPr>
+          <p:cNvPr id="42" name="TextBox 41"/>
+          <p:cNvSpPr txBox="1"/>
+          <p:nvPr/>
+        </p:nvSpPr>
+        <p:spPr>
+          <a:xfrm>
+            <a:off x="5261316" y="2771331"/>
+            <a:ext cx="2226892" cy="369332"/>
+          </a:xfrm>
+          <a:prstGeom prst="rect">
+            <a:avLst/>
+          </a:prstGeom>
+          <a:noFill/>
+        </p:spPr>
+        <p:txBody>
+          <a:bodyPr wrap="none" rtlCol="0">
+            <a:spAutoFit/>
+          </a:bodyPr>
+          <a:lstStyle/>
+          <a:p>
+            <a:r>
+              <a:rPr lang="en-US" dirty="0" err="1" smtClean="0">
+                <a:solidFill>
+                  <a:schemeClr val="tx1"/>
+                </a:solidFill>
+              </a:rPr>
+              <a:t>pushAppointment</a:t>
+            </a:r>
+            <a:endParaRPr lang="en-US" dirty="0" smtClean="0">
+              <a:solidFill>
+                <a:schemeClr val="tx1"/>
+              </a:solidFill>
+            </a:endParaRPr>
+          </a:p>
+        </p:txBody>
+      </p:sp>
+      <p:cxnSp>
+        <p:nvCxnSpPr>
+          <p:cNvPr id="45" name="Straight Arrow Connector 44"/>
+          <p:cNvCxnSpPr/>
+          <p:nvPr/>
+        </p:nvCxnSpPr>
+        <p:spPr bwMode="auto">
+          <a:xfrm>
+            <a:off x="3008139" y="3866278"/>
+            <a:ext cx="4433670" cy="86752"/>
+          </a:xfrm>
+          <a:prstGeom prst="straightConnector1">
+            <a:avLst/>
+          </a:prstGeom>
+          <a:solidFill>
+            <a:schemeClr val="accent1"/>
+          </a:solidFill>
+          <a:ln w="9525" cap="flat" cmpd="sng" algn="ctr">
+            <a:solidFill>
+              <a:schemeClr val="tx1"/>
+            </a:solidFill>
+            <a:prstDash val="solid"/>
+            <a:round/>
+            <a:headEnd type="none" w="med" len="med"/>
+            <a:tailEnd type="arrow"/>
+          </a:ln>
+          <a:effectLst/>
+        </p:spPr>
+      </p:cxnSp>
+      <p:sp>
+        <p:nvSpPr>
+          <p:cNvPr id="47" name="TextBox 46"/>
+          <p:cNvSpPr txBox="1"/>
+          <p:nvPr/>
+        </p:nvSpPr>
+        <p:spPr>
+          <a:xfrm>
+            <a:off x="3137089" y="3545061"/>
+            <a:ext cx="1731180" cy="369332"/>
+          </a:xfrm>
+          <a:prstGeom prst="rect">
+            <a:avLst/>
+          </a:prstGeom>
+          <a:noFill/>
+        </p:spPr>
+        <p:txBody>
+          <a:bodyPr wrap="none" rtlCol="0">
+            <a:spAutoFit/>
+          </a:bodyPr>
+          <a:lstStyle/>
+          <a:p>
+            <a:r>
+              <a:rPr lang="en-US" dirty="0" err="1" smtClean="0">
+                <a:solidFill>
+                  <a:schemeClr val="tx1"/>
+                </a:solidFill>
+              </a:rPr>
+              <a:t>getTravelPlan</a:t>
+            </a:r>
+            <a:endParaRPr lang="en-US" dirty="0" smtClean="0">
+              <a:solidFill>
+                <a:schemeClr val="tx1"/>
+              </a:solidFill>
+            </a:endParaRPr>
+          </a:p>
+        </p:txBody>
+      </p:sp>
+      <p:cxnSp>
+        <p:nvCxnSpPr>
+          <p:cNvPr id="48" name="Straight Arrow Connector 47"/>
+          <p:cNvCxnSpPr/>
+          <p:nvPr/>
+        </p:nvCxnSpPr>
+        <p:spPr bwMode="auto">
+          <a:xfrm>
+            <a:off x="3005791" y="4356310"/>
+            <a:ext cx="4433670" cy="86752"/>
+          </a:xfrm>
+          <a:prstGeom prst="straightConnector1">
+            <a:avLst/>
+          </a:prstGeom>
+          <a:solidFill>
+            <a:schemeClr val="accent1"/>
+          </a:solidFill>
+          <a:ln w="9525" cap="flat" cmpd="sng" algn="ctr">
+            <a:solidFill>
+              <a:schemeClr val="tx1"/>
+            </a:solidFill>
+            <a:prstDash val="solid"/>
+            <a:round/>
+            <a:headEnd type="none" w="med" len="med"/>
+            <a:tailEnd type="arrow"/>
+          </a:ln>
+          <a:effectLst/>
+        </p:spPr>
+      </p:cxnSp>
+      <p:sp>
+        <p:nvSpPr>
+          <p:cNvPr id="49" name="TextBox 48"/>
+          <p:cNvSpPr txBox="1"/>
+          <p:nvPr/>
+        </p:nvSpPr>
+        <p:spPr>
+          <a:xfrm>
+            <a:off x="3134741" y="4035093"/>
+            <a:ext cx="2100255" cy="369332"/>
+          </a:xfrm>
+          <a:prstGeom prst="rect">
+            <a:avLst/>
+          </a:prstGeom>
+          <a:noFill/>
+        </p:spPr>
+        <p:txBody>
+          <a:bodyPr wrap="none" rtlCol="0">
+            <a:spAutoFit/>
+          </a:bodyPr>
+          <a:lstStyle/>
+          <a:p>
+            <a:r>
+              <a:rPr lang="en-US" dirty="0" err="1" smtClean="0">
+                <a:solidFill>
+                  <a:schemeClr val="tx1"/>
+                </a:solidFill>
+              </a:rPr>
+              <a:t>joinAppointment</a:t>
+            </a:r>
+            <a:endParaRPr lang="en-US" dirty="0" smtClean="0">
+              <a:solidFill>
+                <a:schemeClr val="tx1"/>
+              </a:solidFill>
+            </a:endParaRPr>
+          </a:p>
+        </p:txBody>
+      </p:sp>
+      <p:cxnSp>
+        <p:nvCxnSpPr>
+          <p:cNvPr id="50" name="Straight Arrow Connector 49"/>
+          <p:cNvCxnSpPr/>
+          <p:nvPr/>
+        </p:nvCxnSpPr>
+        <p:spPr bwMode="auto">
+          <a:xfrm rot="10800000" flipV="1">
+            <a:off x="4611855" y="5174619"/>
+            <a:ext cx="2771347" cy="154741"/>
+          </a:xfrm>
+          <a:prstGeom prst="straightConnector1">
+            <a:avLst/>
+          </a:prstGeom>
+          <a:solidFill>
+            <a:schemeClr val="accent1"/>
+          </a:solidFill>
+          <a:ln w="9525" cap="flat" cmpd="sng" algn="ctr">
+            <a:solidFill>
+              <a:schemeClr val="tx1"/>
+            </a:solidFill>
+            <a:prstDash val="solid"/>
+            <a:round/>
+            <a:headEnd type="none" w="med" len="med"/>
+            <a:tailEnd type="arrow"/>
+          </a:ln>
+          <a:effectLst/>
+        </p:spPr>
+      </p:cxnSp>
+      <p:cxnSp>
+        <p:nvCxnSpPr>
+          <p:cNvPr id="51" name="Straight Arrow Connector 50"/>
+          <p:cNvCxnSpPr/>
+          <p:nvPr/>
+        </p:nvCxnSpPr>
+        <p:spPr bwMode="auto">
+          <a:xfrm rot="10800000" flipV="1">
+            <a:off x="2949523" y="5076143"/>
+            <a:ext cx="4447734" cy="250872"/>
+          </a:xfrm>
+          <a:prstGeom prst="straightConnector1">
+            <a:avLst/>
+          </a:prstGeom>
+          <a:solidFill>
+            <a:schemeClr val="accent1"/>
+          </a:solidFill>
+          <a:ln w="9525" cap="flat" cmpd="sng" algn="ctr">
+            <a:solidFill>
+              <a:schemeClr val="tx1"/>
+            </a:solidFill>
+            <a:prstDash val="solid"/>
+            <a:round/>
+            <a:headEnd type="none" w="med" len="med"/>
+            <a:tailEnd type="arrow"/>
+          </a:ln>
+          <a:effectLst/>
+        </p:spPr>
+      </p:cxnSp>
+      <p:cxnSp>
+        <p:nvCxnSpPr>
+          <p:cNvPr id="52" name="Straight Arrow Connector 51"/>
+          <p:cNvCxnSpPr/>
+          <p:nvPr/>
+        </p:nvCxnSpPr>
+        <p:spPr bwMode="auto">
+          <a:xfrm rot="10800000" flipV="1">
+            <a:off x="1275469" y="4949534"/>
+            <a:ext cx="6135857" cy="335278"/>
+          </a:xfrm>
+          <a:prstGeom prst="straightConnector1">
+            <a:avLst/>
+          </a:prstGeom>
+          <a:solidFill>
+            <a:schemeClr val="accent1"/>
+          </a:solidFill>
+          <a:ln w="9525" cap="flat" cmpd="sng" algn="ctr">
+            <a:solidFill>
+              <a:schemeClr val="tx1"/>
+            </a:solidFill>
+            <a:prstDash val="solid"/>
+            <a:round/>
+            <a:headEnd type="none" w="med" len="med"/>
+            <a:tailEnd type="arrow"/>
+          </a:ln>
+          <a:effectLst/>
+        </p:spPr>
+      </p:cxnSp>
+      <p:sp>
+        <p:nvSpPr>
+          <p:cNvPr id="53" name="TextBox 52"/>
+          <p:cNvSpPr txBox="1"/>
+          <p:nvPr/>
+        </p:nvSpPr>
+        <p:spPr>
+          <a:xfrm>
+            <a:off x="5216764" y="5230883"/>
+            <a:ext cx="2226892" cy="369332"/>
+          </a:xfrm>
+          <a:prstGeom prst="rect">
+            <a:avLst/>
+          </a:prstGeom>
+          <a:noFill/>
+        </p:spPr>
+        <p:txBody>
+          <a:bodyPr wrap="none" rtlCol="0">
+            <a:spAutoFit/>
+          </a:bodyPr>
+          <a:lstStyle/>
+          <a:p>
+            <a:r>
+              <a:rPr lang="en-US" dirty="0" err="1" smtClean="0">
+                <a:solidFill>
+                  <a:schemeClr val="tx1"/>
+                </a:solidFill>
+              </a:rPr>
+              <a:t>pushAppointment</a:t>
+            </a:r>
+            <a:endParaRPr lang="en-US" dirty="0" smtClean="0">
+              <a:solidFill>
+                <a:schemeClr val="tx1"/>
+              </a:solidFill>
+            </a:endParaRPr>
+          </a:p>
+        </p:txBody>
+      </p:sp>
+    </p:spTree>
+    <p:extLst>
+      <p:ext uri="{BB962C8B-B14F-4D97-AF65-F5344CB8AC3E}">
+        <p14:creationId xmlns:p14="http://schemas.microsoft.com/office/powerpoint/2010/main" xmlns="" val="1623943854"/>
+      </p:ext>
+    </p:extLst>
+  </p:cSld>
+  <p:clrMapOvr>
+    <a:masterClrMapping/>
+  </p:clrMapOvr>
+</p:sld>
+</file>
+
+<file path=ppt/slides/slide14.xml><?xml version="1.0" encoding="utf-8"?>
+<p:sld xmlns:a="http://schemas.openxmlformats.org/drawingml/2006/main" xmlns:r="http://schemas.openxmlformats.org/officeDocument/2006/relationships" xmlns:p="http://schemas.openxmlformats.org/presentationml/2006/main">
+  <p:cSld>
+    <p:spTree>
+      <p:nvGrpSpPr>
+        <p:cNvPr id="1" name=""/>
+        <p:cNvGrpSpPr/>
+        <p:nvPr/>
+      </p:nvGrpSpPr>
+      <p:grpSpPr>
+        <a:xfrm>
+          <a:off x="0" y="0"/>
+          <a:ext cx="0" cy="0"/>
+          <a:chOff x="0" y="0"/>
+          <a:chExt cx="0" cy="0"/>
+        </a:xfrm>
+      </p:grpSpPr>
+      <p:sp>
+        <p:nvSpPr>
+          <p:cNvPr id="2" name="Title 1"/>
+          <p:cNvSpPr>
+            <a:spLocks noGrp="1"/>
+          </p:cNvSpPr>
+          <p:nvPr>
+            <p:ph type="title"/>
+          </p:nvPr>
+        </p:nvSpPr>
+        <p:spPr/>
+        <p:txBody>
+          <a:bodyPr/>
+          <a:lstStyle/>
+          <a:p>
+            <a:r>
+              <a:rPr lang="en-US" noProof="1" smtClean="0"/>
+              <a:t>Server API Version 1</a:t>
+            </a:r>
+            <a:endParaRPr lang="en-US" noProof="1"/>
+          </a:p>
+        </p:txBody>
+      </p:sp>
+      <p:sp>
+        <p:nvSpPr>
+          <p:cNvPr id="4" name="Footer Placeholder 3"/>
+          <p:cNvSpPr>
+            <a:spLocks noGrp="1"/>
+          </p:cNvSpPr>
+          <p:nvPr>
+            <p:ph type="ftr" sz="quarter" idx="10"/>
+          </p:nvPr>
+        </p:nvSpPr>
+        <p:spPr/>
+        <p:txBody>
+          <a:bodyPr/>
+          <a:lstStyle/>
+          <a:p>
+            <a:r>
+              <a:rPr lang="de-DE" smtClean="0"/>
+              <a:t>Find All My Friends | Eingebettete Betriebssysteme | 7. Dezember 2011</a:t>
+            </a:r>
+            <a:endParaRPr lang="de-DE"/>
+          </a:p>
+        </p:txBody>
+      </p:sp>
+      <p:sp>
+        <p:nvSpPr>
+          <p:cNvPr id="5" name="Slide Number Placeholder 4"/>
+          <p:cNvSpPr>
+            <a:spLocks noGrp="1"/>
+          </p:cNvSpPr>
+          <p:nvPr>
+            <p:ph type="sldNum" sz="quarter" idx="11"/>
+          </p:nvPr>
+        </p:nvSpPr>
+        <p:spPr/>
+        <p:txBody>
+          <a:bodyPr/>
+          <a:lstStyle/>
+          <a:p>
+            <a:fld id="{0C6113F6-D982-4F1F-82B4-AFA466AB9AFB}" type="slidenum">
+              <a:rPr lang="de-DE" smtClean="0"/>
+              <a:pPr/>
+              <a:t>14</a:t>
+            </a:fld>
+            <a:endParaRPr lang="de-DE"/>
+          </a:p>
+        </p:txBody>
+      </p:sp>
+      <p:sp>
+        <p:nvSpPr>
+          <p:cNvPr id="6" name="Content Placeholder 5"/>
+          <p:cNvSpPr>
+            <a:spLocks noGrp="1"/>
+          </p:cNvSpPr>
+          <p:nvPr>
+            <p:ph idx="1"/>
+          </p:nvPr>
+        </p:nvSpPr>
+        <p:spPr/>
+        <p:txBody>
+          <a:bodyPr/>
+          <a:lstStyle/>
+          <a:p>
+            <a:r>
+              <a:rPr lang="en-US" dirty="0" smtClean="0"/>
+              <a:t>  Philipp	</a:t>
+            </a:r>
+            <a:r>
+              <a:rPr lang="en-US" dirty="0" err="1" smtClean="0"/>
+              <a:t>Lysann</a:t>
+            </a:r>
+            <a:r>
+              <a:rPr lang="en-US" dirty="0" smtClean="0"/>
+              <a:t>		Frank			Server</a:t>
+            </a:r>
+            <a:endParaRPr lang="en-US" dirty="0"/>
+          </a:p>
+        </p:txBody>
+      </p:sp>
+      <p:cxnSp>
+        <p:nvCxnSpPr>
+          <p:cNvPr id="8" name="Straight Connector 7"/>
+          <p:cNvCxnSpPr/>
+          <p:nvPr/>
+        </p:nvCxnSpPr>
+        <p:spPr bwMode="auto">
+          <a:xfrm rot="16200000" flipH="1">
+            <a:off x="-647118" y="4234369"/>
+            <a:ext cx="3854556" cy="5"/>
+          </a:xfrm>
+          <a:prstGeom prst="line">
+            <a:avLst/>
+          </a:prstGeom>
+          <a:solidFill>
+            <a:schemeClr val="accent1"/>
+          </a:solidFill>
+          <a:ln w="9525" cap="flat" cmpd="sng" algn="ctr">
+            <a:solidFill>
+              <a:schemeClr val="tx1"/>
+            </a:solidFill>
+            <a:prstDash val="solid"/>
+            <a:round/>
+            <a:headEnd type="none" w="med" len="med"/>
+            <a:tailEnd type="none" w="med" len="med"/>
+          </a:ln>
+          <a:effectLst/>
+        </p:spPr>
+      </p:cxnSp>
+      <p:cxnSp>
+        <p:nvCxnSpPr>
+          <p:cNvPr id="11" name="Straight Connector 10"/>
+          <p:cNvCxnSpPr/>
+          <p:nvPr/>
+        </p:nvCxnSpPr>
+        <p:spPr bwMode="auto">
+          <a:xfrm rot="16200000" flipH="1">
+            <a:off x="1066801" y="4232020"/>
+            <a:ext cx="3854556" cy="5"/>
+          </a:xfrm>
+          <a:prstGeom prst="line">
+            <a:avLst/>
+          </a:prstGeom>
+          <a:solidFill>
+            <a:schemeClr val="accent1"/>
+          </a:solidFill>
+          <a:ln w="9525" cap="flat" cmpd="sng" algn="ctr">
+            <a:solidFill>
+              <a:schemeClr val="tx1"/>
+            </a:solidFill>
+            <a:prstDash val="solid"/>
+            <a:round/>
+            <a:headEnd type="none" w="med" len="med"/>
+            <a:tailEnd type="none" w="med" len="med"/>
+          </a:ln>
+          <a:effectLst/>
+        </p:spPr>
+      </p:cxnSp>
+      <p:cxnSp>
+        <p:nvCxnSpPr>
+          <p:cNvPr id="12" name="Straight Connector 11"/>
+          <p:cNvCxnSpPr/>
+          <p:nvPr/>
+        </p:nvCxnSpPr>
+        <p:spPr bwMode="auto">
+          <a:xfrm rot="16200000" flipH="1">
+            <a:off x="2754917" y="4232023"/>
+            <a:ext cx="3854556" cy="5"/>
+          </a:xfrm>
+          <a:prstGeom prst="line">
+            <a:avLst/>
+          </a:prstGeom>
+          <a:solidFill>
+            <a:schemeClr val="accent1"/>
+          </a:solidFill>
+          <a:ln w="9525" cap="flat" cmpd="sng" algn="ctr">
+            <a:solidFill>
+              <a:schemeClr val="tx1"/>
+            </a:solidFill>
+            <a:prstDash val="solid"/>
+            <a:round/>
+            <a:headEnd type="none" w="med" len="med"/>
+            <a:tailEnd type="none" w="med" len="med"/>
+          </a:ln>
+          <a:effectLst/>
+        </p:spPr>
+      </p:cxnSp>
+      <p:cxnSp>
+        <p:nvCxnSpPr>
+          <p:cNvPr id="13" name="Straight Connector 12"/>
+          <p:cNvCxnSpPr/>
+          <p:nvPr/>
+        </p:nvCxnSpPr>
+        <p:spPr bwMode="auto">
+          <a:xfrm rot="16200000" flipH="1">
+            <a:off x="5498118" y="4232019"/>
+            <a:ext cx="3854556" cy="5"/>
+          </a:xfrm>
+          <a:prstGeom prst="line">
+            <a:avLst/>
+          </a:prstGeom>
+          <a:solidFill>
+            <a:schemeClr val="accent1"/>
+          </a:solidFill>
+          <a:ln w="9525" cap="flat" cmpd="sng" algn="ctr">
+            <a:solidFill>
+              <a:schemeClr val="tx1"/>
+            </a:solidFill>
+            <a:prstDash val="solid"/>
+            <a:round/>
+            <a:headEnd type="none" w="med" len="med"/>
+            <a:tailEnd type="none" w="med" len="med"/>
+          </a:ln>
+          <a:effectLst/>
+        </p:spPr>
+      </p:cxnSp>
+      <p:cxnSp>
+        <p:nvCxnSpPr>
+          <p:cNvPr id="48" name="Straight Arrow Connector 47"/>
+          <p:cNvCxnSpPr/>
+          <p:nvPr/>
+        </p:nvCxnSpPr>
+        <p:spPr bwMode="auto">
+          <a:xfrm>
+            <a:off x="3005791" y="2386790"/>
+            <a:ext cx="4433670" cy="86752"/>
+          </a:xfrm>
+          <a:prstGeom prst="straightConnector1">
+            <a:avLst/>
+          </a:prstGeom>
+          <a:solidFill>
+            <a:schemeClr val="accent1"/>
+          </a:solidFill>
+          <a:ln w="9525" cap="flat" cmpd="sng" algn="ctr">
+            <a:solidFill>
+              <a:schemeClr val="tx1"/>
+            </a:solidFill>
+            <a:prstDash val="solid"/>
+            <a:round/>
+            <a:headEnd type="none" w="med" len="med"/>
+            <a:tailEnd type="arrow"/>
+          </a:ln>
+          <a:effectLst/>
+        </p:spPr>
+      </p:cxnSp>
+      <p:sp>
+        <p:nvSpPr>
+          <p:cNvPr id="49" name="TextBox 48"/>
+          <p:cNvSpPr txBox="1"/>
+          <p:nvPr/>
+        </p:nvSpPr>
+        <p:spPr>
+          <a:xfrm>
+            <a:off x="3134741" y="2065573"/>
+            <a:ext cx="2100255" cy="369332"/>
+          </a:xfrm>
+          <a:prstGeom prst="rect">
+            <a:avLst/>
+          </a:prstGeom>
+          <a:noFill/>
+        </p:spPr>
+        <p:txBody>
+          <a:bodyPr wrap="none" rtlCol="0">
+            <a:spAutoFit/>
+          </a:bodyPr>
+          <a:lstStyle/>
+          <a:p>
+            <a:r>
+              <a:rPr lang="en-US" dirty="0" err="1" smtClean="0">
+                <a:solidFill>
+                  <a:schemeClr val="tx1"/>
+                </a:solidFill>
+              </a:rPr>
+              <a:t>joinAppointment</a:t>
+            </a:r>
+            <a:endParaRPr lang="en-US" dirty="0" smtClean="0">
+              <a:solidFill>
+                <a:schemeClr val="tx1"/>
+              </a:solidFill>
+            </a:endParaRPr>
+          </a:p>
+        </p:txBody>
+      </p:sp>
+      <p:cxnSp>
+        <p:nvCxnSpPr>
+          <p:cNvPr id="50" name="Straight Arrow Connector 49"/>
+          <p:cNvCxnSpPr/>
+          <p:nvPr/>
+        </p:nvCxnSpPr>
+        <p:spPr bwMode="auto">
+          <a:xfrm rot="10800000" flipV="1">
+            <a:off x="4611855" y="3205099"/>
+            <a:ext cx="2771347" cy="154741"/>
+          </a:xfrm>
+          <a:prstGeom prst="straightConnector1">
+            <a:avLst/>
+          </a:prstGeom>
+          <a:solidFill>
+            <a:schemeClr val="accent1"/>
+          </a:solidFill>
+          <a:ln w="9525" cap="flat" cmpd="sng" algn="ctr">
+            <a:solidFill>
+              <a:schemeClr val="tx1"/>
+            </a:solidFill>
+            <a:prstDash val="solid"/>
+            <a:round/>
+            <a:headEnd type="none" w="med" len="med"/>
+            <a:tailEnd type="arrow"/>
+          </a:ln>
+          <a:effectLst/>
+        </p:spPr>
+      </p:cxnSp>
+      <p:cxnSp>
+        <p:nvCxnSpPr>
+          <p:cNvPr id="51" name="Straight Arrow Connector 50"/>
+          <p:cNvCxnSpPr/>
+          <p:nvPr/>
+        </p:nvCxnSpPr>
+        <p:spPr bwMode="auto">
+          <a:xfrm rot="10800000" flipV="1">
+            <a:off x="2949523" y="3106623"/>
+            <a:ext cx="4447734" cy="250872"/>
+          </a:xfrm>
+          <a:prstGeom prst="straightConnector1">
+            <a:avLst/>
+          </a:prstGeom>
+          <a:solidFill>
+            <a:schemeClr val="accent1"/>
+          </a:solidFill>
+          <a:ln w="9525" cap="flat" cmpd="sng" algn="ctr">
+            <a:solidFill>
+              <a:schemeClr val="tx1"/>
+            </a:solidFill>
+            <a:prstDash val="solid"/>
+            <a:round/>
+            <a:headEnd type="none" w="med" len="med"/>
+            <a:tailEnd type="arrow"/>
+          </a:ln>
+          <a:effectLst/>
+        </p:spPr>
+      </p:cxnSp>
+      <p:cxnSp>
+        <p:nvCxnSpPr>
+          <p:cNvPr id="52" name="Straight Arrow Connector 51"/>
+          <p:cNvCxnSpPr/>
+          <p:nvPr/>
+        </p:nvCxnSpPr>
+        <p:spPr bwMode="auto">
+          <a:xfrm rot="10800000" flipV="1">
+            <a:off x="1275469" y="2980014"/>
+            <a:ext cx="6135857" cy="335278"/>
+          </a:xfrm>
+          <a:prstGeom prst="straightConnector1">
+            <a:avLst/>
+          </a:prstGeom>
+          <a:solidFill>
+            <a:schemeClr val="accent1"/>
+          </a:solidFill>
+          <a:ln w="9525" cap="flat" cmpd="sng" algn="ctr">
+            <a:solidFill>
+              <a:schemeClr val="tx1"/>
+            </a:solidFill>
+            <a:prstDash val="solid"/>
+            <a:round/>
+            <a:headEnd type="none" w="med" len="med"/>
+            <a:tailEnd type="arrow"/>
+          </a:ln>
+          <a:effectLst/>
+        </p:spPr>
+      </p:cxnSp>
+      <p:sp>
+        <p:nvSpPr>
+          <p:cNvPr id="53" name="TextBox 52"/>
+          <p:cNvSpPr txBox="1"/>
+          <p:nvPr/>
+        </p:nvSpPr>
+        <p:spPr>
+          <a:xfrm>
+            <a:off x="5216764" y="3261363"/>
+            <a:ext cx="2226892" cy="369332"/>
+          </a:xfrm>
+          <a:prstGeom prst="rect">
+            <a:avLst/>
+          </a:prstGeom>
+          <a:noFill/>
+        </p:spPr>
+        <p:txBody>
+          <a:bodyPr wrap="none" rtlCol="0">
+            <a:spAutoFit/>
+          </a:bodyPr>
+          <a:lstStyle/>
+          <a:p>
+            <a:r>
+              <a:rPr lang="en-US" dirty="0" err="1" smtClean="0">
+                <a:solidFill>
+                  <a:schemeClr val="tx1"/>
+                </a:solidFill>
+              </a:rPr>
+              <a:t>pushAppointment</a:t>
+            </a:r>
+            <a:endParaRPr lang="en-US" dirty="0" smtClean="0">
+              <a:solidFill>
+                <a:schemeClr val="tx1"/>
+              </a:solidFill>
+            </a:endParaRPr>
+          </a:p>
+        </p:txBody>
+      </p:sp>
+      <p:cxnSp>
+        <p:nvCxnSpPr>
+          <p:cNvPr id="26" name="Straight Arrow Connector 25"/>
+          <p:cNvCxnSpPr/>
+          <p:nvPr/>
+        </p:nvCxnSpPr>
+        <p:spPr bwMode="auto">
+          <a:xfrm>
+            <a:off x="4684542" y="4276620"/>
+            <a:ext cx="2743200" cy="56271"/>
+          </a:xfrm>
+          <a:prstGeom prst="straightConnector1">
+            <a:avLst/>
+          </a:prstGeom>
+          <a:solidFill>
+            <a:schemeClr val="accent1"/>
+          </a:solidFill>
+          <a:ln w="9525" cap="flat" cmpd="sng" algn="ctr">
+            <a:solidFill>
+              <a:schemeClr val="tx1"/>
+            </a:solidFill>
+            <a:prstDash val="solid"/>
+            <a:round/>
+            <a:headEnd type="none" w="med" len="med"/>
+            <a:tailEnd type="arrow"/>
+          </a:ln>
+          <a:effectLst/>
+        </p:spPr>
+      </p:cxnSp>
+      <p:sp>
+        <p:nvSpPr>
+          <p:cNvPr id="28" name="TextBox 27"/>
+          <p:cNvSpPr txBox="1"/>
+          <p:nvPr/>
+        </p:nvSpPr>
+        <p:spPr>
+          <a:xfrm>
+            <a:off x="4923686" y="3967126"/>
+            <a:ext cx="2486706" cy="369332"/>
+          </a:xfrm>
+          <a:prstGeom prst="rect">
+            <a:avLst/>
+          </a:prstGeom>
+          <a:noFill/>
+        </p:spPr>
+        <p:txBody>
+          <a:bodyPr wrap="none" rtlCol="0">
+            <a:spAutoFit/>
+          </a:bodyPr>
+          <a:lstStyle/>
+          <a:p>
+            <a:r>
+              <a:rPr lang="en-US" dirty="0" err="1" smtClean="0">
+                <a:solidFill>
+                  <a:schemeClr val="tx1"/>
+                </a:solidFill>
+              </a:rPr>
+              <a:t>finalizeAppointment</a:t>
+            </a:r>
+            <a:endParaRPr lang="en-US" dirty="0" smtClean="0">
+              <a:solidFill>
+                <a:schemeClr val="tx1"/>
+              </a:solidFill>
+            </a:endParaRPr>
+          </a:p>
+        </p:txBody>
+      </p:sp>
+    </p:spTree>
+    <p:extLst>
+      <p:ext uri="{BB962C8B-B14F-4D97-AF65-F5344CB8AC3E}">
+        <p14:creationId xmlns:p14="http://schemas.microsoft.com/office/powerpoint/2010/main" xmlns="" val="1623943854"/>
+      </p:ext>
+    </p:extLst>
+  </p:cSld>
+  <p:clrMapOvr>
+    <a:masterClrMapping/>
+  </p:clrMapOvr>
+</p:sld>
+</file>
+
+<file path=ppt/slides/slide15.xml><?xml version="1.0" encoding="utf-8"?>
+<p:sld xmlns:a="http://schemas.openxmlformats.org/drawingml/2006/main" xmlns:r="http://schemas.openxmlformats.org/officeDocument/2006/relationships" xmlns:p="http://schemas.openxmlformats.org/presentationml/2006/main">
+  <p:cSld>
+    <p:spTree>
+      <p:nvGrpSpPr>
+        <p:cNvPr id="1" name=""/>
+        <p:cNvGrpSpPr/>
+        <p:nvPr/>
+      </p:nvGrpSpPr>
+      <p:grpSpPr>
+        <a:xfrm>
+          <a:off x="0" y="0"/>
+          <a:ext cx="0" cy="0"/>
+          <a:chOff x="0" y="0"/>
+          <a:chExt cx="0" cy="0"/>
+        </a:xfrm>
+      </p:grpSpPr>
+      <p:sp>
+        <p:nvSpPr>
+          <p:cNvPr id="2" name="Title 1"/>
+          <p:cNvSpPr>
+            <a:spLocks noGrp="1"/>
+          </p:cNvSpPr>
+          <p:nvPr>
+            <p:ph type="title"/>
+          </p:nvPr>
+        </p:nvSpPr>
+        <p:spPr/>
+        <p:txBody>
+          <a:bodyPr/>
+          <a:lstStyle/>
+          <a:p>
+            <a:r>
+              <a:rPr lang="en-US" noProof="1" smtClean="0"/>
+              <a:t>Server API Version 1</a:t>
+            </a:r>
+            <a:endParaRPr lang="en-US" noProof="1"/>
+          </a:p>
+        </p:txBody>
+      </p:sp>
+      <p:sp>
+        <p:nvSpPr>
+          <p:cNvPr id="4" name="Footer Placeholder 3"/>
+          <p:cNvSpPr>
+            <a:spLocks noGrp="1"/>
+          </p:cNvSpPr>
+          <p:nvPr>
+            <p:ph type="ftr" sz="quarter" idx="10"/>
+          </p:nvPr>
+        </p:nvSpPr>
+        <p:spPr/>
+        <p:txBody>
+          <a:bodyPr/>
+          <a:lstStyle/>
+          <a:p>
+            <a:r>
+              <a:rPr lang="de-DE" smtClean="0"/>
+              <a:t>Find All My Friends | Eingebettete Betriebssysteme | 7. Dezember 2011</a:t>
+            </a:r>
+            <a:endParaRPr lang="de-DE"/>
+          </a:p>
+        </p:txBody>
+      </p:sp>
+      <p:sp>
+        <p:nvSpPr>
+          <p:cNvPr id="5" name="Slide Number Placeholder 4"/>
+          <p:cNvSpPr>
+            <a:spLocks noGrp="1"/>
+          </p:cNvSpPr>
+          <p:nvPr>
+            <p:ph type="sldNum" sz="quarter" idx="11"/>
+          </p:nvPr>
+        </p:nvSpPr>
+        <p:spPr/>
+        <p:txBody>
+          <a:bodyPr/>
+          <a:lstStyle/>
+          <a:p>
+            <a:fld id="{0C6113F6-D982-4F1F-82B4-AFA466AB9AFB}" type="slidenum">
+              <a:rPr lang="de-DE" smtClean="0"/>
+              <a:pPr/>
+              <a:t>15</a:t>
+            </a:fld>
+            <a:endParaRPr lang="de-DE"/>
+          </a:p>
+        </p:txBody>
+      </p:sp>
+      <p:sp>
+        <p:nvSpPr>
+          <p:cNvPr id="6" name="Content Placeholder 5"/>
+          <p:cNvSpPr>
+            <a:spLocks noGrp="1"/>
+          </p:cNvSpPr>
+          <p:nvPr>
+            <p:ph idx="1"/>
+          </p:nvPr>
+        </p:nvSpPr>
+        <p:spPr/>
+        <p:txBody>
+          <a:bodyPr/>
+          <a:lstStyle/>
+          <a:p>
+            <a:r>
+              <a:rPr lang="en-US" dirty="0" smtClean="0"/>
+              <a:t>  Philipp	</a:t>
+            </a:r>
+            <a:r>
+              <a:rPr lang="en-US" dirty="0" err="1" smtClean="0"/>
+              <a:t>Lysann</a:t>
+            </a:r>
+            <a:r>
+              <a:rPr lang="en-US" dirty="0" smtClean="0"/>
+              <a:t>		Frank			Server</a:t>
+            </a:r>
+            <a:endParaRPr lang="en-US" dirty="0"/>
+          </a:p>
+        </p:txBody>
+      </p:sp>
+      <p:cxnSp>
+        <p:nvCxnSpPr>
+          <p:cNvPr id="8" name="Straight Connector 7"/>
+          <p:cNvCxnSpPr/>
+          <p:nvPr/>
+        </p:nvCxnSpPr>
+        <p:spPr bwMode="auto">
+          <a:xfrm rot="16200000" flipH="1">
+            <a:off x="-647118" y="4234369"/>
+            <a:ext cx="3854556" cy="5"/>
+          </a:xfrm>
+          <a:prstGeom prst="line">
+            <a:avLst/>
+          </a:prstGeom>
+          <a:solidFill>
+            <a:schemeClr val="accent1"/>
+          </a:solidFill>
+          <a:ln w="9525" cap="flat" cmpd="sng" algn="ctr">
+            <a:solidFill>
+              <a:schemeClr val="tx1"/>
+            </a:solidFill>
+            <a:prstDash val="solid"/>
+            <a:round/>
+            <a:headEnd type="none" w="med" len="med"/>
+            <a:tailEnd type="none" w="med" len="med"/>
+          </a:ln>
+          <a:effectLst/>
+        </p:spPr>
+      </p:cxnSp>
+      <p:cxnSp>
+        <p:nvCxnSpPr>
+          <p:cNvPr id="11" name="Straight Connector 10"/>
+          <p:cNvCxnSpPr/>
+          <p:nvPr/>
+        </p:nvCxnSpPr>
+        <p:spPr bwMode="auto">
+          <a:xfrm rot="16200000" flipH="1">
+            <a:off x="1066801" y="4232020"/>
+            <a:ext cx="3854556" cy="5"/>
+          </a:xfrm>
+          <a:prstGeom prst="line">
+            <a:avLst/>
+          </a:prstGeom>
+          <a:solidFill>
+            <a:schemeClr val="accent1"/>
+          </a:solidFill>
+          <a:ln w="9525" cap="flat" cmpd="sng" algn="ctr">
+            <a:solidFill>
+              <a:schemeClr val="tx1"/>
+            </a:solidFill>
+            <a:prstDash val="solid"/>
+            <a:round/>
+            <a:headEnd type="none" w="med" len="med"/>
+            <a:tailEnd type="none" w="med" len="med"/>
+          </a:ln>
+          <a:effectLst/>
+        </p:spPr>
+      </p:cxnSp>
+      <p:cxnSp>
+        <p:nvCxnSpPr>
+          <p:cNvPr id="12" name="Straight Connector 11"/>
+          <p:cNvCxnSpPr/>
+          <p:nvPr/>
+        </p:nvCxnSpPr>
+        <p:spPr bwMode="auto">
+          <a:xfrm rot="16200000" flipH="1">
+            <a:off x="2754917" y="4232023"/>
+            <a:ext cx="3854556" cy="5"/>
+          </a:xfrm>
+          <a:prstGeom prst="line">
+            <a:avLst/>
+          </a:prstGeom>
+          <a:solidFill>
+            <a:schemeClr val="accent1"/>
+          </a:solidFill>
+          <a:ln w="9525" cap="flat" cmpd="sng" algn="ctr">
+            <a:solidFill>
+              <a:schemeClr val="tx1"/>
+            </a:solidFill>
+            <a:prstDash val="solid"/>
+            <a:round/>
+            <a:headEnd type="none" w="med" len="med"/>
+            <a:tailEnd type="none" w="med" len="med"/>
+          </a:ln>
+          <a:effectLst/>
+        </p:spPr>
+      </p:cxnSp>
+      <p:cxnSp>
+        <p:nvCxnSpPr>
+          <p:cNvPr id="13" name="Straight Connector 12"/>
+          <p:cNvCxnSpPr/>
+          <p:nvPr/>
+        </p:nvCxnSpPr>
+        <p:spPr bwMode="auto">
+          <a:xfrm rot="16200000" flipH="1">
+            <a:off x="5498118" y="4232019"/>
+            <a:ext cx="3854556" cy="5"/>
+          </a:xfrm>
+          <a:prstGeom prst="line">
+            <a:avLst/>
+          </a:prstGeom>
+          <a:solidFill>
+            <a:schemeClr val="accent1"/>
+          </a:solidFill>
+          <a:ln w="9525" cap="flat" cmpd="sng" algn="ctr">
+            <a:solidFill>
+              <a:schemeClr val="tx1"/>
+            </a:solidFill>
+            <a:prstDash val="solid"/>
+            <a:round/>
+            <a:headEnd type="none" w="med" len="med"/>
+            <a:tailEnd type="none" w="med" len="med"/>
+          </a:ln>
+          <a:effectLst/>
+        </p:spPr>
+      </p:cxnSp>
+      <p:cxnSp>
+        <p:nvCxnSpPr>
+          <p:cNvPr id="48" name="Straight Arrow Connector 47"/>
+          <p:cNvCxnSpPr/>
+          <p:nvPr/>
+        </p:nvCxnSpPr>
+        <p:spPr bwMode="auto">
+          <a:xfrm>
+            <a:off x="3005791" y="2386790"/>
+            <a:ext cx="4433670" cy="86752"/>
+          </a:xfrm>
+          <a:prstGeom prst="straightConnector1">
+            <a:avLst/>
+          </a:prstGeom>
+          <a:solidFill>
+            <a:schemeClr val="accent1"/>
+          </a:solidFill>
+          <a:ln w="9525" cap="flat" cmpd="sng" algn="ctr">
+            <a:solidFill>
+              <a:schemeClr val="tx1"/>
+            </a:solidFill>
+            <a:prstDash val="solid"/>
+            <a:round/>
+            <a:headEnd type="none" w="med" len="med"/>
+            <a:tailEnd type="arrow"/>
+          </a:ln>
+          <a:effectLst/>
+        </p:spPr>
+      </p:cxnSp>
+      <p:sp>
+        <p:nvSpPr>
+          <p:cNvPr id="49" name="TextBox 48"/>
+          <p:cNvSpPr txBox="1"/>
+          <p:nvPr/>
+        </p:nvSpPr>
+        <p:spPr>
+          <a:xfrm>
+            <a:off x="3134741" y="2065573"/>
+            <a:ext cx="2100255" cy="369332"/>
+          </a:xfrm>
+          <a:prstGeom prst="rect">
+            <a:avLst/>
+          </a:prstGeom>
+          <a:noFill/>
+        </p:spPr>
+        <p:txBody>
+          <a:bodyPr wrap="none" rtlCol="0">
+            <a:spAutoFit/>
+          </a:bodyPr>
+          <a:lstStyle/>
+          <a:p>
+            <a:r>
+              <a:rPr lang="en-US" dirty="0" err="1" smtClean="0">
+                <a:solidFill>
+                  <a:schemeClr val="tx1"/>
+                </a:solidFill>
+              </a:rPr>
+              <a:t>joinAppointment</a:t>
+            </a:r>
+            <a:endParaRPr lang="en-US" dirty="0" smtClean="0">
+              <a:solidFill>
+                <a:schemeClr val="tx1"/>
+              </a:solidFill>
+            </a:endParaRPr>
+          </a:p>
+        </p:txBody>
+      </p:sp>
+      <p:cxnSp>
+        <p:nvCxnSpPr>
+          <p:cNvPr id="50" name="Straight Arrow Connector 49"/>
+          <p:cNvCxnSpPr/>
+          <p:nvPr/>
+        </p:nvCxnSpPr>
+        <p:spPr bwMode="auto">
+          <a:xfrm rot="10800000" flipV="1">
+            <a:off x="4611855" y="3205099"/>
+            <a:ext cx="2771347" cy="154741"/>
+          </a:xfrm>
+          <a:prstGeom prst="straightConnector1">
+            <a:avLst/>
+          </a:prstGeom>
+          <a:solidFill>
+            <a:schemeClr val="accent1"/>
+          </a:solidFill>
+          <a:ln w="9525" cap="flat" cmpd="sng" algn="ctr">
+            <a:solidFill>
+              <a:schemeClr val="tx1"/>
+            </a:solidFill>
+            <a:prstDash val="solid"/>
+            <a:round/>
+            <a:headEnd type="none" w="med" len="med"/>
+            <a:tailEnd type="arrow"/>
+          </a:ln>
+          <a:effectLst/>
+        </p:spPr>
+      </p:cxnSp>
+      <p:cxnSp>
+        <p:nvCxnSpPr>
+          <p:cNvPr id="51" name="Straight Arrow Connector 50"/>
+          <p:cNvCxnSpPr/>
+          <p:nvPr/>
+        </p:nvCxnSpPr>
+        <p:spPr bwMode="auto">
+          <a:xfrm rot="10800000" flipV="1">
+            <a:off x="2949523" y="3106623"/>
+            <a:ext cx="4447734" cy="250872"/>
+          </a:xfrm>
+          <a:prstGeom prst="straightConnector1">
+            <a:avLst/>
+          </a:prstGeom>
+          <a:solidFill>
+            <a:schemeClr val="accent1"/>
+          </a:solidFill>
+          <a:ln w="9525" cap="flat" cmpd="sng" algn="ctr">
+            <a:solidFill>
+              <a:schemeClr val="tx1"/>
+            </a:solidFill>
+            <a:prstDash val="solid"/>
+            <a:round/>
+            <a:headEnd type="none" w="med" len="med"/>
+            <a:tailEnd type="arrow"/>
+          </a:ln>
+          <a:effectLst/>
+        </p:spPr>
+      </p:cxnSp>
+      <p:cxnSp>
+        <p:nvCxnSpPr>
+          <p:cNvPr id="52" name="Straight Arrow Connector 51"/>
+          <p:cNvCxnSpPr/>
+          <p:nvPr/>
+        </p:nvCxnSpPr>
+        <p:spPr bwMode="auto">
+          <a:xfrm rot="10800000" flipV="1">
+            <a:off x="1275469" y="2980014"/>
+            <a:ext cx="6135857" cy="335278"/>
+          </a:xfrm>
+          <a:prstGeom prst="straightConnector1">
+            <a:avLst/>
+          </a:prstGeom>
+          <a:solidFill>
+            <a:schemeClr val="accent1"/>
+          </a:solidFill>
+          <a:ln w="9525" cap="flat" cmpd="sng" algn="ctr">
+            <a:solidFill>
+              <a:schemeClr val="tx1"/>
+            </a:solidFill>
+            <a:prstDash val="solid"/>
+            <a:round/>
+            <a:headEnd type="none" w="med" len="med"/>
+            <a:tailEnd type="arrow"/>
+          </a:ln>
+          <a:effectLst/>
+        </p:spPr>
+      </p:cxnSp>
+      <p:sp>
+        <p:nvSpPr>
+          <p:cNvPr id="53" name="TextBox 52"/>
+          <p:cNvSpPr txBox="1"/>
+          <p:nvPr/>
+        </p:nvSpPr>
+        <p:spPr>
+          <a:xfrm>
+            <a:off x="5216764" y="3261363"/>
+            <a:ext cx="2226892" cy="369332"/>
+          </a:xfrm>
+          <a:prstGeom prst="rect">
+            <a:avLst/>
+          </a:prstGeom>
+          <a:noFill/>
+        </p:spPr>
+        <p:txBody>
+          <a:bodyPr wrap="none" rtlCol="0">
+            <a:spAutoFit/>
+          </a:bodyPr>
+          <a:lstStyle/>
+          <a:p>
+            <a:r>
+              <a:rPr lang="en-US" dirty="0" err="1" smtClean="0">
+                <a:solidFill>
+                  <a:schemeClr val="tx1"/>
+                </a:solidFill>
+              </a:rPr>
+              <a:t>pushAppointment</a:t>
+            </a:r>
+            <a:endParaRPr lang="en-US" dirty="0" smtClean="0">
+              <a:solidFill>
+                <a:schemeClr val="tx1"/>
+              </a:solidFill>
+            </a:endParaRPr>
+          </a:p>
+        </p:txBody>
+      </p:sp>
+      <p:cxnSp>
+        <p:nvCxnSpPr>
+          <p:cNvPr id="26" name="Straight Arrow Connector 25"/>
+          <p:cNvCxnSpPr/>
+          <p:nvPr/>
+        </p:nvCxnSpPr>
+        <p:spPr bwMode="auto">
+          <a:xfrm>
+            <a:off x="4684542" y="4276620"/>
+            <a:ext cx="2743200" cy="56271"/>
+          </a:xfrm>
+          <a:prstGeom prst="straightConnector1">
+            <a:avLst/>
+          </a:prstGeom>
+          <a:solidFill>
+            <a:schemeClr val="accent1"/>
+          </a:solidFill>
+          <a:ln w="9525" cap="flat" cmpd="sng" algn="ctr">
+            <a:solidFill>
+              <a:schemeClr val="tx1"/>
+            </a:solidFill>
+            <a:prstDash val="solid"/>
+            <a:round/>
+            <a:headEnd type="none" w="med" len="med"/>
+            <a:tailEnd type="arrow"/>
+          </a:ln>
+          <a:effectLst/>
+        </p:spPr>
+      </p:cxnSp>
+      <p:sp>
+        <p:nvSpPr>
+          <p:cNvPr id="28" name="TextBox 27"/>
+          <p:cNvSpPr txBox="1"/>
+          <p:nvPr/>
+        </p:nvSpPr>
+        <p:spPr>
+          <a:xfrm>
+            <a:off x="4923686" y="3967126"/>
+            <a:ext cx="2486706" cy="369332"/>
+          </a:xfrm>
+          <a:prstGeom prst="rect">
+            <a:avLst/>
+          </a:prstGeom>
+          <a:noFill/>
+        </p:spPr>
+        <p:txBody>
+          <a:bodyPr wrap="none" rtlCol="0">
+            <a:spAutoFit/>
+          </a:bodyPr>
+          <a:lstStyle/>
+          <a:p>
+            <a:r>
+              <a:rPr lang="en-US" dirty="0" err="1" smtClean="0">
+                <a:solidFill>
+                  <a:schemeClr val="tx1"/>
+                </a:solidFill>
+              </a:rPr>
+              <a:t>finalizeAppointment</a:t>
+            </a:r>
+            <a:endParaRPr lang="en-US" dirty="0" smtClean="0">
+              <a:solidFill>
+                <a:schemeClr val="tx1"/>
+              </a:solidFill>
+            </a:endParaRPr>
+          </a:p>
+        </p:txBody>
+      </p:sp>
+      <p:cxnSp>
+        <p:nvCxnSpPr>
+          <p:cNvPr id="18" name="Straight Arrow Connector 17"/>
+          <p:cNvCxnSpPr/>
+          <p:nvPr/>
+        </p:nvCxnSpPr>
+        <p:spPr bwMode="auto">
+          <a:xfrm rot="10800000" flipV="1">
+            <a:off x="4637643" y="4806503"/>
+            <a:ext cx="2771347" cy="154741"/>
+          </a:xfrm>
+          <a:prstGeom prst="straightConnector1">
+            <a:avLst/>
+          </a:prstGeom>
+          <a:solidFill>
+            <a:schemeClr val="accent1"/>
+          </a:solidFill>
+          <a:ln w="9525" cap="flat" cmpd="sng" algn="ctr">
+            <a:solidFill>
+              <a:schemeClr val="tx1"/>
+            </a:solidFill>
+            <a:prstDash val="solid"/>
+            <a:round/>
+            <a:headEnd type="none" w="med" len="med"/>
+            <a:tailEnd type="arrow"/>
+          </a:ln>
+          <a:effectLst/>
+        </p:spPr>
+      </p:cxnSp>
+      <p:cxnSp>
+        <p:nvCxnSpPr>
+          <p:cNvPr id="19" name="Straight Arrow Connector 18"/>
+          <p:cNvCxnSpPr/>
+          <p:nvPr/>
+        </p:nvCxnSpPr>
+        <p:spPr bwMode="auto">
+          <a:xfrm rot="10800000" flipV="1">
+            <a:off x="2975311" y="4708027"/>
+            <a:ext cx="4447734" cy="250872"/>
+          </a:xfrm>
+          <a:prstGeom prst="straightConnector1">
+            <a:avLst/>
+          </a:prstGeom>
+          <a:solidFill>
+            <a:schemeClr val="accent1"/>
+          </a:solidFill>
+          <a:ln w="9525" cap="flat" cmpd="sng" algn="ctr">
+            <a:solidFill>
+              <a:schemeClr val="tx1"/>
+            </a:solidFill>
+            <a:prstDash val="solid"/>
+            <a:round/>
+            <a:headEnd type="none" w="med" len="med"/>
+            <a:tailEnd type="arrow"/>
+          </a:ln>
+          <a:effectLst/>
+        </p:spPr>
+      </p:cxnSp>
+      <p:cxnSp>
+        <p:nvCxnSpPr>
+          <p:cNvPr id="20" name="Straight Arrow Connector 19"/>
+          <p:cNvCxnSpPr/>
+          <p:nvPr/>
+        </p:nvCxnSpPr>
+        <p:spPr bwMode="auto">
+          <a:xfrm rot="10800000" flipV="1">
+            <a:off x="1301257" y="4581418"/>
+            <a:ext cx="6135857" cy="335278"/>
+          </a:xfrm>
+          <a:prstGeom prst="straightConnector1">
+            <a:avLst/>
+          </a:prstGeom>
+          <a:solidFill>
+            <a:schemeClr val="accent1"/>
+          </a:solidFill>
+          <a:ln w="9525" cap="flat" cmpd="sng" algn="ctr">
+            <a:solidFill>
+              <a:schemeClr val="tx1"/>
+            </a:solidFill>
+            <a:prstDash val="solid"/>
+            <a:round/>
+            <a:headEnd type="none" w="med" len="med"/>
+            <a:tailEnd type="arrow"/>
+          </a:ln>
+          <a:effectLst/>
+        </p:spPr>
+      </p:cxnSp>
+      <p:sp>
+        <p:nvSpPr>
+          <p:cNvPr id="21" name="TextBox 20"/>
+          <p:cNvSpPr txBox="1"/>
+          <p:nvPr/>
+        </p:nvSpPr>
+        <p:spPr>
+          <a:xfrm>
+            <a:off x="5242552" y="4862767"/>
+            <a:ext cx="2226892" cy="369332"/>
+          </a:xfrm>
+          <a:prstGeom prst="rect">
+            <a:avLst/>
+          </a:prstGeom>
+          <a:noFill/>
+        </p:spPr>
+        <p:txBody>
+          <a:bodyPr wrap="none" rtlCol="0">
+            <a:spAutoFit/>
+          </a:bodyPr>
+          <a:lstStyle/>
+          <a:p>
+            <a:r>
+              <a:rPr lang="en-US" dirty="0" err="1" smtClean="0">
+                <a:solidFill>
+                  <a:schemeClr val="tx1"/>
+                </a:solidFill>
+              </a:rPr>
+              <a:t>pushAppointment</a:t>
+            </a:r>
+            <a:endParaRPr lang="en-US" dirty="0" smtClean="0">
+              <a:solidFill>
+                <a:schemeClr val="tx1"/>
+              </a:solidFill>
+            </a:endParaRPr>
+          </a:p>
+        </p:txBody>
+      </p:sp>
+    </p:spTree>
+    <p:extLst>
+      <p:ext uri="{BB962C8B-B14F-4D97-AF65-F5344CB8AC3E}">
+        <p14:creationId xmlns:p14="http://schemas.microsoft.com/office/powerpoint/2010/main" xmlns="" val="1623943854"/>
+      </p:ext>
+    </p:extLst>
+  </p:cSld>
+  <p:clrMapOvr>
+    <a:masterClrMapping/>
+  </p:clrMapOvr>
+</p:sld>
+</file>
+
+<file path=ppt/slides/slide16.xml><?xml version="1.0" encoding="utf-8"?>
+<p:sld xmlns:a="http://schemas.openxmlformats.org/drawingml/2006/main" xmlns:r="http://schemas.openxmlformats.org/officeDocument/2006/relationships" xmlns:p="http://schemas.openxmlformats.org/presentationml/2006/main">
+  <p:cSld>
+    <p:spTree>
+      <p:nvGrpSpPr>
+        <p:cNvPr id="1" name=""/>
+        <p:cNvGrpSpPr/>
+        <p:nvPr/>
+      </p:nvGrpSpPr>
+      <p:grpSpPr>
+        <a:xfrm>
+          <a:off x="0" y="0"/>
+          <a:ext cx="0" cy="0"/>
+          <a:chOff x="0" y="0"/>
+          <a:chExt cx="0" cy="0"/>
+        </a:xfrm>
+      </p:grpSpPr>
+      <p:sp>
+        <p:nvSpPr>
+          <p:cNvPr id="2" name="Title 1"/>
+          <p:cNvSpPr>
+            <a:spLocks noGrp="1"/>
+          </p:cNvSpPr>
+          <p:nvPr>
+            <p:ph type="title"/>
+          </p:nvPr>
+        </p:nvSpPr>
+        <p:spPr/>
+        <p:txBody>
+          <a:bodyPr/>
+          <a:lstStyle/>
+          <a:p>
+            <a:r>
+              <a:rPr lang="en-US" noProof="1" smtClean="0"/>
+              <a:t>Server API Version 1</a:t>
+            </a:r>
+            <a:endParaRPr lang="en-US" noProof="1"/>
+          </a:p>
+        </p:txBody>
+      </p:sp>
+      <p:sp>
+        <p:nvSpPr>
+          <p:cNvPr id="4" name="Footer Placeholder 3"/>
+          <p:cNvSpPr>
+            <a:spLocks noGrp="1"/>
+          </p:cNvSpPr>
+          <p:nvPr>
+            <p:ph type="ftr" sz="quarter" idx="10"/>
+          </p:nvPr>
+        </p:nvSpPr>
+        <p:spPr/>
+        <p:txBody>
+          <a:bodyPr/>
+          <a:lstStyle/>
+          <a:p>
+            <a:r>
+              <a:rPr lang="de-DE" smtClean="0"/>
+              <a:t>Find All My Friends | Eingebettete Betriebssysteme | 7. Dezember 2011</a:t>
+            </a:r>
+            <a:endParaRPr lang="de-DE"/>
+          </a:p>
+        </p:txBody>
+      </p:sp>
+      <p:sp>
+        <p:nvSpPr>
+          <p:cNvPr id="5" name="Slide Number Placeholder 4"/>
+          <p:cNvSpPr>
+            <a:spLocks noGrp="1"/>
+          </p:cNvSpPr>
+          <p:nvPr>
+            <p:ph type="sldNum" sz="quarter" idx="11"/>
+          </p:nvPr>
+        </p:nvSpPr>
+        <p:spPr/>
+        <p:txBody>
+          <a:bodyPr/>
+          <a:lstStyle/>
+          <a:p>
+            <a:fld id="{0C6113F6-D982-4F1F-82B4-AFA466AB9AFB}" type="slidenum">
+              <a:rPr lang="de-DE" smtClean="0"/>
+              <a:pPr/>
+              <a:t>16</a:t>
+            </a:fld>
+            <a:endParaRPr lang="de-DE"/>
+          </a:p>
+        </p:txBody>
+      </p:sp>
+      <p:sp>
+        <p:nvSpPr>
+          <p:cNvPr id="6" name="Content Placeholder 5"/>
+          <p:cNvSpPr>
+            <a:spLocks noGrp="1"/>
+          </p:cNvSpPr>
+          <p:nvPr>
+            <p:ph idx="1"/>
+          </p:nvPr>
+        </p:nvSpPr>
+        <p:spPr/>
+        <p:txBody>
+          <a:bodyPr/>
+          <a:lstStyle/>
+          <a:p>
+            <a:r>
+              <a:rPr lang="en-US" dirty="0" smtClean="0"/>
+              <a:t>  Philipp	</a:t>
+            </a:r>
+            <a:r>
+              <a:rPr lang="en-US" dirty="0" err="1" smtClean="0"/>
+              <a:t>Lysann</a:t>
+            </a:r>
+            <a:r>
+              <a:rPr lang="en-US" dirty="0" smtClean="0"/>
+              <a:t>		Frank			Server</a:t>
+            </a:r>
+            <a:endParaRPr lang="en-US" dirty="0"/>
+          </a:p>
+        </p:txBody>
+      </p:sp>
+      <p:cxnSp>
+        <p:nvCxnSpPr>
+          <p:cNvPr id="8" name="Straight Connector 7"/>
+          <p:cNvCxnSpPr/>
+          <p:nvPr/>
+        </p:nvCxnSpPr>
+        <p:spPr bwMode="auto">
+          <a:xfrm rot="16200000" flipH="1">
+            <a:off x="-647118" y="4234369"/>
+            <a:ext cx="3854556" cy="5"/>
+          </a:xfrm>
+          <a:prstGeom prst="line">
+            <a:avLst/>
+          </a:prstGeom>
+          <a:solidFill>
+            <a:schemeClr val="accent1"/>
+          </a:solidFill>
+          <a:ln w="9525" cap="flat" cmpd="sng" algn="ctr">
+            <a:solidFill>
+              <a:schemeClr val="tx1"/>
+            </a:solidFill>
+            <a:prstDash val="solid"/>
+            <a:round/>
+            <a:headEnd type="none" w="med" len="med"/>
+            <a:tailEnd type="none" w="med" len="med"/>
+          </a:ln>
+          <a:effectLst/>
+        </p:spPr>
+      </p:cxnSp>
+      <p:cxnSp>
+        <p:nvCxnSpPr>
+          <p:cNvPr id="11" name="Straight Connector 10"/>
+          <p:cNvCxnSpPr/>
+          <p:nvPr/>
+        </p:nvCxnSpPr>
+        <p:spPr bwMode="auto">
+          <a:xfrm rot="16200000" flipH="1">
+            <a:off x="1066801" y="4232020"/>
+            <a:ext cx="3854556" cy="5"/>
+          </a:xfrm>
+          <a:prstGeom prst="line">
+            <a:avLst/>
+          </a:prstGeom>
+          <a:solidFill>
+            <a:schemeClr val="accent1"/>
+          </a:solidFill>
+          <a:ln w="9525" cap="flat" cmpd="sng" algn="ctr">
+            <a:solidFill>
+              <a:schemeClr val="tx1"/>
+            </a:solidFill>
+            <a:prstDash val="solid"/>
+            <a:round/>
+            <a:headEnd type="none" w="med" len="med"/>
+            <a:tailEnd type="none" w="med" len="med"/>
+          </a:ln>
+          <a:effectLst/>
+        </p:spPr>
+      </p:cxnSp>
+      <p:cxnSp>
+        <p:nvCxnSpPr>
+          <p:cNvPr id="12" name="Straight Connector 11"/>
+          <p:cNvCxnSpPr/>
+          <p:nvPr/>
+        </p:nvCxnSpPr>
+        <p:spPr bwMode="auto">
+          <a:xfrm rot="16200000" flipH="1">
+            <a:off x="2754917" y="4232023"/>
+            <a:ext cx="3854556" cy="5"/>
+          </a:xfrm>
+          <a:prstGeom prst="line">
+            <a:avLst/>
+          </a:prstGeom>
+          <a:solidFill>
+            <a:schemeClr val="accent1"/>
+          </a:solidFill>
+          <a:ln w="9525" cap="flat" cmpd="sng" algn="ctr">
+            <a:solidFill>
+              <a:schemeClr val="tx1"/>
+            </a:solidFill>
+            <a:prstDash val="solid"/>
+            <a:round/>
+            <a:headEnd type="none" w="med" len="med"/>
+            <a:tailEnd type="none" w="med" len="med"/>
+          </a:ln>
+          <a:effectLst/>
+        </p:spPr>
+      </p:cxnSp>
+      <p:cxnSp>
+        <p:nvCxnSpPr>
+          <p:cNvPr id="13" name="Straight Connector 12"/>
+          <p:cNvCxnSpPr/>
+          <p:nvPr/>
+        </p:nvCxnSpPr>
+        <p:spPr bwMode="auto">
+          <a:xfrm rot="16200000" flipH="1">
+            <a:off x="5498118" y="4232019"/>
+            <a:ext cx="3854556" cy="5"/>
+          </a:xfrm>
+          <a:prstGeom prst="line">
+            <a:avLst/>
+          </a:prstGeom>
+          <a:solidFill>
+            <a:schemeClr val="accent1"/>
+          </a:solidFill>
+          <a:ln w="9525" cap="flat" cmpd="sng" algn="ctr">
+            <a:solidFill>
+              <a:schemeClr val="tx1"/>
+            </a:solidFill>
+            <a:prstDash val="solid"/>
+            <a:round/>
+            <a:headEnd type="none" w="med" len="med"/>
+            <a:tailEnd type="none" w="med" len="med"/>
+          </a:ln>
+          <a:effectLst/>
+        </p:spPr>
+      </p:cxnSp>
+      <p:cxnSp>
+        <p:nvCxnSpPr>
+          <p:cNvPr id="26" name="Straight Arrow Connector 25"/>
+          <p:cNvCxnSpPr/>
+          <p:nvPr/>
+        </p:nvCxnSpPr>
+        <p:spPr bwMode="auto">
+          <a:xfrm>
+            <a:off x="4684542" y="2475916"/>
+            <a:ext cx="2743200" cy="56271"/>
+          </a:xfrm>
+          <a:prstGeom prst="straightConnector1">
+            <a:avLst/>
+          </a:prstGeom>
+          <a:solidFill>
+            <a:schemeClr val="accent1"/>
+          </a:solidFill>
+          <a:ln w="9525" cap="flat" cmpd="sng" algn="ctr">
+            <a:solidFill>
+              <a:schemeClr val="tx1"/>
+            </a:solidFill>
+            <a:prstDash val="solid"/>
+            <a:round/>
+            <a:headEnd type="none" w="med" len="med"/>
+            <a:tailEnd type="arrow"/>
+          </a:ln>
+          <a:effectLst/>
+        </p:spPr>
+      </p:cxnSp>
+      <p:sp>
+        <p:nvSpPr>
+          <p:cNvPr id="28" name="TextBox 27"/>
+          <p:cNvSpPr txBox="1"/>
+          <p:nvPr/>
+        </p:nvSpPr>
+        <p:spPr>
+          <a:xfrm>
+            <a:off x="4923686" y="2166422"/>
+            <a:ext cx="2486706" cy="369332"/>
+          </a:xfrm>
+          <a:prstGeom prst="rect">
+            <a:avLst/>
+          </a:prstGeom>
+          <a:noFill/>
+        </p:spPr>
+        <p:txBody>
+          <a:bodyPr wrap="none" rtlCol="0">
+            <a:spAutoFit/>
+          </a:bodyPr>
+          <a:lstStyle/>
+          <a:p>
+            <a:r>
+              <a:rPr lang="en-US" dirty="0" err="1" smtClean="0">
+                <a:solidFill>
+                  <a:schemeClr val="tx1"/>
+                </a:solidFill>
+              </a:rPr>
+              <a:t>finalizeAppointment</a:t>
+            </a:r>
+            <a:endParaRPr lang="en-US" dirty="0" smtClean="0">
+              <a:solidFill>
+                <a:schemeClr val="tx1"/>
+              </a:solidFill>
+            </a:endParaRPr>
+          </a:p>
+        </p:txBody>
+      </p:sp>
+      <p:cxnSp>
+        <p:nvCxnSpPr>
+          <p:cNvPr id="18" name="Straight Arrow Connector 17"/>
+          <p:cNvCxnSpPr/>
+          <p:nvPr/>
+        </p:nvCxnSpPr>
+        <p:spPr bwMode="auto">
+          <a:xfrm rot="10800000" flipV="1">
+            <a:off x="4637643" y="3005799"/>
+            <a:ext cx="2771347" cy="154741"/>
+          </a:xfrm>
+          <a:prstGeom prst="straightConnector1">
+            <a:avLst/>
+          </a:prstGeom>
+          <a:solidFill>
+            <a:schemeClr val="accent1"/>
+          </a:solidFill>
+          <a:ln w="9525" cap="flat" cmpd="sng" algn="ctr">
+            <a:solidFill>
+              <a:schemeClr val="tx1"/>
+            </a:solidFill>
+            <a:prstDash val="solid"/>
+            <a:round/>
+            <a:headEnd type="none" w="med" len="med"/>
+            <a:tailEnd type="arrow"/>
+          </a:ln>
+          <a:effectLst/>
+        </p:spPr>
+      </p:cxnSp>
+      <p:cxnSp>
+        <p:nvCxnSpPr>
+          <p:cNvPr id="19" name="Straight Arrow Connector 18"/>
+          <p:cNvCxnSpPr/>
+          <p:nvPr/>
+        </p:nvCxnSpPr>
+        <p:spPr bwMode="auto">
+          <a:xfrm rot="10800000" flipV="1">
+            <a:off x="2975311" y="2907323"/>
+            <a:ext cx="4447734" cy="250872"/>
+          </a:xfrm>
+          <a:prstGeom prst="straightConnector1">
+            <a:avLst/>
+          </a:prstGeom>
+          <a:solidFill>
+            <a:schemeClr val="accent1"/>
+          </a:solidFill>
+          <a:ln w="9525" cap="flat" cmpd="sng" algn="ctr">
+            <a:solidFill>
+              <a:schemeClr val="tx1"/>
+            </a:solidFill>
+            <a:prstDash val="solid"/>
+            <a:round/>
+            <a:headEnd type="none" w="med" len="med"/>
+            <a:tailEnd type="arrow"/>
+          </a:ln>
+          <a:effectLst/>
+        </p:spPr>
+      </p:cxnSp>
+      <p:cxnSp>
+        <p:nvCxnSpPr>
+          <p:cNvPr id="20" name="Straight Arrow Connector 19"/>
+          <p:cNvCxnSpPr/>
+          <p:nvPr/>
+        </p:nvCxnSpPr>
+        <p:spPr bwMode="auto">
+          <a:xfrm rot="10800000" flipV="1">
+            <a:off x="1301257" y="2780714"/>
+            <a:ext cx="6135857" cy="335278"/>
+          </a:xfrm>
+          <a:prstGeom prst="straightConnector1">
+            <a:avLst/>
+          </a:prstGeom>
+          <a:solidFill>
+            <a:schemeClr val="accent1"/>
+          </a:solidFill>
+          <a:ln w="9525" cap="flat" cmpd="sng" algn="ctr">
+            <a:solidFill>
+              <a:schemeClr val="tx1"/>
+            </a:solidFill>
+            <a:prstDash val="solid"/>
+            <a:round/>
+            <a:headEnd type="none" w="med" len="med"/>
+            <a:tailEnd type="arrow"/>
+          </a:ln>
+          <a:effectLst/>
+        </p:spPr>
+      </p:cxnSp>
+      <p:sp>
+        <p:nvSpPr>
+          <p:cNvPr id="21" name="TextBox 20"/>
+          <p:cNvSpPr txBox="1"/>
+          <p:nvPr/>
+        </p:nvSpPr>
+        <p:spPr>
+          <a:xfrm>
+            <a:off x="5242552" y="3062063"/>
+            <a:ext cx="2226892" cy="369332"/>
+          </a:xfrm>
+          <a:prstGeom prst="rect">
+            <a:avLst/>
+          </a:prstGeom>
+          <a:noFill/>
+        </p:spPr>
+        <p:txBody>
+          <a:bodyPr wrap="none" rtlCol="0">
+            <a:spAutoFit/>
+          </a:bodyPr>
+          <a:lstStyle/>
+          <a:p>
+            <a:r>
+              <a:rPr lang="en-US" dirty="0" err="1" smtClean="0">
+                <a:solidFill>
+                  <a:schemeClr val="tx1"/>
+                </a:solidFill>
+              </a:rPr>
+              <a:t>pushAppointment</a:t>
+            </a:r>
+            <a:endParaRPr lang="en-US" dirty="0" smtClean="0">
+              <a:solidFill>
+                <a:schemeClr val="tx1"/>
+              </a:solidFill>
+            </a:endParaRPr>
+          </a:p>
+        </p:txBody>
+      </p:sp>
+      <p:cxnSp>
+        <p:nvCxnSpPr>
+          <p:cNvPr id="24" name="Straight Arrow Connector 23"/>
+          <p:cNvCxnSpPr/>
+          <p:nvPr/>
+        </p:nvCxnSpPr>
+        <p:spPr bwMode="auto">
+          <a:xfrm>
+            <a:off x="1291880" y="4879145"/>
+            <a:ext cx="6121794" cy="185224"/>
+          </a:xfrm>
+          <a:prstGeom prst="straightConnector1">
+            <a:avLst/>
+          </a:prstGeom>
+          <a:solidFill>
+            <a:schemeClr val="accent1"/>
+          </a:solidFill>
+          <a:ln w="9525" cap="flat" cmpd="sng" algn="ctr">
+            <a:solidFill>
+              <a:schemeClr val="tx1"/>
+            </a:solidFill>
+            <a:prstDash val="solid"/>
+            <a:round/>
+            <a:headEnd type="none" w="med" len="med"/>
+            <a:tailEnd type="arrow"/>
+          </a:ln>
+          <a:effectLst/>
+        </p:spPr>
+      </p:cxnSp>
+      <p:sp>
+        <p:nvSpPr>
+          <p:cNvPr id="25" name="TextBox 24"/>
+          <p:cNvSpPr txBox="1"/>
+          <p:nvPr/>
+        </p:nvSpPr>
+        <p:spPr>
+          <a:xfrm>
+            <a:off x="1531024" y="4569651"/>
+            <a:ext cx="1731180" cy="369332"/>
+          </a:xfrm>
+          <a:prstGeom prst="rect">
+            <a:avLst/>
+          </a:prstGeom>
+          <a:noFill/>
+        </p:spPr>
+        <p:txBody>
+          <a:bodyPr wrap="none" rtlCol="0">
+            <a:spAutoFit/>
+          </a:bodyPr>
+          <a:lstStyle/>
+          <a:p>
+            <a:r>
+              <a:rPr lang="en-US" dirty="0" err="1" smtClean="0">
+                <a:solidFill>
+                  <a:schemeClr val="tx1"/>
+                </a:solidFill>
+              </a:rPr>
+              <a:t>getTravelPlan</a:t>
+            </a:r>
+            <a:endParaRPr lang="en-US" dirty="0" smtClean="0">
+              <a:solidFill>
+                <a:schemeClr val="tx1"/>
+              </a:solidFill>
+            </a:endParaRPr>
+          </a:p>
+        </p:txBody>
+      </p:sp>
+    </p:spTree>
+    <p:extLst>
+      <p:ext uri="{BB962C8B-B14F-4D97-AF65-F5344CB8AC3E}">
+        <p14:creationId xmlns:p14="http://schemas.microsoft.com/office/powerpoint/2010/main" xmlns="" val="1623943854"/>
+      </p:ext>
+    </p:extLst>
+  </p:cSld>
+  <p:clrMapOvr>
+    <a:masterClrMapping/>
+  </p:clrMapOvr>
+</p:sld>
+</file>
+
 <file path=ppt/slides/slide2.xml><?xml version="1.0" encoding="utf-8"?>
 <p:sld xmlns:a="http://schemas.openxmlformats.org/drawingml/2006/main" xmlns:r="http://schemas.openxmlformats.org/officeDocument/2006/relationships" xmlns:p="http://schemas.openxmlformats.org/presentationml/2006/main">
   <p:cSld>
@@ -6564,7 +11358,7 @@
             </a:pPr>
             <a:r>
               <a:rPr lang="en-US" noProof="1" smtClean="0"/>
-              <a:t>3 SDKs</a:t>
+              <a:t>3 SDKs und Systemsprachen</a:t>
             </a:r>
           </a:p>
           <a:p>
@@ -8146,46 +12940,6 @@
       </p:sp>
       <p:sp>
         <p:nvSpPr>
-          <p:cNvPr id="3" name="Content Placeholder 2"/>
-          <p:cNvSpPr>
-            <a:spLocks noGrp="1"/>
-          </p:cNvSpPr>
-          <p:nvPr>
-            <p:ph idx="1"/>
-          </p:nvPr>
-        </p:nvSpPr>
-        <p:spPr/>
-        <p:txBody>
-          <a:bodyPr/>
-          <a:lstStyle/>
-          <a:p>
-            <a:r>
-              <a:rPr lang="en-US" noProof="1" smtClean="0"/>
-              <a:t>[</a:t>
-            </a:r>
-          </a:p>
-          <a:p>
-            <a:r>
-              <a:rPr lang="en-US" noProof="1" smtClean="0"/>
-              <a:t>grobe Beschreibung der API</a:t>
-            </a:r>
-          </a:p>
-          <a:p>
-            <a:r>
-              <a:rPr lang="en-US" noProof="1" smtClean="0"/>
-              <a:t>und des Ablaufs</a:t>
-            </a:r>
-          </a:p>
-          <a:p>
-            <a:r>
-              <a:rPr lang="en-US" noProof="1" smtClean="0"/>
-              <a:t>]</a:t>
-            </a:r>
-          </a:p>
-        </p:txBody>
-      </p:sp>
-      <p:sp>
-        <p:nvSpPr>
           <p:cNvPr id="4" name="Footer Placeholder 3"/>
           <p:cNvSpPr>
             <a:spLocks noGrp="1"/>
@@ -8228,6 +12982,220 @@
               <a:t>9</a:t>
             </a:fld>
             <a:endParaRPr lang="de-DE"/>
+          </a:p>
+        </p:txBody>
+      </p:sp>
+      <p:sp>
+        <p:nvSpPr>
+          <p:cNvPr id="6" name="Content Placeholder 5"/>
+          <p:cNvSpPr>
+            <a:spLocks noGrp="1"/>
+          </p:cNvSpPr>
+          <p:nvPr>
+            <p:ph idx="1"/>
+          </p:nvPr>
+        </p:nvSpPr>
+        <p:spPr/>
+        <p:txBody>
+          <a:bodyPr/>
+          <a:lstStyle/>
+          <a:p>
+            <a:r>
+              <a:rPr lang="en-US" dirty="0" smtClean="0"/>
+              <a:t>  Philipp	</a:t>
+            </a:r>
+            <a:r>
+              <a:rPr lang="en-US" dirty="0" err="1" smtClean="0"/>
+              <a:t>Lysann</a:t>
+            </a:r>
+            <a:r>
+              <a:rPr lang="en-US" dirty="0" smtClean="0"/>
+              <a:t>		Frank			Server</a:t>
+            </a:r>
+            <a:endParaRPr lang="en-US" dirty="0"/>
+          </a:p>
+        </p:txBody>
+      </p:sp>
+      <p:cxnSp>
+        <p:nvCxnSpPr>
+          <p:cNvPr id="8" name="Straight Connector 7"/>
+          <p:cNvCxnSpPr/>
+          <p:nvPr/>
+        </p:nvCxnSpPr>
+        <p:spPr bwMode="auto">
+          <a:xfrm rot="16200000" flipH="1">
+            <a:off x="-647118" y="4234369"/>
+            <a:ext cx="3854556" cy="5"/>
+          </a:xfrm>
+          <a:prstGeom prst="line">
+            <a:avLst/>
+          </a:prstGeom>
+          <a:solidFill>
+            <a:schemeClr val="accent1"/>
+          </a:solidFill>
+          <a:ln w="9525" cap="flat" cmpd="sng" algn="ctr">
+            <a:solidFill>
+              <a:schemeClr val="tx1"/>
+            </a:solidFill>
+            <a:prstDash val="solid"/>
+            <a:round/>
+            <a:headEnd type="none" w="med" len="med"/>
+            <a:tailEnd type="none" w="med" len="med"/>
+          </a:ln>
+          <a:effectLst/>
+        </p:spPr>
+      </p:cxnSp>
+      <p:cxnSp>
+        <p:nvCxnSpPr>
+          <p:cNvPr id="11" name="Straight Connector 10"/>
+          <p:cNvCxnSpPr/>
+          <p:nvPr/>
+        </p:nvCxnSpPr>
+        <p:spPr bwMode="auto">
+          <a:xfrm rot="16200000" flipH="1">
+            <a:off x="1066801" y="4232020"/>
+            <a:ext cx="3854556" cy="5"/>
+          </a:xfrm>
+          <a:prstGeom prst="line">
+            <a:avLst/>
+          </a:prstGeom>
+          <a:solidFill>
+            <a:schemeClr val="accent1"/>
+          </a:solidFill>
+          <a:ln w="9525" cap="flat" cmpd="sng" algn="ctr">
+            <a:solidFill>
+              <a:schemeClr val="tx1"/>
+            </a:solidFill>
+            <a:prstDash val="solid"/>
+            <a:round/>
+            <a:headEnd type="none" w="med" len="med"/>
+            <a:tailEnd type="none" w="med" len="med"/>
+          </a:ln>
+          <a:effectLst/>
+        </p:spPr>
+      </p:cxnSp>
+      <p:cxnSp>
+        <p:nvCxnSpPr>
+          <p:cNvPr id="12" name="Straight Connector 11"/>
+          <p:cNvCxnSpPr/>
+          <p:nvPr/>
+        </p:nvCxnSpPr>
+        <p:spPr bwMode="auto">
+          <a:xfrm rot="16200000" flipH="1">
+            <a:off x="2754917" y="4232023"/>
+            <a:ext cx="3854556" cy="5"/>
+          </a:xfrm>
+          <a:prstGeom prst="line">
+            <a:avLst/>
+          </a:prstGeom>
+          <a:solidFill>
+            <a:schemeClr val="accent1"/>
+          </a:solidFill>
+          <a:ln w="9525" cap="flat" cmpd="sng" algn="ctr">
+            <a:solidFill>
+              <a:schemeClr val="tx1"/>
+            </a:solidFill>
+            <a:prstDash val="solid"/>
+            <a:round/>
+            <a:headEnd type="none" w="med" len="med"/>
+            <a:tailEnd type="none" w="med" len="med"/>
+          </a:ln>
+          <a:effectLst/>
+        </p:spPr>
+      </p:cxnSp>
+      <p:cxnSp>
+        <p:nvCxnSpPr>
+          <p:cNvPr id="13" name="Straight Connector 12"/>
+          <p:cNvCxnSpPr/>
+          <p:nvPr/>
+        </p:nvCxnSpPr>
+        <p:spPr bwMode="auto">
+          <a:xfrm rot="16200000" flipH="1">
+            <a:off x="5498118" y="4232019"/>
+            <a:ext cx="3854556" cy="5"/>
+          </a:xfrm>
+          <a:prstGeom prst="line">
+            <a:avLst/>
+          </a:prstGeom>
+          <a:solidFill>
+            <a:schemeClr val="accent1"/>
+          </a:solidFill>
+          <a:ln w="9525" cap="flat" cmpd="sng" algn="ctr">
+            <a:solidFill>
+              <a:schemeClr val="tx1"/>
+            </a:solidFill>
+            <a:prstDash val="solid"/>
+            <a:round/>
+            <a:headEnd type="none" w="med" len="med"/>
+            <a:tailEnd type="none" w="med" len="med"/>
+          </a:ln>
+          <a:effectLst/>
+        </p:spPr>
+      </p:cxnSp>
+      <p:cxnSp>
+        <p:nvCxnSpPr>
+          <p:cNvPr id="15" name="Straight Arrow Connector 14"/>
+          <p:cNvCxnSpPr/>
+          <p:nvPr/>
+        </p:nvCxnSpPr>
+        <p:spPr bwMode="auto">
+          <a:xfrm>
+            <a:off x="4684542" y="2363372"/>
+            <a:ext cx="2743200" cy="56271"/>
+          </a:xfrm>
+          <a:prstGeom prst="straightConnector1">
+            <a:avLst/>
+          </a:prstGeom>
+          <a:solidFill>
+            <a:schemeClr val="accent1"/>
+          </a:solidFill>
+          <a:ln w="9525" cap="flat" cmpd="sng" algn="ctr">
+            <a:solidFill>
+              <a:schemeClr val="tx1"/>
+            </a:solidFill>
+            <a:prstDash val="solid"/>
+            <a:round/>
+            <a:headEnd type="none" w="med" len="med"/>
+            <a:tailEnd type="arrow"/>
+          </a:ln>
+          <a:effectLst/>
+        </p:spPr>
+      </p:cxnSp>
+      <p:sp>
+        <p:nvSpPr>
+          <p:cNvPr id="37" name="TextBox 36"/>
+          <p:cNvSpPr txBox="1"/>
+          <p:nvPr/>
+        </p:nvSpPr>
+        <p:spPr>
+          <a:xfrm>
+            <a:off x="4923686" y="2053878"/>
+            <a:ext cx="2393605" cy="369332"/>
+          </a:xfrm>
+          <a:prstGeom prst="rect">
+            <a:avLst/>
+          </a:prstGeom>
+          <a:noFill/>
+        </p:spPr>
+        <p:txBody>
+          <a:bodyPr wrap="none" rtlCol="0">
+            <a:spAutoFit/>
+          </a:bodyPr>
+          <a:lstStyle/>
+          <a:p>
+            <a:r>
+              <a:rPr lang="en-US" dirty="0" err="1" smtClean="0">
+                <a:solidFill>
+                  <a:schemeClr val="tx1"/>
+                </a:solidFill>
+              </a:rPr>
+              <a:t>createAppointment</a:t>
+            </a:r>
+            <a:endParaRPr lang="en-US" dirty="0" smtClean="0">
+              <a:solidFill>
+                <a:schemeClr val="tx1"/>
+              </a:solidFill>
+            </a:endParaRPr>
           </a:p>
         </p:txBody>
       </p:sp>

--- a/presentations/2011-12-07_Projektvorstellung.pptx
+++ b/presentations/2011-12-07_Projektvorstellung.pptx
@@ -6,10 +6,10 @@
     <p:sldMasterId id="2147483653" r:id="rId2"/>
   </p:sldMasterIdLst>
   <p:notesMasterIdLst>
-    <p:notesMasterId r:id="rId19"/>
+    <p:notesMasterId r:id="rId22"/>
   </p:notesMasterIdLst>
   <p:handoutMasterIdLst>
-    <p:handoutMasterId r:id="rId20"/>
+    <p:handoutMasterId r:id="rId23"/>
   </p:handoutMasterIdLst>
   <p:sldIdLst>
     <p:sldId id="256" r:id="rId3"/>
@@ -19,15 +19,18 @@
     <p:sldId id="261" r:id="rId7"/>
     <p:sldId id="262" r:id="rId8"/>
     <p:sldId id="263" r:id="rId9"/>
-    <p:sldId id="265" r:id="rId10"/>
-    <p:sldId id="267" r:id="rId11"/>
-    <p:sldId id="266" r:id="rId12"/>
-    <p:sldId id="264" r:id="rId13"/>
-    <p:sldId id="269" r:id="rId14"/>
-    <p:sldId id="268" r:id="rId15"/>
-    <p:sldId id="270" r:id="rId16"/>
-    <p:sldId id="271" r:id="rId17"/>
-    <p:sldId id="272" r:id="rId18"/>
+    <p:sldId id="273" r:id="rId10"/>
+    <p:sldId id="274" r:id="rId11"/>
+    <p:sldId id="275" r:id="rId12"/>
+    <p:sldId id="276" r:id="rId13"/>
+    <p:sldId id="267" r:id="rId14"/>
+    <p:sldId id="266" r:id="rId15"/>
+    <p:sldId id="264" r:id="rId16"/>
+    <p:sldId id="269" r:id="rId17"/>
+    <p:sldId id="268" r:id="rId18"/>
+    <p:sldId id="270" r:id="rId19"/>
+    <p:sldId id="271" r:id="rId20"/>
+    <p:sldId id="272" r:id="rId21"/>
   </p:sldIdLst>
   <p:sldSz cx="9144000" cy="6858000" type="screen4x3"/>
   <p:notesSz cx="7772400" cy="10515600"/>
@@ -384,7 +387,7 @@
     </p:spTree>
     <p:extLst>
       <p:ext uri="{BB962C8B-B14F-4D97-AF65-F5344CB8AC3E}">
-        <p14:creationId xmlns:p14="http://schemas.microsoft.com/office/powerpoint/2010/main" xmlns="" val="613277410"/>
+        <p14:creationId xmlns:p14="http://schemas.microsoft.com/office/powerpoint/2010/main" val="613277410"/>
       </p:ext>
     </p:extLst>
   </p:cSld>
@@ -719,7 +722,7 @@
     </p:spTree>
     <p:extLst>
       <p:ext uri="{BB962C8B-B14F-4D97-AF65-F5344CB8AC3E}">
-        <p14:creationId xmlns:p14="http://schemas.microsoft.com/office/powerpoint/2010/main" xmlns="" val="4271866226"/>
+        <p14:creationId xmlns:p14="http://schemas.microsoft.com/office/powerpoint/2010/main" val="4271866226"/>
       </p:ext>
     </p:extLst>
   </p:cSld>
@@ -943,7 +946,7 @@
     </p:spTree>
     <p:extLst>
       <p:ext uri="{BB962C8B-B14F-4D97-AF65-F5344CB8AC3E}">
-        <p14:creationId xmlns:p14="http://schemas.microsoft.com/office/powerpoint/2010/main" xmlns="" val="663482453"/>
+        <p14:creationId xmlns:p14="http://schemas.microsoft.com/office/powerpoint/2010/main" val="663482453"/>
       </p:ext>
     </p:extLst>
   </p:cSld>
@@ -1049,7 +1052,7 @@
             <a:fld id="{6A8F3DCA-10DE-494A-957E-84CDB678C40F}" type="slidenum">
               <a:rPr lang="de-DE" smtClean="0"/>
               <a:pPr/>
-              <a:t>15</a:t>
+              <a:t>18</a:t>
             </a:fld>
             <a:endParaRPr lang="de-DE"/>
           </a:p>
@@ -1199,7 +1202,7 @@
             <a:fld id="{6A8F3DCA-10DE-494A-957E-84CDB678C40F}" type="slidenum">
               <a:rPr lang="de-DE" smtClean="0"/>
               <a:pPr/>
-              <a:t>16</a:t>
+              <a:t>19</a:t>
             </a:fld>
             <a:endParaRPr lang="de-DE"/>
           </a:p>
@@ -1455,7 +1458,7 @@
             </a:r>
           </a:p>
           <a:p>
-            <a:endParaRPr lang="en-US"/>
+            <a:endParaRPr lang="en-US" dirty="0"/>
           </a:p>
         </p:txBody>
       </p:sp>
@@ -1571,7 +1574,7 @@
             <a:fld id="{6A8F3DCA-10DE-494A-957E-84CDB678C40F}" type="slidenum">
               <a:rPr lang="de-DE" smtClean="0"/>
               <a:pPr/>
-              <a:t>9</a:t>
+              <a:t>12</a:t>
             </a:fld>
             <a:endParaRPr lang="de-DE"/>
           </a:p>
@@ -1685,7 +1688,7 @@
             <a:fld id="{6A8F3DCA-10DE-494A-957E-84CDB678C40F}" type="slidenum">
               <a:rPr lang="de-DE" smtClean="0"/>
               <a:pPr/>
-              <a:t>10</a:t>
+              <a:t>13</a:t>
             </a:fld>
             <a:endParaRPr lang="de-DE"/>
           </a:p>
@@ -1815,7 +1818,7 @@
             <a:fld id="{6A8F3DCA-10DE-494A-957E-84CDB678C40F}" type="slidenum">
               <a:rPr lang="de-DE" smtClean="0"/>
               <a:pPr/>
-              <a:t>11</a:t>
+              <a:t>14</a:t>
             </a:fld>
             <a:endParaRPr lang="de-DE"/>
           </a:p>
@@ -1909,7 +1912,7 @@
             <a:fld id="{6A8F3DCA-10DE-494A-957E-84CDB678C40F}" type="slidenum">
               <a:rPr lang="de-DE" smtClean="0"/>
               <a:pPr/>
-              <a:t>12</a:t>
+              <a:t>15</a:t>
             </a:fld>
             <a:endParaRPr lang="de-DE"/>
           </a:p>
@@ -2019,7 +2022,7 @@
             <a:fld id="{6A8F3DCA-10DE-494A-957E-84CDB678C40F}" type="slidenum">
               <a:rPr lang="de-DE" smtClean="0"/>
               <a:pPr/>
-              <a:t>13</a:t>
+              <a:t>16</a:t>
             </a:fld>
             <a:endParaRPr lang="de-DE"/>
           </a:p>
@@ -2133,7 +2136,7 @@
             <a:fld id="{6A8F3DCA-10DE-494A-957E-84CDB678C40F}" type="slidenum">
               <a:rPr lang="de-DE" smtClean="0"/>
               <a:pPr/>
-              <a:t>14</a:t>
+              <a:t>17</a:t>
             </a:fld>
             <a:endParaRPr lang="de-DE"/>
           </a:p>
@@ -2499,7 +2502,7 @@
   <p:timing>
     <p:tnLst>
       <p:par>
-        <p:cTn id="1" dur="indefinite" restart="never" nodeType="tmRoot"/>
+        <p:cTn xmlns:p14="http://schemas.microsoft.com/office/powerpoint/2010/main" id="1" dur="indefinite" restart="never" nodeType="tmRoot"/>
       </p:par>
     </p:tnLst>
   </p:timing>
@@ -4620,7 +4623,7 @@
   <p:timing>
     <p:tnLst>
       <p:par>
-        <p:cTn id="1" dur="indefinite" restart="never" nodeType="tmRoot"/>
+        <p:cTn xmlns:p14="http://schemas.microsoft.com/office/powerpoint/2010/main" id="1" dur="indefinite" restart="never" nodeType="tmRoot"/>
       </p:par>
     </p:tnLst>
   </p:timing>
@@ -5281,7 +5284,7 @@
   <p:timing>
     <p:tnLst>
       <p:par>
-        <p:cTn id="1" dur="indefinite" restart="never" nodeType="tmRoot"/>
+        <p:cTn xmlns:p14="http://schemas.microsoft.com/office/powerpoint/2010/main" id="1" dur="indefinite" restart="never" nodeType="tmRoot"/>
       </p:par>
     </p:tnLst>
   </p:timing>
@@ -6142,7 +6145,7 @@
   <p:timing>
     <p:tnLst>
       <p:par>
-        <p:cTn id="1" dur="indefinite" restart="never" nodeType="tmRoot"/>
+        <p:cTn xmlns:p14="http://schemas.microsoft.com/office/powerpoint/2010/main" id="1" dur="indefinite" restart="never" nodeType="tmRoot"/>
       </p:par>
     </p:tnLst>
   </p:timing>
@@ -6646,7 +6649,7 @@
           <a:blip r:embed="rId2">
             <a:extLst>
               <a:ext uri="{28A0092B-C50C-407E-A947-70E740481C1C}">
-                <a14:useLocalDpi xmlns:a14="http://schemas.microsoft.com/office/drawing/2010/main" xmlns="" val="0"/>
+                <a14:useLocalDpi xmlns:a14="http://schemas.microsoft.com/office/drawing/2010/main" val="0"/>
               </a:ext>
             </a:extLst>
           </a:blip>
@@ -6667,7 +6670,7 @@
     </p:spTree>
     <p:extLst>
       <p:ext uri="{BB962C8B-B14F-4D97-AF65-F5344CB8AC3E}">
-        <p14:creationId xmlns:p14="http://schemas.microsoft.com/office/powerpoint/2010/main" xmlns="" val="1369177957"/>
+        <p14:creationId xmlns:p14="http://schemas.microsoft.com/office/powerpoint/2010/main" val="1369177957"/>
       </p:ext>
     </p:extLst>
   </p:cSld>
@@ -6677,7 +6680,7 @@
   <p:timing>
     <p:tnLst>
       <p:par>
-        <p:cTn id="1" dur="indefinite" restart="never" nodeType="tmRoot"/>
+        <p:cTn xmlns:p14="http://schemas.microsoft.com/office/powerpoint/2010/main" id="1" dur="indefinite" restart="never" nodeType="tmRoot"/>
       </p:par>
     </p:tnLst>
   </p:timing>
@@ -6685,7 +6688,162 @@
 </file>
 
 <file path=ppt/slides/slide10.xml><?xml version="1.0" encoding="utf-8"?>
-<p:sld xmlns:a="http://schemas.openxmlformats.org/drawingml/2006/main" xmlns:r="http://schemas.openxmlformats.org/officeDocument/2006/relationships" xmlns:p="http://schemas.openxmlformats.org/presentationml/2006/main">
+<p:sld xmlns:a="http://schemas.openxmlformats.org/drawingml/2006/main" xmlns:r="http://schemas.openxmlformats.org/officeDocument/2006/relationships" xmlns:p="http://schemas.openxmlformats.org/presentationml/2006/main" showMasterSp="0" show="0">
+  <p:cSld>
+    <p:bg>
+      <p:bgPr>
+        <a:solidFill>
+          <a:schemeClr val="bg1">
+            <a:alpha val="20000"/>
+          </a:schemeClr>
+        </a:solidFill>
+        <a:effectLst/>
+      </p:bgPr>
+    </p:bg>
+    <p:spTree>
+      <p:nvGrpSpPr>
+        <p:cNvPr id="1" name=""/>
+        <p:cNvGrpSpPr/>
+        <p:nvPr/>
+      </p:nvGrpSpPr>
+      <p:grpSpPr>
+        <a:xfrm>
+          <a:off x="0" y="0"/>
+          <a:ext cx="0" cy="0"/>
+          <a:chOff x="0" y="0"/>
+          <a:chExt cx="0" cy="0"/>
+        </a:xfrm>
+      </p:grpSpPr>
+      <p:pic>
+        <p:nvPicPr>
+          <p:cNvPr id="9" name="Picture 8" descr="sequence_diagram 1.png"/>
+          <p:cNvPicPr>
+            <a:picLocks noChangeAspect="1"/>
+          </p:cNvPicPr>
+          <p:nvPr/>
+        </p:nvPicPr>
+        <p:blipFill>
+          <a:blip r:embed="rId2">
+            <a:extLst>
+              <a:ext uri="{28A0092B-C50C-407E-A947-70E740481C1C}">
+                <a14:useLocalDpi xmlns:a14="http://schemas.microsoft.com/office/drawing/2010/main" val="0"/>
+              </a:ext>
+            </a:extLst>
+          </a:blip>
+          <a:stretch>
+            <a:fillRect/>
+          </a:stretch>
+        </p:blipFill>
+        <p:spPr>
+          <a:xfrm>
+            <a:off x="0" y="479778"/>
+            <a:ext cx="9144000" cy="6080873"/>
+          </a:xfrm>
+          <a:prstGeom prst="rect">
+            <a:avLst/>
+          </a:prstGeom>
+        </p:spPr>
+      </p:pic>
+    </p:spTree>
+    <p:extLst>
+      <p:ext uri="{BB962C8B-B14F-4D97-AF65-F5344CB8AC3E}">
+        <p14:creationId xmlns:p14="http://schemas.microsoft.com/office/powerpoint/2010/main" val="1812519593"/>
+      </p:ext>
+    </p:extLst>
+  </p:cSld>
+  <p:clrMapOvr>
+    <a:masterClrMapping/>
+  </p:clrMapOvr>
+  <mc:AlternateContent xmlns:mc="http://schemas.openxmlformats.org/markup-compatibility/2006">
+    <mc:Choice xmlns:p14="http://schemas.microsoft.com/office/powerpoint/2010/main" Requires="p14">
+      <p:transition spd="slow" p14:dur="2000"/>
+    </mc:Choice>
+    <mc:Fallback>
+      <p:transition xmlns:p14="http://schemas.microsoft.com/office/powerpoint/2010/main" spd="slow"/>
+    </mc:Fallback>
+  </mc:AlternateContent>
+</p:sld>
+</file>
+
+<file path=ppt/slides/slide11.xml><?xml version="1.0" encoding="utf-8"?>
+<p:sld xmlns:a="http://schemas.openxmlformats.org/drawingml/2006/main" xmlns:r="http://schemas.openxmlformats.org/officeDocument/2006/relationships" xmlns:p="http://schemas.openxmlformats.org/presentationml/2006/main" showMasterSp="0" show="0">
+  <p:cSld>
+    <p:bg>
+      <p:bgPr>
+        <a:solidFill>
+          <a:schemeClr val="bg1">
+            <a:alpha val="20000"/>
+          </a:schemeClr>
+        </a:solidFill>
+        <a:effectLst/>
+      </p:bgPr>
+    </p:bg>
+    <p:spTree>
+      <p:nvGrpSpPr>
+        <p:cNvPr id="1" name=""/>
+        <p:cNvGrpSpPr/>
+        <p:nvPr/>
+      </p:nvGrpSpPr>
+      <p:grpSpPr>
+        <a:xfrm>
+          <a:off x="0" y="0"/>
+          <a:ext cx="0" cy="0"/>
+          <a:chOff x="0" y="0"/>
+          <a:chExt cx="0" cy="0"/>
+        </a:xfrm>
+      </p:grpSpPr>
+      <p:pic>
+        <p:nvPicPr>
+          <p:cNvPr id="3" name="Picture 2" descr="sequence_diagram 2.png"/>
+          <p:cNvPicPr>
+            <a:picLocks noChangeAspect="1"/>
+          </p:cNvPicPr>
+          <p:nvPr/>
+        </p:nvPicPr>
+        <p:blipFill rotWithShape="1">
+          <a:blip r:embed="rId2">
+            <a:extLst>
+              <a:ext uri="{28A0092B-C50C-407E-A947-70E740481C1C}">
+                <a14:useLocalDpi xmlns:a14="http://schemas.microsoft.com/office/drawing/2010/main" val="0"/>
+              </a:ext>
+            </a:extLst>
+          </a:blip>
+          <a:srcRect b="51423"/>
+          <a:stretch/>
+        </p:blipFill>
+        <p:spPr>
+          <a:xfrm>
+            <a:off x="0" y="1740370"/>
+            <a:ext cx="9144000" cy="2953927"/>
+          </a:xfrm>
+          <a:prstGeom prst="rect">
+            <a:avLst/>
+          </a:prstGeom>
+        </p:spPr>
+      </p:pic>
+    </p:spTree>
+    <p:extLst>
+      <p:ext uri="{BB962C8B-B14F-4D97-AF65-F5344CB8AC3E}">
+        <p14:creationId xmlns:p14="http://schemas.microsoft.com/office/powerpoint/2010/main" val="2980833003"/>
+      </p:ext>
+    </p:extLst>
+  </p:cSld>
+  <p:clrMapOvr>
+    <a:masterClrMapping/>
+  </p:clrMapOvr>
+  <mc:AlternateContent xmlns:mc="http://schemas.openxmlformats.org/markup-compatibility/2006">
+    <mc:Choice xmlns:p14="http://schemas.microsoft.com/office/powerpoint/2010/main" Requires="p14">
+      <p:transition spd="slow" p14:dur="2000"/>
+    </mc:Choice>
+    <mc:Fallback>
+      <p:transition xmlns:p14="http://schemas.microsoft.com/office/powerpoint/2010/main" spd="slow"/>
+    </mc:Fallback>
+  </mc:AlternateContent>
+</p:sld>
+</file>
+
+<file path=ppt/slides/slide12.xml><?xml version="1.0" encoding="utf-8"?>
+<p:sld xmlns:a="http://schemas.openxmlformats.org/drawingml/2006/main" xmlns:r="http://schemas.openxmlformats.org/officeDocument/2006/relationships" xmlns:p="http://schemas.openxmlformats.org/presentationml/2006/main" show="0">
   <p:cSld>
     <p:spTree>
       <p:nvGrpSpPr>
@@ -6765,7 +6923,329 @@
             <a:fld id="{0C6113F6-D982-4F1F-82B4-AFA466AB9AFB}" type="slidenum">
               <a:rPr lang="de-DE" smtClean="0"/>
               <a:pPr/>
-              <a:t>10</a:t>
+              <a:t>12</a:t>
+            </a:fld>
+            <a:endParaRPr lang="de-DE"/>
+          </a:p>
+        </p:txBody>
+      </p:sp>
+      <p:sp>
+        <p:nvSpPr>
+          <p:cNvPr id="6" name="Content Placeholder 5"/>
+          <p:cNvSpPr>
+            <a:spLocks noGrp="1"/>
+          </p:cNvSpPr>
+          <p:nvPr>
+            <p:ph idx="1"/>
+          </p:nvPr>
+        </p:nvSpPr>
+        <p:spPr/>
+        <p:txBody>
+          <a:bodyPr/>
+          <a:lstStyle/>
+          <a:p>
+            <a:r>
+              <a:rPr lang="en-US" dirty="0" smtClean="0"/>
+              <a:t>  Philipp	</a:t>
+            </a:r>
+            <a:r>
+              <a:rPr lang="en-US" dirty="0" err="1" smtClean="0"/>
+              <a:t>Lysann</a:t>
+            </a:r>
+            <a:r>
+              <a:rPr lang="en-US" dirty="0" smtClean="0"/>
+              <a:t>		Frank			Server</a:t>
+            </a:r>
+            <a:endParaRPr lang="en-US" dirty="0"/>
+          </a:p>
+        </p:txBody>
+      </p:sp>
+      <p:cxnSp>
+        <p:nvCxnSpPr>
+          <p:cNvPr id="8" name="Straight Connector 7"/>
+          <p:cNvCxnSpPr/>
+          <p:nvPr/>
+        </p:nvCxnSpPr>
+        <p:spPr bwMode="auto">
+          <a:xfrm rot="16200000" flipH="1">
+            <a:off x="-647118" y="4234369"/>
+            <a:ext cx="3854556" cy="5"/>
+          </a:xfrm>
+          <a:prstGeom prst="line">
+            <a:avLst/>
+          </a:prstGeom>
+          <a:solidFill>
+            <a:schemeClr val="accent1"/>
+          </a:solidFill>
+          <a:ln w="9525" cap="flat" cmpd="sng" algn="ctr">
+            <a:solidFill>
+              <a:schemeClr val="tx1"/>
+            </a:solidFill>
+            <a:prstDash val="solid"/>
+            <a:round/>
+            <a:headEnd type="none" w="med" len="med"/>
+            <a:tailEnd type="none" w="med" len="med"/>
+          </a:ln>
+          <a:effectLst/>
+        </p:spPr>
+      </p:cxnSp>
+      <p:cxnSp>
+        <p:nvCxnSpPr>
+          <p:cNvPr id="11" name="Straight Connector 10"/>
+          <p:cNvCxnSpPr/>
+          <p:nvPr/>
+        </p:nvCxnSpPr>
+        <p:spPr bwMode="auto">
+          <a:xfrm rot="16200000" flipH="1">
+            <a:off x="1066801" y="4232020"/>
+            <a:ext cx="3854556" cy="5"/>
+          </a:xfrm>
+          <a:prstGeom prst="line">
+            <a:avLst/>
+          </a:prstGeom>
+          <a:solidFill>
+            <a:schemeClr val="accent1"/>
+          </a:solidFill>
+          <a:ln w="9525" cap="flat" cmpd="sng" algn="ctr">
+            <a:solidFill>
+              <a:schemeClr val="tx1"/>
+            </a:solidFill>
+            <a:prstDash val="solid"/>
+            <a:round/>
+            <a:headEnd type="none" w="med" len="med"/>
+            <a:tailEnd type="none" w="med" len="med"/>
+          </a:ln>
+          <a:effectLst/>
+        </p:spPr>
+      </p:cxnSp>
+      <p:cxnSp>
+        <p:nvCxnSpPr>
+          <p:cNvPr id="12" name="Straight Connector 11"/>
+          <p:cNvCxnSpPr/>
+          <p:nvPr/>
+        </p:nvCxnSpPr>
+        <p:spPr bwMode="auto">
+          <a:xfrm rot="16200000" flipH="1">
+            <a:off x="2754917" y="4232023"/>
+            <a:ext cx="3854556" cy="5"/>
+          </a:xfrm>
+          <a:prstGeom prst="line">
+            <a:avLst/>
+          </a:prstGeom>
+          <a:solidFill>
+            <a:schemeClr val="accent1"/>
+          </a:solidFill>
+          <a:ln w="9525" cap="flat" cmpd="sng" algn="ctr">
+            <a:solidFill>
+              <a:schemeClr val="tx1"/>
+            </a:solidFill>
+            <a:prstDash val="solid"/>
+            <a:round/>
+            <a:headEnd type="none" w="med" len="med"/>
+            <a:tailEnd type="none" w="med" len="med"/>
+          </a:ln>
+          <a:effectLst/>
+        </p:spPr>
+      </p:cxnSp>
+      <p:cxnSp>
+        <p:nvCxnSpPr>
+          <p:cNvPr id="13" name="Straight Connector 12"/>
+          <p:cNvCxnSpPr/>
+          <p:nvPr/>
+        </p:nvCxnSpPr>
+        <p:spPr bwMode="auto">
+          <a:xfrm rot="16200000" flipH="1">
+            <a:off x="5498118" y="4232019"/>
+            <a:ext cx="3854556" cy="5"/>
+          </a:xfrm>
+          <a:prstGeom prst="line">
+            <a:avLst/>
+          </a:prstGeom>
+          <a:solidFill>
+            <a:schemeClr val="accent1"/>
+          </a:solidFill>
+          <a:ln w="9525" cap="flat" cmpd="sng" algn="ctr">
+            <a:solidFill>
+              <a:schemeClr val="tx1"/>
+            </a:solidFill>
+            <a:prstDash val="solid"/>
+            <a:round/>
+            <a:headEnd type="none" w="med" len="med"/>
+            <a:tailEnd type="none" w="med" len="med"/>
+          </a:ln>
+          <a:effectLst/>
+        </p:spPr>
+      </p:cxnSp>
+      <p:cxnSp>
+        <p:nvCxnSpPr>
+          <p:cNvPr id="15" name="Straight Arrow Connector 14"/>
+          <p:cNvCxnSpPr/>
+          <p:nvPr/>
+        </p:nvCxnSpPr>
+        <p:spPr bwMode="auto">
+          <a:xfrm>
+            <a:off x="4684542" y="2363372"/>
+            <a:ext cx="2743200" cy="56271"/>
+          </a:xfrm>
+          <a:prstGeom prst="straightConnector1">
+            <a:avLst/>
+          </a:prstGeom>
+          <a:solidFill>
+            <a:schemeClr val="accent1"/>
+          </a:solidFill>
+          <a:ln w="9525" cap="flat" cmpd="sng" algn="ctr">
+            <a:solidFill>
+              <a:schemeClr val="tx1"/>
+            </a:solidFill>
+            <a:prstDash val="solid"/>
+            <a:round/>
+            <a:headEnd type="none" w="med" len="med"/>
+            <a:tailEnd type="arrow"/>
+          </a:ln>
+          <a:effectLst/>
+        </p:spPr>
+      </p:cxnSp>
+      <p:sp>
+        <p:nvSpPr>
+          <p:cNvPr id="37" name="TextBox 36"/>
+          <p:cNvSpPr txBox="1"/>
+          <p:nvPr/>
+        </p:nvSpPr>
+        <p:spPr>
+          <a:xfrm>
+            <a:off x="4923686" y="2053878"/>
+            <a:ext cx="2393605" cy="369332"/>
+          </a:xfrm>
+          <a:prstGeom prst="rect">
+            <a:avLst/>
+          </a:prstGeom>
+          <a:noFill/>
+        </p:spPr>
+        <p:txBody>
+          <a:bodyPr wrap="none" rtlCol="0">
+            <a:spAutoFit/>
+          </a:bodyPr>
+          <a:lstStyle/>
+          <a:p>
+            <a:r>
+              <a:rPr lang="en-US" dirty="0" err="1" smtClean="0">
+                <a:solidFill>
+                  <a:schemeClr val="tx1"/>
+                </a:solidFill>
+              </a:rPr>
+              <a:t>createAppointment</a:t>
+            </a:r>
+            <a:endParaRPr lang="en-US" dirty="0" smtClean="0">
+              <a:solidFill>
+                <a:schemeClr val="tx1"/>
+              </a:solidFill>
+            </a:endParaRPr>
+          </a:p>
+        </p:txBody>
+      </p:sp>
+    </p:spTree>
+    <p:extLst>
+      <p:ext uri="{BB962C8B-B14F-4D97-AF65-F5344CB8AC3E}">
+        <p14:creationId xmlns:p14="http://schemas.microsoft.com/office/powerpoint/2010/main" val="1623943854"/>
+      </p:ext>
+    </p:extLst>
+  </p:cSld>
+  <p:clrMapOvr>
+    <a:masterClrMapping/>
+  </p:clrMapOvr>
+  <mc:AlternateContent xmlns:mc="http://schemas.openxmlformats.org/markup-compatibility/2006">
+    <mc:Choice xmlns:p14="http://schemas.microsoft.com/office/powerpoint/2010/main" Requires="p14">
+      <p:transition spd="slow" p14:dur="2000"/>
+    </mc:Choice>
+    <mc:Fallback>
+      <p:transition xmlns:p14="http://schemas.microsoft.com/office/powerpoint/2010/main" spd="slow"/>
+    </mc:Fallback>
+  </mc:AlternateContent>
+</p:sld>
+</file>
+
+<file path=ppt/slides/slide13.xml><?xml version="1.0" encoding="utf-8"?>
+<p:sld xmlns:a="http://schemas.openxmlformats.org/drawingml/2006/main" xmlns:r="http://schemas.openxmlformats.org/officeDocument/2006/relationships" xmlns:p="http://schemas.openxmlformats.org/presentationml/2006/main" show="0">
+  <p:cSld>
+    <p:spTree>
+      <p:nvGrpSpPr>
+        <p:cNvPr id="1" name=""/>
+        <p:cNvGrpSpPr/>
+        <p:nvPr/>
+      </p:nvGrpSpPr>
+      <p:grpSpPr>
+        <a:xfrm>
+          <a:off x="0" y="0"/>
+          <a:ext cx="0" cy="0"/>
+          <a:chOff x="0" y="0"/>
+          <a:chExt cx="0" cy="0"/>
+        </a:xfrm>
+      </p:grpSpPr>
+      <p:sp>
+        <p:nvSpPr>
+          <p:cNvPr id="2" name="Title 1"/>
+          <p:cNvSpPr>
+            <a:spLocks noGrp="1"/>
+          </p:cNvSpPr>
+          <p:nvPr>
+            <p:ph type="title"/>
+          </p:nvPr>
+        </p:nvSpPr>
+        <p:spPr/>
+        <p:txBody>
+          <a:bodyPr/>
+          <a:lstStyle/>
+          <a:p>
+            <a:r>
+              <a:rPr lang="en-US" noProof="1" smtClean="0"/>
+              <a:t>Server API Version 1</a:t>
+            </a:r>
+            <a:endParaRPr lang="en-US" noProof="1"/>
+          </a:p>
+        </p:txBody>
+      </p:sp>
+      <p:sp>
+        <p:nvSpPr>
+          <p:cNvPr id="4" name="Footer Placeholder 3"/>
+          <p:cNvSpPr>
+            <a:spLocks noGrp="1"/>
+          </p:cNvSpPr>
+          <p:nvPr>
+            <p:ph type="ftr" sz="quarter" idx="10"/>
+          </p:nvPr>
+        </p:nvSpPr>
+        <p:spPr/>
+        <p:txBody>
+          <a:bodyPr/>
+          <a:lstStyle/>
+          <a:p>
+            <a:r>
+              <a:rPr lang="de-DE" smtClean="0"/>
+              <a:t>Find All My Friends | Eingebettete Betriebssysteme | 7. Dezember 2011</a:t>
+            </a:r>
+            <a:endParaRPr lang="de-DE"/>
+          </a:p>
+        </p:txBody>
+      </p:sp>
+      <p:sp>
+        <p:nvSpPr>
+          <p:cNvPr id="5" name="Slide Number Placeholder 4"/>
+          <p:cNvSpPr>
+            <a:spLocks noGrp="1"/>
+          </p:cNvSpPr>
+          <p:nvPr>
+            <p:ph type="sldNum" sz="quarter" idx="11"/>
+          </p:nvPr>
+        </p:nvSpPr>
+        <p:spPr/>
+        <p:txBody>
+          <a:bodyPr/>
+          <a:lstStyle/>
+          <a:p>
+            <a:fld id="{0C6113F6-D982-4F1F-82B4-AFA466AB9AFB}" type="slidenum">
+              <a:rPr lang="de-DE" smtClean="0"/>
+              <a:pPr/>
+              <a:t>13</a:t>
             </a:fld>
             <a:endParaRPr lang="de-DE"/>
           </a:p>
@@ -7125,18 +7605,26 @@
     </p:spTree>
     <p:extLst>
       <p:ext uri="{BB962C8B-B14F-4D97-AF65-F5344CB8AC3E}">
-        <p14:creationId xmlns:p14="http://schemas.microsoft.com/office/powerpoint/2010/main" xmlns="" val="1623943854"/>
+        <p14:creationId xmlns:p14="http://schemas.microsoft.com/office/powerpoint/2010/main" val="1623943854"/>
       </p:ext>
     </p:extLst>
   </p:cSld>
   <p:clrMapOvr>
     <a:masterClrMapping/>
   </p:clrMapOvr>
+  <mc:AlternateContent xmlns:mc="http://schemas.openxmlformats.org/markup-compatibility/2006">
+    <mc:Choice xmlns:p14="http://schemas.microsoft.com/office/powerpoint/2010/main" Requires="p14">
+      <p:transition spd="slow" p14:dur="2000"/>
+    </mc:Choice>
+    <mc:Fallback>
+      <p:transition xmlns:p14="http://schemas.microsoft.com/office/powerpoint/2010/main" spd="slow"/>
+    </mc:Fallback>
+  </mc:AlternateContent>
 </p:sld>
 </file>
 
-<file path=ppt/slides/slide11.xml><?xml version="1.0" encoding="utf-8"?>
-<p:sld xmlns:a="http://schemas.openxmlformats.org/drawingml/2006/main" xmlns:r="http://schemas.openxmlformats.org/officeDocument/2006/relationships" xmlns:p="http://schemas.openxmlformats.org/presentationml/2006/main">
+<file path=ppt/slides/slide14.xml><?xml version="1.0" encoding="utf-8"?>
+<p:sld xmlns:a="http://schemas.openxmlformats.org/drawingml/2006/main" xmlns:r="http://schemas.openxmlformats.org/officeDocument/2006/relationships" xmlns:p="http://schemas.openxmlformats.org/presentationml/2006/main" show="0">
   <p:cSld>
     <p:spTree>
       <p:nvGrpSpPr>
@@ -7216,7 +7704,7 @@
             <a:fld id="{0C6113F6-D982-4F1F-82B4-AFA466AB9AFB}" type="slidenum">
               <a:rPr lang="de-DE" smtClean="0"/>
               <a:pPr/>
-              <a:t>11</a:t>
+              <a:t>14</a:t>
             </a:fld>
             <a:endParaRPr lang="de-DE"/>
           </a:p>
@@ -7631,18 +8119,26 @@
     </p:spTree>
     <p:extLst>
       <p:ext uri="{BB962C8B-B14F-4D97-AF65-F5344CB8AC3E}">
-        <p14:creationId xmlns:p14="http://schemas.microsoft.com/office/powerpoint/2010/main" xmlns="" val="1623943854"/>
+        <p14:creationId xmlns:p14="http://schemas.microsoft.com/office/powerpoint/2010/main" val="1623943854"/>
       </p:ext>
     </p:extLst>
   </p:cSld>
   <p:clrMapOvr>
     <a:masterClrMapping/>
   </p:clrMapOvr>
+  <mc:AlternateContent xmlns:mc="http://schemas.openxmlformats.org/markup-compatibility/2006">
+    <mc:Choice xmlns:p14="http://schemas.microsoft.com/office/powerpoint/2010/main" Requires="p14">
+      <p:transition spd="slow" p14:dur="2000"/>
+    </mc:Choice>
+    <mc:Fallback>
+      <p:transition xmlns:p14="http://schemas.microsoft.com/office/powerpoint/2010/main" spd="slow"/>
+    </mc:Fallback>
+  </mc:AlternateContent>
 </p:sld>
 </file>
 
-<file path=ppt/slides/slide12.xml><?xml version="1.0" encoding="utf-8"?>
-<p:sld xmlns:a="http://schemas.openxmlformats.org/drawingml/2006/main" xmlns:r="http://schemas.openxmlformats.org/officeDocument/2006/relationships" xmlns:p="http://schemas.openxmlformats.org/presentationml/2006/main">
+<file path=ppt/slides/slide15.xml><?xml version="1.0" encoding="utf-8"?>
+<p:sld xmlns:a="http://schemas.openxmlformats.org/drawingml/2006/main" xmlns:r="http://schemas.openxmlformats.org/officeDocument/2006/relationships" xmlns:p="http://schemas.openxmlformats.org/presentationml/2006/main" show="0">
   <p:cSld>
     <p:spTree>
       <p:nvGrpSpPr>
@@ -7722,7 +8218,7 @@
             <a:fld id="{0C6113F6-D982-4F1F-82B4-AFA466AB9AFB}" type="slidenum">
               <a:rPr lang="de-DE" smtClean="0"/>
               <a:pPr/>
-              <a:t>12</a:t>
+              <a:t>15</a:t>
             </a:fld>
             <a:endParaRPr lang="de-DE"/>
           </a:p>
@@ -8204,18 +8700,26 @@
     </p:spTree>
     <p:extLst>
       <p:ext uri="{BB962C8B-B14F-4D97-AF65-F5344CB8AC3E}">
-        <p14:creationId xmlns:p14="http://schemas.microsoft.com/office/powerpoint/2010/main" xmlns="" val="1623943854"/>
+        <p14:creationId xmlns:p14="http://schemas.microsoft.com/office/powerpoint/2010/main" val="1623943854"/>
       </p:ext>
     </p:extLst>
   </p:cSld>
   <p:clrMapOvr>
     <a:masterClrMapping/>
   </p:clrMapOvr>
+  <mc:AlternateContent xmlns:mc="http://schemas.openxmlformats.org/markup-compatibility/2006">
+    <mc:Choice xmlns:p14="http://schemas.microsoft.com/office/powerpoint/2010/main" Requires="p14">
+      <p:transition spd="slow" p14:dur="2000"/>
+    </mc:Choice>
+    <mc:Fallback>
+      <p:transition xmlns:p14="http://schemas.microsoft.com/office/powerpoint/2010/main" spd="slow"/>
+    </mc:Fallback>
+  </mc:AlternateContent>
 </p:sld>
 </file>
 
-<file path=ppt/slides/slide13.xml><?xml version="1.0" encoding="utf-8"?>
-<p:sld xmlns:a="http://schemas.openxmlformats.org/drawingml/2006/main" xmlns:r="http://schemas.openxmlformats.org/officeDocument/2006/relationships" xmlns:p="http://schemas.openxmlformats.org/presentationml/2006/main">
+<file path=ppt/slides/slide16.xml><?xml version="1.0" encoding="utf-8"?>
+<p:sld xmlns:a="http://schemas.openxmlformats.org/drawingml/2006/main" xmlns:r="http://schemas.openxmlformats.org/officeDocument/2006/relationships" xmlns:p="http://schemas.openxmlformats.org/presentationml/2006/main" show="0">
   <p:cSld>
     <p:spTree>
       <p:nvGrpSpPr>
@@ -8295,7 +8799,7 @@
             <a:fld id="{0C6113F6-D982-4F1F-82B4-AFA466AB9AFB}" type="slidenum">
               <a:rPr lang="de-DE" smtClean="0"/>
               <a:pPr/>
-              <a:t>13</a:t>
+              <a:t>16</a:t>
             </a:fld>
             <a:endParaRPr lang="de-DE"/>
           </a:p>
@@ -8902,18 +9406,26 @@
     </p:spTree>
     <p:extLst>
       <p:ext uri="{BB962C8B-B14F-4D97-AF65-F5344CB8AC3E}">
-        <p14:creationId xmlns:p14="http://schemas.microsoft.com/office/powerpoint/2010/main" xmlns="" val="1623943854"/>
+        <p14:creationId xmlns:p14="http://schemas.microsoft.com/office/powerpoint/2010/main" val="1623943854"/>
       </p:ext>
     </p:extLst>
   </p:cSld>
   <p:clrMapOvr>
     <a:masterClrMapping/>
   </p:clrMapOvr>
+  <mc:AlternateContent xmlns:mc="http://schemas.openxmlformats.org/markup-compatibility/2006">
+    <mc:Choice xmlns:p14="http://schemas.microsoft.com/office/powerpoint/2010/main" Requires="p14">
+      <p:transition spd="slow" p14:dur="2000"/>
+    </mc:Choice>
+    <mc:Fallback>
+      <p:transition xmlns:p14="http://schemas.microsoft.com/office/powerpoint/2010/main" spd="slow"/>
+    </mc:Fallback>
+  </mc:AlternateContent>
 </p:sld>
 </file>
 
-<file path=ppt/slides/slide14.xml><?xml version="1.0" encoding="utf-8"?>
-<p:sld xmlns:a="http://schemas.openxmlformats.org/drawingml/2006/main" xmlns:r="http://schemas.openxmlformats.org/officeDocument/2006/relationships" xmlns:p="http://schemas.openxmlformats.org/presentationml/2006/main">
+<file path=ppt/slides/slide17.xml><?xml version="1.0" encoding="utf-8"?>
+<p:sld xmlns:a="http://schemas.openxmlformats.org/drawingml/2006/main" xmlns:r="http://schemas.openxmlformats.org/officeDocument/2006/relationships" xmlns:p="http://schemas.openxmlformats.org/presentationml/2006/main" show="0">
   <p:cSld>
     <p:spTree>
       <p:nvGrpSpPr>
@@ -8993,7 +9505,7 @@
             <a:fld id="{0C6113F6-D982-4F1F-82B4-AFA466AB9AFB}" type="slidenum">
               <a:rPr lang="de-DE" smtClean="0"/>
               <a:pPr/>
-              <a:t>14</a:t>
+              <a:t>17</a:t>
             </a:fld>
             <a:endParaRPr lang="de-DE"/>
           </a:p>
@@ -9408,18 +9920,26 @@
     </p:spTree>
     <p:extLst>
       <p:ext uri="{BB962C8B-B14F-4D97-AF65-F5344CB8AC3E}">
-        <p14:creationId xmlns:p14="http://schemas.microsoft.com/office/powerpoint/2010/main" xmlns="" val="1623943854"/>
+        <p14:creationId xmlns:p14="http://schemas.microsoft.com/office/powerpoint/2010/main" val="1623943854"/>
       </p:ext>
     </p:extLst>
   </p:cSld>
   <p:clrMapOvr>
     <a:masterClrMapping/>
   </p:clrMapOvr>
+  <mc:AlternateContent xmlns:mc="http://schemas.openxmlformats.org/markup-compatibility/2006">
+    <mc:Choice xmlns:p14="http://schemas.microsoft.com/office/powerpoint/2010/main" Requires="p14">
+      <p:transition spd="slow" p14:dur="2000"/>
+    </mc:Choice>
+    <mc:Fallback>
+      <p:transition xmlns:p14="http://schemas.microsoft.com/office/powerpoint/2010/main" spd="slow"/>
+    </mc:Fallback>
+  </mc:AlternateContent>
 </p:sld>
 </file>
 
-<file path=ppt/slides/slide15.xml><?xml version="1.0" encoding="utf-8"?>
-<p:sld xmlns:a="http://schemas.openxmlformats.org/drawingml/2006/main" xmlns:r="http://schemas.openxmlformats.org/officeDocument/2006/relationships" xmlns:p="http://schemas.openxmlformats.org/presentationml/2006/main">
+<file path=ppt/slides/slide18.xml><?xml version="1.0" encoding="utf-8"?>
+<p:sld xmlns:a="http://schemas.openxmlformats.org/drawingml/2006/main" xmlns:r="http://schemas.openxmlformats.org/officeDocument/2006/relationships" xmlns:p="http://schemas.openxmlformats.org/presentationml/2006/main" show="0">
   <p:cSld>
     <p:spTree>
       <p:nvGrpSpPr>
@@ -9499,7 +10019,7 @@
             <a:fld id="{0C6113F6-D982-4F1F-82B4-AFA466AB9AFB}" type="slidenum">
               <a:rPr lang="de-DE" smtClean="0"/>
               <a:pPr/>
-              <a:t>15</a:t>
+              <a:t>18</a:t>
             </a:fld>
             <a:endParaRPr lang="de-DE"/>
           </a:p>
@@ -10039,18 +10559,26 @@
     </p:spTree>
     <p:extLst>
       <p:ext uri="{BB962C8B-B14F-4D97-AF65-F5344CB8AC3E}">
-        <p14:creationId xmlns:p14="http://schemas.microsoft.com/office/powerpoint/2010/main" xmlns="" val="1623943854"/>
+        <p14:creationId xmlns:p14="http://schemas.microsoft.com/office/powerpoint/2010/main" val="1623943854"/>
       </p:ext>
     </p:extLst>
   </p:cSld>
   <p:clrMapOvr>
     <a:masterClrMapping/>
   </p:clrMapOvr>
+  <mc:AlternateContent xmlns:mc="http://schemas.openxmlformats.org/markup-compatibility/2006">
+    <mc:Choice xmlns:p14="http://schemas.microsoft.com/office/powerpoint/2010/main" Requires="p14">
+      <p:transition spd="slow" p14:dur="2000"/>
+    </mc:Choice>
+    <mc:Fallback>
+      <p:transition xmlns:p14="http://schemas.microsoft.com/office/powerpoint/2010/main" spd="slow"/>
+    </mc:Fallback>
+  </mc:AlternateContent>
 </p:sld>
 </file>
 
-<file path=ppt/slides/slide16.xml><?xml version="1.0" encoding="utf-8"?>
-<p:sld xmlns:a="http://schemas.openxmlformats.org/drawingml/2006/main" xmlns:r="http://schemas.openxmlformats.org/officeDocument/2006/relationships" xmlns:p="http://schemas.openxmlformats.org/presentationml/2006/main">
+<file path=ppt/slides/slide19.xml><?xml version="1.0" encoding="utf-8"?>
+<p:sld xmlns:a="http://schemas.openxmlformats.org/drawingml/2006/main" xmlns:r="http://schemas.openxmlformats.org/officeDocument/2006/relationships" xmlns:p="http://schemas.openxmlformats.org/presentationml/2006/main" show="0">
   <p:cSld>
     <p:spTree>
       <p:nvGrpSpPr>
@@ -10130,7 +10658,7 @@
             <a:fld id="{0C6113F6-D982-4F1F-82B4-AFA466AB9AFB}" type="slidenum">
               <a:rPr lang="de-DE" smtClean="0"/>
               <a:pPr/>
-              <a:t>16</a:t>
+              <a:t>19</a:t>
             </a:fld>
             <a:endParaRPr lang="de-DE"/>
           </a:p>
@@ -10545,13 +11073,21 @@
     </p:spTree>
     <p:extLst>
       <p:ext uri="{BB962C8B-B14F-4D97-AF65-F5344CB8AC3E}">
-        <p14:creationId xmlns:p14="http://schemas.microsoft.com/office/powerpoint/2010/main" xmlns="" val="1623943854"/>
+        <p14:creationId xmlns:p14="http://schemas.microsoft.com/office/powerpoint/2010/main" val="1623943854"/>
       </p:ext>
     </p:extLst>
   </p:cSld>
   <p:clrMapOvr>
     <a:masterClrMapping/>
   </p:clrMapOvr>
+  <mc:AlternateContent xmlns:mc="http://schemas.openxmlformats.org/markup-compatibility/2006">
+    <mc:Choice xmlns:p14="http://schemas.microsoft.com/office/powerpoint/2010/main" Requires="p14">
+      <p:transition spd="slow" p14:dur="2000"/>
+    </mc:Choice>
+    <mc:Fallback>
+      <p:transition xmlns:p14="http://schemas.microsoft.com/office/powerpoint/2010/main" spd="slow"/>
+    </mc:Fallback>
+  </mc:AlternateContent>
 </p:sld>
 </file>
 
@@ -10605,14 +11141,36 @@
             <p:ph idx="1"/>
           </p:nvPr>
         </p:nvSpPr>
-        <p:spPr/>
+        <p:spPr>
+          <a:xfrm>
+            <a:off x="719138" y="1728788"/>
+            <a:ext cx="7512343" cy="4795837"/>
+          </a:xfrm>
+        </p:spPr>
         <p:txBody>
           <a:bodyPr/>
           <a:lstStyle/>
           <a:p>
-            <a:pPr marL="285750" indent="-285750">
-              <a:buFont typeface="Arial"/>
-              <a:buChar char="•"/>
+            <a:pPr algn="ctr">
+              <a:lnSpc>
+                <a:spcPct val="120000"/>
+              </a:lnSpc>
+            </a:pPr>
+            <a:endParaRPr lang="en-US" noProof="1" smtClean="0"/>
+          </a:p>
+          <a:p>
+            <a:pPr algn="ctr">
+              <a:lnSpc>
+                <a:spcPct val="120000"/>
+              </a:lnSpc>
+            </a:pPr>
+            <a:endParaRPr lang="en-US" noProof="1"/>
+          </a:p>
+          <a:p>
+            <a:pPr algn="ctr">
+              <a:lnSpc>
+                <a:spcPct val="120000"/>
+              </a:lnSpc>
             </a:pPr>
             <a:r>
               <a:rPr lang="en-US" noProof="1" smtClean="0"/>
@@ -10620,9 +11178,10 @@
             </a:r>
           </a:p>
           <a:p>
-            <a:pPr marL="285750" indent="-285750">
-              <a:buFont typeface="Arial"/>
-              <a:buChar char="•"/>
+            <a:pPr algn="ctr">
+              <a:lnSpc>
+                <a:spcPct val="120000"/>
+              </a:lnSpc>
             </a:pPr>
             <a:r>
               <a:rPr lang="en-US" noProof="1" smtClean="0"/>
@@ -10630,9 +11189,10 @@
             </a:r>
           </a:p>
           <a:p>
-            <a:pPr marL="285750" indent="-285750">
-              <a:buFont typeface="Arial"/>
-              <a:buChar char="•"/>
+            <a:pPr algn="ctr">
+              <a:lnSpc>
+                <a:spcPct val="120000"/>
+              </a:lnSpc>
             </a:pPr>
             <a:r>
               <a:rPr lang="en-US" noProof="1" smtClean="0"/>
@@ -10640,9 +11200,10 @@
             </a:r>
           </a:p>
           <a:p>
-            <a:pPr marL="285750" indent="-285750">
-              <a:buFont typeface="Arial"/>
-              <a:buChar char="•"/>
+            <a:pPr algn="ctr">
+              <a:lnSpc>
+                <a:spcPct val="120000"/>
+              </a:lnSpc>
             </a:pPr>
             <a:r>
               <a:rPr lang="en-US" noProof="1" smtClean="0"/>
@@ -10650,9 +11211,10 @@
             </a:r>
           </a:p>
           <a:p>
-            <a:pPr marL="285750" indent="-285750">
-              <a:buFont typeface="Arial"/>
-              <a:buChar char="•"/>
+            <a:pPr algn="ctr">
+              <a:lnSpc>
+                <a:spcPct val="120000"/>
+              </a:lnSpc>
             </a:pPr>
             <a:r>
               <a:rPr lang="en-US" noProof="1" smtClean="0"/>
@@ -10660,9 +11222,10 @@
             </a:r>
           </a:p>
           <a:p>
-            <a:pPr marL="285750" indent="-285750">
-              <a:buFont typeface="Arial"/>
-              <a:buChar char="•"/>
+            <a:pPr algn="ctr">
+              <a:lnSpc>
+                <a:spcPct val="120000"/>
+              </a:lnSpc>
             </a:pPr>
             <a:r>
               <a:rPr lang="en-US" noProof="1" smtClean="0"/>
@@ -10670,9 +11233,10 @@
             </a:r>
           </a:p>
           <a:p>
-            <a:pPr marL="285750" indent="-285750">
-              <a:buFont typeface="Arial"/>
-              <a:buChar char="•"/>
+            <a:pPr algn="ctr">
+              <a:lnSpc>
+                <a:spcPct val="120000"/>
+              </a:lnSpc>
             </a:pPr>
             <a:r>
               <a:rPr lang="en-US" noProof="1" smtClean="0"/>
@@ -10732,7 +11296,7 @@
     </p:spTree>
     <p:extLst>
       <p:ext uri="{BB962C8B-B14F-4D97-AF65-F5344CB8AC3E}">
-        <p14:creationId xmlns:p14="http://schemas.microsoft.com/office/powerpoint/2010/main" xmlns="" val="2255331236"/>
+        <p14:creationId xmlns:p14="http://schemas.microsoft.com/office/powerpoint/2010/main" val="2255331236"/>
       </p:ext>
     </p:extLst>
   </p:cSld>
@@ -10742,7 +11306,7 @@
   <p:timing>
     <p:tnLst>
       <p:par>
-        <p:cTn id="1" dur="indefinite" restart="never" nodeType="tmRoot"/>
+        <p:cTn xmlns:p14="http://schemas.microsoft.com/office/powerpoint/2010/main" id="1" dur="indefinite" restart="never" nodeType="tmRoot"/>
       </p:par>
     </p:tnLst>
   </p:timing>
@@ -10810,8 +11374,15 @@
             </a:pPr>
             <a:r>
               <a:rPr lang="en-US" noProof="1" smtClean="0"/>
-              <a:t>Use Case</a:t>
-            </a:r>
+              <a:t>Szenario:</a:t>
+            </a:r>
+          </a:p>
+          <a:p>
+            <a:pPr marL="285750" indent="-285750">
+              <a:buFont typeface="Arial"/>
+              <a:buChar char="•"/>
+            </a:pPr>
+            <a:endParaRPr lang="en-US" noProof="1" smtClean="0"/>
           </a:p>
           <a:p>
             <a:pPr marL="731838" lvl="1" indent="-285750">
@@ -10820,7 +11391,7 @@
             </a:pPr>
             <a:r>
               <a:rPr lang="en-US" noProof="1" smtClean="0"/>
-              <a:t>Alice möchte gerne einen Berliner Weihnachtsmarkt besuchen</a:t>
+              <a:t>Alice möchte gerne einen Berliner Weihnachtsmarkt besuchen.</a:t>
             </a:r>
           </a:p>
           <a:p>
@@ -10830,7 +11401,7 @@
             </a:pPr>
             <a:r>
               <a:rPr lang="en-US" noProof="1" smtClean="0"/>
-              <a:t>Dazu will sie Ihre Freunde Bob und Charlie einladen</a:t>
+              <a:t>Dazu will sie Ihre Freunde Bob und Charlie einladen.</a:t>
             </a:r>
           </a:p>
           <a:p>
@@ -10839,8 +11410,14 @@
               <a:buChar char="•"/>
             </a:pPr>
             <a:r>
+              <a:rPr lang="en-US" noProof="1" smtClean="0">
+                <a:sym typeface="Wingdings"/>
+              </a:rPr>
+              <a:t> “</a:t>
+            </a:r>
+            <a:r>
               <a:rPr lang="en-US" noProof="1" smtClean="0"/>
-              <a:t>FindAllMyFriends Application</a:t>
+              <a:t>Find All My Friends” App:</a:t>
             </a:r>
           </a:p>
           <a:p>
@@ -10936,7 +11513,7 @@
     </p:spTree>
     <p:extLst>
       <p:ext uri="{BB962C8B-B14F-4D97-AF65-F5344CB8AC3E}">
-        <p14:creationId xmlns:p14="http://schemas.microsoft.com/office/powerpoint/2010/main" xmlns="" val="527401345"/>
+        <p14:creationId xmlns:p14="http://schemas.microsoft.com/office/powerpoint/2010/main" val="527401345"/>
       </p:ext>
     </p:extLst>
   </p:cSld>
@@ -11007,7 +11584,7 @@
             </a:pPr>
             <a:r>
               <a:rPr lang="en-US" noProof="1" smtClean="0"/>
-              <a:t>Herausforderungen</a:t>
+              <a:t>Herausforderungen:</a:t>
             </a:r>
           </a:p>
           <a:p>
@@ -11029,7 +11606,6 @@
               <a:rPr lang="en-US" noProof="1" smtClean="0"/>
               <a:t>Umgehen mit Netzwerkabbrüchen</a:t>
             </a:r>
-            <a:endParaRPr lang="en-US" noProof="1" smtClean="0"/>
           </a:p>
           <a:p>
             <a:pPr marL="731838" lvl="1" indent="-285750">
@@ -11038,7 +11614,7 @@
             </a:pPr>
             <a:r>
               <a:rPr lang="en-US" noProof="1" smtClean="0"/>
-              <a:t>Niedrighalten des Energieverbrauches</a:t>
+              <a:t>Energieverbrauch gering halten</a:t>
             </a:r>
             <a:endParaRPr lang="en-US" noProof="1" smtClean="0"/>
           </a:p>
@@ -11051,7 +11627,6 @@
               <a:rPr lang="en-US" noProof="1" smtClean="0"/>
               <a:t>Datenvolumenbeschränkungen von mobilen Tarifen beachten</a:t>
             </a:r>
-            <a:endParaRPr lang="en-US" noProof="1" smtClean="0"/>
           </a:p>
           <a:p>
             <a:endParaRPr lang="en-US" noProof="1" smtClean="0"/>
@@ -11108,7 +11683,7 @@
     </p:spTree>
     <p:extLst>
       <p:ext uri="{BB962C8B-B14F-4D97-AF65-F5344CB8AC3E}">
-        <p14:creationId xmlns:p14="http://schemas.microsoft.com/office/powerpoint/2010/main" xmlns="" val="2173126471"/>
+        <p14:creationId xmlns:p14="http://schemas.microsoft.com/office/powerpoint/2010/main" val="2173126471"/>
       </p:ext>
     </p:extLst>
   </p:cSld>
@@ -11284,10 +11859,109 @@
           </a:p>
         </p:txBody>
       </p:sp>
+      <p:sp>
+        <p:nvSpPr>
+          <p:cNvPr id="6" name="TextBox 5"/>
+          <p:cNvSpPr txBox="1"/>
+          <p:nvPr/>
+        </p:nvSpPr>
+        <p:spPr>
+          <a:xfrm rot="19061047">
+            <a:off x="2166522" y="3151481"/>
+            <a:ext cx="4224233" cy="369332"/>
+          </a:xfrm>
+          <a:prstGeom prst="rect">
+            <a:avLst/>
+          </a:prstGeom>
+        </p:spPr>
+        <p:style>
+          <a:lnRef idx="1">
+            <a:schemeClr val="accent1"/>
+          </a:lnRef>
+          <a:fillRef idx="3">
+            <a:schemeClr val="accent1"/>
+          </a:fillRef>
+          <a:effectRef idx="2">
+            <a:schemeClr val="accent1"/>
+          </a:effectRef>
+          <a:fontRef idx="minor">
+            <a:schemeClr val="lt1"/>
+          </a:fontRef>
+        </p:style>
+        <p:txBody>
+          <a:bodyPr wrap="none" rtlCol="0">
+            <a:spAutoFit/>
+          </a:bodyPr>
+          <a:lstStyle/>
+          <a:p>
+            <a:r>
+              <a:rPr lang="en-US" dirty="0" err="1" smtClean="0">
+                <a:solidFill>
+                  <a:schemeClr val="bg1"/>
+                </a:solidFill>
+              </a:rPr>
+              <a:t>Diagramm</a:t>
+            </a:r>
+            <a:r>
+              <a:rPr lang="en-US" dirty="0" smtClean="0">
+                <a:solidFill>
+                  <a:schemeClr val="bg1"/>
+                </a:solidFill>
+              </a:rPr>
+              <a:t> </a:t>
+            </a:r>
+            <a:r>
+              <a:rPr lang="en-US" dirty="0" err="1" smtClean="0">
+                <a:solidFill>
+                  <a:schemeClr val="bg1"/>
+                </a:solidFill>
+              </a:rPr>
+              <a:t>wird</a:t>
+            </a:r>
+            <a:r>
+              <a:rPr lang="en-US" dirty="0" smtClean="0">
+                <a:solidFill>
+                  <a:schemeClr val="bg1"/>
+                </a:solidFill>
+              </a:rPr>
+              <a:t> </a:t>
+            </a:r>
+            <a:r>
+              <a:rPr lang="en-US" dirty="0" err="1" smtClean="0">
+                <a:solidFill>
+                  <a:schemeClr val="bg1"/>
+                </a:solidFill>
+              </a:rPr>
+              <a:t>noch</a:t>
+            </a:r>
+            <a:r>
+              <a:rPr lang="en-US" dirty="0" smtClean="0">
+                <a:solidFill>
+                  <a:schemeClr val="bg1"/>
+                </a:solidFill>
+              </a:rPr>
+              <a:t> </a:t>
+            </a:r>
+            <a:r>
+              <a:rPr lang="en-US" dirty="0" err="1" smtClean="0">
+                <a:solidFill>
+                  <a:schemeClr val="bg1"/>
+                </a:solidFill>
+              </a:rPr>
+              <a:t>ausgetauscht</a:t>
+            </a:r>
+            <a:endParaRPr lang="en-US" dirty="0" smtClean="0">
+              <a:solidFill>
+                <a:schemeClr val="bg1"/>
+              </a:solidFill>
+            </a:endParaRPr>
+          </a:p>
+        </p:txBody>
+      </p:sp>
     </p:spTree>
     <p:extLst>
       <p:ext uri="{BB962C8B-B14F-4D97-AF65-F5344CB8AC3E}">
-        <p14:creationId xmlns:p14="http://schemas.microsoft.com/office/powerpoint/2010/main" xmlns="" val="3078081548"/>
+        <p14:creationId xmlns:p14="http://schemas.microsoft.com/office/powerpoint/2010/main" val="3078081548"/>
       </p:ext>
     </p:extLst>
   </p:cSld>
@@ -11358,8 +12032,21 @@
             </a:pPr>
             <a:r>
               <a:rPr lang="en-US" noProof="1" smtClean="0"/>
-              <a:t>3 SDKs und Systemsprachen</a:t>
-            </a:r>
+              <a:t>3 SDKs und </a:t>
+            </a:r>
+            <a:r>
+              <a:rPr lang="en-US" noProof="1" smtClean="0"/>
+              <a:t>Programmiersprachen f</a:t>
+            </a:r>
+            <a:r>
+              <a:rPr lang="en-US" noProof="1" smtClean="0"/>
+              <a:t>ür die mobilen Endgeräte</a:t>
+            </a:r>
+            <a:r>
+              <a:rPr lang="en-US" noProof="1" smtClean="0"/>
+              <a:t>:</a:t>
+            </a:r>
+            <a:endParaRPr lang="en-US" noProof="1" smtClean="0"/>
           </a:p>
           <a:p>
             <a:pPr marL="731838" lvl="1" indent="-285750">
@@ -11368,7 +12055,7 @@
             </a:pPr>
             <a:r>
               <a:rPr lang="en-US" noProof="1" smtClean="0"/>
-              <a:t>Objective-C (+ MacRuby?)</a:t>
+              <a:t>iOS/Cocoa Touch &amp; Objective-C</a:t>
             </a:r>
           </a:p>
           <a:p>
@@ -11378,7 +12065,7 @@
             </a:pPr>
             <a:r>
               <a:rPr lang="en-US" noProof="1" smtClean="0"/>
-              <a:t>C# (+ IronRuby)</a:t>
+              <a:t>.NET Compact Framework &amp; C#</a:t>
             </a:r>
           </a:p>
           <a:p>
@@ -11388,27 +12075,7 @@
             </a:pPr>
             <a:r>
               <a:rPr lang="en-US" noProof="1" smtClean="0"/>
-              <a:t>Java (+ JRuby)</a:t>
-            </a:r>
-          </a:p>
-          <a:p>
-            <a:pPr marL="285750" indent="-285750">
-              <a:buFont typeface="Arial"/>
-              <a:buChar char="•"/>
-            </a:pPr>
-            <a:r>
-              <a:rPr lang="en-US" noProof="1" smtClean="0"/>
-              <a:t>1 Server</a:t>
-            </a:r>
-          </a:p>
-          <a:p>
-            <a:pPr marL="731838" lvl="1" indent="-285750">
-              <a:buFont typeface="Arial"/>
-              <a:buChar char="•"/>
-            </a:pPr>
-            <a:r>
-              <a:rPr lang="en-US" noProof="1" smtClean="0"/>
-              <a:t>JRuby</a:t>
+              <a:t>Android Framework &amp; Java</a:t>
             </a:r>
           </a:p>
           <a:p>
@@ -11417,6 +12084,76 @@
               <a:buChar char="•"/>
             </a:pPr>
             <a:endParaRPr lang="en-US" noProof="1" smtClean="0"/>
+          </a:p>
+          <a:p>
+            <a:pPr marL="285750" indent="-285750">
+              <a:buFont typeface="Arial"/>
+              <a:buChar char="•"/>
+            </a:pPr>
+            <a:r>
+              <a:rPr lang="en-US" noProof="1" smtClean="0"/>
+              <a:t>1 Server:</a:t>
+            </a:r>
+          </a:p>
+          <a:p>
+            <a:pPr marL="731838" lvl="1" indent="-285750">
+              <a:buFont typeface="Arial"/>
+              <a:buChar char="•"/>
+            </a:pPr>
+            <a:r>
+              <a:rPr lang="en-US" noProof="1" smtClean="0"/>
+              <a:t>Java / </a:t>
+            </a:r>
+            <a:r>
+              <a:rPr lang="en-US" noProof="1" smtClean="0"/>
+              <a:t>JRuby</a:t>
+            </a:r>
+          </a:p>
+          <a:p>
+            <a:pPr marL="731838" lvl="1" indent="-285750">
+              <a:buFont typeface="Arial"/>
+              <a:buChar char="•"/>
+            </a:pPr>
+            <a:endParaRPr lang="en-US" noProof="1"/>
+          </a:p>
+          <a:p>
+            <a:pPr marL="285750" indent="-285750">
+              <a:buFont typeface="Arial"/>
+              <a:buChar char="•"/>
+            </a:pPr>
+            <a:r>
+              <a:rPr lang="en-US" noProof="1" smtClean="0"/>
+              <a:t>Kommunikation zwischen mobilen Endegr</a:t>
+            </a:r>
+            <a:r>
+              <a:rPr lang="en-US" noProof="1" smtClean="0"/>
+              <a:t>äten und Server:</a:t>
+            </a:r>
+          </a:p>
+          <a:p>
+            <a:pPr marL="731838" lvl="1" indent="-285750">
+              <a:buFont typeface="Arial"/>
+              <a:buChar char="•"/>
+            </a:pPr>
+            <a:r>
+              <a:rPr lang="en-US" noProof="1" smtClean="0"/>
+              <a:t>Client-Anfragen: plattform</a:t>
+            </a:r>
+            <a:r>
+              <a:rPr lang="en-US" noProof="1" smtClean="0"/>
+              <a:t>übergreifende Middleware</a:t>
+            </a:r>
+          </a:p>
+          <a:p>
+            <a:pPr marL="731838" lvl="1" indent="-285750">
+              <a:buFont typeface="Arial"/>
+              <a:buChar char="•"/>
+            </a:pPr>
+            <a:r>
+              <a:rPr lang="en-US" noProof="1" smtClean="0"/>
+              <a:t>Push-Notifications: spezifisch für die jeweilige mobile Plattform</a:t>
+            </a:r>
+            <a:endParaRPr lang="en-US" noProof="1"/>
           </a:p>
         </p:txBody>
       </p:sp>
@@ -11470,7 +12207,7 @@
     </p:spTree>
     <p:extLst>
       <p:ext uri="{BB962C8B-B14F-4D97-AF65-F5344CB8AC3E}">
-        <p14:creationId xmlns:p14="http://schemas.microsoft.com/office/powerpoint/2010/main" xmlns="" val="480089758"/>
+        <p14:creationId xmlns:p14="http://schemas.microsoft.com/office/powerpoint/2010/main" val="480089758"/>
       </p:ext>
     </p:extLst>
   </p:cSld>
@@ -11514,11 +12251,7 @@
           <a:p>
             <a:r>
               <a:rPr lang="en-US" noProof="1" smtClean="0"/>
-              <a:t>Diskussion – </a:t>
-            </a:r>
-            <a:r>
-              <a:rPr lang="en-US" noProof="1" smtClean="0"/>
-              <a:t>Das Wire-Protocol</a:t>
+              <a:t>Diskussion – Das Wire-Protocol</a:t>
             </a:r>
             <a:endParaRPr lang="en-US" noProof="1"/>
           </a:p>
@@ -11532,11 +12265,16 @@
           </p:cNvGraphicFramePr>
           <p:nvPr>
             <p:ph idx="1"/>
+            <p:extLst>
+              <p:ext uri="{D42A27DB-BD31-4B8C-83A1-F6EECF244321}">
+                <p14:modId xmlns:p14="http://schemas.microsoft.com/office/powerpoint/2010/main" val="2815773870"/>
+              </p:ext>
+            </p:extLst>
           </p:nvPr>
         </p:nvGraphicFramePr>
         <p:xfrm>
           <a:off x="719138" y="1728788"/>
-          <a:ext cx="8174037" cy="4577080"/>
+          <a:ext cx="8174037" cy="4302759"/>
         </p:xfrm>
         <a:graphic>
           <a:graphicData uri="http://schemas.openxmlformats.org/drawingml/2006/table">
@@ -11555,7 +12293,7 @@
                     <a:bodyPr/>
                     <a:lstStyle/>
                     <a:p>
-                      <a:endParaRPr lang="en-US" dirty="0"/>
+                      <a:endParaRPr lang="en-US" b="1" dirty="0"/>
                     </a:p>
                   </a:txBody>
                   <a:tcPr/>
@@ -11565,7 +12303,11 @@
                     <a:bodyPr/>
                     <a:lstStyle/>
                     <a:p>
-                      <a:endParaRPr lang="en-US" dirty="0"/>
+                      <a:r>
+                        <a:rPr lang="en-US" b="1" dirty="0" err="1" smtClean="0"/>
+                        <a:t>Vorteile</a:t>
+                      </a:r>
+                      <a:endParaRPr lang="en-US" b="1" dirty="0"/>
                     </a:p>
                   </a:txBody>
                   <a:tcPr/>
@@ -11575,7 +12317,11 @@
                     <a:bodyPr/>
                     <a:lstStyle/>
                     <a:p>
-                      <a:endParaRPr lang="en-US"/>
+                      <a:r>
+                        <a:rPr lang="en-US" b="1" dirty="0" err="1" smtClean="0"/>
+                        <a:t>Nachteile</a:t>
+                      </a:r>
+                      <a:endParaRPr lang="en-US" b="1" dirty="0"/>
                     </a:p>
                   </a:txBody>
                   <a:tcPr/>
@@ -11619,7 +12365,7 @@
                       </a:r>
                       <a:r>
                         <a:rPr lang="en-US" baseline="0" dirty="0" err="1" smtClean="0"/>
-                        <a:t>Binär</a:t>
+                        <a:t>binär</a:t>
                       </a:r>
                       <a:r>
                         <a:rPr lang="en-US" baseline="0" dirty="0" smtClean="0"/>
@@ -11627,7 +12373,7 @@
                       </a:r>
                       <a:r>
                         <a:rPr lang="en-US" baseline="0" dirty="0" err="1" smtClean="0"/>
-                        <a:t>Viel</a:t>
+                        <a:t>viel</a:t>
                       </a:r>
                       <a:r>
                         <a:rPr lang="en-US" baseline="0" dirty="0" smtClean="0"/>
@@ -11636,6 +12382,10 @@
                       <a:r>
                         <a:rPr lang="en-US" baseline="0" dirty="0" err="1" smtClean="0"/>
                         <a:t>eingesetzt</a:t>
+                      </a:r>
+                      <a:r>
+                        <a:rPr lang="en-US" baseline="0" dirty="0" smtClean="0"/>
+                        <a:t>, robust</a:t>
                       </a:r>
                       <a:endParaRPr lang="en-US" dirty="0"/>
                     </a:p>
@@ -11656,16 +12406,12 @@
                         <a:t> API, </a:t>
                       </a:r>
                       <a:r>
+                        <a:rPr lang="en-US" baseline="0" dirty="0" smtClean="0"/>
+                        <a:t>“Oversized”, </a:t>
+                      </a:r>
+                      <a:r>
                         <a:rPr lang="en-US" baseline="0" dirty="0" err="1" smtClean="0"/>
-                        <a:t>viele</a:t>
-                      </a:r>
-                      <a:r>
-                        <a:rPr lang="en-US" baseline="0" dirty="0" smtClean="0"/>
-                        <a:t> Features, </a:t>
-                      </a:r>
-                      <a:r>
-                        <a:rPr lang="en-US" baseline="0" dirty="0" err="1" smtClean="0"/>
-                        <a:t>Keine</a:t>
+                        <a:t>nur</a:t>
                       </a:r>
                       <a:r>
                         <a:rPr lang="en-US" baseline="0" dirty="0" smtClean="0"/>
@@ -11673,7 +12419,7 @@
                       </a:r>
                       <a:r>
                         <a:rPr lang="en-US" baseline="0" dirty="0" err="1" smtClean="0"/>
-                        <a:t>fertige</a:t>
+                        <a:t>teilweise</a:t>
                       </a:r>
                       <a:r>
                         <a:rPr lang="en-US" baseline="0" dirty="0" smtClean="0"/>
@@ -11681,19 +12427,23 @@
                       </a:r>
                       <a:r>
                         <a:rPr lang="en-US" baseline="0" dirty="0" err="1" smtClean="0"/>
-                        <a:t>Implementierung</a:t>
+                        <a:t>f</a:t>
+                      </a:r>
+                      <a:r>
+                        <a:rPr lang="en-US" baseline="0" dirty="0" err="1" smtClean="0"/>
+                        <a:t>ür</a:t>
                       </a:r>
                       <a:r>
                         <a:rPr lang="en-US" baseline="0" dirty="0" smtClean="0"/>
                         <a:t> </a:t>
                       </a:r>
                       <a:r>
+                        <a:rPr lang="en-US" baseline="0" dirty="0" smtClean="0"/>
+                        <a:t>Embedded </a:t>
+                      </a:r>
+                      <a:r>
                         <a:rPr lang="en-US" baseline="0" dirty="0" err="1" smtClean="0"/>
-                        <a:t>für</a:t>
-                      </a:r>
-                      <a:r>
-                        <a:rPr lang="en-US" baseline="0" dirty="0" smtClean="0"/>
-                        <a:t> Embedded</a:t>
+                        <a:t>implementiert</a:t>
                       </a:r>
                       <a:endParaRPr lang="en-US" dirty="0"/>
                     </a:p>
@@ -11735,7 +12485,7 @@
                       </a:r>
                       <a:r>
                         <a:rPr lang="en-US" dirty="0" err="1" smtClean="0"/>
-                        <a:t>Binär</a:t>
+                        <a:t>binär</a:t>
                       </a:r>
                       <a:r>
                         <a:rPr lang="en-US" dirty="0" smtClean="0"/>
@@ -11761,7 +12511,7 @@
                     <a:p>
                       <a:r>
                         <a:rPr lang="en-US" dirty="0" err="1" smtClean="0"/>
-                        <a:t>Keine</a:t>
+                        <a:t>Wenig</a:t>
                       </a:r>
                       <a:r>
                         <a:rPr lang="en-US" dirty="0" smtClean="0"/>
@@ -11859,7 +12609,11 @@
                       </a:r>
                       <a:r>
                         <a:rPr lang="en-US" baseline="0" dirty="0" smtClean="0"/>
-                        <a:t> Android + </a:t>
+                        <a:t> Android </a:t>
+                      </a:r>
+                      <a:r>
+                        <a:rPr lang="en-US" baseline="0" dirty="0" smtClean="0"/>
+                        <a:t>&amp; </a:t>
                       </a:r>
                       <a:r>
                         <a:rPr lang="en-US" baseline="0" dirty="0" err="1" smtClean="0"/>
@@ -11980,12 +12734,60 @@
                     <a:lstStyle/>
                     <a:p>
                       <a:r>
-                        <a:rPr lang="en-US" smtClean="0"/>
+                        <a:rPr lang="en-US" dirty="0" err="1" smtClean="0"/>
                         <a:t>Größere</a:t>
                       </a:r>
                       <a:r>
-                        <a:rPr lang="en-US" baseline="0" smtClean="0"/>
-                        <a:t> Datenmenge als bei anderen Protokollen, kein “Standard”-Framework</a:t>
+                        <a:rPr lang="en-US" baseline="0" dirty="0" smtClean="0"/>
+                        <a:t> </a:t>
+                      </a:r>
+                      <a:r>
+                        <a:rPr lang="en-US" baseline="0" dirty="0" err="1" smtClean="0"/>
+                        <a:t>Datenmenge</a:t>
+                      </a:r>
+                      <a:r>
+                        <a:rPr lang="en-US" baseline="0" dirty="0" smtClean="0"/>
+                        <a:t> </a:t>
+                      </a:r>
+                      <a:r>
+                        <a:rPr lang="en-US" baseline="0" dirty="0" err="1" smtClean="0"/>
+                        <a:t>als</a:t>
+                      </a:r>
+                      <a:r>
+                        <a:rPr lang="en-US" baseline="0" dirty="0" smtClean="0"/>
+                        <a:t> </a:t>
+                      </a:r>
+                      <a:r>
+                        <a:rPr lang="en-US" baseline="0" dirty="0" err="1" smtClean="0"/>
+                        <a:t>bei</a:t>
+                      </a:r>
+                      <a:r>
+                        <a:rPr lang="en-US" baseline="0" dirty="0" smtClean="0"/>
+                        <a:t> </a:t>
+                      </a:r>
+                      <a:r>
+                        <a:rPr lang="en-US" baseline="0" dirty="0" err="1" smtClean="0"/>
+                        <a:t>anderen</a:t>
+                      </a:r>
+                      <a:r>
+                        <a:rPr lang="en-US" baseline="0" dirty="0" smtClean="0"/>
+                        <a:t> </a:t>
+                      </a:r>
+                      <a:r>
+                        <a:rPr lang="en-US" baseline="0" dirty="0" err="1" smtClean="0"/>
+                        <a:t>Protokollen</a:t>
+                      </a:r>
+                      <a:r>
+                        <a:rPr lang="en-US" baseline="0" dirty="0" smtClean="0"/>
+                        <a:t>, </a:t>
+                      </a:r>
+                      <a:r>
+                        <a:rPr lang="en-US" baseline="0" dirty="0" err="1" smtClean="0"/>
+                        <a:t>kein</a:t>
+                      </a:r>
+                      <a:r>
+                        <a:rPr lang="en-US" baseline="0" dirty="0" smtClean="0"/>
+                        <a:t> “Standard”-Framework</a:t>
                       </a:r>
                       <a:endParaRPr lang="en-US" dirty="0"/>
                     </a:p>
@@ -12044,136 +12846,10 @@
           </a:p>
         </p:txBody>
       </p:sp>
-      <p:sp>
-        <p:nvSpPr>
-          <p:cNvPr id="7" name="Cross 6"/>
-          <p:cNvSpPr/>
-          <p:nvPr/>
-        </p:nvSpPr>
-        <p:spPr bwMode="auto">
-          <a:xfrm>
-            <a:off x="3488788" y="1378631"/>
-            <a:ext cx="661181" cy="618978"/>
-          </a:xfrm>
-          <a:prstGeom prst="plus">
-            <a:avLst>
-              <a:gd name="adj" fmla="val 38637"/>
-            </a:avLst>
-          </a:prstGeom>
-          <a:solidFill>
-            <a:srgbClr val="92D050"/>
-          </a:solidFill>
-          <a:ln w="9525" cap="flat" cmpd="sng" algn="ctr">
-            <a:solidFill>
-              <a:schemeClr val="tx1"/>
-            </a:solidFill>
-            <a:prstDash val="solid"/>
-            <a:round/>
-            <a:headEnd type="none" w="med" len="med"/>
-            <a:tailEnd type="none" w="med" len="med"/>
-          </a:ln>
-          <a:effectLst/>
-        </p:spPr>
-        <p:txBody>
-          <a:bodyPr vert="horz" wrap="none" lIns="91440" tIns="45720" rIns="91440" bIns="45720" numCol="1" rtlCol="0" anchor="ctr" anchorCtr="0" compatLnSpc="1">
-            <a:prstTxWarp prst="textNoShape">
-              <a:avLst/>
-            </a:prstTxWarp>
-          </a:bodyPr>
-          <a:lstStyle/>
-          <a:p>
-            <a:pPr marL="0" marR="0" indent="0" algn="ctr" defTabSz="914400" rtl="0" eaLnBrk="1" fontAlgn="base" latinLnBrk="0" hangingPunct="1">
-              <a:lnSpc>
-                <a:spcPct val="100000"/>
-              </a:lnSpc>
-              <a:spcBef>
-                <a:spcPct val="0"/>
-              </a:spcBef>
-              <a:spcAft>
-                <a:spcPct val="0"/>
-              </a:spcAft>
-              <a:buClrTx/>
-              <a:buSzTx/>
-              <a:buFontTx/>
-              <a:buNone/>
-              <a:tabLst/>
-            </a:pPr>
-            <a:endParaRPr kumimoji="0" lang="en-US" sz="1800" b="0" i="0" u="none" strike="noStrike" cap="none" normalizeH="0" baseline="0" smtClean="0">
-              <a:ln>
-                <a:noFill/>
-              </a:ln>
-              <a:effectLst/>
-              <a:latin typeface="Verdana" pitchFamily="34" charset="0"/>
-            </a:endParaRPr>
-          </a:p>
-        </p:txBody>
-      </p:sp>
-      <p:sp>
-        <p:nvSpPr>
-          <p:cNvPr id="8" name="Lightning Bolt 7"/>
-          <p:cNvSpPr/>
-          <p:nvPr/>
-        </p:nvSpPr>
-        <p:spPr bwMode="auto">
-          <a:xfrm>
-            <a:off x="6457071" y="1420837"/>
-            <a:ext cx="618978" cy="548640"/>
-          </a:xfrm>
-          <a:prstGeom prst="lightningBolt">
-            <a:avLst/>
-          </a:prstGeom>
-          <a:solidFill>
-            <a:schemeClr val="accent1"/>
-          </a:solidFill>
-          <a:ln w="9525" cap="flat" cmpd="sng" algn="ctr">
-            <a:solidFill>
-              <a:schemeClr val="tx1"/>
-            </a:solidFill>
-            <a:prstDash val="solid"/>
-            <a:round/>
-            <a:headEnd type="none" w="med" len="med"/>
-            <a:tailEnd type="none" w="med" len="med"/>
-          </a:ln>
-          <a:effectLst/>
-        </p:spPr>
-        <p:txBody>
-          <a:bodyPr vert="horz" wrap="none" lIns="91440" tIns="45720" rIns="91440" bIns="45720" numCol="1" rtlCol="0" anchor="ctr" anchorCtr="0" compatLnSpc="1">
-            <a:prstTxWarp prst="textNoShape">
-              <a:avLst/>
-            </a:prstTxWarp>
-          </a:bodyPr>
-          <a:lstStyle/>
-          <a:p>
-            <a:pPr marL="0" marR="0" indent="0" algn="ctr" defTabSz="914400" rtl="0" eaLnBrk="1" fontAlgn="base" latinLnBrk="0" hangingPunct="1">
-              <a:lnSpc>
-                <a:spcPct val="100000"/>
-              </a:lnSpc>
-              <a:spcBef>
-                <a:spcPct val="0"/>
-              </a:spcBef>
-              <a:spcAft>
-                <a:spcPct val="0"/>
-              </a:spcAft>
-              <a:buClrTx/>
-              <a:buSzTx/>
-              <a:buFontTx/>
-              <a:buNone/>
-              <a:tabLst/>
-            </a:pPr>
-            <a:endParaRPr kumimoji="0" lang="en-US" sz="1800" b="0" i="0" u="none" strike="noStrike" cap="none" normalizeH="0" baseline="0" smtClean="0">
-              <a:ln>
-                <a:noFill/>
-              </a:ln>
-              <a:effectLst/>
-              <a:latin typeface="Verdana" pitchFamily="34" charset="0"/>
-            </a:endParaRPr>
-          </a:p>
-        </p:txBody>
-      </p:sp>
     </p:spTree>
     <p:extLst>
       <p:ext uri="{BB962C8B-B14F-4D97-AF65-F5344CB8AC3E}">
-        <p14:creationId xmlns:p14="http://schemas.microsoft.com/office/powerpoint/2010/main" xmlns="" val="480089758"/>
+        <p14:creationId xmlns:p14="http://schemas.microsoft.com/office/powerpoint/2010/main" val="480089758"/>
       </p:ext>
     </p:extLst>
   </p:cSld>
@@ -12217,11 +12893,7 @@
           <a:p>
             <a:r>
               <a:rPr lang="en-US" noProof="1" smtClean="0"/>
-              <a:t>Diskussion – </a:t>
-            </a:r>
-            <a:r>
-              <a:rPr lang="en-US" noProof="1" smtClean="0"/>
-              <a:t>Das Wire-Protocol</a:t>
+              <a:t>Diskussion – Das Wire-Protocol</a:t>
             </a:r>
             <a:endParaRPr lang="en-US" noProof="1"/>
           </a:p>
@@ -12235,11 +12907,16 @@
           </p:cNvGraphicFramePr>
           <p:nvPr>
             <p:ph idx="1"/>
+            <p:extLst>
+              <p:ext uri="{D42A27DB-BD31-4B8C-83A1-F6EECF244321}">
+                <p14:modId xmlns:p14="http://schemas.microsoft.com/office/powerpoint/2010/main" val="1009697107"/>
+              </p:ext>
+            </p:extLst>
           </p:nvPr>
         </p:nvGraphicFramePr>
         <p:xfrm>
           <a:off x="719138" y="1728788"/>
-          <a:ext cx="8174037" cy="4577080"/>
+          <a:ext cx="8174037" cy="4302759"/>
         </p:xfrm>
         <a:graphic>
           <a:graphicData uri="http://schemas.openxmlformats.org/drawingml/2006/table">
@@ -12258,7 +12935,7 @@
                     <a:bodyPr/>
                     <a:lstStyle/>
                     <a:p>
-                      <a:endParaRPr lang="en-US" dirty="0"/>
+                      <a:endParaRPr lang="en-US" b="1" dirty="0"/>
                     </a:p>
                   </a:txBody>
                   <a:tcPr/>
@@ -12268,7 +12945,11 @@
                     <a:bodyPr/>
                     <a:lstStyle/>
                     <a:p>
-                      <a:endParaRPr lang="en-US"/>
+                      <a:r>
+                        <a:rPr lang="en-US" b="1" dirty="0" err="1" smtClean="0"/>
+                        <a:t>Vorteile</a:t>
+                      </a:r>
+                      <a:endParaRPr lang="en-US" b="1" dirty="0"/>
                     </a:p>
                   </a:txBody>
                   <a:tcPr/>
@@ -12278,7 +12959,11 @@
                     <a:bodyPr/>
                     <a:lstStyle/>
                     <a:p>
-                      <a:endParaRPr lang="en-US"/>
+                      <a:r>
+                        <a:rPr lang="en-US" b="1" dirty="0" err="1" smtClean="0"/>
+                        <a:t>Nachteile</a:t>
+                      </a:r>
+                      <a:endParaRPr lang="en-US" b="1" dirty="0"/>
                     </a:p>
                   </a:txBody>
                   <a:tcPr/>
@@ -12322,7 +13007,7 @@
                       </a:r>
                       <a:r>
                         <a:rPr lang="en-US" baseline="0" dirty="0" err="1" smtClean="0"/>
-                        <a:t>Binär</a:t>
+                        <a:t>binär</a:t>
                       </a:r>
                       <a:r>
                         <a:rPr lang="en-US" baseline="0" dirty="0" smtClean="0"/>
@@ -12330,7 +13015,7 @@
                       </a:r>
                       <a:r>
                         <a:rPr lang="en-US" baseline="0" dirty="0" err="1" smtClean="0"/>
-                        <a:t>Viel</a:t>
+                        <a:t>viel</a:t>
                       </a:r>
                       <a:r>
                         <a:rPr lang="en-US" baseline="0" dirty="0" smtClean="0"/>
@@ -12339,6 +13024,10 @@
                       <a:r>
                         <a:rPr lang="en-US" baseline="0" dirty="0" err="1" smtClean="0"/>
                         <a:t>eingesetzt</a:t>
+                      </a:r>
+                      <a:r>
+                        <a:rPr lang="en-US" baseline="0" dirty="0" smtClean="0"/>
+                        <a:t>, robust</a:t>
                       </a:r>
                       <a:endParaRPr lang="en-US" dirty="0"/>
                     </a:p>
@@ -12359,16 +13048,12 @@
                         <a:t> API, </a:t>
                       </a:r>
                       <a:r>
+                        <a:rPr lang="en-US" baseline="0" dirty="0" smtClean="0"/>
+                        <a:t>“Oversized”, </a:t>
+                      </a:r>
+                      <a:r>
                         <a:rPr lang="en-US" baseline="0" dirty="0" err="1" smtClean="0"/>
-                        <a:t>viele</a:t>
-                      </a:r>
-                      <a:r>
-                        <a:rPr lang="en-US" baseline="0" dirty="0" smtClean="0"/>
-                        <a:t> Features, </a:t>
-                      </a:r>
-                      <a:r>
-                        <a:rPr lang="en-US" baseline="0" dirty="0" err="1" smtClean="0"/>
-                        <a:t>Keine</a:t>
+                        <a:t>nur</a:t>
                       </a:r>
                       <a:r>
                         <a:rPr lang="en-US" baseline="0" dirty="0" smtClean="0"/>
@@ -12376,7 +13061,7 @@
                       </a:r>
                       <a:r>
                         <a:rPr lang="en-US" baseline="0" dirty="0" err="1" smtClean="0"/>
-                        <a:t>fertige</a:t>
+                        <a:t>teilweise</a:t>
                       </a:r>
                       <a:r>
                         <a:rPr lang="en-US" baseline="0" dirty="0" smtClean="0"/>
@@ -12384,19 +13069,23 @@
                       </a:r>
                       <a:r>
                         <a:rPr lang="en-US" baseline="0" dirty="0" err="1" smtClean="0"/>
-                        <a:t>Implementierung</a:t>
+                        <a:t>f</a:t>
+                      </a:r>
+                      <a:r>
+                        <a:rPr lang="en-US" baseline="0" dirty="0" err="1" smtClean="0"/>
+                        <a:t>ür</a:t>
                       </a:r>
                       <a:r>
                         <a:rPr lang="en-US" baseline="0" dirty="0" smtClean="0"/>
                         <a:t> </a:t>
                       </a:r>
                       <a:r>
+                        <a:rPr lang="en-US" baseline="0" dirty="0" smtClean="0"/>
+                        <a:t>Embedded </a:t>
+                      </a:r>
+                      <a:r>
                         <a:rPr lang="en-US" baseline="0" dirty="0" err="1" smtClean="0"/>
-                        <a:t>für</a:t>
-                      </a:r>
-                      <a:r>
-                        <a:rPr lang="en-US" baseline="0" dirty="0" smtClean="0"/>
-                        <a:t> Embedded</a:t>
+                        <a:t>implementiert</a:t>
                       </a:r>
                       <a:endParaRPr lang="en-US" dirty="0"/>
                     </a:p>
@@ -12438,7 +13127,7 @@
                       </a:r>
                       <a:r>
                         <a:rPr lang="en-US" dirty="0" err="1" smtClean="0"/>
-                        <a:t>Binär</a:t>
+                        <a:t>binär</a:t>
                       </a:r>
                       <a:r>
                         <a:rPr lang="en-US" dirty="0" smtClean="0"/>
@@ -12464,7 +13153,7 @@
                     <a:p>
                       <a:r>
                         <a:rPr lang="en-US" dirty="0" err="1" smtClean="0"/>
-                        <a:t>Keine</a:t>
+                        <a:t>Wenig</a:t>
                       </a:r>
                       <a:r>
                         <a:rPr lang="en-US" dirty="0" smtClean="0"/>
@@ -12527,7 +13216,7 @@
                   </a:txBody>
                   <a:tcPr>
                     <a:solidFill>
-                      <a:srgbClr val="FFC000"/>
+                      <a:srgbClr val="76D02B"/>
                     </a:solidFill>
                   </a:tcPr>
                 </a:tc>
@@ -12566,7 +13255,11 @@
                       </a:r>
                       <a:r>
                         <a:rPr lang="en-US" baseline="0" dirty="0" smtClean="0"/>
-                        <a:t> Android + </a:t>
+                        <a:t> Android </a:t>
+                      </a:r>
+                      <a:r>
+                        <a:rPr lang="en-US" baseline="0" dirty="0" smtClean="0"/>
+                        <a:t>&amp; </a:t>
                       </a:r>
                       <a:r>
                         <a:rPr lang="en-US" baseline="0" dirty="0" err="1" smtClean="0"/>
@@ -12593,7 +13286,7 @@
                   </a:txBody>
                   <a:tcPr>
                     <a:solidFill>
-                      <a:srgbClr val="FFC000"/>
+                      <a:srgbClr val="76D02B"/>
                     </a:solidFill>
                   </a:tcPr>
                 </a:tc>
@@ -12643,7 +13336,7 @@
                   </a:txBody>
                   <a:tcPr>
                     <a:solidFill>
-                      <a:srgbClr val="FFC000"/>
+                      <a:srgbClr val="76D02B"/>
                     </a:solidFill>
                   </a:tcPr>
                 </a:tc>
@@ -12695,12 +13388,60 @@
                     <a:lstStyle/>
                     <a:p>
                       <a:r>
-                        <a:rPr lang="en-US" smtClean="0"/>
+                        <a:rPr lang="en-US" dirty="0" err="1" smtClean="0"/>
                         <a:t>Größere</a:t>
                       </a:r>
                       <a:r>
-                        <a:rPr lang="en-US" baseline="0" smtClean="0"/>
-                        <a:t> Datenmenge als bei anderen Protokollen, kein “Standard”-Framework</a:t>
+                        <a:rPr lang="en-US" baseline="0" dirty="0" smtClean="0"/>
+                        <a:t> </a:t>
+                      </a:r>
+                      <a:r>
+                        <a:rPr lang="en-US" baseline="0" dirty="0" err="1" smtClean="0"/>
+                        <a:t>Datenmenge</a:t>
+                      </a:r>
+                      <a:r>
+                        <a:rPr lang="en-US" baseline="0" dirty="0" smtClean="0"/>
+                        <a:t> </a:t>
+                      </a:r>
+                      <a:r>
+                        <a:rPr lang="en-US" baseline="0" dirty="0" err="1" smtClean="0"/>
+                        <a:t>als</a:t>
+                      </a:r>
+                      <a:r>
+                        <a:rPr lang="en-US" baseline="0" dirty="0" smtClean="0"/>
+                        <a:t> </a:t>
+                      </a:r>
+                      <a:r>
+                        <a:rPr lang="en-US" baseline="0" dirty="0" err="1" smtClean="0"/>
+                        <a:t>bei</a:t>
+                      </a:r>
+                      <a:r>
+                        <a:rPr lang="en-US" baseline="0" dirty="0" smtClean="0"/>
+                        <a:t> </a:t>
+                      </a:r>
+                      <a:r>
+                        <a:rPr lang="en-US" baseline="0" dirty="0" err="1" smtClean="0"/>
+                        <a:t>anderen</a:t>
+                      </a:r>
+                      <a:r>
+                        <a:rPr lang="en-US" baseline="0" dirty="0" smtClean="0"/>
+                        <a:t> </a:t>
+                      </a:r>
+                      <a:r>
+                        <a:rPr lang="en-US" baseline="0" dirty="0" err="1" smtClean="0"/>
+                        <a:t>Protokollen</a:t>
+                      </a:r>
+                      <a:r>
+                        <a:rPr lang="en-US" baseline="0" dirty="0" smtClean="0"/>
+                        <a:t>, </a:t>
+                      </a:r>
+                      <a:r>
+                        <a:rPr lang="en-US" baseline="0" dirty="0" err="1" smtClean="0"/>
+                        <a:t>kein</a:t>
+                      </a:r>
+                      <a:r>
+                        <a:rPr lang="en-US" baseline="0" dirty="0" smtClean="0"/>
+                        <a:t> “Standard”-Framework</a:t>
                       </a:r>
                       <a:endParaRPr lang="en-US" dirty="0"/>
                     </a:p>
@@ -12759,136 +13500,10 @@
           </a:p>
         </p:txBody>
       </p:sp>
-      <p:sp>
-        <p:nvSpPr>
-          <p:cNvPr id="7" name="Cross 6"/>
-          <p:cNvSpPr/>
-          <p:nvPr/>
-        </p:nvSpPr>
-        <p:spPr bwMode="auto">
-          <a:xfrm>
-            <a:off x="3488788" y="1378631"/>
-            <a:ext cx="661181" cy="618978"/>
-          </a:xfrm>
-          <a:prstGeom prst="plus">
-            <a:avLst>
-              <a:gd name="adj" fmla="val 38637"/>
-            </a:avLst>
-          </a:prstGeom>
-          <a:solidFill>
-            <a:srgbClr val="92D050"/>
-          </a:solidFill>
-          <a:ln w="9525" cap="flat" cmpd="sng" algn="ctr">
-            <a:solidFill>
-              <a:schemeClr val="tx1"/>
-            </a:solidFill>
-            <a:prstDash val="solid"/>
-            <a:round/>
-            <a:headEnd type="none" w="med" len="med"/>
-            <a:tailEnd type="none" w="med" len="med"/>
-          </a:ln>
-          <a:effectLst/>
-        </p:spPr>
-        <p:txBody>
-          <a:bodyPr vert="horz" wrap="none" lIns="91440" tIns="45720" rIns="91440" bIns="45720" numCol="1" rtlCol="0" anchor="ctr" anchorCtr="0" compatLnSpc="1">
-            <a:prstTxWarp prst="textNoShape">
-              <a:avLst/>
-            </a:prstTxWarp>
-          </a:bodyPr>
-          <a:lstStyle/>
-          <a:p>
-            <a:pPr marL="0" marR="0" indent="0" algn="ctr" defTabSz="914400" rtl="0" eaLnBrk="1" fontAlgn="base" latinLnBrk="0" hangingPunct="1">
-              <a:lnSpc>
-                <a:spcPct val="100000"/>
-              </a:lnSpc>
-              <a:spcBef>
-                <a:spcPct val="0"/>
-              </a:spcBef>
-              <a:spcAft>
-                <a:spcPct val="0"/>
-              </a:spcAft>
-              <a:buClrTx/>
-              <a:buSzTx/>
-              <a:buFontTx/>
-              <a:buNone/>
-              <a:tabLst/>
-            </a:pPr>
-            <a:endParaRPr kumimoji="0" lang="en-US" sz="1800" b="0" i="0" u="none" strike="noStrike" cap="none" normalizeH="0" baseline="0" smtClean="0">
-              <a:ln>
-                <a:noFill/>
-              </a:ln>
-              <a:effectLst/>
-              <a:latin typeface="Verdana" pitchFamily="34" charset="0"/>
-            </a:endParaRPr>
-          </a:p>
-        </p:txBody>
-      </p:sp>
-      <p:sp>
-        <p:nvSpPr>
-          <p:cNvPr id="8" name="Lightning Bolt 7"/>
-          <p:cNvSpPr/>
-          <p:nvPr/>
-        </p:nvSpPr>
-        <p:spPr bwMode="auto">
-          <a:xfrm>
-            <a:off x="6457071" y="1420837"/>
-            <a:ext cx="618978" cy="548640"/>
-          </a:xfrm>
-          <a:prstGeom prst="lightningBolt">
-            <a:avLst/>
-          </a:prstGeom>
-          <a:solidFill>
-            <a:schemeClr val="accent1"/>
-          </a:solidFill>
-          <a:ln w="9525" cap="flat" cmpd="sng" algn="ctr">
-            <a:solidFill>
-              <a:schemeClr val="tx1"/>
-            </a:solidFill>
-            <a:prstDash val="solid"/>
-            <a:round/>
-            <a:headEnd type="none" w="med" len="med"/>
-            <a:tailEnd type="none" w="med" len="med"/>
-          </a:ln>
-          <a:effectLst/>
-        </p:spPr>
-        <p:txBody>
-          <a:bodyPr vert="horz" wrap="none" lIns="91440" tIns="45720" rIns="91440" bIns="45720" numCol="1" rtlCol="0" anchor="ctr" anchorCtr="0" compatLnSpc="1">
-            <a:prstTxWarp prst="textNoShape">
-              <a:avLst/>
-            </a:prstTxWarp>
-          </a:bodyPr>
-          <a:lstStyle/>
-          <a:p>
-            <a:pPr marL="0" marR="0" indent="0" algn="ctr" defTabSz="914400" rtl="0" eaLnBrk="1" fontAlgn="base" latinLnBrk="0" hangingPunct="1">
-              <a:lnSpc>
-                <a:spcPct val="100000"/>
-              </a:lnSpc>
-              <a:spcBef>
-                <a:spcPct val="0"/>
-              </a:spcBef>
-              <a:spcAft>
-                <a:spcPct val="0"/>
-              </a:spcAft>
-              <a:buClrTx/>
-              <a:buSzTx/>
-              <a:buFontTx/>
-              <a:buNone/>
-              <a:tabLst/>
-            </a:pPr>
-            <a:endParaRPr kumimoji="0" lang="en-US" sz="1800" b="0" i="0" u="none" strike="noStrike" cap="none" normalizeH="0" baseline="0" smtClean="0">
-              <a:ln>
-                <a:noFill/>
-              </a:ln>
-              <a:effectLst/>
-              <a:latin typeface="Verdana" pitchFamily="34" charset="0"/>
-            </a:endParaRPr>
-          </a:p>
-        </p:txBody>
-      </p:sp>
     </p:spTree>
     <p:extLst>
       <p:ext uri="{BB962C8B-B14F-4D97-AF65-F5344CB8AC3E}">
-        <p14:creationId xmlns:p14="http://schemas.microsoft.com/office/powerpoint/2010/main" xmlns="" val="480089758"/>
+        <p14:creationId xmlns:p14="http://schemas.microsoft.com/office/powerpoint/2010/main" val="103542488"/>
       </p:ext>
     </p:extLst>
   </p:cSld>
@@ -12931,10 +13546,355 @@
           <a:lstStyle/>
           <a:p>
             <a:r>
-              <a:rPr lang="en-US" noProof="1" smtClean="0"/>
+              <a:rPr lang="en-US" dirty="0" smtClean="0"/>
               <a:t>Server API Version 1</a:t>
             </a:r>
-            <a:endParaRPr lang="en-US" noProof="1"/>
+            <a:endParaRPr lang="en-US" dirty="0"/>
+          </a:p>
+        </p:txBody>
+      </p:sp>
+      <p:sp>
+        <p:nvSpPr>
+          <p:cNvPr id="3" name="Content Placeholder 2"/>
+          <p:cNvSpPr>
+            <a:spLocks noGrp="1"/>
+          </p:cNvSpPr>
+          <p:nvPr>
+            <p:ph idx="1"/>
+          </p:nvPr>
+        </p:nvSpPr>
+        <p:spPr>
+          <a:xfrm>
+            <a:off x="719138" y="1503020"/>
+            <a:ext cx="8174037" cy="4795837"/>
+          </a:xfrm>
+        </p:spPr>
+        <p:txBody>
+          <a:bodyPr/>
+          <a:lstStyle/>
+          <a:p>
+            <a:pPr marL="285750" lvl="0" indent="-285750">
+              <a:spcAft>
+                <a:spcPts val="800"/>
+              </a:spcAft>
+              <a:buFont typeface="Arial"/>
+              <a:buChar char="•"/>
+            </a:pPr>
+            <a:r>
+              <a:rPr lang="en-US" b="1" dirty="0" err="1"/>
+              <a:t>registerAccount</a:t>
+            </a:r>
+            <a:r>
+              <a:rPr lang="en-US" dirty="0"/>
+              <a:t>(</a:t>
+            </a:r>
+            <a:r>
+              <a:rPr lang="en-US" dirty="0" err="1"/>
+              <a:t>userId</a:t>
+            </a:r>
+            <a:r>
+              <a:rPr lang="en-US" dirty="0"/>
+              <a:t>)</a:t>
+            </a:r>
+          </a:p>
+          <a:p>
+            <a:pPr marL="285750" lvl="0" indent="-285750">
+              <a:spcAft>
+                <a:spcPts val="800"/>
+              </a:spcAft>
+              <a:buFont typeface="Arial"/>
+              <a:buChar char="•"/>
+            </a:pPr>
+            <a:r>
+              <a:rPr lang="en-US" b="1" dirty="0" err="1" smtClean="0"/>
+              <a:t>createAppointment</a:t>
+            </a:r>
+            <a:r>
+              <a:rPr lang="en-US" dirty="0" smtClean="0"/>
+              <a:t>(</a:t>
+            </a:r>
+            <a:r>
+              <a:rPr lang="en-US" dirty="0" err="1" smtClean="0"/>
+              <a:t>userId</a:t>
+            </a:r>
+            <a:r>
+              <a:rPr lang="en-US" dirty="0" smtClean="0"/>
+              <a:t>, </a:t>
+            </a:r>
+            <a:r>
+              <a:rPr lang="en-US" dirty="0" err="1" smtClean="0"/>
+              <a:t>travelType</a:t>
+            </a:r>
+            <a:r>
+              <a:rPr lang="en-US" dirty="0" smtClean="0"/>
+              <a:t>, location, invitees, </a:t>
+            </a:r>
+            <a:r>
+              <a:rPr lang="en-US" dirty="0" err="1" smtClean="0"/>
+              <a:t>locationType</a:t>
+            </a:r>
+            <a:r>
+              <a:rPr lang="en-US" dirty="0" smtClean="0"/>
+              <a:t>, </a:t>
+            </a:r>
+            <a:r>
+              <a:rPr lang="en-US" dirty="0" err="1" smtClean="0"/>
+              <a:t>userMessage</a:t>
+            </a:r>
+            <a:r>
+              <a:rPr lang="en-US" dirty="0" smtClean="0"/>
+              <a:t>)</a:t>
+            </a:r>
+            <a:br>
+              <a:rPr lang="en-US" dirty="0" smtClean="0"/>
+            </a:br>
+            <a:r>
+              <a:rPr lang="en-US" dirty="0" smtClean="0">
+                <a:sym typeface="Wingdings"/>
+              </a:rPr>
+              <a:t></a:t>
+            </a:r>
+            <a:r>
+              <a:rPr lang="en-US" dirty="0" smtClean="0"/>
+              <a:t> </a:t>
+            </a:r>
+            <a:r>
+              <a:rPr lang="en-US" dirty="0" err="1" smtClean="0"/>
+              <a:t>appointmentId</a:t>
+            </a:r>
+            <a:r>
+              <a:rPr lang="en-US" dirty="0" smtClean="0"/>
+              <a:t>, </a:t>
+            </a:r>
+            <a:r>
+              <a:rPr lang="en-US" dirty="0" err="1" smtClean="0"/>
+              <a:t>travelPlan</a:t>
+            </a:r>
+            <a:endParaRPr lang="en-US" dirty="0" smtClean="0"/>
+          </a:p>
+          <a:p>
+            <a:pPr marL="285750" lvl="0" indent="-285750">
+              <a:spcAft>
+                <a:spcPts val="800"/>
+              </a:spcAft>
+              <a:buFont typeface="Arial"/>
+              <a:buChar char="•"/>
+            </a:pPr>
+            <a:r>
+              <a:rPr lang="en-US" b="1" dirty="0" err="1" smtClean="0"/>
+              <a:t>getAppointment</a:t>
+            </a:r>
+            <a:r>
+              <a:rPr lang="en-US" dirty="0" smtClean="0"/>
+              <a:t>(</a:t>
+            </a:r>
+            <a:r>
+              <a:rPr lang="en-US" dirty="0" err="1" smtClean="0"/>
+              <a:t>appointmentId</a:t>
+            </a:r>
+            <a:r>
+              <a:rPr lang="en-US" dirty="0" smtClean="0"/>
+              <a:t>)</a:t>
+            </a:r>
+            <a:br>
+              <a:rPr lang="en-US" dirty="0" smtClean="0"/>
+            </a:br>
+            <a:r>
+              <a:rPr lang="en-US" dirty="0" smtClean="0">
+                <a:sym typeface="Wingdings"/>
+              </a:rPr>
+              <a:t></a:t>
+            </a:r>
+            <a:r>
+              <a:rPr lang="en-US" dirty="0" smtClean="0"/>
+              <a:t> </a:t>
+            </a:r>
+            <a:r>
+              <a:rPr lang="en-US" dirty="0" err="1" smtClean="0"/>
+              <a:t>locationType</a:t>
+            </a:r>
+            <a:r>
+              <a:rPr lang="en-US" dirty="0" smtClean="0"/>
+              <a:t>, location, participants</a:t>
+            </a:r>
+          </a:p>
+          <a:p>
+            <a:pPr marL="285750" lvl="0" indent="-285750">
+              <a:spcAft>
+                <a:spcPts val="800"/>
+              </a:spcAft>
+              <a:buFont typeface="Arial"/>
+              <a:buChar char="•"/>
+            </a:pPr>
+            <a:r>
+              <a:rPr lang="en-US" b="1" dirty="0" err="1" smtClean="0"/>
+              <a:t>getTravelPlan</a:t>
+            </a:r>
+            <a:r>
+              <a:rPr lang="en-US" dirty="0" smtClean="0"/>
+              <a:t>(</a:t>
+            </a:r>
+            <a:r>
+              <a:rPr lang="en-US" dirty="0" err="1" smtClean="0"/>
+              <a:t>appointmentId</a:t>
+            </a:r>
+            <a:r>
+              <a:rPr lang="en-US" dirty="0" smtClean="0"/>
+              <a:t>, </a:t>
+            </a:r>
+            <a:r>
+              <a:rPr lang="en-US" dirty="0" err="1" smtClean="0"/>
+              <a:t>travelType</a:t>
+            </a:r>
+            <a:r>
+              <a:rPr lang="en-US" dirty="0" smtClean="0"/>
+              <a:t>, location)</a:t>
+            </a:r>
+            <a:br>
+              <a:rPr lang="en-US" dirty="0" smtClean="0"/>
+            </a:br>
+            <a:r>
+              <a:rPr lang="en-US" dirty="0" smtClean="0">
+                <a:sym typeface="Wingdings"/>
+              </a:rPr>
+              <a:t></a:t>
+            </a:r>
+            <a:r>
+              <a:rPr lang="en-US" dirty="0" smtClean="0"/>
+              <a:t> </a:t>
+            </a:r>
+            <a:r>
+              <a:rPr lang="en-US" dirty="0" err="1" smtClean="0"/>
+              <a:t>travelPlan</a:t>
+            </a:r>
+            <a:endParaRPr lang="en-US" dirty="0"/>
+          </a:p>
+          <a:p>
+            <a:pPr marL="285750" lvl="0" indent="-285750">
+              <a:spcAft>
+                <a:spcPts val="800"/>
+              </a:spcAft>
+              <a:buFont typeface="Arial"/>
+              <a:buChar char="•"/>
+            </a:pPr>
+            <a:r>
+              <a:rPr lang="en-US" b="1" dirty="0" err="1"/>
+              <a:t>joinAppointment</a:t>
+            </a:r>
+            <a:r>
+              <a:rPr lang="en-US" dirty="0"/>
+              <a:t>(</a:t>
+            </a:r>
+            <a:r>
+              <a:rPr lang="en-US" dirty="0" err="1"/>
+              <a:t>appointmentId</a:t>
+            </a:r>
+            <a:r>
+              <a:rPr lang="en-US" dirty="0"/>
+              <a:t>, </a:t>
+            </a:r>
+            <a:r>
+              <a:rPr lang="en-US" dirty="0" err="1"/>
+              <a:t>userId</a:t>
+            </a:r>
+            <a:r>
+              <a:rPr lang="en-US" dirty="0"/>
+              <a:t>, </a:t>
+            </a:r>
+            <a:r>
+              <a:rPr lang="en-US" dirty="0" err="1"/>
+              <a:t>travelType</a:t>
+            </a:r>
+            <a:r>
+              <a:rPr lang="en-US" dirty="0"/>
+              <a:t>, location)</a:t>
+            </a:r>
+            <a:br>
+              <a:rPr lang="en-US" dirty="0"/>
+            </a:br>
+            <a:r>
+              <a:rPr lang="en-US" dirty="0">
+                <a:sym typeface="Wingdings"/>
+              </a:rPr>
+              <a:t></a:t>
+            </a:r>
+            <a:r>
+              <a:rPr lang="en-US" dirty="0"/>
+              <a:t> </a:t>
+            </a:r>
+            <a:r>
+              <a:rPr lang="en-US" dirty="0" err="1"/>
+              <a:t>travelPlan</a:t>
+            </a:r>
+            <a:endParaRPr lang="en-US" dirty="0"/>
+          </a:p>
+          <a:p>
+            <a:pPr marL="285750" lvl="0" indent="-285750">
+              <a:spcAft>
+                <a:spcPts val="800"/>
+              </a:spcAft>
+              <a:buFont typeface="Arial"/>
+              <a:buChar char="•"/>
+            </a:pPr>
+            <a:r>
+              <a:rPr lang="en-US" b="1" dirty="0" err="1"/>
+              <a:t>declineAppointment</a:t>
+            </a:r>
+            <a:r>
+              <a:rPr lang="en-US" dirty="0"/>
+              <a:t>(</a:t>
+            </a:r>
+            <a:r>
+              <a:rPr lang="en-US" dirty="0" err="1"/>
+              <a:t>appointmentId</a:t>
+            </a:r>
+            <a:r>
+              <a:rPr lang="en-US" dirty="0"/>
+              <a:t>, </a:t>
+            </a:r>
+            <a:r>
+              <a:rPr lang="en-US" dirty="0" err="1"/>
+              <a:t>userId</a:t>
+            </a:r>
+            <a:r>
+              <a:rPr lang="en-US" dirty="0"/>
+              <a:t>, </a:t>
+            </a:r>
+            <a:r>
+              <a:rPr lang="en-US" dirty="0" err="1"/>
+              <a:t>userMessage</a:t>
+            </a:r>
+            <a:r>
+              <a:rPr lang="en-US" dirty="0"/>
+              <a:t>) </a:t>
+            </a:r>
+            <a:endParaRPr lang="en-US" dirty="0" smtClean="0"/>
+          </a:p>
+          <a:p>
+            <a:pPr marL="285750" lvl="0" indent="-285750">
+              <a:spcAft>
+                <a:spcPts val="800"/>
+              </a:spcAft>
+              <a:buFont typeface="Arial"/>
+              <a:buChar char="•"/>
+            </a:pPr>
+            <a:r>
+              <a:rPr lang="en-US" b="1" dirty="0" err="1" smtClean="0"/>
+              <a:t>finalizeAppointment</a:t>
+            </a:r>
+            <a:r>
+              <a:rPr lang="en-US" dirty="0" smtClean="0"/>
+              <a:t>(</a:t>
+            </a:r>
+            <a:r>
+              <a:rPr lang="en-US" dirty="0" err="1" smtClean="0"/>
+              <a:t>appointmentId</a:t>
+            </a:r>
+            <a:r>
+              <a:rPr lang="en-US" dirty="0" smtClean="0"/>
+              <a:t>)</a:t>
+            </a:r>
+            <a:endParaRPr lang="en-US" dirty="0"/>
           </a:p>
         </p:txBody>
       </p:sp>
@@ -12985,224 +13945,10 @@
           </a:p>
         </p:txBody>
       </p:sp>
-      <p:sp>
-        <p:nvSpPr>
-          <p:cNvPr id="6" name="Content Placeholder 5"/>
-          <p:cNvSpPr>
-            <a:spLocks noGrp="1"/>
-          </p:cNvSpPr>
-          <p:nvPr>
-            <p:ph idx="1"/>
-          </p:nvPr>
-        </p:nvSpPr>
-        <p:spPr/>
-        <p:txBody>
-          <a:bodyPr/>
-          <a:lstStyle/>
-          <a:p>
-            <a:r>
-              <a:rPr lang="en-US" dirty="0" smtClean="0"/>
-              <a:t>  Philipp	</a:t>
-            </a:r>
-            <a:r>
-              <a:rPr lang="en-US" dirty="0" err="1" smtClean="0"/>
-              <a:t>Lysann</a:t>
-            </a:r>
-            <a:r>
-              <a:rPr lang="en-US" dirty="0" smtClean="0"/>
-              <a:t>		Frank			Server</a:t>
-            </a:r>
-            <a:endParaRPr lang="en-US" dirty="0"/>
-          </a:p>
-        </p:txBody>
-      </p:sp>
-      <p:cxnSp>
-        <p:nvCxnSpPr>
-          <p:cNvPr id="8" name="Straight Connector 7"/>
-          <p:cNvCxnSpPr/>
-          <p:nvPr/>
-        </p:nvCxnSpPr>
-        <p:spPr bwMode="auto">
-          <a:xfrm rot="16200000" flipH="1">
-            <a:off x="-647118" y="4234369"/>
-            <a:ext cx="3854556" cy="5"/>
-          </a:xfrm>
-          <a:prstGeom prst="line">
-            <a:avLst/>
-          </a:prstGeom>
-          <a:solidFill>
-            <a:schemeClr val="accent1"/>
-          </a:solidFill>
-          <a:ln w="9525" cap="flat" cmpd="sng" algn="ctr">
-            <a:solidFill>
-              <a:schemeClr val="tx1"/>
-            </a:solidFill>
-            <a:prstDash val="solid"/>
-            <a:round/>
-            <a:headEnd type="none" w="med" len="med"/>
-            <a:tailEnd type="none" w="med" len="med"/>
-          </a:ln>
-          <a:effectLst/>
-        </p:spPr>
-      </p:cxnSp>
-      <p:cxnSp>
-        <p:nvCxnSpPr>
-          <p:cNvPr id="11" name="Straight Connector 10"/>
-          <p:cNvCxnSpPr/>
-          <p:nvPr/>
-        </p:nvCxnSpPr>
-        <p:spPr bwMode="auto">
-          <a:xfrm rot="16200000" flipH="1">
-            <a:off x="1066801" y="4232020"/>
-            <a:ext cx="3854556" cy="5"/>
-          </a:xfrm>
-          <a:prstGeom prst="line">
-            <a:avLst/>
-          </a:prstGeom>
-          <a:solidFill>
-            <a:schemeClr val="accent1"/>
-          </a:solidFill>
-          <a:ln w="9525" cap="flat" cmpd="sng" algn="ctr">
-            <a:solidFill>
-              <a:schemeClr val="tx1"/>
-            </a:solidFill>
-            <a:prstDash val="solid"/>
-            <a:round/>
-            <a:headEnd type="none" w="med" len="med"/>
-            <a:tailEnd type="none" w="med" len="med"/>
-          </a:ln>
-          <a:effectLst/>
-        </p:spPr>
-      </p:cxnSp>
-      <p:cxnSp>
-        <p:nvCxnSpPr>
-          <p:cNvPr id="12" name="Straight Connector 11"/>
-          <p:cNvCxnSpPr/>
-          <p:nvPr/>
-        </p:nvCxnSpPr>
-        <p:spPr bwMode="auto">
-          <a:xfrm rot="16200000" flipH="1">
-            <a:off x="2754917" y="4232023"/>
-            <a:ext cx="3854556" cy="5"/>
-          </a:xfrm>
-          <a:prstGeom prst="line">
-            <a:avLst/>
-          </a:prstGeom>
-          <a:solidFill>
-            <a:schemeClr val="accent1"/>
-          </a:solidFill>
-          <a:ln w="9525" cap="flat" cmpd="sng" algn="ctr">
-            <a:solidFill>
-              <a:schemeClr val="tx1"/>
-            </a:solidFill>
-            <a:prstDash val="solid"/>
-            <a:round/>
-            <a:headEnd type="none" w="med" len="med"/>
-            <a:tailEnd type="none" w="med" len="med"/>
-          </a:ln>
-          <a:effectLst/>
-        </p:spPr>
-      </p:cxnSp>
-      <p:cxnSp>
-        <p:nvCxnSpPr>
-          <p:cNvPr id="13" name="Straight Connector 12"/>
-          <p:cNvCxnSpPr/>
-          <p:nvPr/>
-        </p:nvCxnSpPr>
-        <p:spPr bwMode="auto">
-          <a:xfrm rot="16200000" flipH="1">
-            <a:off x="5498118" y="4232019"/>
-            <a:ext cx="3854556" cy="5"/>
-          </a:xfrm>
-          <a:prstGeom prst="line">
-            <a:avLst/>
-          </a:prstGeom>
-          <a:solidFill>
-            <a:schemeClr val="accent1"/>
-          </a:solidFill>
-          <a:ln w="9525" cap="flat" cmpd="sng" algn="ctr">
-            <a:solidFill>
-              <a:schemeClr val="tx1"/>
-            </a:solidFill>
-            <a:prstDash val="solid"/>
-            <a:round/>
-            <a:headEnd type="none" w="med" len="med"/>
-            <a:tailEnd type="none" w="med" len="med"/>
-          </a:ln>
-          <a:effectLst/>
-        </p:spPr>
-      </p:cxnSp>
-      <p:cxnSp>
-        <p:nvCxnSpPr>
-          <p:cNvPr id="15" name="Straight Arrow Connector 14"/>
-          <p:cNvCxnSpPr/>
-          <p:nvPr/>
-        </p:nvCxnSpPr>
-        <p:spPr bwMode="auto">
-          <a:xfrm>
-            <a:off x="4684542" y="2363372"/>
-            <a:ext cx="2743200" cy="56271"/>
-          </a:xfrm>
-          <a:prstGeom prst="straightConnector1">
-            <a:avLst/>
-          </a:prstGeom>
-          <a:solidFill>
-            <a:schemeClr val="accent1"/>
-          </a:solidFill>
-          <a:ln w="9525" cap="flat" cmpd="sng" algn="ctr">
-            <a:solidFill>
-              <a:schemeClr val="tx1"/>
-            </a:solidFill>
-            <a:prstDash val="solid"/>
-            <a:round/>
-            <a:headEnd type="none" w="med" len="med"/>
-            <a:tailEnd type="arrow"/>
-          </a:ln>
-          <a:effectLst/>
-        </p:spPr>
-      </p:cxnSp>
-      <p:sp>
-        <p:nvSpPr>
-          <p:cNvPr id="37" name="TextBox 36"/>
-          <p:cNvSpPr txBox="1"/>
-          <p:nvPr/>
-        </p:nvSpPr>
-        <p:spPr>
-          <a:xfrm>
-            <a:off x="4923686" y="2053878"/>
-            <a:ext cx="2393605" cy="369332"/>
-          </a:xfrm>
-          <a:prstGeom prst="rect">
-            <a:avLst/>
-          </a:prstGeom>
-          <a:noFill/>
-        </p:spPr>
-        <p:txBody>
-          <a:bodyPr wrap="none" rtlCol="0">
-            <a:spAutoFit/>
-          </a:bodyPr>
-          <a:lstStyle/>
-          <a:p>
-            <a:r>
-              <a:rPr lang="en-US" dirty="0" err="1" smtClean="0">
-                <a:solidFill>
-                  <a:schemeClr val="tx1"/>
-                </a:solidFill>
-              </a:rPr>
-              <a:t>createAppointment</a:t>
-            </a:r>
-            <a:endParaRPr lang="en-US" dirty="0" smtClean="0">
-              <a:solidFill>
-                <a:schemeClr val="tx1"/>
-              </a:solidFill>
-            </a:endParaRPr>
-          </a:p>
-        </p:txBody>
-      </p:sp>
     </p:spTree>
     <p:extLst>
       <p:ext uri="{BB962C8B-B14F-4D97-AF65-F5344CB8AC3E}">
-        <p14:creationId xmlns:p14="http://schemas.microsoft.com/office/powerpoint/2010/main" xmlns="" val="1623943854"/>
+        <p14:creationId xmlns:p14="http://schemas.microsoft.com/office/powerpoint/2010/main" val="2871531802"/>
       </p:ext>
     </p:extLst>
   </p:cSld>

--- a/presentations/2011-12-07_Projektvorstellung.pptx
+++ b/presentations/2011-12-07_Projektvorstellung.pptx
@@ -6,31 +6,34 @@
     <p:sldMasterId id="2147483653" r:id="rId2"/>
   </p:sldMasterIdLst>
   <p:notesMasterIdLst>
-    <p:notesMasterId r:id="rId22"/>
+    <p:notesMasterId r:id="rId25"/>
   </p:notesMasterIdLst>
   <p:handoutMasterIdLst>
-    <p:handoutMasterId r:id="rId23"/>
+    <p:handoutMasterId r:id="rId26"/>
   </p:handoutMasterIdLst>
   <p:sldIdLst>
     <p:sldId id="256" r:id="rId3"/>
     <p:sldId id="257" r:id="rId4"/>
     <p:sldId id="258" r:id="rId5"/>
     <p:sldId id="260" r:id="rId6"/>
-    <p:sldId id="261" r:id="rId7"/>
-    <p:sldId id="262" r:id="rId8"/>
-    <p:sldId id="263" r:id="rId9"/>
-    <p:sldId id="273" r:id="rId10"/>
-    <p:sldId id="274" r:id="rId11"/>
-    <p:sldId id="275" r:id="rId12"/>
-    <p:sldId id="276" r:id="rId13"/>
-    <p:sldId id="267" r:id="rId14"/>
-    <p:sldId id="266" r:id="rId15"/>
-    <p:sldId id="264" r:id="rId16"/>
-    <p:sldId id="269" r:id="rId17"/>
-    <p:sldId id="268" r:id="rId18"/>
-    <p:sldId id="270" r:id="rId19"/>
-    <p:sldId id="271" r:id="rId20"/>
-    <p:sldId id="272" r:id="rId21"/>
+    <p:sldId id="280" r:id="rId7"/>
+    <p:sldId id="279" r:id="rId8"/>
+    <p:sldId id="277" r:id="rId9"/>
+    <p:sldId id="278" r:id="rId10"/>
+    <p:sldId id="262" r:id="rId11"/>
+    <p:sldId id="263" r:id="rId12"/>
+    <p:sldId id="273" r:id="rId13"/>
+    <p:sldId id="274" r:id="rId14"/>
+    <p:sldId id="275" r:id="rId15"/>
+    <p:sldId id="276" r:id="rId16"/>
+    <p:sldId id="267" r:id="rId17"/>
+    <p:sldId id="266" r:id="rId18"/>
+    <p:sldId id="264" r:id="rId19"/>
+    <p:sldId id="269" r:id="rId20"/>
+    <p:sldId id="268" r:id="rId21"/>
+    <p:sldId id="270" r:id="rId22"/>
+    <p:sldId id="271" r:id="rId23"/>
+    <p:sldId id="272" r:id="rId24"/>
   </p:sldIdLst>
   <p:sldSz cx="9144000" cy="6858000" type="screen4x3"/>
   <p:notesSz cx="7772400" cy="10515600"/>
@@ -1052,7 +1055,7 @@
             <a:fld id="{6A8F3DCA-10DE-494A-957E-84CDB678C40F}" type="slidenum">
               <a:rPr lang="de-DE" smtClean="0"/>
               <a:pPr/>
-              <a:t>18</a:t>
+              <a:t>21</a:t>
             </a:fld>
             <a:endParaRPr lang="de-DE"/>
           </a:p>
@@ -1202,7 +1205,7 @@
             <a:fld id="{6A8F3DCA-10DE-494A-957E-84CDB678C40F}" type="slidenum">
               <a:rPr lang="de-DE" smtClean="0"/>
               <a:pPr/>
-              <a:t>19</a:t>
+              <a:t>22</a:t>
             </a:fld>
             <a:endParaRPr lang="de-DE"/>
           </a:p>
@@ -1341,7 +1344,7 @@
             <a:fld id="{6A8F3DCA-10DE-494A-957E-84CDB678C40F}" type="slidenum">
               <a:rPr lang="de-DE" smtClean="0"/>
               <a:pPr/>
-              <a:t>7</a:t>
+              <a:t>10</a:t>
             </a:fld>
             <a:endParaRPr lang="de-DE"/>
           </a:p>
@@ -1480,7 +1483,7 @@
             <a:fld id="{6A8F3DCA-10DE-494A-957E-84CDB678C40F}" type="slidenum">
               <a:rPr lang="de-DE" smtClean="0"/>
               <a:pPr/>
-              <a:t>8</a:t>
+              <a:t>11</a:t>
             </a:fld>
             <a:endParaRPr lang="de-DE"/>
           </a:p>
@@ -1574,7 +1577,7 @@
             <a:fld id="{6A8F3DCA-10DE-494A-957E-84CDB678C40F}" type="slidenum">
               <a:rPr lang="de-DE" smtClean="0"/>
               <a:pPr/>
-              <a:t>12</a:t>
+              <a:t>15</a:t>
             </a:fld>
             <a:endParaRPr lang="de-DE"/>
           </a:p>
@@ -1688,7 +1691,7 @@
             <a:fld id="{6A8F3DCA-10DE-494A-957E-84CDB678C40F}" type="slidenum">
               <a:rPr lang="de-DE" smtClean="0"/>
               <a:pPr/>
-              <a:t>13</a:t>
+              <a:t>16</a:t>
             </a:fld>
             <a:endParaRPr lang="de-DE"/>
           </a:p>
@@ -1818,7 +1821,7 @@
             <a:fld id="{6A8F3DCA-10DE-494A-957E-84CDB678C40F}" type="slidenum">
               <a:rPr lang="de-DE" smtClean="0"/>
               <a:pPr/>
-              <a:t>14</a:t>
+              <a:t>17</a:t>
             </a:fld>
             <a:endParaRPr lang="de-DE"/>
           </a:p>
@@ -1912,7 +1915,7 @@
             <a:fld id="{6A8F3DCA-10DE-494A-957E-84CDB678C40F}" type="slidenum">
               <a:rPr lang="de-DE" smtClean="0"/>
               <a:pPr/>
-              <a:t>15</a:t>
+              <a:t>18</a:t>
             </a:fld>
             <a:endParaRPr lang="de-DE"/>
           </a:p>
@@ -2022,7 +2025,7 @@
             <a:fld id="{6A8F3DCA-10DE-494A-957E-84CDB678C40F}" type="slidenum">
               <a:rPr lang="de-DE" smtClean="0"/>
               <a:pPr/>
-              <a:t>16</a:t>
+              <a:t>19</a:t>
             </a:fld>
             <a:endParaRPr lang="de-DE"/>
           </a:p>
@@ -2136,7 +2139,7 @@
             <a:fld id="{6A8F3DCA-10DE-494A-957E-84CDB678C40F}" type="slidenum">
               <a:rPr lang="de-DE" smtClean="0"/>
               <a:pPr/>
-              <a:t>17</a:t>
+              <a:t>20</a:t>
             </a:fld>
             <a:endParaRPr lang="de-DE"/>
           </a:p>
@@ -6688,6 +6691,1736 @@
 </file>
 
 <file path=ppt/slides/slide10.xml><?xml version="1.0" encoding="utf-8"?>
+<p:sld xmlns:a="http://schemas.openxmlformats.org/drawingml/2006/main" xmlns:r="http://schemas.openxmlformats.org/officeDocument/2006/relationships" xmlns:p="http://schemas.openxmlformats.org/presentationml/2006/main">
+  <p:cSld>
+    <p:spTree>
+      <p:nvGrpSpPr>
+        <p:cNvPr id="1" name=""/>
+        <p:cNvGrpSpPr/>
+        <p:nvPr/>
+      </p:nvGrpSpPr>
+      <p:grpSpPr>
+        <a:xfrm>
+          <a:off x="0" y="0"/>
+          <a:ext cx="0" cy="0"/>
+          <a:chOff x="0" y="0"/>
+          <a:chExt cx="0" cy="0"/>
+        </a:xfrm>
+      </p:grpSpPr>
+      <p:sp>
+        <p:nvSpPr>
+          <p:cNvPr id="2" name="Title 1"/>
+          <p:cNvSpPr>
+            <a:spLocks noGrp="1"/>
+          </p:cNvSpPr>
+          <p:nvPr>
+            <p:ph type="title"/>
+          </p:nvPr>
+        </p:nvSpPr>
+        <p:spPr/>
+        <p:txBody>
+          <a:bodyPr/>
+          <a:lstStyle/>
+          <a:p>
+            <a:r>
+              <a:rPr lang="en-US" noProof="1" smtClean="0"/>
+              <a:t>Diskussion – Das Wire-Protocol</a:t>
+            </a:r>
+            <a:endParaRPr lang="en-US" noProof="1"/>
+          </a:p>
+        </p:txBody>
+      </p:sp>
+      <p:graphicFrame>
+        <p:nvGraphicFramePr>
+          <p:cNvPr id="6" name="Content Placeholder 5"/>
+          <p:cNvGraphicFramePr>
+            <a:graphicFrameLocks noGrp="1"/>
+          </p:cNvGraphicFramePr>
+          <p:nvPr>
+            <p:ph idx="1"/>
+            <p:extLst>
+              <p:ext uri="{D42A27DB-BD31-4B8C-83A1-F6EECF244321}">
+                <p14:modId xmlns:p14="http://schemas.microsoft.com/office/powerpoint/2010/main" val="2815773870"/>
+              </p:ext>
+            </p:extLst>
+          </p:nvPr>
+        </p:nvGraphicFramePr>
+        <p:xfrm>
+          <a:off x="719138" y="1728788"/>
+          <a:ext cx="8174037" cy="4302759"/>
+        </p:xfrm>
+        <a:graphic>
+          <a:graphicData uri="http://schemas.openxmlformats.org/drawingml/2006/table">
+            <a:tbl>
+              <a:tblPr firstRow="1" bandRow="1">
+                <a:tableStyleId>{2D5ABB26-0587-4C30-8999-92F81FD0307C}</a:tableStyleId>
+              </a:tblPr>
+              <a:tblGrid>
+                <a:gridCol w="1714573"/>
+                <a:gridCol w="2954215"/>
+                <a:gridCol w="3505249"/>
+              </a:tblGrid>
+              <a:tr h="370840">
+                <a:tc>
+                  <a:txBody>
+                    <a:bodyPr/>
+                    <a:lstStyle/>
+                    <a:p>
+                      <a:endParaRPr lang="en-US" b="1" dirty="0"/>
+                    </a:p>
+                  </a:txBody>
+                  <a:tcPr/>
+                </a:tc>
+                <a:tc>
+                  <a:txBody>
+                    <a:bodyPr/>
+                    <a:lstStyle/>
+                    <a:p>
+                      <a:r>
+                        <a:rPr lang="en-US" b="1" dirty="0" err="1" smtClean="0"/>
+                        <a:t>Vorteile</a:t>
+                      </a:r>
+                      <a:endParaRPr lang="en-US" b="1" dirty="0"/>
+                    </a:p>
+                  </a:txBody>
+                  <a:tcPr/>
+                </a:tc>
+                <a:tc>
+                  <a:txBody>
+                    <a:bodyPr/>
+                    <a:lstStyle/>
+                    <a:p>
+                      <a:r>
+                        <a:rPr lang="en-US" b="1" dirty="0" err="1" smtClean="0"/>
+                        <a:t>Nachteile</a:t>
+                      </a:r>
+                      <a:endParaRPr lang="en-US" b="1" dirty="0"/>
+                    </a:p>
+                  </a:txBody>
+                  <a:tcPr/>
+                </a:tc>
+              </a:tr>
+              <a:tr h="370840">
+                <a:tc>
+                  <a:txBody>
+                    <a:bodyPr/>
+                    <a:lstStyle/>
+                    <a:p>
+                      <a:r>
+                        <a:rPr lang="en-US" b="1" dirty="0" smtClean="0"/>
+                        <a:t>CORBA</a:t>
+                      </a:r>
+                      <a:endParaRPr lang="en-US" b="1" dirty="0"/>
+                    </a:p>
+                  </a:txBody>
+                  <a:tcPr/>
+                </a:tc>
+                <a:tc>
+                  <a:txBody>
+                    <a:bodyPr/>
+                    <a:lstStyle/>
+                    <a:p>
+                      <a:r>
+                        <a:rPr lang="en-US" dirty="0" smtClean="0"/>
+                        <a:t>IDL,</a:t>
+                      </a:r>
+                      <a:r>
+                        <a:rPr lang="en-US" baseline="0" dirty="0" smtClean="0"/>
+                        <a:t> </a:t>
+                      </a:r>
+                      <a:r>
+                        <a:rPr lang="en-US" baseline="0" dirty="0" err="1" smtClean="0"/>
+                        <a:t>Codegenerierung</a:t>
+                      </a:r>
+                      <a:r>
+                        <a:rPr lang="en-US" baseline="0" dirty="0" smtClean="0"/>
+                        <a:t>, </a:t>
+                      </a:r>
+                      <a:r>
+                        <a:rPr lang="en-US" baseline="0" dirty="0" err="1" smtClean="0"/>
+                        <a:t>binär</a:t>
+                      </a:r>
+                      <a:r>
+                        <a:rPr lang="en-US" baseline="0" dirty="0" smtClean="0"/>
+                        <a:t>, </a:t>
+                      </a:r>
+                      <a:r>
+                        <a:rPr lang="en-US" baseline="0" dirty="0" err="1" smtClean="0"/>
+                        <a:t>viel</a:t>
+                      </a:r>
+                      <a:r>
+                        <a:rPr lang="en-US" baseline="0" dirty="0" smtClean="0"/>
+                        <a:t> </a:t>
+                      </a:r>
+                      <a:r>
+                        <a:rPr lang="en-US" baseline="0" dirty="0" err="1" smtClean="0"/>
+                        <a:t>eingesetzt</a:t>
+                      </a:r>
+                      <a:r>
+                        <a:rPr lang="en-US" baseline="0" dirty="0" smtClean="0"/>
+                        <a:t>, robust</a:t>
+                      </a:r>
+                      <a:endParaRPr lang="en-US" dirty="0"/>
+                    </a:p>
+                  </a:txBody>
+                  <a:tcPr/>
+                </a:tc>
+                <a:tc>
+                  <a:txBody>
+                    <a:bodyPr/>
+                    <a:lstStyle/>
+                    <a:p>
+                      <a:r>
+                        <a:rPr lang="en-US" baseline="0" dirty="0" err="1" smtClean="0"/>
+                        <a:t>komplizierteres</a:t>
+                      </a:r>
+                      <a:r>
+                        <a:rPr lang="en-US" baseline="0" dirty="0" smtClean="0"/>
+                        <a:t> API, “Oversized”, </a:t>
+                      </a:r>
+                      <a:r>
+                        <a:rPr lang="en-US" baseline="0" dirty="0" err="1" smtClean="0"/>
+                        <a:t>nur</a:t>
+                      </a:r>
+                      <a:r>
+                        <a:rPr lang="en-US" baseline="0" dirty="0" smtClean="0"/>
+                        <a:t> </a:t>
+                      </a:r>
+                      <a:r>
+                        <a:rPr lang="en-US" baseline="0" dirty="0" err="1" smtClean="0"/>
+                        <a:t>teilweise</a:t>
+                      </a:r>
+                      <a:r>
+                        <a:rPr lang="en-US" baseline="0" dirty="0" smtClean="0"/>
+                        <a:t> </a:t>
+                      </a:r>
+                      <a:r>
+                        <a:rPr lang="en-US" baseline="0" dirty="0" err="1" smtClean="0"/>
+                        <a:t>für</a:t>
+                      </a:r>
+                      <a:r>
+                        <a:rPr lang="en-US" baseline="0" dirty="0" smtClean="0"/>
+                        <a:t> Embedded </a:t>
+                      </a:r>
+                      <a:r>
+                        <a:rPr lang="en-US" baseline="0" dirty="0" err="1" smtClean="0"/>
+                        <a:t>implementiert</a:t>
+                      </a:r>
+                      <a:endParaRPr lang="en-US" dirty="0"/>
+                    </a:p>
+                  </a:txBody>
+                  <a:tcPr/>
+                </a:tc>
+              </a:tr>
+              <a:tr h="370840">
+                <a:tc>
+                  <a:txBody>
+                    <a:bodyPr/>
+                    <a:lstStyle/>
+                    <a:p>
+                      <a:r>
+                        <a:rPr lang="en-US" b="1" dirty="0" smtClean="0"/>
+                        <a:t>Thrift</a:t>
+                      </a:r>
+                      <a:endParaRPr lang="en-US" dirty="0"/>
+                    </a:p>
+                  </a:txBody>
+                  <a:tcPr/>
+                </a:tc>
+                <a:tc>
+                  <a:txBody>
+                    <a:bodyPr/>
+                    <a:lstStyle/>
+                    <a:p>
+                      <a:r>
+                        <a:rPr lang="en-US" dirty="0" smtClean="0"/>
+                        <a:t>IDL, </a:t>
+                      </a:r>
+                      <a:r>
+                        <a:rPr lang="en-US" dirty="0" err="1" smtClean="0"/>
+                        <a:t>Codegenerierung</a:t>
+                      </a:r>
+                      <a:r>
+                        <a:rPr lang="en-US" dirty="0" smtClean="0"/>
+                        <a:t>, Encoding </a:t>
+                      </a:r>
+                      <a:r>
+                        <a:rPr lang="en-US" dirty="0" err="1" smtClean="0"/>
+                        <a:t>binär</a:t>
+                      </a:r>
+                      <a:r>
+                        <a:rPr lang="en-US" dirty="0" smtClean="0"/>
+                        <a:t> </a:t>
+                      </a:r>
+                      <a:r>
+                        <a:rPr lang="en-US" dirty="0" err="1" smtClean="0"/>
+                        <a:t>oder</a:t>
+                      </a:r>
+                      <a:r>
+                        <a:rPr lang="en-US" dirty="0" smtClean="0"/>
+                        <a:t> JSON</a:t>
+                      </a:r>
+                      <a:endParaRPr lang="en-US" dirty="0"/>
+                    </a:p>
+                  </a:txBody>
+                  <a:tcPr/>
+                </a:tc>
+                <a:tc>
+                  <a:txBody>
+                    <a:bodyPr/>
+                    <a:lstStyle/>
+                    <a:p>
+                      <a:r>
+                        <a:rPr lang="en-US" dirty="0" err="1" smtClean="0"/>
+                        <a:t>Wenig</a:t>
+                      </a:r>
+                      <a:r>
+                        <a:rPr lang="en-US" dirty="0" smtClean="0"/>
+                        <a:t> </a:t>
+                      </a:r>
+                      <a:r>
+                        <a:rPr lang="en-US" dirty="0" err="1" smtClean="0"/>
+                        <a:t>Dokumentation</a:t>
+                      </a:r>
+                      <a:r>
+                        <a:rPr lang="en-US" dirty="0" smtClean="0"/>
+                        <a:t>, </a:t>
+                      </a:r>
+                      <a:r>
+                        <a:rPr lang="en-US" dirty="0" err="1" smtClean="0"/>
+                        <a:t>geschlossene</a:t>
+                      </a:r>
+                      <a:r>
+                        <a:rPr lang="en-US" dirty="0" smtClean="0"/>
+                        <a:t> </a:t>
+                      </a:r>
+                      <a:r>
+                        <a:rPr lang="en-US" dirty="0" err="1" smtClean="0"/>
+                        <a:t>Entwicklung</a:t>
+                      </a:r>
+                      <a:r>
+                        <a:rPr lang="en-US" dirty="0" smtClean="0"/>
+                        <a:t>, </a:t>
+                      </a:r>
+                      <a:r>
+                        <a:rPr lang="en-US" dirty="0" err="1" smtClean="0"/>
+                        <a:t>keine</a:t>
+                      </a:r>
+                      <a:r>
+                        <a:rPr lang="en-US" dirty="0" smtClean="0"/>
+                        <a:t> </a:t>
+                      </a:r>
+                      <a:r>
+                        <a:rPr lang="en-US" dirty="0" err="1" smtClean="0"/>
+                        <a:t>Verschlüsselung</a:t>
+                      </a:r>
+                      <a:endParaRPr lang="en-US" dirty="0"/>
+                    </a:p>
+                  </a:txBody>
+                  <a:tcPr/>
+                </a:tc>
+              </a:tr>
+              <a:tr h="370840">
+                <a:tc>
+                  <a:txBody>
+                    <a:bodyPr/>
+                    <a:lstStyle/>
+                    <a:p>
+                      <a:r>
+                        <a:rPr lang="en-US" b="1" dirty="0" smtClean="0"/>
+                        <a:t>Hessian</a:t>
+                      </a:r>
+                      <a:endParaRPr lang="en-US" b="1" dirty="0"/>
+                    </a:p>
+                  </a:txBody>
+                  <a:tcPr/>
+                </a:tc>
+                <a:tc>
+                  <a:txBody>
+                    <a:bodyPr/>
+                    <a:lstStyle/>
+                    <a:p>
+                      <a:r>
+                        <a:rPr lang="en-US" dirty="0" err="1" smtClean="0"/>
+                        <a:t>Binär</a:t>
+                      </a:r>
+                      <a:r>
+                        <a:rPr lang="en-US" dirty="0" smtClean="0"/>
+                        <a:t>, </a:t>
+                      </a:r>
+                      <a:r>
+                        <a:rPr lang="en-US" dirty="0" err="1" smtClean="0"/>
+                        <a:t>als</a:t>
+                      </a:r>
+                      <a:r>
+                        <a:rPr lang="en-US" dirty="0" smtClean="0"/>
+                        <a:t> HTTP Payload, hat </a:t>
+                      </a:r>
+                      <a:r>
+                        <a:rPr lang="en-US" dirty="0" err="1" smtClean="0"/>
+                        <a:t>Implementierungen</a:t>
+                      </a:r>
+                      <a:r>
+                        <a:rPr lang="en-US" dirty="0" smtClean="0"/>
+                        <a:t> </a:t>
+                      </a:r>
+                      <a:r>
+                        <a:rPr lang="en-US" dirty="0" err="1" smtClean="0"/>
+                        <a:t>für</a:t>
+                      </a:r>
+                      <a:r>
+                        <a:rPr lang="en-US" baseline="0" dirty="0" smtClean="0"/>
+                        <a:t> Android &amp; </a:t>
+                      </a:r>
+                      <a:r>
+                        <a:rPr lang="en-US" baseline="0" dirty="0" err="1" smtClean="0"/>
+                        <a:t>iOS</a:t>
+                      </a:r>
+                      <a:r>
+                        <a:rPr lang="en-US" baseline="0" dirty="0" smtClean="0"/>
+                        <a:t>, </a:t>
+                      </a:r>
+                      <a:r>
+                        <a:rPr lang="en-US" baseline="0" dirty="0" err="1" smtClean="0"/>
+                        <a:t>viel</a:t>
+                      </a:r>
+                      <a:r>
+                        <a:rPr lang="en-US" baseline="0" dirty="0" smtClean="0"/>
+                        <a:t> </a:t>
+                      </a:r>
+                      <a:r>
+                        <a:rPr lang="en-US" baseline="0" dirty="0" err="1" smtClean="0"/>
+                        <a:t>eingesetzt</a:t>
+                      </a:r>
+                      <a:endParaRPr lang="en-US" dirty="0"/>
+                    </a:p>
+                  </a:txBody>
+                  <a:tcPr/>
+                </a:tc>
+                <a:tc>
+                  <a:txBody>
+                    <a:bodyPr/>
+                    <a:lstStyle/>
+                    <a:p>
+                      <a:r>
+                        <a:rPr lang="en-US" dirty="0" err="1" smtClean="0"/>
+                        <a:t>Schlechte</a:t>
+                      </a:r>
+                      <a:r>
+                        <a:rPr lang="en-US" dirty="0" smtClean="0"/>
+                        <a:t> </a:t>
+                      </a:r>
+                      <a:r>
+                        <a:rPr lang="en-US" dirty="0" err="1" smtClean="0"/>
+                        <a:t>Doku</a:t>
+                      </a:r>
+                      <a:r>
+                        <a:rPr lang="en-US" dirty="0" smtClean="0"/>
+                        <a:t>, </a:t>
+                      </a:r>
+                      <a:r>
+                        <a:rPr lang="en-US" dirty="0" err="1" smtClean="0"/>
+                        <a:t>keine</a:t>
+                      </a:r>
+                      <a:r>
+                        <a:rPr lang="en-US" dirty="0" smtClean="0"/>
+                        <a:t> IDL, </a:t>
+                      </a:r>
+                      <a:r>
+                        <a:rPr lang="en-US" dirty="0" err="1" smtClean="0"/>
+                        <a:t>keine</a:t>
+                      </a:r>
+                      <a:r>
+                        <a:rPr lang="en-US" dirty="0" smtClean="0"/>
+                        <a:t> </a:t>
+                      </a:r>
+                      <a:r>
+                        <a:rPr lang="en-US" dirty="0" err="1" smtClean="0"/>
+                        <a:t>Codegenerierung</a:t>
+                      </a:r>
+                      <a:endParaRPr lang="en-US" dirty="0"/>
+                    </a:p>
+                  </a:txBody>
+                  <a:tcPr/>
+                </a:tc>
+              </a:tr>
+              <a:tr h="370840">
+                <a:tc>
+                  <a:txBody>
+                    <a:bodyPr/>
+                    <a:lstStyle/>
+                    <a:p>
+                      <a:r>
+                        <a:rPr lang="en-US" b="1" dirty="0" smtClean="0"/>
+                        <a:t>JSON</a:t>
+                      </a:r>
+                      <a:endParaRPr lang="en-US" b="1" dirty="0"/>
+                    </a:p>
+                  </a:txBody>
+                  <a:tcPr/>
+                </a:tc>
+                <a:tc>
+                  <a:txBody>
+                    <a:bodyPr/>
+                    <a:lstStyle/>
+                    <a:p>
+                      <a:r>
+                        <a:rPr lang="en-US" dirty="0" err="1" smtClean="0"/>
+                        <a:t>Einfach</a:t>
+                      </a:r>
+                      <a:r>
+                        <a:rPr lang="en-US" dirty="0" smtClean="0"/>
+                        <a:t>,</a:t>
+                      </a:r>
+                      <a:r>
+                        <a:rPr lang="en-US" baseline="0" dirty="0" smtClean="0"/>
+                        <a:t> </a:t>
+                      </a:r>
+                      <a:r>
+                        <a:rPr lang="en-US" baseline="0" dirty="0" err="1" smtClean="0"/>
+                        <a:t>beliebt</a:t>
+                      </a:r>
+                      <a:endParaRPr lang="en-US" dirty="0"/>
+                    </a:p>
+                  </a:txBody>
+                  <a:tcPr/>
+                </a:tc>
+                <a:tc>
+                  <a:txBody>
+                    <a:bodyPr/>
+                    <a:lstStyle/>
+                    <a:p>
+                      <a:r>
+                        <a:rPr lang="en-US" dirty="0" err="1" smtClean="0"/>
+                        <a:t>Größere</a:t>
+                      </a:r>
+                      <a:r>
+                        <a:rPr lang="en-US" baseline="0" dirty="0" smtClean="0"/>
+                        <a:t> </a:t>
+                      </a:r>
+                      <a:r>
+                        <a:rPr lang="en-US" baseline="0" dirty="0" err="1" smtClean="0"/>
+                        <a:t>Datenmenge</a:t>
+                      </a:r>
+                      <a:r>
+                        <a:rPr lang="en-US" baseline="0" dirty="0" smtClean="0"/>
+                        <a:t> </a:t>
+                      </a:r>
+                      <a:r>
+                        <a:rPr lang="en-US" baseline="0" dirty="0" err="1" smtClean="0"/>
+                        <a:t>als</a:t>
+                      </a:r>
+                      <a:r>
+                        <a:rPr lang="en-US" baseline="0" dirty="0" smtClean="0"/>
+                        <a:t> </a:t>
+                      </a:r>
+                      <a:r>
+                        <a:rPr lang="en-US" baseline="0" dirty="0" err="1" smtClean="0"/>
+                        <a:t>bei</a:t>
+                      </a:r>
+                      <a:r>
+                        <a:rPr lang="en-US" baseline="0" dirty="0" smtClean="0"/>
+                        <a:t> </a:t>
+                      </a:r>
+                      <a:r>
+                        <a:rPr lang="en-US" baseline="0" dirty="0" err="1" smtClean="0"/>
+                        <a:t>anderen</a:t>
+                      </a:r>
+                      <a:r>
+                        <a:rPr lang="en-US" baseline="0" dirty="0" smtClean="0"/>
+                        <a:t> </a:t>
+                      </a:r>
+                      <a:r>
+                        <a:rPr lang="en-US" baseline="0" dirty="0" err="1" smtClean="0"/>
+                        <a:t>Protokollen</a:t>
+                      </a:r>
+                      <a:r>
+                        <a:rPr lang="en-US" baseline="0" dirty="0" smtClean="0"/>
+                        <a:t>, </a:t>
+                      </a:r>
+                      <a:r>
+                        <a:rPr lang="en-US" baseline="0" dirty="0" err="1" smtClean="0"/>
+                        <a:t>kein</a:t>
+                      </a:r>
+                      <a:r>
+                        <a:rPr lang="en-US" baseline="0" dirty="0" smtClean="0"/>
+                        <a:t> “Standard”-Framework</a:t>
+                      </a:r>
+                      <a:endParaRPr lang="en-US" dirty="0"/>
+                    </a:p>
+                  </a:txBody>
+                  <a:tcPr/>
+                </a:tc>
+              </a:tr>
+            </a:tbl>
+          </a:graphicData>
+        </a:graphic>
+      </p:graphicFrame>
+      <p:sp>
+        <p:nvSpPr>
+          <p:cNvPr id="4" name="Footer Placeholder 3"/>
+          <p:cNvSpPr>
+            <a:spLocks noGrp="1"/>
+          </p:cNvSpPr>
+          <p:nvPr>
+            <p:ph type="ftr" sz="quarter" idx="10"/>
+          </p:nvPr>
+        </p:nvSpPr>
+        <p:spPr/>
+        <p:txBody>
+          <a:bodyPr/>
+          <a:lstStyle/>
+          <a:p>
+            <a:r>
+              <a:rPr lang="de-DE" smtClean="0"/>
+              <a:t>Find All My Friends | Eingebettete Betriebssysteme | 7. Dezember 2011</a:t>
+            </a:r>
+            <a:endParaRPr lang="de-DE"/>
+          </a:p>
+        </p:txBody>
+      </p:sp>
+      <p:sp>
+        <p:nvSpPr>
+          <p:cNvPr id="5" name="Slide Number Placeholder 4"/>
+          <p:cNvSpPr>
+            <a:spLocks noGrp="1"/>
+          </p:cNvSpPr>
+          <p:nvPr>
+            <p:ph type="sldNum" sz="quarter" idx="11"/>
+          </p:nvPr>
+        </p:nvSpPr>
+        <p:spPr/>
+        <p:txBody>
+          <a:bodyPr/>
+          <a:lstStyle/>
+          <a:p>
+            <a:fld id="{0C6113F6-D982-4F1F-82B4-AFA466AB9AFB}" type="slidenum">
+              <a:rPr lang="de-DE" smtClean="0"/>
+              <a:pPr/>
+              <a:t>10</a:t>
+            </a:fld>
+            <a:endParaRPr lang="de-DE"/>
+          </a:p>
+        </p:txBody>
+      </p:sp>
+    </p:spTree>
+    <p:extLst>
+      <p:ext uri="{BB962C8B-B14F-4D97-AF65-F5344CB8AC3E}">
+        <p14:creationId xmlns:p14="http://schemas.microsoft.com/office/powerpoint/2010/main" val="480089758"/>
+      </p:ext>
+    </p:extLst>
+  </p:cSld>
+  <p:clrMapOvr>
+    <a:masterClrMapping/>
+  </p:clrMapOvr>
+  <p:timing>
+    <p:tnLst>
+      <p:par>
+        <p:cTn xmlns:p14="http://schemas.microsoft.com/office/powerpoint/2010/main" id="1" dur="indefinite" restart="never" nodeType="tmRoot"/>
+      </p:par>
+    </p:tnLst>
+  </p:timing>
+</p:sld>
+</file>
+
+<file path=ppt/slides/slide11.xml><?xml version="1.0" encoding="utf-8"?>
+<p:sld xmlns:a="http://schemas.openxmlformats.org/drawingml/2006/main" xmlns:r="http://schemas.openxmlformats.org/officeDocument/2006/relationships" xmlns:p="http://schemas.openxmlformats.org/presentationml/2006/main">
+  <p:cSld>
+    <p:spTree>
+      <p:nvGrpSpPr>
+        <p:cNvPr id="1" name=""/>
+        <p:cNvGrpSpPr/>
+        <p:nvPr/>
+      </p:nvGrpSpPr>
+      <p:grpSpPr>
+        <a:xfrm>
+          <a:off x="0" y="0"/>
+          <a:ext cx="0" cy="0"/>
+          <a:chOff x="0" y="0"/>
+          <a:chExt cx="0" cy="0"/>
+        </a:xfrm>
+      </p:grpSpPr>
+      <p:sp>
+        <p:nvSpPr>
+          <p:cNvPr id="2" name="Title 1"/>
+          <p:cNvSpPr>
+            <a:spLocks noGrp="1"/>
+          </p:cNvSpPr>
+          <p:nvPr>
+            <p:ph type="title"/>
+          </p:nvPr>
+        </p:nvSpPr>
+        <p:spPr/>
+        <p:txBody>
+          <a:bodyPr/>
+          <a:lstStyle/>
+          <a:p>
+            <a:r>
+              <a:rPr lang="en-US" noProof="1" smtClean="0"/>
+              <a:t>Diskussion – Das Wire-Protocol</a:t>
+            </a:r>
+            <a:endParaRPr lang="en-US" noProof="1"/>
+          </a:p>
+        </p:txBody>
+      </p:sp>
+      <p:graphicFrame>
+        <p:nvGraphicFramePr>
+          <p:cNvPr id="6" name="Content Placeholder 5"/>
+          <p:cNvGraphicFramePr>
+            <a:graphicFrameLocks noGrp="1"/>
+          </p:cNvGraphicFramePr>
+          <p:nvPr>
+            <p:ph idx="1"/>
+            <p:extLst>
+              <p:ext uri="{D42A27DB-BD31-4B8C-83A1-F6EECF244321}">
+                <p14:modId xmlns:p14="http://schemas.microsoft.com/office/powerpoint/2010/main" val="1009697107"/>
+              </p:ext>
+            </p:extLst>
+          </p:nvPr>
+        </p:nvGraphicFramePr>
+        <p:xfrm>
+          <a:off x="719138" y="1728788"/>
+          <a:ext cx="8174037" cy="4302759"/>
+        </p:xfrm>
+        <a:graphic>
+          <a:graphicData uri="http://schemas.openxmlformats.org/drawingml/2006/table">
+            <a:tbl>
+              <a:tblPr firstRow="1" bandRow="1">
+                <a:tableStyleId>{2D5ABB26-0587-4C30-8999-92F81FD0307C}</a:tableStyleId>
+              </a:tblPr>
+              <a:tblGrid>
+                <a:gridCol w="1714573"/>
+                <a:gridCol w="2954215"/>
+                <a:gridCol w="3505249"/>
+              </a:tblGrid>
+              <a:tr h="370840">
+                <a:tc>
+                  <a:txBody>
+                    <a:bodyPr/>
+                    <a:lstStyle/>
+                    <a:p>
+                      <a:endParaRPr lang="en-US" b="1" dirty="0"/>
+                    </a:p>
+                  </a:txBody>
+                  <a:tcPr/>
+                </a:tc>
+                <a:tc>
+                  <a:txBody>
+                    <a:bodyPr/>
+                    <a:lstStyle/>
+                    <a:p>
+                      <a:r>
+                        <a:rPr lang="en-US" b="1" dirty="0" err="1" smtClean="0"/>
+                        <a:t>Vorteile</a:t>
+                      </a:r>
+                      <a:endParaRPr lang="en-US" b="1" dirty="0"/>
+                    </a:p>
+                  </a:txBody>
+                  <a:tcPr/>
+                </a:tc>
+                <a:tc>
+                  <a:txBody>
+                    <a:bodyPr/>
+                    <a:lstStyle/>
+                    <a:p>
+                      <a:r>
+                        <a:rPr lang="en-US" b="1" dirty="0" err="1" smtClean="0"/>
+                        <a:t>Nachteile</a:t>
+                      </a:r>
+                      <a:endParaRPr lang="en-US" b="1" dirty="0"/>
+                    </a:p>
+                  </a:txBody>
+                  <a:tcPr/>
+                </a:tc>
+              </a:tr>
+              <a:tr h="370840">
+                <a:tc>
+                  <a:txBody>
+                    <a:bodyPr/>
+                    <a:lstStyle/>
+                    <a:p>
+                      <a:r>
+                        <a:rPr lang="en-US" b="1" dirty="0" smtClean="0"/>
+                        <a:t>CORBA</a:t>
+                      </a:r>
+                      <a:endParaRPr lang="en-US" b="1" dirty="0"/>
+                    </a:p>
+                  </a:txBody>
+                  <a:tcPr/>
+                </a:tc>
+                <a:tc>
+                  <a:txBody>
+                    <a:bodyPr/>
+                    <a:lstStyle/>
+                    <a:p>
+                      <a:r>
+                        <a:rPr lang="en-US" dirty="0" smtClean="0"/>
+                        <a:t>IDL,</a:t>
+                      </a:r>
+                      <a:r>
+                        <a:rPr lang="en-US" baseline="0" dirty="0" smtClean="0"/>
+                        <a:t> </a:t>
+                      </a:r>
+                      <a:r>
+                        <a:rPr lang="en-US" baseline="0" dirty="0" err="1" smtClean="0"/>
+                        <a:t>Codegenerierung</a:t>
+                      </a:r>
+                      <a:r>
+                        <a:rPr lang="en-US" baseline="0" dirty="0" smtClean="0"/>
+                        <a:t>, </a:t>
+                      </a:r>
+                      <a:r>
+                        <a:rPr lang="en-US" baseline="0" dirty="0" err="1" smtClean="0"/>
+                        <a:t>binär</a:t>
+                      </a:r>
+                      <a:r>
+                        <a:rPr lang="en-US" baseline="0" dirty="0" smtClean="0"/>
+                        <a:t>, </a:t>
+                      </a:r>
+                      <a:r>
+                        <a:rPr lang="en-US" baseline="0" dirty="0" err="1" smtClean="0"/>
+                        <a:t>viel</a:t>
+                      </a:r>
+                      <a:r>
+                        <a:rPr lang="en-US" baseline="0" dirty="0" smtClean="0"/>
+                        <a:t> </a:t>
+                      </a:r>
+                      <a:r>
+                        <a:rPr lang="en-US" baseline="0" dirty="0" err="1" smtClean="0"/>
+                        <a:t>eingesetzt</a:t>
+                      </a:r>
+                      <a:r>
+                        <a:rPr lang="en-US" baseline="0" dirty="0" smtClean="0"/>
+                        <a:t>, robust</a:t>
+                      </a:r>
+                      <a:endParaRPr lang="en-US" dirty="0"/>
+                    </a:p>
+                  </a:txBody>
+                  <a:tcPr/>
+                </a:tc>
+                <a:tc>
+                  <a:txBody>
+                    <a:bodyPr/>
+                    <a:lstStyle/>
+                    <a:p>
+                      <a:r>
+                        <a:rPr lang="en-US" baseline="0" dirty="0" err="1" smtClean="0"/>
+                        <a:t>komplizierteres</a:t>
+                      </a:r>
+                      <a:r>
+                        <a:rPr lang="en-US" baseline="0" dirty="0" smtClean="0"/>
+                        <a:t> API, “Oversized”, </a:t>
+                      </a:r>
+                      <a:r>
+                        <a:rPr lang="en-US" baseline="0" dirty="0" err="1" smtClean="0"/>
+                        <a:t>nur</a:t>
+                      </a:r>
+                      <a:r>
+                        <a:rPr lang="en-US" baseline="0" dirty="0" smtClean="0"/>
+                        <a:t> </a:t>
+                      </a:r>
+                      <a:r>
+                        <a:rPr lang="en-US" baseline="0" dirty="0" err="1" smtClean="0"/>
+                        <a:t>teilweise</a:t>
+                      </a:r>
+                      <a:r>
+                        <a:rPr lang="en-US" baseline="0" dirty="0" smtClean="0"/>
+                        <a:t> </a:t>
+                      </a:r>
+                      <a:r>
+                        <a:rPr lang="en-US" baseline="0" dirty="0" err="1" smtClean="0"/>
+                        <a:t>für</a:t>
+                      </a:r>
+                      <a:r>
+                        <a:rPr lang="en-US" baseline="0" dirty="0" smtClean="0"/>
+                        <a:t> Embedded </a:t>
+                      </a:r>
+                      <a:r>
+                        <a:rPr lang="en-US" baseline="0" dirty="0" err="1" smtClean="0"/>
+                        <a:t>implementiert</a:t>
+                      </a:r>
+                      <a:endParaRPr lang="en-US" dirty="0"/>
+                    </a:p>
+                  </a:txBody>
+                  <a:tcPr/>
+                </a:tc>
+              </a:tr>
+              <a:tr h="370840">
+                <a:tc>
+                  <a:txBody>
+                    <a:bodyPr/>
+                    <a:lstStyle/>
+                    <a:p>
+                      <a:r>
+                        <a:rPr lang="en-US" b="1" dirty="0" smtClean="0"/>
+                        <a:t>Thrift</a:t>
+                      </a:r>
+                      <a:endParaRPr lang="en-US" dirty="0"/>
+                    </a:p>
+                  </a:txBody>
+                  <a:tcPr/>
+                </a:tc>
+                <a:tc>
+                  <a:txBody>
+                    <a:bodyPr/>
+                    <a:lstStyle/>
+                    <a:p>
+                      <a:r>
+                        <a:rPr lang="en-US" dirty="0" smtClean="0"/>
+                        <a:t>IDL, </a:t>
+                      </a:r>
+                      <a:r>
+                        <a:rPr lang="en-US" dirty="0" err="1" smtClean="0"/>
+                        <a:t>Codegenerierung</a:t>
+                      </a:r>
+                      <a:r>
+                        <a:rPr lang="en-US" dirty="0" smtClean="0"/>
+                        <a:t>, Encoding </a:t>
+                      </a:r>
+                      <a:r>
+                        <a:rPr lang="en-US" dirty="0" err="1" smtClean="0"/>
+                        <a:t>binär</a:t>
+                      </a:r>
+                      <a:r>
+                        <a:rPr lang="en-US" dirty="0" smtClean="0"/>
+                        <a:t> </a:t>
+                      </a:r>
+                      <a:r>
+                        <a:rPr lang="en-US" dirty="0" err="1" smtClean="0"/>
+                        <a:t>oder</a:t>
+                      </a:r>
+                      <a:r>
+                        <a:rPr lang="en-US" dirty="0" smtClean="0"/>
+                        <a:t> JSON</a:t>
+                      </a:r>
+                      <a:endParaRPr lang="en-US" dirty="0"/>
+                    </a:p>
+                  </a:txBody>
+                  <a:tcPr/>
+                </a:tc>
+                <a:tc>
+                  <a:txBody>
+                    <a:bodyPr/>
+                    <a:lstStyle/>
+                    <a:p>
+                      <a:r>
+                        <a:rPr lang="en-US" dirty="0" err="1" smtClean="0"/>
+                        <a:t>Wenig</a:t>
+                      </a:r>
+                      <a:r>
+                        <a:rPr lang="en-US" dirty="0" smtClean="0"/>
+                        <a:t> </a:t>
+                      </a:r>
+                      <a:r>
+                        <a:rPr lang="en-US" dirty="0" err="1" smtClean="0"/>
+                        <a:t>Dokumentation</a:t>
+                      </a:r>
+                      <a:r>
+                        <a:rPr lang="en-US" dirty="0" smtClean="0"/>
+                        <a:t>, </a:t>
+                      </a:r>
+                      <a:r>
+                        <a:rPr lang="en-US" dirty="0" err="1" smtClean="0"/>
+                        <a:t>geschlossene</a:t>
+                      </a:r>
+                      <a:r>
+                        <a:rPr lang="en-US" dirty="0" smtClean="0"/>
+                        <a:t> </a:t>
+                      </a:r>
+                      <a:r>
+                        <a:rPr lang="en-US" dirty="0" err="1" smtClean="0"/>
+                        <a:t>Entwicklung</a:t>
+                      </a:r>
+                      <a:r>
+                        <a:rPr lang="en-US" dirty="0" smtClean="0"/>
+                        <a:t>, </a:t>
+                      </a:r>
+                      <a:r>
+                        <a:rPr lang="en-US" dirty="0" err="1" smtClean="0"/>
+                        <a:t>keine</a:t>
+                      </a:r>
+                      <a:r>
+                        <a:rPr lang="en-US" dirty="0" smtClean="0"/>
+                        <a:t> </a:t>
+                      </a:r>
+                      <a:r>
+                        <a:rPr lang="en-US" dirty="0" err="1" smtClean="0"/>
+                        <a:t>Verschlüsselung</a:t>
+                      </a:r>
+                      <a:endParaRPr lang="en-US" dirty="0"/>
+                    </a:p>
+                  </a:txBody>
+                  <a:tcPr/>
+                </a:tc>
+              </a:tr>
+              <a:tr h="370840">
+                <a:tc>
+                  <a:txBody>
+                    <a:bodyPr/>
+                    <a:lstStyle/>
+                    <a:p>
+                      <a:r>
+                        <a:rPr lang="en-US" b="1" dirty="0" smtClean="0"/>
+                        <a:t>Hessian</a:t>
+                      </a:r>
+                      <a:endParaRPr lang="en-US" b="1" dirty="0"/>
+                    </a:p>
+                  </a:txBody>
+                  <a:tcPr>
+                    <a:solidFill>
+                      <a:srgbClr val="76D02B"/>
+                    </a:solidFill>
+                  </a:tcPr>
+                </a:tc>
+                <a:tc>
+                  <a:txBody>
+                    <a:bodyPr/>
+                    <a:lstStyle/>
+                    <a:p>
+                      <a:r>
+                        <a:rPr lang="en-US" dirty="0" err="1" smtClean="0"/>
+                        <a:t>Binär</a:t>
+                      </a:r>
+                      <a:r>
+                        <a:rPr lang="en-US" dirty="0" smtClean="0"/>
+                        <a:t>, </a:t>
+                      </a:r>
+                      <a:r>
+                        <a:rPr lang="en-US" dirty="0" err="1" smtClean="0"/>
+                        <a:t>als</a:t>
+                      </a:r>
+                      <a:r>
+                        <a:rPr lang="en-US" dirty="0" smtClean="0"/>
+                        <a:t> HTTP Payload, hat </a:t>
+                      </a:r>
+                      <a:r>
+                        <a:rPr lang="en-US" dirty="0" err="1" smtClean="0"/>
+                        <a:t>Implementierungen</a:t>
+                      </a:r>
+                      <a:r>
+                        <a:rPr lang="en-US" dirty="0" smtClean="0"/>
+                        <a:t> </a:t>
+                      </a:r>
+                      <a:r>
+                        <a:rPr lang="en-US" dirty="0" err="1" smtClean="0"/>
+                        <a:t>für</a:t>
+                      </a:r>
+                      <a:r>
+                        <a:rPr lang="en-US" baseline="0" dirty="0" smtClean="0"/>
+                        <a:t> Android &amp; </a:t>
+                      </a:r>
+                      <a:r>
+                        <a:rPr lang="en-US" baseline="0" dirty="0" err="1" smtClean="0"/>
+                        <a:t>iOS</a:t>
+                      </a:r>
+                      <a:r>
+                        <a:rPr lang="en-US" baseline="0" dirty="0" smtClean="0"/>
+                        <a:t>, </a:t>
+                      </a:r>
+                      <a:r>
+                        <a:rPr lang="en-US" baseline="0" dirty="0" err="1" smtClean="0"/>
+                        <a:t>viel</a:t>
+                      </a:r>
+                      <a:r>
+                        <a:rPr lang="en-US" baseline="0" dirty="0" smtClean="0"/>
+                        <a:t> </a:t>
+                      </a:r>
+                      <a:r>
+                        <a:rPr lang="en-US" baseline="0" dirty="0" err="1" smtClean="0"/>
+                        <a:t>eingesetzt</a:t>
+                      </a:r>
+                      <a:endParaRPr lang="en-US" dirty="0"/>
+                    </a:p>
+                  </a:txBody>
+                  <a:tcPr>
+                    <a:solidFill>
+                      <a:srgbClr val="76D02B"/>
+                    </a:solidFill>
+                  </a:tcPr>
+                </a:tc>
+                <a:tc>
+                  <a:txBody>
+                    <a:bodyPr/>
+                    <a:lstStyle/>
+                    <a:p>
+                      <a:r>
+                        <a:rPr lang="en-US" dirty="0" err="1" smtClean="0"/>
+                        <a:t>Schlechte</a:t>
+                      </a:r>
+                      <a:r>
+                        <a:rPr lang="en-US" dirty="0" smtClean="0"/>
+                        <a:t> </a:t>
+                      </a:r>
+                      <a:r>
+                        <a:rPr lang="en-US" dirty="0" err="1" smtClean="0"/>
+                        <a:t>Doku</a:t>
+                      </a:r>
+                      <a:r>
+                        <a:rPr lang="en-US" dirty="0" smtClean="0"/>
+                        <a:t>, </a:t>
+                      </a:r>
+                      <a:r>
+                        <a:rPr lang="en-US" dirty="0" err="1" smtClean="0"/>
+                        <a:t>keine</a:t>
+                      </a:r>
+                      <a:r>
+                        <a:rPr lang="en-US" dirty="0" smtClean="0"/>
+                        <a:t> IDL, </a:t>
+                      </a:r>
+                      <a:r>
+                        <a:rPr lang="en-US" dirty="0" err="1" smtClean="0"/>
+                        <a:t>keine</a:t>
+                      </a:r>
+                      <a:r>
+                        <a:rPr lang="en-US" dirty="0" smtClean="0"/>
+                        <a:t> </a:t>
+                      </a:r>
+                      <a:r>
+                        <a:rPr lang="en-US" dirty="0" err="1" smtClean="0"/>
+                        <a:t>Codegenerierung</a:t>
+                      </a:r>
+                      <a:endParaRPr lang="en-US" dirty="0"/>
+                    </a:p>
+                  </a:txBody>
+                  <a:tcPr>
+                    <a:solidFill>
+                      <a:srgbClr val="76D02B"/>
+                    </a:solidFill>
+                  </a:tcPr>
+                </a:tc>
+              </a:tr>
+              <a:tr h="370840">
+                <a:tc>
+                  <a:txBody>
+                    <a:bodyPr/>
+                    <a:lstStyle/>
+                    <a:p>
+                      <a:r>
+                        <a:rPr lang="en-US" b="1" dirty="0" smtClean="0"/>
+                        <a:t>JSON</a:t>
+                      </a:r>
+                      <a:endParaRPr lang="en-US" b="1" dirty="0"/>
+                    </a:p>
+                  </a:txBody>
+                  <a:tcPr/>
+                </a:tc>
+                <a:tc>
+                  <a:txBody>
+                    <a:bodyPr/>
+                    <a:lstStyle/>
+                    <a:p>
+                      <a:r>
+                        <a:rPr lang="en-US" dirty="0" err="1" smtClean="0"/>
+                        <a:t>Einfach</a:t>
+                      </a:r>
+                      <a:r>
+                        <a:rPr lang="en-US" dirty="0" smtClean="0"/>
+                        <a:t>,</a:t>
+                      </a:r>
+                      <a:r>
+                        <a:rPr lang="en-US" baseline="0" dirty="0" smtClean="0"/>
+                        <a:t> </a:t>
+                      </a:r>
+                      <a:r>
+                        <a:rPr lang="en-US" baseline="0" dirty="0" err="1" smtClean="0"/>
+                        <a:t>beliebt</a:t>
+                      </a:r>
+                      <a:endParaRPr lang="en-US" dirty="0"/>
+                    </a:p>
+                  </a:txBody>
+                  <a:tcPr/>
+                </a:tc>
+                <a:tc>
+                  <a:txBody>
+                    <a:bodyPr/>
+                    <a:lstStyle/>
+                    <a:p>
+                      <a:r>
+                        <a:rPr lang="en-US" dirty="0" err="1" smtClean="0"/>
+                        <a:t>Größere</a:t>
+                      </a:r>
+                      <a:r>
+                        <a:rPr lang="en-US" baseline="0" dirty="0" smtClean="0"/>
+                        <a:t> </a:t>
+                      </a:r>
+                      <a:r>
+                        <a:rPr lang="en-US" baseline="0" dirty="0" err="1" smtClean="0"/>
+                        <a:t>Datenmenge</a:t>
+                      </a:r>
+                      <a:r>
+                        <a:rPr lang="en-US" baseline="0" dirty="0" smtClean="0"/>
+                        <a:t> </a:t>
+                      </a:r>
+                      <a:r>
+                        <a:rPr lang="en-US" baseline="0" dirty="0" err="1" smtClean="0"/>
+                        <a:t>als</a:t>
+                      </a:r>
+                      <a:r>
+                        <a:rPr lang="en-US" baseline="0" dirty="0" smtClean="0"/>
+                        <a:t> </a:t>
+                      </a:r>
+                      <a:r>
+                        <a:rPr lang="en-US" baseline="0" dirty="0" err="1" smtClean="0"/>
+                        <a:t>bei</a:t>
+                      </a:r>
+                      <a:r>
+                        <a:rPr lang="en-US" baseline="0" dirty="0" smtClean="0"/>
+                        <a:t> </a:t>
+                      </a:r>
+                      <a:r>
+                        <a:rPr lang="en-US" baseline="0" dirty="0" err="1" smtClean="0"/>
+                        <a:t>anderen</a:t>
+                      </a:r>
+                      <a:r>
+                        <a:rPr lang="en-US" baseline="0" dirty="0" smtClean="0"/>
+                        <a:t> </a:t>
+                      </a:r>
+                      <a:r>
+                        <a:rPr lang="en-US" baseline="0" dirty="0" err="1" smtClean="0"/>
+                        <a:t>Protokollen</a:t>
+                      </a:r>
+                      <a:r>
+                        <a:rPr lang="en-US" baseline="0" dirty="0" smtClean="0"/>
+                        <a:t>, </a:t>
+                      </a:r>
+                      <a:r>
+                        <a:rPr lang="en-US" baseline="0" dirty="0" err="1" smtClean="0"/>
+                        <a:t>kein</a:t>
+                      </a:r>
+                      <a:r>
+                        <a:rPr lang="en-US" baseline="0" dirty="0" smtClean="0"/>
+                        <a:t> “Standard”-Framework</a:t>
+                      </a:r>
+                      <a:endParaRPr lang="en-US" dirty="0"/>
+                    </a:p>
+                  </a:txBody>
+                  <a:tcPr/>
+                </a:tc>
+              </a:tr>
+            </a:tbl>
+          </a:graphicData>
+        </a:graphic>
+      </p:graphicFrame>
+      <p:sp>
+        <p:nvSpPr>
+          <p:cNvPr id="4" name="Footer Placeholder 3"/>
+          <p:cNvSpPr>
+            <a:spLocks noGrp="1"/>
+          </p:cNvSpPr>
+          <p:nvPr>
+            <p:ph type="ftr" sz="quarter" idx="10"/>
+          </p:nvPr>
+        </p:nvSpPr>
+        <p:spPr/>
+        <p:txBody>
+          <a:bodyPr/>
+          <a:lstStyle/>
+          <a:p>
+            <a:r>
+              <a:rPr lang="de-DE" smtClean="0"/>
+              <a:t>Find All My Friends | Eingebettete Betriebssysteme | 7. Dezember 2011</a:t>
+            </a:r>
+            <a:endParaRPr lang="de-DE"/>
+          </a:p>
+        </p:txBody>
+      </p:sp>
+      <p:sp>
+        <p:nvSpPr>
+          <p:cNvPr id="5" name="Slide Number Placeholder 4"/>
+          <p:cNvSpPr>
+            <a:spLocks noGrp="1"/>
+          </p:cNvSpPr>
+          <p:nvPr>
+            <p:ph type="sldNum" sz="quarter" idx="11"/>
+          </p:nvPr>
+        </p:nvSpPr>
+        <p:spPr/>
+        <p:txBody>
+          <a:bodyPr/>
+          <a:lstStyle/>
+          <a:p>
+            <a:fld id="{0C6113F6-D982-4F1F-82B4-AFA466AB9AFB}" type="slidenum">
+              <a:rPr lang="de-DE" smtClean="0"/>
+              <a:pPr/>
+              <a:t>11</a:t>
+            </a:fld>
+            <a:endParaRPr lang="de-DE"/>
+          </a:p>
+        </p:txBody>
+      </p:sp>
+    </p:spTree>
+    <p:extLst>
+      <p:ext uri="{BB962C8B-B14F-4D97-AF65-F5344CB8AC3E}">
+        <p14:creationId xmlns:p14="http://schemas.microsoft.com/office/powerpoint/2010/main" val="103542488"/>
+      </p:ext>
+    </p:extLst>
+  </p:cSld>
+  <p:clrMapOvr>
+    <a:masterClrMapping/>
+  </p:clrMapOvr>
+  <p:timing>
+    <p:tnLst>
+      <p:par>
+        <p:cTn xmlns:p14="http://schemas.microsoft.com/office/powerpoint/2010/main" id="1" dur="indefinite" restart="never" nodeType="tmRoot"/>
+      </p:par>
+    </p:tnLst>
+  </p:timing>
+</p:sld>
+</file>
+
+<file path=ppt/slides/slide12.xml><?xml version="1.0" encoding="utf-8"?>
+<p:sld xmlns:a="http://schemas.openxmlformats.org/drawingml/2006/main" xmlns:r="http://schemas.openxmlformats.org/officeDocument/2006/relationships" xmlns:p="http://schemas.openxmlformats.org/presentationml/2006/main">
+  <p:cSld>
+    <p:spTree>
+      <p:nvGrpSpPr>
+        <p:cNvPr id="1" name=""/>
+        <p:cNvGrpSpPr/>
+        <p:nvPr/>
+      </p:nvGrpSpPr>
+      <p:grpSpPr>
+        <a:xfrm>
+          <a:off x="0" y="0"/>
+          <a:ext cx="0" cy="0"/>
+          <a:chOff x="0" y="0"/>
+          <a:chExt cx="0" cy="0"/>
+        </a:xfrm>
+      </p:grpSpPr>
+      <p:sp>
+        <p:nvSpPr>
+          <p:cNvPr id="2" name="Title 1"/>
+          <p:cNvSpPr>
+            <a:spLocks noGrp="1"/>
+          </p:cNvSpPr>
+          <p:nvPr>
+            <p:ph type="title"/>
+          </p:nvPr>
+        </p:nvSpPr>
+        <p:spPr/>
+        <p:txBody>
+          <a:bodyPr/>
+          <a:lstStyle/>
+          <a:p>
+            <a:r>
+              <a:rPr lang="en-US" dirty="0" smtClean="0"/>
+              <a:t>Server API Version 1</a:t>
+            </a:r>
+            <a:endParaRPr lang="en-US" dirty="0"/>
+          </a:p>
+        </p:txBody>
+      </p:sp>
+      <p:sp>
+        <p:nvSpPr>
+          <p:cNvPr id="3" name="Content Placeholder 2"/>
+          <p:cNvSpPr>
+            <a:spLocks noGrp="1"/>
+          </p:cNvSpPr>
+          <p:nvPr>
+            <p:ph idx="1"/>
+          </p:nvPr>
+        </p:nvSpPr>
+        <p:spPr>
+          <a:xfrm>
+            <a:off x="719138" y="1503020"/>
+            <a:ext cx="8174037" cy="4795837"/>
+          </a:xfrm>
+        </p:spPr>
+        <p:txBody>
+          <a:bodyPr/>
+          <a:lstStyle/>
+          <a:p>
+            <a:pPr marL="285750" lvl="0" indent="-285750">
+              <a:spcAft>
+                <a:spcPts val="800"/>
+              </a:spcAft>
+              <a:buFont typeface="Arial"/>
+              <a:buChar char="•"/>
+            </a:pPr>
+            <a:r>
+              <a:rPr lang="en-US" b="1" dirty="0" err="1"/>
+              <a:t>registerAccount</a:t>
+            </a:r>
+            <a:r>
+              <a:rPr lang="en-US" dirty="0"/>
+              <a:t>(</a:t>
+            </a:r>
+            <a:r>
+              <a:rPr lang="en-US" dirty="0" err="1"/>
+              <a:t>userId</a:t>
+            </a:r>
+            <a:r>
+              <a:rPr lang="en-US" dirty="0"/>
+              <a:t>)</a:t>
+            </a:r>
+          </a:p>
+          <a:p>
+            <a:pPr marL="285750" lvl="0" indent="-285750">
+              <a:spcAft>
+                <a:spcPts val="800"/>
+              </a:spcAft>
+              <a:buFont typeface="Arial"/>
+              <a:buChar char="•"/>
+            </a:pPr>
+            <a:r>
+              <a:rPr lang="en-US" b="1" dirty="0" err="1" smtClean="0"/>
+              <a:t>createAppointment</a:t>
+            </a:r>
+            <a:r>
+              <a:rPr lang="en-US" dirty="0" smtClean="0"/>
+              <a:t>(</a:t>
+            </a:r>
+            <a:r>
+              <a:rPr lang="en-US" dirty="0" err="1" smtClean="0"/>
+              <a:t>userId</a:t>
+            </a:r>
+            <a:r>
+              <a:rPr lang="en-US" dirty="0" smtClean="0"/>
+              <a:t>, </a:t>
+            </a:r>
+            <a:r>
+              <a:rPr lang="en-US" dirty="0" err="1" smtClean="0"/>
+              <a:t>travelType</a:t>
+            </a:r>
+            <a:r>
+              <a:rPr lang="en-US" dirty="0" smtClean="0"/>
+              <a:t>, location, invitees, </a:t>
+            </a:r>
+            <a:r>
+              <a:rPr lang="en-US" dirty="0" err="1" smtClean="0"/>
+              <a:t>locationType</a:t>
+            </a:r>
+            <a:r>
+              <a:rPr lang="en-US" dirty="0" smtClean="0"/>
+              <a:t>, </a:t>
+            </a:r>
+            <a:r>
+              <a:rPr lang="en-US" dirty="0" err="1" smtClean="0"/>
+              <a:t>userMessage</a:t>
+            </a:r>
+            <a:r>
+              <a:rPr lang="en-US" dirty="0" smtClean="0"/>
+              <a:t>)</a:t>
+            </a:r>
+            <a:br>
+              <a:rPr lang="en-US" dirty="0" smtClean="0"/>
+            </a:br>
+            <a:r>
+              <a:rPr lang="en-US" dirty="0" smtClean="0">
+                <a:sym typeface="Wingdings"/>
+              </a:rPr>
+              <a:t></a:t>
+            </a:r>
+            <a:r>
+              <a:rPr lang="en-US" dirty="0" smtClean="0"/>
+              <a:t> </a:t>
+            </a:r>
+            <a:r>
+              <a:rPr lang="en-US" dirty="0" err="1" smtClean="0"/>
+              <a:t>appointmentId</a:t>
+            </a:r>
+            <a:r>
+              <a:rPr lang="en-US" dirty="0" smtClean="0"/>
+              <a:t>, </a:t>
+            </a:r>
+            <a:r>
+              <a:rPr lang="en-US" dirty="0" err="1" smtClean="0"/>
+              <a:t>travelPlan</a:t>
+            </a:r>
+            <a:endParaRPr lang="en-US" dirty="0" smtClean="0"/>
+          </a:p>
+          <a:p>
+            <a:pPr marL="285750" lvl="0" indent="-285750">
+              <a:spcAft>
+                <a:spcPts val="800"/>
+              </a:spcAft>
+              <a:buFont typeface="Arial"/>
+              <a:buChar char="•"/>
+            </a:pPr>
+            <a:r>
+              <a:rPr lang="en-US" b="1" dirty="0" err="1" smtClean="0"/>
+              <a:t>getAppointment</a:t>
+            </a:r>
+            <a:r>
+              <a:rPr lang="en-US" dirty="0" smtClean="0"/>
+              <a:t>(</a:t>
+            </a:r>
+            <a:r>
+              <a:rPr lang="en-US" dirty="0" err="1" smtClean="0"/>
+              <a:t>appointmentId</a:t>
+            </a:r>
+            <a:r>
+              <a:rPr lang="en-US" dirty="0" smtClean="0"/>
+              <a:t>)</a:t>
+            </a:r>
+            <a:br>
+              <a:rPr lang="en-US" dirty="0" smtClean="0"/>
+            </a:br>
+            <a:r>
+              <a:rPr lang="en-US" dirty="0" smtClean="0">
+                <a:sym typeface="Wingdings"/>
+              </a:rPr>
+              <a:t></a:t>
+            </a:r>
+            <a:r>
+              <a:rPr lang="en-US" dirty="0" smtClean="0"/>
+              <a:t> </a:t>
+            </a:r>
+            <a:r>
+              <a:rPr lang="en-US" dirty="0" err="1" smtClean="0"/>
+              <a:t>locationType</a:t>
+            </a:r>
+            <a:r>
+              <a:rPr lang="en-US" dirty="0" smtClean="0"/>
+              <a:t>, location, participants</a:t>
+            </a:r>
+          </a:p>
+          <a:p>
+            <a:pPr marL="285750" lvl="0" indent="-285750">
+              <a:spcAft>
+                <a:spcPts val="800"/>
+              </a:spcAft>
+              <a:buFont typeface="Arial"/>
+              <a:buChar char="•"/>
+            </a:pPr>
+            <a:r>
+              <a:rPr lang="en-US" b="1" dirty="0" err="1" smtClean="0"/>
+              <a:t>getTravelPlan</a:t>
+            </a:r>
+            <a:r>
+              <a:rPr lang="en-US" dirty="0" smtClean="0"/>
+              <a:t>(</a:t>
+            </a:r>
+            <a:r>
+              <a:rPr lang="en-US" dirty="0" err="1" smtClean="0"/>
+              <a:t>appointmentId</a:t>
+            </a:r>
+            <a:r>
+              <a:rPr lang="en-US" dirty="0" smtClean="0"/>
+              <a:t>, </a:t>
+            </a:r>
+            <a:r>
+              <a:rPr lang="en-US" dirty="0" err="1" smtClean="0"/>
+              <a:t>travelType</a:t>
+            </a:r>
+            <a:r>
+              <a:rPr lang="en-US" dirty="0" smtClean="0"/>
+              <a:t>, location)</a:t>
+            </a:r>
+            <a:br>
+              <a:rPr lang="en-US" dirty="0" smtClean="0"/>
+            </a:br>
+            <a:r>
+              <a:rPr lang="en-US" dirty="0" smtClean="0">
+                <a:sym typeface="Wingdings"/>
+              </a:rPr>
+              <a:t></a:t>
+            </a:r>
+            <a:r>
+              <a:rPr lang="en-US" dirty="0" smtClean="0"/>
+              <a:t> </a:t>
+            </a:r>
+            <a:r>
+              <a:rPr lang="en-US" dirty="0" err="1" smtClean="0"/>
+              <a:t>travelPlan</a:t>
+            </a:r>
+            <a:endParaRPr lang="en-US" dirty="0"/>
+          </a:p>
+          <a:p>
+            <a:pPr marL="285750" lvl="0" indent="-285750">
+              <a:spcAft>
+                <a:spcPts val="800"/>
+              </a:spcAft>
+              <a:buFont typeface="Arial"/>
+              <a:buChar char="•"/>
+            </a:pPr>
+            <a:r>
+              <a:rPr lang="en-US" b="1" dirty="0" err="1"/>
+              <a:t>joinAppointment</a:t>
+            </a:r>
+            <a:r>
+              <a:rPr lang="en-US" dirty="0"/>
+              <a:t>(</a:t>
+            </a:r>
+            <a:r>
+              <a:rPr lang="en-US" dirty="0" err="1"/>
+              <a:t>appointmentId</a:t>
+            </a:r>
+            <a:r>
+              <a:rPr lang="en-US" dirty="0"/>
+              <a:t>, </a:t>
+            </a:r>
+            <a:r>
+              <a:rPr lang="en-US" dirty="0" err="1"/>
+              <a:t>userId</a:t>
+            </a:r>
+            <a:r>
+              <a:rPr lang="en-US" dirty="0"/>
+              <a:t>, </a:t>
+            </a:r>
+            <a:r>
+              <a:rPr lang="en-US" dirty="0" err="1"/>
+              <a:t>travelType</a:t>
+            </a:r>
+            <a:r>
+              <a:rPr lang="en-US" dirty="0"/>
+              <a:t>, location)</a:t>
+            </a:r>
+            <a:br>
+              <a:rPr lang="en-US" dirty="0"/>
+            </a:br>
+            <a:r>
+              <a:rPr lang="en-US" dirty="0">
+                <a:sym typeface="Wingdings"/>
+              </a:rPr>
+              <a:t></a:t>
+            </a:r>
+            <a:r>
+              <a:rPr lang="en-US" dirty="0"/>
+              <a:t> </a:t>
+            </a:r>
+            <a:r>
+              <a:rPr lang="en-US" dirty="0" err="1"/>
+              <a:t>travelPlan</a:t>
+            </a:r>
+            <a:endParaRPr lang="en-US" dirty="0"/>
+          </a:p>
+          <a:p>
+            <a:pPr marL="285750" lvl="0" indent="-285750">
+              <a:spcAft>
+                <a:spcPts val="800"/>
+              </a:spcAft>
+              <a:buFont typeface="Arial"/>
+              <a:buChar char="•"/>
+            </a:pPr>
+            <a:r>
+              <a:rPr lang="en-US" b="1" dirty="0" err="1"/>
+              <a:t>declineAppointment</a:t>
+            </a:r>
+            <a:r>
+              <a:rPr lang="en-US" dirty="0"/>
+              <a:t>(</a:t>
+            </a:r>
+            <a:r>
+              <a:rPr lang="en-US" dirty="0" err="1"/>
+              <a:t>appointmentId</a:t>
+            </a:r>
+            <a:r>
+              <a:rPr lang="en-US" dirty="0"/>
+              <a:t>, </a:t>
+            </a:r>
+            <a:r>
+              <a:rPr lang="en-US" dirty="0" err="1"/>
+              <a:t>userId</a:t>
+            </a:r>
+            <a:r>
+              <a:rPr lang="en-US" dirty="0"/>
+              <a:t>, </a:t>
+            </a:r>
+            <a:r>
+              <a:rPr lang="en-US" dirty="0" err="1"/>
+              <a:t>userMessage</a:t>
+            </a:r>
+            <a:r>
+              <a:rPr lang="en-US" dirty="0"/>
+              <a:t>) </a:t>
+            </a:r>
+            <a:endParaRPr lang="en-US" dirty="0" smtClean="0"/>
+          </a:p>
+          <a:p>
+            <a:pPr marL="285750" lvl="0" indent="-285750">
+              <a:spcAft>
+                <a:spcPts val="800"/>
+              </a:spcAft>
+              <a:buFont typeface="Arial"/>
+              <a:buChar char="•"/>
+            </a:pPr>
+            <a:r>
+              <a:rPr lang="en-US" b="1" dirty="0" err="1" smtClean="0"/>
+              <a:t>finalizeAppointment</a:t>
+            </a:r>
+            <a:r>
+              <a:rPr lang="en-US" dirty="0" smtClean="0"/>
+              <a:t>(</a:t>
+            </a:r>
+            <a:r>
+              <a:rPr lang="en-US" dirty="0" err="1" smtClean="0"/>
+              <a:t>appointmentId</a:t>
+            </a:r>
+            <a:r>
+              <a:rPr lang="en-US" dirty="0" smtClean="0"/>
+              <a:t>)</a:t>
+            </a:r>
+            <a:endParaRPr lang="en-US" dirty="0"/>
+          </a:p>
+        </p:txBody>
+      </p:sp>
+      <p:sp>
+        <p:nvSpPr>
+          <p:cNvPr id="4" name="Footer Placeholder 3"/>
+          <p:cNvSpPr>
+            <a:spLocks noGrp="1"/>
+          </p:cNvSpPr>
+          <p:nvPr>
+            <p:ph type="ftr" sz="quarter" idx="10"/>
+          </p:nvPr>
+        </p:nvSpPr>
+        <p:spPr/>
+        <p:txBody>
+          <a:bodyPr/>
+          <a:lstStyle/>
+          <a:p>
+            <a:r>
+              <a:rPr lang="de-DE" smtClean="0"/>
+              <a:t>Find All My Friends | Eingebettete Betriebssysteme | 7. Dezember 2011</a:t>
+            </a:r>
+            <a:endParaRPr lang="de-DE"/>
+          </a:p>
+        </p:txBody>
+      </p:sp>
+      <p:sp>
+        <p:nvSpPr>
+          <p:cNvPr id="5" name="Slide Number Placeholder 4"/>
+          <p:cNvSpPr>
+            <a:spLocks noGrp="1"/>
+          </p:cNvSpPr>
+          <p:nvPr>
+            <p:ph type="sldNum" sz="quarter" idx="11"/>
+          </p:nvPr>
+        </p:nvSpPr>
+        <p:spPr/>
+        <p:txBody>
+          <a:bodyPr/>
+          <a:lstStyle/>
+          <a:p>
+            <a:fld id="{0C6113F6-D982-4F1F-82B4-AFA466AB9AFB}" type="slidenum">
+              <a:rPr lang="de-DE" smtClean="0"/>
+              <a:pPr/>
+              <a:t>12</a:t>
+            </a:fld>
+            <a:endParaRPr lang="de-DE"/>
+          </a:p>
+        </p:txBody>
+      </p:sp>
+    </p:spTree>
+    <p:extLst>
+      <p:ext uri="{BB962C8B-B14F-4D97-AF65-F5344CB8AC3E}">
+        <p14:creationId xmlns:p14="http://schemas.microsoft.com/office/powerpoint/2010/main" val="2871531802"/>
+      </p:ext>
+    </p:extLst>
+  </p:cSld>
+  <p:clrMapOvr>
+    <a:masterClrMapping/>
+  </p:clrMapOvr>
+  <p:timing>
+    <p:tnLst>
+      <p:par>
+        <p:cTn xmlns:p14="http://schemas.microsoft.com/office/powerpoint/2010/main" id="1" dur="indefinite" restart="never" nodeType="tmRoot"/>
+      </p:par>
+    </p:tnLst>
+  </p:timing>
+</p:sld>
+</file>
+
+<file path=ppt/slides/slide13.xml><?xml version="1.0" encoding="utf-8"?>
 <p:sld xmlns:a="http://schemas.openxmlformats.org/drawingml/2006/main" xmlns:r="http://schemas.openxmlformats.org/officeDocument/2006/relationships" xmlns:p="http://schemas.openxmlformats.org/presentationml/2006/main" showMasterSp="0" show="0">
   <p:cSld>
     <p:bg>
@@ -6754,18 +8487,25 @@
   <p:clrMapOvr>
     <a:masterClrMapping/>
   </p:clrMapOvr>
-  <mc:AlternateContent xmlns:mc="http://schemas.openxmlformats.org/markup-compatibility/2006">
-    <mc:Choice xmlns:p14="http://schemas.microsoft.com/office/powerpoint/2010/main" Requires="p14">
+  <mc:AlternateContent xmlns:mc="http://schemas.openxmlformats.org/markup-compatibility/2006" xmlns:p14="http://schemas.microsoft.com/office/powerpoint/2010/main">
+    <mc:Choice Requires="p14">
       <p:transition spd="slow" p14:dur="2000"/>
     </mc:Choice>
-    <mc:Fallback>
+    <mc:Fallback xmlns="">
       <p:transition xmlns:p14="http://schemas.microsoft.com/office/powerpoint/2010/main" spd="slow"/>
     </mc:Fallback>
   </mc:AlternateContent>
+  <p:timing>
+    <p:tnLst>
+      <p:par>
+        <p:cTn xmlns:p14="http://schemas.microsoft.com/office/powerpoint/2010/main" id="1" dur="indefinite" restart="never" nodeType="tmRoot"/>
+      </p:par>
+    </p:tnLst>
+  </p:timing>
 </p:sld>
 </file>
 
-<file path=ppt/slides/slide11.xml><?xml version="1.0" encoding="utf-8"?>
+<file path=ppt/slides/slide14.xml><?xml version="1.0" encoding="utf-8"?>
 <p:sld xmlns:a="http://schemas.openxmlformats.org/drawingml/2006/main" xmlns:r="http://schemas.openxmlformats.org/officeDocument/2006/relationships" xmlns:p="http://schemas.openxmlformats.org/presentationml/2006/main" showMasterSp="0" show="0">
   <p:cSld>
     <p:bg>
@@ -6831,18 +8571,25 @@
   <p:clrMapOvr>
     <a:masterClrMapping/>
   </p:clrMapOvr>
-  <mc:AlternateContent xmlns:mc="http://schemas.openxmlformats.org/markup-compatibility/2006">
-    <mc:Choice xmlns:p14="http://schemas.microsoft.com/office/powerpoint/2010/main" Requires="p14">
+  <mc:AlternateContent xmlns:mc="http://schemas.openxmlformats.org/markup-compatibility/2006" xmlns:p14="http://schemas.microsoft.com/office/powerpoint/2010/main">
+    <mc:Choice Requires="p14">
       <p:transition spd="slow" p14:dur="2000"/>
     </mc:Choice>
-    <mc:Fallback>
+    <mc:Fallback xmlns="">
       <p:transition xmlns:p14="http://schemas.microsoft.com/office/powerpoint/2010/main" spd="slow"/>
     </mc:Fallback>
   </mc:AlternateContent>
+  <p:timing>
+    <p:tnLst>
+      <p:par>
+        <p:cTn xmlns:p14="http://schemas.microsoft.com/office/powerpoint/2010/main" id="1" dur="indefinite" restart="never" nodeType="tmRoot"/>
+      </p:par>
+    </p:tnLst>
+  </p:timing>
 </p:sld>
 </file>
 
-<file path=ppt/slides/slide12.xml><?xml version="1.0" encoding="utf-8"?>
+<file path=ppt/slides/slide15.xml><?xml version="1.0" encoding="utf-8"?>
 <p:sld xmlns:a="http://schemas.openxmlformats.org/drawingml/2006/main" xmlns:r="http://schemas.openxmlformats.org/officeDocument/2006/relationships" xmlns:p="http://schemas.openxmlformats.org/presentationml/2006/main" show="0">
   <p:cSld>
     <p:spTree>
@@ -6923,7 +8670,7 @@
             <a:fld id="{0C6113F6-D982-4F1F-82B4-AFA466AB9AFB}" type="slidenum">
               <a:rPr lang="de-DE" smtClean="0"/>
               <a:pPr/>
-              <a:t>12</a:t>
+              <a:t>15</a:t>
             </a:fld>
             <a:endParaRPr lang="de-DE"/>
           </a:p>
@@ -7153,18 +8900,18 @@
   <p:clrMapOvr>
     <a:masterClrMapping/>
   </p:clrMapOvr>
-  <mc:AlternateContent xmlns:mc="http://schemas.openxmlformats.org/markup-compatibility/2006">
-    <mc:Choice xmlns:p14="http://schemas.microsoft.com/office/powerpoint/2010/main" Requires="p14">
+  <mc:AlternateContent xmlns:mc="http://schemas.openxmlformats.org/markup-compatibility/2006" xmlns:p14="http://schemas.microsoft.com/office/powerpoint/2010/main">
+    <mc:Choice Requires="p14">
       <p:transition spd="slow" p14:dur="2000"/>
     </mc:Choice>
-    <mc:Fallback>
+    <mc:Fallback xmlns="">
       <p:transition xmlns:p14="http://schemas.microsoft.com/office/powerpoint/2010/main" spd="slow"/>
     </mc:Fallback>
   </mc:AlternateContent>
 </p:sld>
 </file>
 
-<file path=ppt/slides/slide13.xml><?xml version="1.0" encoding="utf-8"?>
+<file path=ppt/slides/slide16.xml><?xml version="1.0" encoding="utf-8"?>
 <p:sld xmlns:a="http://schemas.openxmlformats.org/drawingml/2006/main" xmlns:r="http://schemas.openxmlformats.org/officeDocument/2006/relationships" xmlns:p="http://schemas.openxmlformats.org/presentationml/2006/main" show="0">
   <p:cSld>
     <p:spTree>
@@ -7245,7 +8992,7 @@
             <a:fld id="{0C6113F6-D982-4F1F-82B4-AFA466AB9AFB}" type="slidenum">
               <a:rPr lang="de-DE" smtClean="0"/>
               <a:pPr/>
-              <a:t>13</a:t>
+              <a:t>16</a:t>
             </a:fld>
             <a:endParaRPr lang="de-DE"/>
           </a:p>
@@ -7612,18 +9359,18 @@
   <p:clrMapOvr>
     <a:masterClrMapping/>
   </p:clrMapOvr>
-  <mc:AlternateContent xmlns:mc="http://schemas.openxmlformats.org/markup-compatibility/2006">
-    <mc:Choice xmlns:p14="http://schemas.microsoft.com/office/powerpoint/2010/main" Requires="p14">
+  <mc:AlternateContent xmlns:mc="http://schemas.openxmlformats.org/markup-compatibility/2006" xmlns:p14="http://schemas.microsoft.com/office/powerpoint/2010/main">
+    <mc:Choice Requires="p14">
       <p:transition spd="slow" p14:dur="2000"/>
     </mc:Choice>
-    <mc:Fallback>
+    <mc:Fallback xmlns="">
       <p:transition xmlns:p14="http://schemas.microsoft.com/office/powerpoint/2010/main" spd="slow"/>
     </mc:Fallback>
   </mc:AlternateContent>
 </p:sld>
 </file>
 
-<file path=ppt/slides/slide14.xml><?xml version="1.0" encoding="utf-8"?>
+<file path=ppt/slides/slide17.xml><?xml version="1.0" encoding="utf-8"?>
 <p:sld xmlns:a="http://schemas.openxmlformats.org/drawingml/2006/main" xmlns:r="http://schemas.openxmlformats.org/officeDocument/2006/relationships" xmlns:p="http://schemas.openxmlformats.org/presentationml/2006/main" show="0">
   <p:cSld>
     <p:spTree>
@@ -7704,7 +9451,7 @@
             <a:fld id="{0C6113F6-D982-4F1F-82B4-AFA466AB9AFB}" type="slidenum">
               <a:rPr lang="de-DE" smtClean="0"/>
               <a:pPr/>
-              <a:t>14</a:t>
+              <a:t>17</a:t>
             </a:fld>
             <a:endParaRPr lang="de-DE"/>
           </a:p>
@@ -8126,18 +9873,18 @@
   <p:clrMapOvr>
     <a:masterClrMapping/>
   </p:clrMapOvr>
-  <mc:AlternateContent xmlns:mc="http://schemas.openxmlformats.org/markup-compatibility/2006">
-    <mc:Choice xmlns:p14="http://schemas.microsoft.com/office/powerpoint/2010/main" Requires="p14">
+  <mc:AlternateContent xmlns:mc="http://schemas.openxmlformats.org/markup-compatibility/2006" xmlns:p14="http://schemas.microsoft.com/office/powerpoint/2010/main">
+    <mc:Choice Requires="p14">
       <p:transition spd="slow" p14:dur="2000"/>
     </mc:Choice>
-    <mc:Fallback>
+    <mc:Fallback xmlns="">
       <p:transition xmlns:p14="http://schemas.microsoft.com/office/powerpoint/2010/main" spd="slow"/>
     </mc:Fallback>
   </mc:AlternateContent>
 </p:sld>
 </file>
 
-<file path=ppt/slides/slide15.xml><?xml version="1.0" encoding="utf-8"?>
+<file path=ppt/slides/slide18.xml><?xml version="1.0" encoding="utf-8"?>
 <p:sld xmlns:a="http://schemas.openxmlformats.org/drawingml/2006/main" xmlns:r="http://schemas.openxmlformats.org/officeDocument/2006/relationships" xmlns:p="http://schemas.openxmlformats.org/presentationml/2006/main" show="0">
   <p:cSld>
     <p:spTree>
@@ -8218,7 +9965,7 @@
             <a:fld id="{0C6113F6-D982-4F1F-82B4-AFA466AB9AFB}" type="slidenum">
               <a:rPr lang="de-DE" smtClean="0"/>
               <a:pPr/>
-              <a:t>15</a:t>
+              <a:t>18</a:t>
             </a:fld>
             <a:endParaRPr lang="de-DE"/>
           </a:p>
@@ -8707,18 +10454,18 @@
   <p:clrMapOvr>
     <a:masterClrMapping/>
   </p:clrMapOvr>
-  <mc:AlternateContent xmlns:mc="http://schemas.openxmlformats.org/markup-compatibility/2006">
-    <mc:Choice xmlns:p14="http://schemas.microsoft.com/office/powerpoint/2010/main" Requires="p14">
+  <mc:AlternateContent xmlns:mc="http://schemas.openxmlformats.org/markup-compatibility/2006" xmlns:p14="http://schemas.microsoft.com/office/powerpoint/2010/main">
+    <mc:Choice Requires="p14">
       <p:transition spd="slow" p14:dur="2000"/>
     </mc:Choice>
-    <mc:Fallback>
+    <mc:Fallback xmlns="">
       <p:transition xmlns:p14="http://schemas.microsoft.com/office/powerpoint/2010/main" spd="slow"/>
     </mc:Fallback>
   </mc:AlternateContent>
 </p:sld>
 </file>
 
-<file path=ppt/slides/slide16.xml><?xml version="1.0" encoding="utf-8"?>
+<file path=ppt/slides/slide19.xml><?xml version="1.0" encoding="utf-8"?>
 <p:sld xmlns:a="http://schemas.openxmlformats.org/drawingml/2006/main" xmlns:r="http://schemas.openxmlformats.org/officeDocument/2006/relationships" xmlns:p="http://schemas.openxmlformats.org/presentationml/2006/main" show="0">
   <p:cSld>
     <p:spTree>
@@ -8799,7 +10546,7 @@
             <a:fld id="{0C6113F6-D982-4F1F-82B4-AFA466AB9AFB}" type="slidenum">
               <a:rPr lang="de-DE" smtClean="0"/>
               <a:pPr/>
-              <a:t>16</a:t>
+              <a:t>19</a:t>
             </a:fld>
             <a:endParaRPr lang="de-DE"/>
           </a:p>
@@ -9413,18 +11160,240 @@
   <p:clrMapOvr>
     <a:masterClrMapping/>
   </p:clrMapOvr>
-  <mc:AlternateContent xmlns:mc="http://schemas.openxmlformats.org/markup-compatibility/2006">
-    <mc:Choice xmlns:p14="http://schemas.microsoft.com/office/powerpoint/2010/main" Requires="p14">
+  <mc:AlternateContent xmlns:mc="http://schemas.openxmlformats.org/markup-compatibility/2006" xmlns:p14="http://schemas.microsoft.com/office/powerpoint/2010/main">
+    <mc:Choice Requires="p14">
       <p:transition spd="slow" p14:dur="2000"/>
     </mc:Choice>
-    <mc:Fallback>
+    <mc:Fallback xmlns="">
       <p:transition xmlns:p14="http://schemas.microsoft.com/office/powerpoint/2010/main" spd="slow"/>
     </mc:Fallback>
   </mc:AlternateContent>
 </p:sld>
 </file>
 
-<file path=ppt/slides/slide17.xml><?xml version="1.0" encoding="utf-8"?>
+<file path=ppt/slides/slide2.xml><?xml version="1.0" encoding="utf-8"?>
+<p:sld xmlns:a="http://schemas.openxmlformats.org/drawingml/2006/main" xmlns:r="http://schemas.openxmlformats.org/officeDocument/2006/relationships" xmlns:p="http://schemas.openxmlformats.org/presentationml/2006/main">
+  <p:cSld>
+    <p:spTree>
+      <p:nvGrpSpPr>
+        <p:cNvPr id="1" name=""/>
+        <p:cNvGrpSpPr/>
+        <p:nvPr/>
+      </p:nvGrpSpPr>
+      <p:grpSpPr>
+        <a:xfrm>
+          <a:off x="0" y="0"/>
+          <a:ext cx="0" cy="0"/>
+          <a:chOff x="0" y="0"/>
+          <a:chExt cx="0" cy="0"/>
+        </a:xfrm>
+      </p:grpSpPr>
+      <p:sp>
+        <p:nvSpPr>
+          <p:cNvPr id="2" name="Title 1"/>
+          <p:cNvSpPr>
+            <a:spLocks noGrp="1"/>
+          </p:cNvSpPr>
+          <p:nvPr>
+            <p:ph type="title"/>
+          </p:nvPr>
+        </p:nvSpPr>
+        <p:spPr/>
+        <p:txBody>
+          <a:bodyPr/>
+          <a:lstStyle/>
+          <a:p>
+            <a:r>
+              <a:rPr lang="en-US" dirty="0" smtClean="0"/>
+              <a:t>Das Team</a:t>
+            </a:r>
+            <a:endParaRPr lang="en-US" dirty="0"/>
+          </a:p>
+        </p:txBody>
+      </p:sp>
+      <p:sp>
+        <p:nvSpPr>
+          <p:cNvPr id="3" name="Content Placeholder 2"/>
+          <p:cNvSpPr>
+            <a:spLocks noGrp="1"/>
+          </p:cNvSpPr>
+          <p:nvPr>
+            <p:ph idx="1"/>
+          </p:nvPr>
+        </p:nvSpPr>
+        <p:spPr>
+          <a:xfrm>
+            <a:off x="719138" y="1728788"/>
+            <a:ext cx="7512343" cy="4795837"/>
+          </a:xfrm>
+        </p:spPr>
+        <p:txBody>
+          <a:bodyPr/>
+          <a:lstStyle/>
+          <a:p>
+            <a:pPr algn="ctr">
+              <a:lnSpc>
+                <a:spcPct val="120000"/>
+              </a:lnSpc>
+            </a:pPr>
+            <a:endParaRPr lang="en-US" noProof="1" smtClean="0"/>
+          </a:p>
+          <a:p>
+            <a:pPr algn="ctr">
+              <a:lnSpc>
+                <a:spcPct val="120000"/>
+              </a:lnSpc>
+            </a:pPr>
+            <a:endParaRPr lang="en-US" noProof="1"/>
+          </a:p>
+          <a:p>
+            <a:pPr algn="ctr">
+              <a:lnSpc>
+                <a:spcPct val="120000"/>
+              </a:lnSpc>
+            </a:pPr>
+            <a:r>
+              <a:rPr lang="en-US" noProof="1" smtClean="0"/>
+              <a:t>Robert Aschenbrenner</a:t>
+            </a:r>
+          </a:p>
+          <a:p>
+            <a:pPr algn="ctr">
+              <a:lnSpc>
+                <a:spcPct val="120000"/>
+              </a:lnSpc>
+            </a:pPr>
+            <a:r>
+              <a:rPr lang="en-US" noProof="1" smtClean="0"/>
+              <a:t>Tim Felgentreff</a:t>
+            </a:r>
+          </a:p>
+          <a:p>
+            <a:pPr algn="ctr">
+              <a:lnSpc>
+                <a:spcPct val="120000"/>
+              </a:lnSpc>
+            </a:pPr>
+            <a:r>
+              <a:rPr lang="en-US" noProof="1" smtClean="0"/>
+              <a:t>Markus Kahl</a:t>
+            </a:r>
+          </a:p>
+          <a:p>
+            <a:pPr algn="ctr">
+              <a:lnSpc>
+                <a:spcPct val="120000"/>
+              </a:lnSpc>
+            </a:pPr>
+            <a:r>
+              <a:rPr lang="en-US" noProof="1" smtClean="0"/>
+              <a:t>Lysann Kessler</a:t>
+            </a:r>
+          </a:p>
+          <a:p>
+            <a:pPr algn="ctr">
+              <a:lnSpc>
+                <a:spcPct val="120000"/>
+              </a:lnSpc>
+            </a:pPr>
+            <a:r>
+              <a:rPr lang="en-US" noProof="1" smtClean="0"/>
+              <a:t>Tobias Mohr</a:t>
+            </a:r>
+          </a:p>
+          <a:p>
+            <a:pPr algn="ctr">
+              <a:lnSpc>
+                <a:spcPct val="120000"/>
+              </a:lnSpc>
+            </a:pPr>
+            <a:r>
+              <a:rPr lang="en-US" noProof="1" smtClean="0"/>
+              <a:t>Frank Schlegel</a:t>
+            </a:r>
+          </a:p>
+          <a:p>
+            <a:pPr algn="ctr">
+              <a:lnSpc>
+                <a:spcPct val="120000"/>
+              </a:lnSpc>
+            </a:pPr>
+            <a:r>
+              <a:rPr lang="en-US" noProof="1" smtClean="0"/>
+              <a:t>Philipp Tessenow</a:t>
+            </a:r>
+            <a:endParaRPr lang="en-US" noProof="1"/>
+          </a:p>
+        </p:txBody>
+      </p:sp>
+      <p:sp>
+        <p:nvSpPr>
+          <p:cNvPr id="4" name="Footer Placeholder 3"/>
+          <p:cNvSpPr>
+            <a:spLocks noGrp="1"/>
+          </p:cNvSpPr>
+          <p:nvPr>
+            <p:ph type="ftr" sz="quarter" idx="10"/>
+          </p:nvPr>
+        </p:nvSpPr>
+        <p:spPr/>
+        <p:txBody>
+          <a:bodyPr/>
+          <a:lstStyle/>
+          <a:p>
+            <a:r>
+              <a:rPr lang="en-US" smtClean="0"/>
+              <a:t>Find All My Friends | Eingebettete Betriebssysteme | 7. Dezember 2011</a:t>
+            </a:r>
+            <a:endParaRPr lang="en-US" dirty="0"/>
+          </a:p>
+        </p:txBody>
+      </p:sp>
+      <p:sp>
+        <p:nvSpPr>
+          <p:cNvPr id="5" name="Slide Number Placeholder 4"/>
+          <p:cNvSpPr>
+            <a:spLocks noGrp="1"/>
+          </p:cNvSpPr>
+          <p:nvPr>
+            <p:ph type="sldNum" sz="quarter" idx="11"/>
+          </p:nvPr>
+        </p:nvSpPr>
+        <p:spPr/>
+        <p:txBody>
+          <a:bodyPr/>
+          <a:lstStyle/>
+          <a:p>
+            <a:fld id="{0C6113F6-D982-4F1F-82B4-AFA466AB9AFB}" type="slidenum">
+              <a:rPr lang="en-US" smtClean="0"/>
+              <a:pPr/>
+              <a:t>2</a:t>
+            </a:fld>
+            <a:endParaRPr lang="en-US"/>
+          </a:p>
+        </p:txBody>
+      </p:sp>
+    </p:spTree>
+    <p:extLst>
+      <p:ext uri="{BB962C8B-B14F-4D97-AF65-F5344CB8AC3E}">
+        <p14:creationId xmlns:p14="http://schemas.microsoft.com/office/powerpoint/2010/main" val="2255331236"/>
+      </p:ext>
+    </p:extLst>
+  </p:cSld>
+  <p:clrMapOvr>
+    <a:masterClrMapping/>
+  </p:clrMapOvr>
+  <p:timing>
+    <p:tnLst>
+      <p:par>
+        <p:cTn xmlns:p14="http://schemas.microsoft.com/office/powerpoint/2010/main" id="1" dur="indefinite" restart="never" nodeType="tmRoot"/>
+      </p:par>
+    </p:tnLst>
+  </p:timing>
+</p:sld>
+</file>
+
+<file path=ppt/slides/slide20.xml><?xml version="1.0" encoding="utf-8"?>
 <p:sld xmlns:a="http://schemas.openxmlformats.org/drawingml/2006/main" xmlns:r="http://schemas.openxmlformats.org/officeDocument/2006/relationships" xmlns:p="http://schemas.openxmlformats.org/presentationml/2006/main" show="0">
   <p:cSld>
     <p:spTree>
@@ -9505,7 +11474,7 @@
             <a:fld id="{0C6113F6-D982-4F1F-82B4-AFA466AB9AFB}" type="slidenum">
               <a:rPr lang="de-DE" smtClean="0"/>
               <a:pPr/>
-              <a:t>17</a:t>
+              <a:t>20</a:t>
             </a:fld>
             <a:endParaRPr lang="de-DE"/>
           </a:p>
@@ -9927,18 +11896,18 @@
   <p:clrMapOvr>
     <a:masterClrMapping/>
   </p:clrMapOvr>
-  <mc:AlternateContent xmlns:mc="http://schemas.openxmlformats.org/markup-compatibility/2006">
-    <mc:Choice xmlns:p14="http://schemas.microsoft.com/office/powerpoint/2010/main" Requires="p14">
+  <mc:AlternateContent xmlns:mc="http://schemas.openxmlformats.org/markup-compatibility/2006" xmlns:p14="http://schemas.microsoft.com/office/powerpoint/2010/main">
+    <mc:Choice Requires="p14">
       <p:transition spd="slow" p14:dur="2000"/>
     </mc:Choice>
-    <mc:Fallback>
+    <mc:Fallback xmlns="">
       <p:transition xmlns:p14="http://schemas.microsoft.com/office/powerpoint/2010/main" spd="slow"/>
     </mc:Fallback>
   </mc:AlternateContent>
 </p:sld>
 </file>
 
-<file path=ppt/slides/slide18.xml><?xml version="1.0" encoding="utf-8"?>
+<file path=ppt/slides/slide21.xml><?xml version="1.0" encoding="utf-8"?>
 <p:sld xmlns:a="http://schemas.openxmlformats.org/drawingml/2006/main" xmlns:r="http://schemas.openxmlformats.org/officeDocument/2006/relationships" xmlns:p="http://schemas.openxmlformats.org/presentationml/2006/main" show="0">
   <p:cSld>
     <p:spTree>
@@ -10019,7 +11988,7 @@
             <a:fld id="{0C6113F6-D982-4F1F-82B4-AFA466AB9AFB}" type="slidenum">
               <a:rPr lang="de-DE" smtClean="0"/>
               <a:pPr/>
-              <a:t>18</a:t>
+              <a:t>21</a:t>
             </a:fld>
             <a:endParaRPr lang="de-DE"/>
           </a:p>
@@ -10566,18 +12535,18 @@
   <p:clrMapOvr>
     <a:masterClrMapping/>
   </p:clrMapOvr>
-  <mc:AlternateContent xmlns:mc="http://schemas.openxmlformats.org/markup-compatibility/2006">
-    <mc:Choice xmlns:p14="http://schemas.microsoft.com/office/powerpoint/2010/main" Requires="p14">
+  <mc:AlternateContent xmlns:mc="http://schemas.openxmlformats.org/markup-compatibility/2006" xmlns:p14="http://schemas.microsoft.com/office/powerpoint/2010/main">
+    <mc:Choice Requires="p14">
       <p:transition spd="slow" p14:dur="2000"/>
     </mc:Choice>
-    <mc:Fallback>
+    <mc:Fallback xmlns="">
       <p:transition xmlns:p14="http://schemas.microsoft.com/office/powerpoint/2010/main" spd="slow"/>
     </mc:Fallback>
   </mc:AlternateContent>
 </p:sld>
 </file>
 
-<file path=ppt/slides/slide19.xml><?xml version="1.0" encoding="utf-8"?>
+<file path=ppt/slides/slide22.xml><?xml version="1.0" encoding="utf-8"?>
 <p:sld xmlns:a="http://schemas.openxmlformats.org/drawingml/2006/main" xmlns:r="http://schemas.openxmlformats.org/officeDocument/2006/relationships" xmlns:p="http://schemas.openxmlformats.org/presentationml/2006/main" show="0">
   <p:cSld>
     <p:spTree>
@@ -10658,7 +12627,7 @@
             <a:fld id="{0C6113F6-D982-4F1F-82B4-AFA466AB9AFB}" type="slidenum">
               <a:rPr lang="de-DE" smtClean="0"/>
               <a:pPr/>
-              <a:t>19</a:t>
+              <a:t>22</a:t>
             </a:fld>
             <a:endParaRPr lang="de-DE"/>
           </a:p>
@@ -11080,236 +13049,14 @@
   <p:clrMapOvr>
     <a:masterClrMapping/>
   </p:clrMapOvr>
-  <mc:AlternateContent xmlns:mc="http://schemas.openxmlformats.org/markup-compatibility/2006">
-    <mc:Choice xmlns:p14="http://schemas.microsoft.com/office/powerpoint/2010/main" Requires="p14">
+  <mc:AlternateContent xmlns:mc="http://schemas.openxmlformats.org/markup-compatibility/2006" xmlns:p14="http://schemas.microsoft.com/office/powerpoint/2010/main">
+    <mc:Choice Requires="p14">
       <p:transition spd="slow" p14:dur="2000"/>
     </mc:Choice>
-    <mc:Fallback>
+    <mc:Fallback xmlns="">
       <p:transition xmlns:p14="http://schemas.microsoft.com/office/powerpoint/2010/main" spd="slow"/>
     </mc:Fallback>
   </mc:AlternateContent>
-</p:sld>
-</file>
-
-<file path=ppt/slides/slide2.xml><?xml version="1.0" encoding="utf-8"?>
-<p:sld xmlns:a="http://schemas.openxmlformats.org/drawingml/2006/main" xmlns:r="http://schemas.openxmlformats.org/officeDocument/2006/relationships" xmlns:p="http://schemas.openxmlformats.org/presentationml/2006/main">
-  <p:cSld>
-    <p:spTree>
-      <p:nvGrpSpPr>
-        <p:cNvPr id="1" name=""/>
-        <p:cNvGrpSpPr/>
-        <p:nvPr/>
-      </p:nvGrpSpPr>
-      <p:grpSpPr>
-        <a:xfrm>
-          <a:off x="0" y="0"/>
-          <a:ext cx="0" cy="0"/>
-          <a:chOff x="0" y="0"/>
-          <a:chExt cx="0" cy="0"/>
-        </a:xfrm>
-      </p:grpSpPr>
-      <p:sp>
-        <p:nvSpPr>
-          <p:cNvPr id="2" name="Title 1"/>
-          <p:cNvSpPr>
-            <a:spLocks noGrp="1"/>
-          </p:cNvSpPr>
-          <p:nvPr>
-            <p:ph type="title"/>
-          </p:nvPr>
-        </p:nvSpPr>
-        <p:spPr/>
-        <p:txBody>
-          <a:bodyPr/>
-          <a:lstStyle/>
-          <a:p>
-            <a:r>
-              <a:rPr lang="en-US" dirty="0" smtClean="0"/>
-              <a:t>Das Team</a:t>
-            </a:r>
-            <a:endParaRPr lang="en-US" dirty="0"/>
-          </a:p>
-        </p:txBody>
-      </p:sp>
-      <p:sp>
-        <p:nvSpPr>
-          <p:cNvPr id="3" name="Content Placeholder 2"/>
-          <p:cNvSpPr>
-            <a:spLocks noGrp="1"/>
-          </p:cNvSpPr>
-          <p:nvPr>
-            <p:ph idx="1"/>
-          </p:nvPr>
-        </p:nvSpPr>
-        <p:spPr>
-          <a:xfrm>
-            <a:off x="719138" y="1728788"/>
-            <a:ext cx="7512343" cy="4795837"/>
-          </a:xfrm>
-        </p:spPr>
-        <p:txBody>
-          <a:bodyPr/>
-          <a:lstStyle/>
-          <a:p>
-            <a:pPr algn="ctr">
-              <a:lnSpc>
-                <a:spcPct val="120000"/>
-              </a:lnSpc>
-            </a:pPr>
-            <a:endParaRPr lang="en-US" noProof="1" smtClean="0"/>
-          </a:p>
-          <a:p>
-            <a:pPr algn="ctr">
-              <a:lnSpc>
-                <a:spcPct val="120000"/>
-              </a:lnSpc>
-            </a:pPr>
-            <a:endParaRPr lang="en-US" noProof="1"/>
-          </a:p>
-          <a:p>
-            <a:pPr algn="ctr">
-              <a:lnSpc>
-                <a:spcPct val="120000"/>
-              </a:lnSpc>
-            </a:pPr>
-            <a:r>
-              <a:rPr lang="en-US" noProof="1" smtClean="0"/>
-              <a:t>Robert Aschenbrenner</a:t>
-            </a:r>
-          </a:p>
-          <a:p>
-            <a:pPr algn="ctr">
-              <a:lnSpc>
-                <a:spcPct val="120000"/>
-              </a:lnSpc>
-            </a:pPr>
-            <a:r>
-              <a:rPr lang="en-US" noProof="1" smtClean="0"/>
-              <a:t>Tim Felgentreff</a:t>
-            </a:r>
-          </a:p>
-          <a:p>
-            <a:pPr algn="ctr">
-              <a:lnSpc>
-                <a:spcPct val="120000"/>
-              </a:lnSpc>
-            </a:pPr>
-            <a:r>
-              <a:rPr lang="en-US" noProof="1" smtClean="0"/>
-              <a:t>Markus Kahl</a:t>
-            </a:r>
-          </a:p>
-          <a:p>
-            <a:pPr algn="ctr">
-              <a:lnSpc>
-                <a:spcPct val="120000"/>
-              </a:lnSpc>
-            </a:pPr>
-            <a:r>
-              <a:rPr lang="en-US" noProof="1" smtClean="0"/>
-              <a:t>Lysann Kessler</a:t>
-            </a:r>
-          </a:p>
-          <a:p>
-            <a:pPr algn="ctr">
-              <a:lnSpc>
-                <a:spcPct val="120000"/>
-              </a:lnSpc>
-            </a:pPr>
-            <a:r>
-              <a:rPr lang="en-US" noProof="1" smtClean="0"/>
-              <a:t>Tobias Mohr</a:t>
-            </a:r>
-          </a:p>
-          <a:p>
-            <a:pPr algn="ctr">
-              <a:lnSpc>
-                <a:spcPct val="120000"/>
-              </a:lnSpc>
-            </a:pPr>
-            <a:r>
-              <a:rPr lang="en-US" noProof="1" smtClean="0"/>
-              <a:t>Frank Schlegel</a:t>
-            </a:r>
-          </a:p>
-          <a:p>
-            <a:pPr algn="ctr">
-              <a:lnSpc>
-                <a:spcPct val="120000"/>
-              </a:lnSpc>
-            </a:pPr>
-            <a:r>
-              <a:rPr lang="en-US" noProof="1" smtClean="0"/>
-              <a:t>Philipp Tessenow</a:t>
-            </a:r>
-            <a:endParaRPr lang="en-US" noProof="1"/>
-          </a:p>
-        </p:txBody>
-      </p:sp>
-      <p:sp>
-        <p:nvSpPr>
-          <p:cNvPr id="4" name="Footer Placeholder 3"/>
-          <p:cNvSpPr>
-            <a:spLocks noGrp="1"/>
-          </p:cNvSpPr>
-          <p:nvPr>
-            <p:ph type="ftr" sz="quarter" idx="10"/>
-          </p:nvPr>
-        </p:nvSpPr>
-        <p:spPr/>
-        <p:txBody>
-          <a:bodyPr/>
-          <a:lstStyle/>
-          <a:p>
-            <a:r>
-              <a:rPr lang="en-US" smtClean="0"/>
-              <a:t>Find All My Friends | Eingebettete Betriebssysteme | 7. Dezember 2011</a:t>
-            </a:r>
-            <a:endParaRPr lang="en-US" dirty="0"/>
-          </a:p>
-        </p:txBody>
-      </p:sp>
-      <p:sp>
-        <p:nvSpPr>
-          <p:cNvPr id="5" name="Slide Number Placeholder 4"/>
-          <p:cNvSpPr>
-            <a:spLocks noGrp="1"/>
-          </p:cNvSpPr>
-          <p:nvPr>
-            <p:ph type="sldNum" sz="quarter" idx="11"/>
-          </p:nvPr>
-        </p:nvSpPr>
-        <p:spPr/>
-        <p:txBody>
-          <a:bodyPr/>
-          <a:lstStyle/>
-          <a:p>
-            <a:fld id="{0C6113F6-D982-4F1F-82B4-AFA466AB9AFB}" type="slidenum">
-              <a:rPr lang="en-US" smtClean="0"/>
-              <a:pPr/>
-              <a:t>2</a:t>
-            </a:fld>
-            <a:endParaRPr lang="en-US"/>
-          </a:p>
-        </p:txBody>
-      </p:sp>
-    </p:spTree>
-    <p:extLst>
-      <p:ext uri="{BB962C8B-B14F-4D97-AF65-F5344CB8AC3E}">
-        <p14:creationId xmlns:p14="http://schemas.microsoft.com/office/powerpoint/2010/main" val="2255331236"/>
-      </p:ext>
-    </p:extLst>
-  </p:cSld>
-  <p:clrMapOvr>
-    <a:masterClrMapping/>
-  </p:clrMapOvr>
-  <p:timing>
-    <p:tnLst>
-      <p:par>
-        <p:cTn xmlns:p14="http://schemas.microsoft.com/office/powerpoint/2010/main" id="1" dur="indefinite" restart="never" nodeType="tmRoot"/>
-      </p:par>
-    </p:tnLst>
-  </p:timing>
 </p:sld>
 </file>
 
@@ -11520,6 +13267,13 @@
   <p:clrMapOvr>
     <a:masterClrMapping/>
   </p:clrMapOvr>
+  <p:timing>
+    <p:tnLst>
+      <p:par>
+        <p:cTn xmlns:p14="http://schemas.microsoft.com/office/powerpoint/2010/main" id="1" dur="indefinite" restart="never" nodeType="tmRoot"/>
+      </p:par>
+    </p:tnLst>
+  </p:timing>
 </p:sld>
 </file>
 
@@ -11616,7 +13370,6 @@
               <a:rPr lang="en-US" noProof="1" smtClean="0"/>
               <a:t>Energieverbrauch gering halten</a:t>
             </a:r>
-            <a:endParaRPr lang="en-US" noProof="1" smtClean="0"/>
           </a:p>
           <a:p>
             <a:pPr marL="731838" lvl="1" indent="-285750">
@@ -11690,6 +13443,13 @@
   <p:clrMapOvr>
     <a:masterClrMapping/>
   </p:clrMapOvr>
+  <p:timing>
+    <p:tnLst>
+      <p:par>
+        <p:cTn xmlns:p14="http://schemas.microsoft.com/office/powerpoint/2010/main" id="1" dur="indefinite" restart="never" nodeType="tmRoot"/>
+      </p:par>
+    </p:tnLst>
+  </p:timing>
 </p:sld>
 </file>
 
@@ -11727,88 +13487,17 @@
           <a:p>
             <a:r>
               <a:rPr lang="en-US" noProof="1" smtClean="0"/>
-              <a:t>Die Lösung</a:t>
+              <a:t>Die </a:t>
+            </a:r>
+            <a:r>
+              <a:rPr lang="en-US" noProof="1" smtClean="0"/>
+              <a:t>L</a:t>
+            </a:r>
+            <a:r>
+              <a:rPr lang="en-US" noProof="1" smtClean="0"/>
+              <a:t>ösung</a:t>
             </a:r>
             <a:endParaRPr lang="en-US" noProof="1"/>
-          </a:p>
-        </p:txBody>
-      </p:sp>
-      <p:sp>
-        <p:nvSpPr>
-          <p:cNvPr id="3" name="Content Placeholder 2"/>
-          <p:cNvSpPr>
-            <a:spLocks noGrp="1"/>
-          </p:cNvSpPr>
-          <p:nvPr>
-            <p:ph idx="1"/>
-          </p:nvPr>
-        </p:nvSpPr>
-        <p:spPr/>
-        <p:txBody>
-          <a:bodyPr/>
-          <a:lstStyle/>
-          <a:p>
-            <a:r>
-              <a:rPr lang="en-US" noProof="1" smtClean="0"/>
-              <a:t>[</a:t>
-            </a:r>
-          </a:p>
-          <a:p>
-            <a:endParaRPr lang="en-US" noProof="1"/>
-          </a:p>
-          <a:p>
-            <a:r>
-              <a:rPr lang="en-US" noProof="1" smtClean="0"/>
-              <a:t>Diagramm:</a:t>
-            </a:r>
-          </a:p>
-          <a:p>
-            <a:r>
-              <a:rPr lang="en-US" noProof="1"/>
-              <a:t>	</a:t>
-            </a:r>
-            <a:r>
-              <a:rPr lang="en-US" noProof="1" smtClean="0"/>
-              <a:t>Server, 3 Handys,</a:t>
-            </a:r>
-          </a:p>
-          <a:p>
-            <a:r>
-              <a:rPr lang="en-US" noProof="1"/>
-              <a:t>	</a:t>
-            </a:r>
-            <a:r>
-              <a:rPr lang="en-US" noProof="1" smtClean="0"/>
-              <a:t>Google Maps, VBB,</a:t>
-            </a:r>
-          </a:p>
-          <a:p>
-            <a:r>
-              <a:rPr lang="en-US" noProof="1"/>
-              <a:t>	</a:t>
-            </a:r>
-            <a:r>
-              <a:rPr lang="en-US" noProof="1" smtClean="0"/>
-              <a:t>Kommunikation, verschiedene Push-Benachrichtigungsdienste;</a:t>
-            </a:r>
-          </a:p>
-          <a:p>
-            <a:endParaRPr lang="en-US" noProof="1"/>
-          </a:p>
-          <a:p>
-            <a:r>
-              <a:rPr lang="en-US" noProof="1" smtClean="0"/>
-              <a:t>Nach und nach komplizierter werden lassen ;)</a:t>
-            </a:r>
-          </a:p>
-          <a:p>
-            <a:endParaRPr lang="en-US" noProof="1"/>
-          </a:p>
-          <a:p>
-            <a:r>
-              <a:rPr lang="en-US" noProof="1" smtClean="0"/>
-              <a:t>]</a:t>
-            </a:r>
           </a:p>
         </p:txBody>
       </p:sp>
@@ -11855,124 +13544,61 @@
               <a:pPr/>
               <a:t>5</a:t>
             </a:fld>
-            <a:endParaRPr lang="de-DE"/>
-          </a:p>
-        </p:txBody>
-      </p:sp>
-      <p:sp>
-        <p:nvSpPr>
-          <p:cNvPr id="6" name="TextBox 5"/>
-          <p:cNvSpPr txBox="1"/>
+            <a:endParaRPr lang="de-DE" dirty="0"/>
+          </a:p>
+        </p:txBody>
+      </p:sp>
+      <p:pic>
+        <p:nvPicPr>
+          <p:cNvPr id="7" name="Picture 6" descr="architecture 1.png"/>
+          <p:cNvPicPr>
+            <a:picLocks noChangeAspect="1"/>
+          </p:cNvPicPr>
           <p:nvPr/>
-        </p:nvSpPr>
+        </p:nvPicPr>
+        <p:blipFill rotWithShape="1">
+          <a:blip r:embed="rId2">
+            <a:extLst>
+              <a:ext uri="{28A0092B-C50C-407E-A947-70E740481C1C}">
+                <a14:useLocalDpi xmlns:a14="http://schemas.microsoft.com/office/drawing/2010/main" val="0"/>
+              </a:ext>
+            </a:extLst>
+          </a:blip>
+          <a:srcRect b="51521"/>
+          <a:stretch/>
+        </p:blipFill>
         <p:spPr>
-          <a:xfrm rot="19061047">
-            <a:off x="2166522" y="3151481"/>
-            <a:ext cx="4224233" cy="369332"/>
+          <a:xfrm>
+            <a:off x="673849" y="1531604"/>
+            <a:ext cx="7714135" cy="3324719"/>
           </a:xfrm>
           <a:prstGeom prst="rect">
             <a:avLst/>
           </a:prstGeom>
         </p:spPr>
-        <p:style>
-          <a:lnRef idx="1">
-            <a:schemeClr val="accent1"/>
-          </a:lnRef>
-          <a:fillRef idx="3">
-            <a:schemeClr val="accent1"/>
-          </a:fillRef>
-          <a:effectRef idx="2">
-            <a:schemeClr val="accent1"/>
-          </a:effectRef>
-          <a:fontRef idx="minor">
-            <a:schemeClr val="lt1"/>
-          </a:fontRef>
-        </p:style>
-        <p:txBody>
-          <a:bodyPr wrap="none" rtlCol="0">
-            <a:spAutoFit/>
-          </a:bodyPr>
-          <a:lstStyle/>
-          <a:p>
-            <a:r>
-              <a:rPr lang="en-US" dirty="0" err="1" smtClean="0">
-                <a:solidFill>
-                  <a:schemeClr val="bg1"/>
-                </a:solidFill>
-              </a:rPr>
-              <a:t>Diagramm</a:t>
-            </a:r>
-            <a:r>
-              <a:rPr lang="en-US" dirty="0" smtClean="0">
-                <a:solidFill>
-                  <a:schemeClr val="bg1"/>
-                </a:solidFill>
-              </a:rPr>
-              <a:t> </a:t>
-            </a:r>
-            <a:r>
-              <a:rPr lang="en-US" dirty="0" err="1" smtClean="0">
-                <a:solidFill>
-                  <a:schemeClr val="bg1"/>
-                </a:solidFill>
-              </a:rPr>
-              <a:t>wird</a:t>
-            </a:r>
-            <a:r>
-              <a:rPr lang="en-US" dirty="0" smtClean="0">
-                <a:solidFill>
-                  <a:schemeClr val="bg1"/>
-                </a:solidFill>
-              </a:rPr>
-              <a:t> </a:t>
-            </a:r>
-            <a:r>
-              <a:rPr lang="en-US" dirty="0" err="1" smtClean="0">
-                <a:solidFill>
-                  <a:schemeClr val="bg1"/>
-                </a:solidFill>
-              </a:rPr>
-              <a:t>noch</a:t>
-            </a:r>
-            <a:r>
-              <a:rPr lang="en-US" dirty="0" smtClean="0">
-                <a:solidFill>
-                  <a:schemeClr val="bg1"/>
-                </a:solidFill>
-              </a:rPr>
-              <a:t> </a:t>
-            </a:r>
-            <a:r>
-              <a:rPr lang="en-US" dirty="0" err="1" smtClean="0">
-                <a:solidFill>
-                  <a:schemeClr val="bg1"/>
-                </a:solidFill>
-              </a:rPr>
-              <a:t>ausgetauscht</a:t>
-            </a:r>
-            <a:endParaRPr lang="en-US" dirty="0" smtClean="0">
-              <a:solidFill>
-                <a:schemeClr val="bg1"/>
-              </a:solidFill>
-            </a:endParaRPr>
-          </a:p>
-        </p:txBody>
-      </p:sp>
+      </p:pic>
     </p:spTree>
     <p:extLst>
       <p:ext uri="{BB962C8B-B14F-4D97-AF65-F5344CB8AC3E}">
-        <p14:creationId xmlns:p14="http://schemas.microsoft.com/office/powerpoint/2010/main" val="3078081548"/>
+        <p14:creationId xmlns:p14="http://schemas.microsoft.com/office/powerpoint/2010/main" val="2232386873"/>
       </p:ext>
     </p:extLst>
   </p:cSld>
   <p:clrMapOvr>
     <a:masterClrMapping/>
   </p:clrMapOvr>
+  <p:timing>
+    <p:tnLst>
+      <p:par>
+        <p:cTn xmlns:p14="http://schemas.microsoft.com/office/powerpoint/2010/main" id="1" dur="indefinite" restart="never" nodeType="tmRoot"/>
+      </p:par>
+    </p:tnLst>
+  </p:timing>
 </p:sld>
 </file>
 
 <file path=ppt/slides/slide6.xml><?xml version="1.0" encoding="utf-8"?>
-<p:sld xmlns:a="http://schemas.openxmlformats.org/drawingml/2006/main" xmlns:r="http://schemas.openxmlformats.org/officeDocument/2006/relationships" xmlns:p="http://schemas.openxmlformats.org/presentationml/2006/main">
+<p:sld xmlns:a="http://schemas.openxmlformats.org/drawingml/2006/main" xmlns:r="http://schemas.openxmlformats.org/officeDocument/2006/relationships" xmlns:p="http://schemas.openxmlformats.org/presentationml/2006/main" showMasterSp="0" show="0">
   <p:cSld>
     <p:spTree>
       <p:nvGrpSpPr>
@@ -11988,237 +13614,66 @@
           <a:chExt cx="0" cy="0"/>
         </a:xfrm>
       </p:grpSpPr>
-      <p:sp>
-        <p:nvSpPr>
-          <p:cNvPr id="2" name="Title 1"/>
-          <p:cNvSpPr>
-            <a:spLocks noGrp="1"/>
-          </p:cNvSpPr>
-          <p:nvPr>
-            <p:ph type="title"/>
-          </p:nvPr>
-        </p:nvSpPr>
-        <p:spPr/>
-        <p:txBody>
-          <a:bodyPr/>
-          <a:lstStyle/>
-          <a:p>
-            <a:r>
-              <a:rPr lang="en-US" noProof="1" smtClean="0"/>
-              <a:t>Die Werkzeuge</a:t>
-            </a:r>
-            <a:endParaRPr lang="en-US" noProof="1"/>
-          </a:p>
-        </p:txBody>
-      </p:sp>
-      <p:sp>
-        <p:nvSpPr>
-          <p:cNvPr id="3" name="Content Placeholder 2"/>
-          <p:cNvSpPr>
-            <a:spLocks noGrp="1"/>
-          </p:cNvSpPr>
-          <p:nvPr>
-            <p:ph idx="1"/>
-          </p:nvPr>
-        </p:nvSpPr>
-        <p:spPr/>
-        <p:txBody>
-          <a:bodyPr/>
-          <a:lstStyle/>
-          <a:p>
-            <a:pPr marL="285750" indent="-285750">
-              <a:buFont typeface="Arial"/>
-              <a:buChar char="•"/>
-            </a:pPr>
-            <a:r>
-              <a:rPr lang="en-US" noProof="1" smtClean="0"/>
-              <a:t>3 SDKs und </a:t>
-            </a:r>
-            <a:r>
-              <a:rPr lang="en-US" noProof="1" smtClean="0"/>
-              <a:t>Programmiersprachen f</a:t>
-            </a:r>
-            <a:r>
-              <a:rPr lang="en-US" noProof="1" smtClean="0"/>
-              <a:t>ür die mobilen Endgeräte</a:t>
-            </a:r>
-            <a:r>
-              <a:rPr lang="en-US" noProof="1" smtClean="0"/>
-              <a:t>:</a:t>
-            </a:r>
-            <a:endParaRPr lang="en-US" noProof="1" smtClean="0"/>
-          </a:p>
-          <a:p>
-            <a:pPr marL="731838" lvl="1" indent="-285750">
-              <a:buFont typeface="Arial"/>
-              <a:buChar char="•"/>
-            </a:pPr>
-            <a:r>
-              <a:rPr lang="en-US" noProof="1" smtClean="0"/>
-              <a:t>iOS/Cocoa Touch &amp; Objective-C</a:t>
-            </a:r>
-          </a:p>
-          <a:p>
-            <a:pPr marL="731838" lvl="1" indent="-285750">
-              <a:buFont typeface="Arial"/>
-              <a:buChar char="•"/>
-            </a:pPr>
-            <a:r>
-              <a:rPr lang="en-US" noProof="1" smtClean="0"/>
-              <a:t>.NET Compact Framework &amp; C#</a:t>
-            </a:r>
-          </a:p>
-          <a:p>
-            <a:pPr marL="731838" lvl="1" indent="-285750">
-              <a:buFont typeface="Arial"/>
-              <a:buChar char="•"/>
-            </a:pPr>
-            <a:r>
-              <a:rPr lang="en-US" noProof="1" smtClean="0"/>
-              <a:t>Android Framework &amp; Java</a:t>
-            </a:r>
-          </a:p>
-          <a:p>
-            <a:pPr marL="285750" indent="-285750">
-              <a:buFont typeface="Arial"/>
-              <a:buChar char="•"/>
-            </a:pPr>
-            <a:endParaRPr lang="en-US" noProof="1" smtClean="0"/>
-          </a:p>
-          <a:p>
-            <a:pPr marL="285750" indent="-285750">
-              <a:buFont typeface="Arial"/>
-              <a:buChar char="•"/>
-            </a:pPr>
-            <a:r>
-              <a:rPr lang="en-US" noProof="1" smtClean="0"/>
-              <a:t>1 Server:</a:t>
-            </a:r>
-          </a:p>
-          <a:p>
-            <a:pPr marL="731838" lvl="1" indent="-285750">
-              <a:buFont typeface="Arial"/>
-              <a:buChar char="•"/>
-            </a:pPr>
-            <a:r>
-              <a:rPr lang="en-US" noProof="1" smtClean="0"/>
-              <a:t>Java / </a:t>
-            </a:r>
-            <a:r>
-              <a:rPr lang="en-US" noProof="1" smtClean="0"/>
-              <a:t>JRuby</a:t>
-            </a:r>
-          </a:p>
-          <a:p>
-            <a:pPr marL="731838" lvl="1" indent="-285750">
-              <a:buFont typeface="Arial"/>
-              <a:buChar char="•"/>
-            </a:pPr>
-            <a:endParaRPr lang="en-US" noProof="1"/>
-          </a:p>
-          <a:p>
-            <a:pPr marL="285750" indent="-285750">
-              <a:buFont typeface="Arial"/>
-              <a:buChar char="•"/>
-            </a:pPr>
-            <a:r>
-              <a:rPr lang="en-US" noProof="1" smtClean="0"/>
-              <a:t>Kommunikation zwischen mobilen Endegr</a:t>
-            </a:r>
-            <a:r>
-              <a:rPr lang="en-US" noProof="1" smtClean="0"/>
-              <a:t>äten und Server:</a:t>
-            </a:r>
-          </a:p>
-          <a:p>
-            <a:pPr marL="731838" lvl="1" indent="-285750">
-              <a:buFont typeface="Arial"/>
-              <a:buChar char="•"/>
-            </a:pPr>
-            <a:r>
-              <a:rPr lang="en-US" noProof="1" smtClean="0"/>
-              <a:t>Client-Anfragen: plattform</a:t>
-            </a:r>
-            <a:r>
-              <a:rPr lang="en-US" noProof="1" smtClean="0"/>
-              <a:t>übergreifende Middleware</a:t>
-            </a:r>
-          </a:p>
-          <a:p>
-            <a:pPr marL="731838" lvl="1" indent="-285750">
-              <a:buFont typeface="Arial"/>
-              <a:buChar char="•"/>
-            </a:pPr>
-            <a:r>
-              <a:rPr lang="en-US" noProof="1" smtClean="0"/>
-              <a:t>Push-Notifications: spezifisch für die jeweilige mobile Plattform</a:t>
-            </a:r>
-            <a:endParaRPr lang="en-US" noProof="1"/>
-          </a:p>
-        </p:txBody>
-      </p:sp>
-      <p:sp>
-        <p:nvSpPr>
-          <p:cNvPr id="4" name="Footer Placeholder 3"/>
-          <p:cNvSpPr>
-            <a:spLocks noGrp="1"/>
-          </p:cNvSpPr>
-          <p:nvPr>
-            <p:ph type="ftr" sz="quarter" idx="10"/>
-          </p:nvPr>
-        </p:nvSpPr>
-        <p:spPr/>
-        <p:txBody>
-          <a:bodyPr/>
-          <a:lstStyle/>
-          <a:p>
-            <a:r>
-              <a:rPr lang="de-DE" smtClean="0"/>
-              <a:t>Find All My Friends | Eingebettete Betriebssysteme | 7. Dezember 2011</a:t>
-            </a:r>
-            <a:endParaRPr lang="de-DE"/>
-          </a:p>
-        </p:txBody>
-      </p:sp>
-      <p:sp>
-        <p:nvSpPr>
-          <p:cNvPr id="5" name="Slide Number Placeholder 4"/>
-          <p:cNvSpPr>
-            <a:spLocks noGrp="1"/>
-          </p:cNvSpPr>
-          <p:nvPr>
-            <p:ph type="sldNum" sz="quarter" idx="11"/>
-          </p:nvPr>
-        </p:nvSpPr>
-        <p:spPr/>
-        <p:txBody>
-          <a:bodyPr/>
-          <a:lstStyle/>
-          <a:p>
-            <a:fld id="{0C6113F6-D982-4F1F-82B4-AFA466AB9AFB}" type="slidenum">
-              <a:rPr lang="de-DE" smtClean="0"/>
-              <a:pPr/>
-              <a:t>6</a:t>
-            </a:fld>
-            <a:endParaRPr lang="de-DE"/>
-          </a:p>
-        </p:txBody>
-      </p:sp>
+      <p:pic>
+        <p:nvPicPr>
+          <p:cNvPr id="10" name="Picture 9" descr="architecture 1.png"/>
+          <p:cNvPicPr>
+            <a:picLocks noChangeAspect="1"/>
+          </p:cNvPicPr>
+          <p:nvPr/>
+        </p:nvPicPr>
+        <p:blipFill>
+          <a:blip r:embed="rId2">
+            <a:extLst>
+              <a:ext uri="{28A0092B-C50C-407E-A947-70E740481C1C}">
+                <a14:useLocalDpi xmlns:a14="http://schemas.microsoft.com/office/drawing/2010/main" val="0"/>
+              </a:ext>
+            </a:extLst>
+          </a:blip>
+          <a:stretch>
+            <a:fillRect/>
+          </a:stretch>
+        </p:blipFill>
+        <p:spPr>
+          <a:xfrm>
+            <a:off x="673849" y="0"/>
+            <a:ext cx="7714135" cy="6858000"/>
+          </a:xfrm>
+          <a:prstGeom prst="rect">
+            <a:avLst/>
+          </a:prstGeom>
+        </p:spPr>
+      </p:pic>
     </p:spTree>
     <p:extLst>
       <p:ext uri="{BB962C8B-B14F-4D97-AF65-F5344CB8AC3E}">
-        <p14:creationId xmlns:p14="http://schemas.microsoft.com/office/powerpoint/2010/main" val="480089758"/>
+        <p14:creationId xmlns:p14="http://schemas.microsoft.com/office/powerpoint/2010/main" val="1803402370"/>
       </p:ext>
     </p:extLst>
   </p:cSld>
   <p:clrMapOvr>
     <a:masterClrMapping/>
   </p:clrMapOvr>
+  <mc:AlternateContent xmlns:mc="http://schemas.openxmlformats.org/markup-compatibility/2006">
+    <mc:Choice xmlns:p14="http://schemas.microsoft.com/office/powerpoint/2010/main" Requires="p14">
+      <p:transition spd="slow" p14:dur="2000"/>
+    </mc:Choice>
+    <mc:Fallback>
+      <p:transition xmlns:p14="http://schemas.microsoft.com/office/powerpoint/2010/main" spd="slow"/>
+    </mc:Fallback>
+  </mc:AlternateContent>
+  <p:timing>
+    <p:tnLst>
+      <p:par>
+        <p:cTn xmlns:p14="http://schemas.microsoft.com/office/powerpoint/2010/main" id="1" dur="indefinite" restart="never" nodeType="tmRoot"/>
+      </p:par>
+    </p:tnLst>
+  </p:timing>
 </p:sld>
 </file>
 
 <file path=ppt/slides/slide7.xml><?xml version="1.0" encoding="utf-8"?>
-<p:sld xmlns:a="http://schemas.openxmlformats.org/drawingml/2006/main" xmlns:r="http://schemas.openxmlformats.org/officeDocument/2006/relationships" xmlns:p="http://schemas.openxmlformats.org/presentationml/2006/main">
+<p:sld xmlns:a="http://schemas.openxmlformats.org/drawingml/2006/main" xmlns:r="http://schemas.openxmlformats.org/officeDocument/2006/relationships" xmlns:p="http://schemas.openxmlformats.org/presentationml/2006/main" showMasterSp="0">
   <p:cSld>
     <p:spTree>
       <p:nvGrpSpPr>
@@ -12234,633 +13689,98 @@
           <a:chExt cx="0" cy="0"/>
         </a:xfrm>
       </p:grpSpPr>
-      <p:sp>
-        <p:nvSpPr>
-          <p:cNvPr id="2" name="Title 1"/>
-          <p:cNvSpPr>
-            <a:spLocks noGrp="1"/>
-          </p:cNvSpPr>
-          <p:nvPr>
-            <p:ph type="title"/>
-          </p:nvPr>
-        </p:nvSpPr>
-        <p:spPr/>
-        <p:txBody>
-          <a:bodyPr/>
+      <p:pic>
+        <p:nvPicPr>
+          <p:cNvPr id="10" name="Picture 9"/>
+          <p:cNvPicPr>
+            <a:picLocks noChangeAspect="1"/>
+          </p:cNvPicPr>
+          <p:nvPr/>
+        </p:nvPicPr>
+        <p:blipFill>
+          <a:blip r:embed="rId2">
+            <a:extLst>
+              <a:ext uri="{28A0092B-C50C-407E-A947-70E740481C1C}">
+                <a14:useLocalDpi xmlns:a14="http://schemas.microsoft.com/office/drawing/2010/main" val="0"/>
+              </a:ext>
+            </a:extLst>
+          </a:blip>
+          <a:stretch>
+            <a:fillRect/>
+          </a:stretch>
+        </p:blipFill>
+        <p:spPr>
+          <a:xfrm>
+            <a:off x="673849" y="0"/>
+            <a:ext cx="7714135" cy="6857999"/>
+          </a:xfrm>
+          <a:prstGeom prst="rect">
+            <a:avLst/>
+          </a:prstGeom>
+        </p:spPr>
+      </p:pic>
+      <p:sp>
+        <p:nvSpPr>
+          <p:cNvPr id="3" name="TextBox 2"/>
+          <p:cNvSpPr txBox="1"/>
+          <p:nvPr/>
+        </p:nvSpPr>
+        <p:spPr>
+          <a:xfrm>
+            <a:off x="4333097" y="3623564"/>
+            <a:ext cx="2490280" cy="430887"/>
+          </a:xfrm>
+          <a:prstGeom prst="rect">
+            <a:avLst/>
+          </a:prstGeom>
+          <a:noFill/>
+        </p:spPr>
+        <p:txBody>
+          <a:bodyPr wrap="square" rtlCol="0">
+            <a:spAutoFit/>
+          </a:bodyPr>
           <a:lstStyle/>
           <a:p>
             <a:r>
-              <a:rPr lang="en-US" noProof="1" smtClean="0"/>
-              <a:t>Diskussion – Das Wire-Protocol</a:t>
-            </a:r>
-            <a:endParaRPr lang="en-US" noProof="1"/>
-          </a:p>
-        </p:txBody>
-      </p:sp>
-      <p:graphicFrame>
-        <p:nvGraphicFramePr>
-          <p:cNvPr id="6" name="Content Placeholder 5"/>
-          <p:cNvGraphicFramePr>
-            <a:graphicFrameLocks noGrp="1"/>
-          </p:cNvGraphicFramePr>
-          <p:nvPr>
-            <p:ph idx="1"/>
-            <p:extLst>
-              <p:ext uri="{D42A27DB-BD31-4B8C-83A1-F6EECF244321}">
-                <p14:modId xmlns:p14="http://schemas.microsoft.com/office/powerpoint/2010/main" val="2815773870"/>
-              </p:ext>
-            </p:extLst>
-          </p:nvPr>
-        </p:nvGraphicFramePr>
-        <p:xfrm>
-          <a:off x="719138" y="1728788"/>
-          <a:ext cx="8174037" cy="4302759"/>
-        </p:xfrm>
-        <a:graphic>
-          <a:graphicData uri="http://schemas.openxmlformats.org/drawingml/2006/table">
-            <a:tbl>
-              <a:tblPr firstRow="1" bandRow="1">
-                <a:tableStyleId>{2D5ABB26-0587-4C30-8999-92F81FD0307C}</a:tableStyleId>
-              </a:tblPr>
-              <a:tblGrid>
-                <a:gridCol w="1714573"/>
-                <a:gridCol w="2954215"/>
-                <a:gridCol w="3505249"/>
-              </a:tblGrid>
-              <a:tr h="370840">
-                <a:tc>
-                  <a:txBody>
-                    <a:bodyPr/>
-                    <a:lstStyle/>
-                    <a:p>
-                      <a:endParaRPr lang="en-US" b="1" dirty="0"/>
-                    </a:p>
-                  </a:txBody>
-                  <a:tcPr/>
-                </a:tc>
-                <a:tc>
-                  <a:txBody>
-                    <a:bodyPr/>
-                    <a:lstStyle/>
-                    <a:p>
-                      <a:r>
-                        <a:rPr lang="en-US" b="1" dirty="0" err="1" smtClean="0"/>
-                        <a:t>Vorteile</a:t>
-                      </a:r>
-                      <a:endParaRPr lang="en-US" b="1" dirty="0"/>
-                    </a:p>
-                  </a:txBody>
-                  <a:tcPr/>
-                </a:tc>
-                <a:tc>
-                  <a:txBody>
-                    <a:bodyPr/>
-                    <a:lstStyle/>
-                    <a:p>
-                      <a:r>
-                        <a:rPr lang="en-US" b="1" dirty="0" err="1" smtClean="0"/>
-                        <a:t>Nachteile</a:t>
-                      </a:r>
-                      <a:endParaRPr lang="en-US" b="1" dirty="0"/>
-                    </a:p>
-                  </a:txBody>
-                  <a:tcPr/>
-                </a:tc>
-              </a:tr>
-              <a:tr h="370840">
-                <a:tc>
-                  <a:txBody>
-                    <a:bodyPr/>
-                    <a:lstStyle/>
-                    <a:p>
-                      <a:r>
-                        <a:rPr lang="en-US" b="1" dirty="0" smtClean="0"/>
-                        <a:t>CORBA</a:t>
-                      </a:r>
-                      <a:endParaRPr lang="en-US" b="1" dirty="0"/>
-                    </a:p>
-                  </a:txBody>
-                  <a:tcPr/>
-                </a:tc>
-                <a:tc>
-                  <a:txBody>
-                    <a:bodyPr/>
-                    <a:lstStyle/>
-                    <a:p>
-                      <a:r>
-                        <a:rPr lang="en-US" dirty="0" smtClean="0"/>
-                        <a:t>IDL,</a:t>
-                      </a:r>
-                      <a:r>
-                        <a:rPr lang="en-US" baseline="0" dirty="0" smtClean="0"/>
-                        <a:t> </a:t>
-                      </a:r>
-                      <a:r>
-                        <a:rPr lang="en-US" baseline="0" dirty="0" err="1" smtClean="0"/>
-                        <a:t>Codegenerierung</a:t>
-                      </a:r>
-                      <a:r>
-                        <a:rPr lang="en-US" baseline="0" dirty="0" smtClean="0"/>
-                        <a:t>, </a:t>
-                      </a:r>
-                      <a:r>
-                        <a:rPr lang="en-US" baseline="0" dirty="0" err="1" smtClean="0"/>
-                        <a:t>binär</a:t>
-                      </a:r>
-                      <a:r>
-                        <a:rPr lang="en-US" baseline="0" dirty="0" smtClean="0"/>
-                        <a:t>, </a:t>
-                      </a:r>
-                      <a:r>
-                        <a:rPr lang="en-US" baseline="0" dirty="0" err="1" smtClean="0"/>
-                        <a:t>viel</a:t>
-                      </a:r>
-                      <a:r>
-                        <a:rPr lang="en-US" baseline="0" dirty="0" smtClean="0"/>
-                        <a:t> </a:t>
-                      </a:r>
-                      <a:r>
-                        <a:rPr lang="en-US" baseline="0" dirty="0" err="1" smtClean="0"/>
-                        <a:t>eingesetzt</a:t>
-                      </a:r>
-                      <a:r>
-                        <a:rPr lang="en-US" baseline="0" dirty="0" smtClean="0"/>
-                        <a:t>, robust</a:t>
-                      </a:r>
-                      <a:endParaRPr lang="en-US" dirty="0"/>
-                    </a:p>
-                  </a:txBody>
-                  <a:tcPr/>
-                </a:tc>
-                <a:tc>
-                  <a:txBody>
-                    <a:bodyPr/>
-                    <a:lstStyle/>
-                    <a:p>
-                      <a:r>
-                        <a:rPr lang="en-US" baseline="0" dirty="0" err="1" smtClean="0"/>
-                        <a:t>komplizierteres</a:t>
-                      </a:r>
-                      <a:r>
-                        <a:rPr lang="en-US" baseline="0" dirty="0" smtClean="0"/>
-                        <a:t> API, </a:t>
-                      </a:r>
-                      <a:r>
-                        <a:rPr lang="en-US" baseline="0" dirty="0" smtClean="0"/>
-                        <a:t>“Oversized”, </a:t>
-                      </a:r>
-                      <a:r>
-                        <a:rPr lang="en-US" baseline="0" dirty="0" err="1" smtClean="0"/>
-                        <a:t>nur</a:t>
-                      </a:r>
-                      <a:r>
-                        <a:rPr lang="en-US" baseline="0" dirty="0" smtClean="0"/>
-                        <a:t> </a:t>
-                      </a:r>
-                      <a:r>
-                        <a:rPr lang="en-US" baseline="0" dirty="0" err="1" smtClean="0"/>
-                        <a:t>teilweise</a:t>
-                      </a:r>
-                      <a:r>
-                        <a:rPr lang="en-US" baseline="0" dirty="0" smtClean="0"/>
-                        <a:t> </a:t>
-                      </a:r>
-                      <a:r>
-                        <a:rPr lang="en-US" baseline="0" dirty="0" err="1" smtClean="0"/>
-                        <a:t>f</a:t>
-                      </a:r>
-                      <a:r>
-                        <a:rPr lang="en-US" baseline="0" dirty="0" err="1" smtClean="0"/>
-                        <a:t>ür</a:t>
-                      </a:r>
-                      <a:r>
-                        <a:rPr lang="en-US" baseline="0" dirty="0" smtClean="0"/>
-                        <a:t> </a:t>
-                      </a:r>
-                      <a:r>
-                        <a:rPr lang="en-US" baseline="0" dirty="0" smtClean="0"/>
-                        <a:t>Embedded </a:t>
-                      </a:r>
-                      <a:r>
-                        <a:rPr lang="en-US" baseline="0" dirty="0" err="1" smtClean="0"/>
-                        <a:t>implementiert</a:t>
-                      </a:r>
-                      <a:endParaRPr lang="en-US" dirty="0"/>
-                    </a:p>
-                  </a:txBody>
-                  <a:tcPr/>
-                </a:tc>
-              </a:tr>
-              <a:tr h="370840">
-                <a:tc>
-                  <a:txBody>
-                    <a:bodyPr/>
-                    <a:lstStyle/>
-                    <a:p>
-                      <a:r>
-                        <a:rPr lang="en-US" b="1" dirty="0" smtClean="0"/>
-                        <a:t>Thrift</a:t>
-                      </a:r>
-                      <a:endParaRPr lang="en-US" dirty="0"/>
-                    </a:p>
-                  </a:txBody>
-                  <a:tcPr/>
-                </a:tc>
-                <a:tc>
-                  <a:txBody>
-                    <a:bodyPr/>
-                    <a:lstStyle/>
-                    <a:p>
-                      <a:r>
-                        <a:rPr lang="en-US" dirty="0" smtClean="0"/>
-                        <a:t>IDL, </a:t>
-                      </a:r>
-                      <a:r>
-                        <a:rPr lang="en-US" dirty="0" err="1" smtClean="0"/>
-                        <a:t>Codegenerierung</a:t>
-                      </a:r>
-                      <a:r>
-                        <a:rPr lang="en-US" dirty="0" smtClean="0"/>
-                        <a:t>, Encoding </a:t>
-                      </a:r>
-                      <a:r>
-                        <a:rPr lang="en-US" dirty="0" err="1" smtClean="0"/>
-                        <a:t>binär</a:t>
-                      </a:r>
-                      <a:r>
-                        <a:rPr lang="en-US" dirty="0" smtClean="0"/>
-                        <a:t> </a:t>
-                      </a:r>
-                      <a:r>
-                        <a:rPr lang="en-US" dirty="0" err="1" smtClean="0"/>
-                        <a:t>oder</a:t>
-                      </a:r>
-                      <a:r>
-                        <a:rPr lang="en-US" dirty="0" smtClean="0"/>
-                        <a:t> JSON</a:t>
-                      </a:r>
-                      <a:endParaRPr lang="en-US" dirty="0"/>
-                    </a:p>
-                  </a:txBody>
-                  <a:tcPr/>
-                </a:tc>
-                <a:tc>
-                  <a:txBody>
-                    <a:bodyPr/>
-                    <a:lstStyle/>
-                    <a:p>
-                      <a:r>
-                        <a:rPr lang="en-US" dirty="0" err="1" smtClean="0"/>
-                        <a:t>Wenig</a:t>
-                      </a:r>
-                      <a:r>
-                        <a:rPr lang="en-US" dirty="0" smtClean="0"/>
-                        <a:t> </a:t>
-                      </a:r>
-                      <a:r>
-                        <a:rPr lang="en-US" dirty="0" err="1" smtClean="0"/>
-                        <a:t>Dokumentation</a:t>
-                      </a:r>
-                      <a:r>
-                        <a:rPr lang="en-US" dirty="0" smtClean="0"/>
-                        <a:t>, </a:t>
-                      </a:r>
-                      <a:r>
-                        <a:rPr lang="en-US" dirty="0" err="1" smtClean="0"/>
-                        <a:t>geschlossene</a:t>
-                      </a:r>
-                      <a:r>
-                        <a:rPr lang="en-US" dirty="0" smtClean="0"/>
-                        <a:t> </a:t>
-                      </a:r>
-                      <a:r>
-                        <a:rPr lang="en-US" dirty="0" err="1" smtClean="0"/>
-                        <a:t>Entwicklung</a:t>
-                      </a:r>
-                      <a:r>
-                        <a:rPr lang="en-US" dirty="0" smtClean="0"/>
-                        <a:t>, </a:t>
-                      </a:r>
-                      <a:r>
-                        <a:rPr lang="en-US" dirty="0" err="1" smtClean="0"/>
-                        <a:t>keine</a:t>
-                      </a:r>
-                      <a:r>
-                        <a:rPr lang="en-US" dirty="0" smtClean="0"/>
-                        <a:t> </a:t>
-                      </a:r>
-                      <a:r>
-                        <a:rPr lang="en-US" dirty="0" err="1" smtClean="0"/>
-                        <a:t>Verschlüsselung</a:t>
-                      </a:r>
-                      <a:endParaRPr lang="en-US" dirty="0"/>
-                    </a:p>
-                  </a:txBody>
-                  <a:tcPr/>
-                </a:tc>
-              </a:tr>
-              <a:tr h="370840">
-                <a:tc>
-                  <a:txBody>
-                    <a:bodyPr/>
-                    <a:lstStyle/>
-                    <a:p>
-                      <a:r>
-                        <a:rPr lang="en-US" b="1" dirty="0" smtClean="0"/>
-                        <a:t>Hessian</a:t>
-                      </a:r>
-                      <a:endParaRPr lang="en-US" b="1" dirty="0"/>
-                    </a:p>
-                  </a:txBody>
-                  <a:tcPr/>
-                </a:tc>
-                <a:tc>
-                  <a:txBody>
-                    <a:bodyPr/>
-                    <a:lstStyle/>
-                    <a:p>
-                      <a:r>
-                        <a:rPr lang="en-US" dirty="0" err="1" smtClean="0"/>
-                        <a:t>Binär</a:t>
-                      </a:r>
-                      <a:r>
-                        <a:rPr lang="en-US" dirty="0" smtClean="0"/>
-                        <a:t>, </a:t>
-                      </a:r>
-                      <a:r>
-                        <a:rPr lang="en-US" dirty="0" err="1" smtClean="0"/>
-                        <a:t>als</a:t>
-                      </a:r>
-                      <a:r>
-                        <a:rPr lang="en-US" dirty="0" smtClean="0"/>
-                        <a:t> HTTP Payload, hat </a:t>
-                      </a:r>
-                      <a:r>
-                        <a:rPr lang="en-US" dirty="0" err="1" smtClean="0"/>
-                        <a:t>Implementierungen</a:t>
-                      </a:r>
-                      <a:r>
-                        <a:rPr lang="en-US" dirty="0" smtClean="0"/>
-                        <a:t> </a:t>
-                      </a:r>
-                      <a:r>
-                        <a:rPr lang="en-US" dirty="0" err="1" smtClean="0"/>
-                        <a:t>für</a:t>
-                      </a:r>
-                      <a:r>
-                        <a:rPr lang="en-US" baseline="0" dirty="0" smtClean="0"/>
-                        <a:t> Android </a:t>
-                      </a:r>
-                      <a:r>
-                        <a:rPr lang="en-US" baseline="0" dirty="0" smtClean="0"/>
-                        <a:t>&amp; </a:t>
-                      </a:r>
-                      <a:r>
-                        <a:rPr lang="en-US" baseline="0" dirty="0" err="1" smtClean="0"/>
-                        <a:t>iOS</a:t>
-                      </a:r>
-                      <a:r>
-                        <a:rPr lang="en-US" baseline="0" dirty="0" smtClean="0"/>
-                        <a:t>, </a:t>
-                      </a:r>
-                      <a:r>
-                        <a:rPr lang="en-US" baseline="0" dirty="0" err="1" smtClean="0"/>
-                        <a:t>viel</a:t>
-                      </a:r>
-                      <a:r>
-                        <a:rPr lang="en-US" baseline="0" dirty="0" smtClean="0"/>
-                        <a:t> </a:t>
-                      </a:r>
-                      <a:r>
-                        <a:rPr lang="en-US" baseline="0" dirty="0" err="1" smtClean="0"/>
-                        <a:t>eingesetzt</a:t>
-                      </a:r>
-                      <a:endParaRPr lang="en-US" dirty="0"/>
-                    </a:p>
-                  </a:txBody>
-                  <a:tcPr/>
-                </a:tc>
-                <a:tc>
-                  <a:txBody>
-                    <a:bodyPr/>
-                    <a:lstStyle/>
-                    <a:p>
-                      <a:r>
-                        <a:rPr lang="en-US" dirty="0" err="1" smtClean="0"/>
-                        <a:t>Schlechte</a:t>
-                      </a:r>
-                      <a:r>
-                        <a:rPr lang="en-US" dirty="0" smtClean="0"/>
-                        <a:t> </a:t>
-                      </a:r>
-                      <a:r>
-                        <a:rPr lang="en-US" dirty="0" err="1" smtClean="0"/>
-                        <a:t>Doku</a:t>
-                      </a:r>
-                      <a:r>
-                        <a:rPr lang="en-US" dirty="0" smtClean="0"/>
-                        <a:t>, </a:t>
-                      </a:r>
-                      <a:r>
-                        <a:rPr lang="en-US" dirty="0" err="1" smtClean="0"/>
-                        <a:t>keine</a:t>
-                      </a:r>
-                      <a:r>
-                        <a:rPr lang="en-US" dirty="0" smtClean="0"/>
-                        <a:t> IDL, </a:t>
-                      </a:r>
-                      <a:r>
-                        <a:rPr lang="en-US" dirty="0" err="1" smtClean="0"/>
-                        <a:t>keine</a:t>
-                      </a:r>
-                      <a:r>
-                        <a:rPr lang="en-US" dirty="0" smtClean="0"/>
-                        <a:t> </a:t>
-                      </a:r>
-                      <a:r>
-                        <a:rPr lang="en-US" dirty="0" err="1" smtClean="0"/>
-                        <a:t>Codegenerierung</a:t>
-                      </a:r>
-                      <a:endParaRPr lang="en-US" dirty="0"/>
-                    </a:p>
-                  </a:txBody>
-                  <a:tcPr/>
-                </a:tc>
-              </a:tr>
-              <a:tr h="370840">
-                <a:tc>
-                  <a:txBody>
-                    <a:bodyPr/>
-                    <a:lstStyle/>
-                    <a:p>
-                      <a:r>
-                        <a:rPr lang="en-US" b="1" dirty="0" smtClean="0"/>
-                        <a:t>JSON</a:t>
-                      </a:r>
-                      <a:endParaRPr lang="en-US" b="1" dirty="0"/>
-                    </a:p>
-                  </a:txBody>
-                  <a:tcPr/>
-                </a:tc>
-                <a:tc>
-                  <a:txBody>
-                    <a:bodyPr/>
-                    <a:lstStyle/>
-                    <a:p>
-                      <a:r>
-                        <a:rPr lang="en-US" dirty="0" err="1" smtClean="0"/>
-                        <a:t>Einfach</a:t>
-                      </a:r>
-                      <a:r>
-                        <a:rPr lang="en-US" dirty="0" smtClean="0"/>
-                        <a:t>,</a:t>
-                      </a:r>
-                      <a:r>
-                        <a:rPr lang="en-US" baseline="0" dirty="0" smtClean="0"/>
-                        <a:t> </a:t>
-                      </a:r>
-                      <a:r>
-                        <a:rPr lang="en-US" baseline="0" dirty="0" err="1" smtClean="0"/>
-                        <a:t>beliebt</a:t>
-                      </a:r>
-                      <a:endParaRPr lang="en-US" dirty="0"/>
-                    </a:p>
-                  </a:txBody>
-                  <a:tcPr/>
-                </a:tc>
-                <a:tc>
-                  <a:txBody>
-                    <a:bodyPr/>
-                    <a:lstStyle/>
-                    <a:p>
-                      <a:r>
-                        <a:rPr lang="en-US" dirty="0" err="1" smtClean="0"/>
-                        <a:t>Größere</a:t>
-                      </a:r>
-                      <a:r>
-                        <a:rPr lang="en-US" baseline="0" dirty="0" smtClean="0"/>
-                        <a:t> </a:t>
-                      </a:r>
-                      <a:r>
-                        <a:rPr lang="en-US" baseline="0" dirty="0" err="1" smtClean="0"/>
-                        <a:t>Datenmenge</a:t>
-                      </a:r>
-                      <a:r>
-                        <a:rPr lang="en-US" baseline="0" dirty="0" smtClean="0"/>
-                        <a:t> </a:t>
-                      </a:r>
-                      <a:r>
-                        <a:rPr lang="en-US" baseline="0" dirty="0" err="1" smtClean="0"/>
-                        <a:t>als</a:t>
-                      </a:r>
-                      <a:r>
-                        <a:rPr lang="en-US" baseline="0" dirty="0" smtClean="0"/>
-                        <a:t> </a:t>
-                      </a:r>
-                      <a:r>
-                        <a:rPr lang="en-US" baseline="0" dirty="0" err="1" smtClean="0"/>
-                        <a:t>bei</a:t>
-                      </a:r>
-                      <a:r>
-                        <a:rPr lang="en-US" baseline="0" dirty="0" smtClean="0"/>
-                        <a:t> </a:t>
-                      </a:r>
-                      <a:r>
-                        <a:rPr lang="en-US" baseline="0" dirty="0" err="1" smtClean="0"/>
-                        <a:t>anderen</a:t>
-                      </a:r>
-                      <a:r>
-                        <a:rPr lang="en-US" baseline="0" dirty="0" smtClean="0"/>
-                        <a:t> </a:t>
-                      </a:r>
-                      <a:r>
-                        <a:rPr lang="en-US" baseline="0" dirty="0" err="1" smtClean="0"/>
-                        <a:t>Protokollen</a:t>
-                      </a:r>
-                      <a:r>
-                        <a:rPr lang="en-US" baseline="0" dirty="0" smtClean="0"/>
-                        <a:t>, </a:t>
-                      </a:r>
-                      <a:r>
-                        <a:rPr lang="en-US" baseline="0" dirty="0" err="1" smtClean="0"/>
-                        <a:t>kein</a:t>
-                      </a:r>
-                      <a:r>
-                        <a:rPr lang="en-US" baseline="0" dirty="0" smtClean="0"/>
-                        <a:t> “Standard”-Framework</a:t>
-                      </a:r>
-                      <a:endParaRPr lang="en-US" dirty="0"/>
-                    </a:p>
-                  </a:txBody>
-                  <a:tcPr/>
-                </a:tc>
-              </a:tr>
-            </a:tbl>
-          </a:graphicData>
-        </a:graphic>
-      </p:graphicFrame>
-      <p:sp>
-        <p:nvSpPr>
-          <p:cNvPr id="4" name="Footer Placeholder 3"/>
-          <p:cNvSpPr>
-            <a:spLocks noGrp="1"/>
-          </p:cNvSpPr>
-          <p:nvPr>
-            <p:ph type="ftr" sz="quarter" idx="10"/>
-          </p:nvPr>
-        </p:nvSpPr>
-        <p:spPr/>
-        <p:txBody>
-          <a:bodyPr/>
-          <a:lstStyle/>
-          <a:p>
-            <a:r>
-              <a:rPr lang="de-DE" smtClean="0"/>
-              <a:t>Find All My Friends | Eingebettete Betriebssysteme | 7. Dezember 2011</a:t>
-            </a:r>
-            <a:endParaRPr lang="de-DE"/>
-          </a:p>
-        </p:txBody>
-      </p:sp>
-      <p:sp>
-        <p:nvSpPr>
-          <p:cNvPr id="5" name="Slide Number Placeholder 4"/>
-          <p:cNvSpPr>
-            <a:spLocks noGrp="1"/>
-          </p:cNvSpPr>
-          <p:nvPr>
-            <p:ph type="sldNum" sz="quarter" idx="11"/>
-          </p:nvPr>
-        </p:nvSpPr>
-        <p:spPr/>
-        <p:txBody>
-          <a:bodyPr/>
-          <a:lstStyle/>
-          <a:p>
-            <a:fld id="{0C6113F6-D982-4F1F-82B4-AFA466AB9AFB}" type="slidenum">
-              <a:rPr lang="de-DE" smtClean="0"/>
-              <a:pPr/>
-              <a:t>7</a:t>
-            </a:fld>
-            <a:endParaRPr lang="de-DE"/>
+              <a:rPr lang="en-US" sz="2200" dirty="0" smtClean="0">
+                <a:solidFill>
+                  <a:schemeClr val="tx1"/>
+                </a:solidFill>
+                <a:latin typeface="+mj-lt"/>
+              </a:rPr>
+              <a:t>Server</a:t>
+            </a:r>
+            <a:endParaRPr lang="en-US" sz="2200" dirty="0" smtClean="0">
+              <a:solidFill>
+                <a:schemeClr val="tx1"/>
+              </a:solidFill>
+              <a:latin typeface="+mj-lt"/>
+            </a:endParaRPr>
           </a:p>
         </p:txBody>
       </p:sp>
     </p:spTree>
     <p:extLst>
       <p:ext uri="{BB962C8B-B14F-4D97-AF65-F5344CB8AC3E}">
-        <p14:creationId xmlns:p14="http://schemas.microsoft.com/office/powerpoint/2010/main" val="480089758"/>
+        <p14:creationId xmlns:p14="http://schemas.microsoft.com/office/powerpoint/2010/main" val="2503794227"/>
       </p:ext>
     </p:extLst>
   </p:cSld>
   <p:clrMapOvr>
     <a:masterClrMapping/>
   </p:clrMapOvr>
+  <p:timing>
+    <p:tnLst>
+      <p:par>
+        <p:cTn xmlns:p14="http://schemas.microsoft.com/office/powerpoint/2010/main" id="1" dur="indefinite" restart="never" nodeType="tmRoot"/>
+      </p:par>
+    </p:tnLst>
+  </p:timing>
 </p:sld>
 </file>
 
 <file path=ppt/slides/slide8.xml><?xml version="1.0" encoding="utf-8"?>
-<p:sld xmlns:a="http://schemas.openxmlformats.org/drawingml/2006/main" xmlns:r="http://schemas.openxmlformats.org/officeDocument/2006/relationships" xmlns:p="http://schemas.openxmlformats.org/presentationml/2006/main">
+<p:sld xmlns:a="http://schemas.openxmlformats.org/drawingml/2006/main" xmlns:r="http://schemas.openxmlformats.org/officeDocument/2006/relationships" xmlns:p="http://schemas.openxmlformats.org/presentationml/2006/main" showMasterSp="0">
   <p:cSld>
     <p:spTree>
       <p:nvGrpSpPr>
@@ -12876,640 +13796,93 @@
           <a:chExt cx="0" cy="0"/>
         </a:xfrm>
       </p:grpSpPr>
-      <p:sp>
-        <p:nvSpPr>
-          <p:cNvPr id="2" name="Title 1"/>
-          <p:cNvSpPr>
-            <a:spLocks noGrp="1"/>
-          </p:cNvSpPr>
-          <p:nvPr>
-            <p:ph type="title"/>
-          </p:nvPr>
-        </p:nvSpPr>
-        <p:spPr/>
-        <p:txBody>
-          <a:bodyPr/>
+      <p:pic>
+        <p:nvPicPr>
+          <p:cNvPr id="10" name="Picture 9"/>
+          <p:cNvPicPr>
+            <a:picLocks noChangeAspect="1"/>
+          </p:cNvPicPr>
+          <p:nvPr/>
+        </p:nvPicPr>
+        <p:blipFill>
+          <a:blip r:embed="rId2">
+            <a:extLst>
+              <a:ext uri="{28A0092B-C50C-407E-A947-70E740481C1C}">
+                <a14:useLocalDpi xmlns:a14="http://schemas.microsoft.com/office/drawing/2010/main" val="0"/>
+              </a:ext>
+            </a:extLst>
+          </a:blip>
+          <a:stretch>
+            <a:fillRect/>
+          </a:stretch>
+        </p:blipFill>
+        <p:spPr>
+          <a:xfrm>
+            <a:off x="673849" y="0"/>
+            <a:ext cx="7714135" cy="6857999"/>
+          </a:xfrm>
+          <a:prstGeom prst="rect">
+            <a:avLst/>
+          </a:prstGeom>
+        </p:spPr>
+      </p:pic>
+      <p:sp>
+        <p:nvSpPr>
+          <p:cNvPr id="2" name="TextBox 1"/>
+          <p:cNvSpPr txBox="1"/>
+          <p:nvPr/>
+        </p:nvSpPr>
+        <p:spPr>
+          <a:xfrm>
+            <a:off x="4333097" y="3623564"/>
+            <a:ext cx="2490280" cy="430887"/>
+          </a:xfrm>
+          <a:prstGeom prst="rect">
+            <a:avLst/>
+          </a:prstGeom>
+          <a:noFill/>
+        </p:spPr>
+        <p:txBody>
+          <a:bodyPr wrap="square" rtlCol="0">
+            <a:spAutoFit/>
+          </a:bodyPr>
           <a:lstStyle/>
           <a:p>
             <a:r>
-              <a:rPr lang="en-US" noProof="1" smtClean="0"/>
-              <a:t>Diskussion – Das Wire-Protocol</a:t>
-            </a:r>
-            <a:endParaRPr lang="en-US" noProof="1"/>
-          </a:p>
-        </p:txBody>
-      </p:sp>
-      <p:graphicFrame>
-        <p:nvGraphicFramePr>
-          <p:cNvPr id="6" name="Content Placeholder 5"/>
-          <p:cNvGraphicFramePr>
-            <a:graphicFrameLocks noGrp="1"/>
-          </p:cNvGraphicFramePr>
-          <p:nvPr>
-            <p:ph idx="1"/>
-            <p:extLst>
-              <p:ext uri="{D42A27DB-BD31-4B8C-83A1-F6EECF244321}">
-                <p14:modId xmlns:p14="http://schemas.microsoft.com/office/powerpoint/2010/main" val="1009697107"/>
-              </p:ext>
-            </p:extLst>
-          </p:nvPr>
-        </p:nvGraphicFramePr>
-        <p:xfrm>
-          <a:off x="719138" y="1728788"/>
-          <a:ext cx="8174037" cy="4302759"/>
-        </p:xfrm>
-        <a:graphic>
-          <a:graphicData uri="http://schemas.openxmlformats.org/drawingml/2006/table">
-            <a:tbl>
-              <a:tblPr firstRow="1" bandRow="1">
-                <a:tableStyleId>{2D5ABB26-0587-4C30-8999-92F81FD0307C}</a:tableStyleId>
-              </a:tblPr>
-              <a:tblGrid>
-                <a:gridCol w="1714573"/>
-                <a:gridCol w="2954215"/>
-                <a:gridCol w="3505249"/>
-              </a:tblGrid>
-              <a:tr h="370840">
-                <a:tc>
-                  <a:txBody>
-                    <a:bodyPr/>
-                    <a:lstStyle/>
-                    <a:p>
-                      <a:endParaRPr lang="en-US" b="1" dirty="0"/>
-                    </a:p>
-                  </a:txBody>
-                  <a:tcPr/>
-                </a:tc>
-                <a:tc>
-                  <a:txBody>
-                    <a:bodyPr/>
-                    <a:lstStyle/>
-                    <a:p>
-                      <a:r>
-                        <a:rPr lang="en-US" b="1" dirty="0" err="1" smtClean="0"/>
-                        <a:t>Vorteile</a:t>
-                      </a:r>
-                      <a:endParaRPr lang="en-US" b="1" dirty="0"/>
-                    </a:p>
-                  </a:txBody>
-                  <a:tcPr/>
-                </a:tc>
-                <a:tc>
-                  <a:txBody>
-                    <a:bodyPr/>
-                    <a:lstStyle/>
-                    <a:p>
-                      <a:r>
-                        <a:rPr lang="en-US" b="1" dirty="0" err="1" smtClean="0"/>
-                        <a:t>Nachteile</a:t>
-                      </a:r>
-                      <a:endParaRPr lang="en-US" b="1" dirty="0"/>
-                    </a:p>
-                  </a:txBody>
-                  <a:tcPr/>
-                </a:tc>
-              </a:tr>
-              <a:tr h="370840">
-                <a:tc>
-                  <a:txBody>
-                    <a:bodyPr/>
-                    <a:lstStyle/>
-                    <a:p>
-                      <a:r>
-                        <a:rPr lang="en-US" b="1" dirty="0" smtClean="0"/>
-                        <a:t>CORBA</a:t>
-                      </a:r>
-                      <a:endParaRPr lang="en-US" b="1" dirty="0"/>
-                    </a:p>
-                  </a:txBody>
-                  <a:tcPr/>
-                </a:tc>
-                <a:tc>
-                  <a:txBody>
-                    <a:bodyPr/>
-                    <a:lstStyle/>
-                    <a:p>
-                      <a:r>
-                        <a:rPr lang="en-US" dirty="0" smtClean="0"/>
-                        <a:t>IDL,</a:t>
-                      </a:r>
-                      <a:r>
-                        <a:rPr lang="en-US" baseline="0" dirty="0" smtClean="0"/>
-                        <a:t> </a:t>
-                      </a:r>
-                      <a:r>
-                        <a:rPr lang="en-US" baseline="0" dirty="0" err="1" smtClean="0"/>
-                        <a:t>Codegenerierung</a:t>
-                      </a:r>
-                      <a:r>
-                        <a:rPr lang="en-US" baseline="0" dirty="0" smtClean="0"/>
-                        <a:t>, </a:t>
-                      </a:r>
-                      <a:r>
-                        <a:rPr lang="en-US" baseline="0" dirty="0" err="1" smtClean="0"/>
-                        <a:t>binär</a:t>
-                      </a:r>
-                      <a:r>
-                        <a:rPr lang="en-US" baseline="0" dirty="0" smtClean="0"/>
-                        <a:t>, </a:t>
-                      </a:r>
-                      <a:r>
-                        <a:rPr lang="en-US" baseline="0" dirty="0" err="1" smtClean="0"/>
-                        <a:t>viel</a:t>
-                      </a:r>
-                      <a:r>
-                        <a:rPr lang="en-US" baseline="0" dirty="0" smtClean="0"/>
-                        <a:t> </a:t>
-                      </a:r>
-                      <a:r>
-                        <a:rPr lang="en-US" baseline="0" dirty="0" err="1" smtClean="0"/>
-                        <a:t>eingesetzt</a:t>
-                      </a:r>
-                      <a:r>
-                        <a:rPr lang="en-US" baseline="0" dirty="0" smtClean="0"/>
-                        <a:t>, robust</a:t>
-                      </a:r>
-                      <a:endParaRPr lang="en-US" dirty="0"/>
-                    </a:p>
-                  </a:txBody>
-                  <a:tcPr/>
-                </a:tc>
-                <a:tc>
-                  <a:txBody>
-                    <a:bodyPr/>
-                    <a:lstStyle/>
-                    <a:p>
-                      <a:r>
-                        <a:rPr lang="en-US" baseline="0" dirty="0" err="1" smtClean="0"/>
-                        <a:t>komplizierteres</a:t>
-                      </a:r>
-                      <a:r>
-                        <a:rPr lang="en-US" baseline="0" dirty="0" smtClean="0"/>
-                        <a:t> API, </a:t>
-                      </a:r>
-                      <a:r>
-                        <a:rPr lang="en-US" baseline="0" dirty="0" smtClean="0"/>
-                        <a:t>“Oversized”, </a:t>
-                      </a:r>
-                      <a:r>
-                        <a:rPr lang="en-US" baseline="0" dirty="0" err="1" smtClean="0"/>
-                        <a:t>nur</a:t>
-                      </a:r>
-                      <a:r>
-                        <a:rPr lang="en-US" baseline="0" dirty="0" smtClean="0"/>
-                        <a:t> </a:t>
-                      </a:r>
-                      <a:r>
-                        <a:rPr lang="en-US" baseline="0" dirty="0" err="1" smtClean="0"/>
-                        <a:t>teilweise</a:t>
-                      </a:r>
-                      <a:r>
-                        <a:rPr lang="en-US" baseline="0" dirty="0" smtClean="0"/>
-                        <a:t> </a:t>
-                      </a:r>
-                      <a:r>
-                        <a:rPr lang="en-US" baseline="0" dirty="0" err="1" smtClean="0"/>
-                        <a:t>f</a:t>
-                      </a:r>
-                      <a:r>
-                        <a:rPr lang="en-US" baseline="0" dirty="0" err="1" smtClean="0"/>
-                        <a:t>ür</a:t>
-                      </a:r>
-                      <a:r>
-                        <a:rPr lang="en-US" baseline="0" dirty="0" smtClean="0"/>
-                        <a:t> </a:t>
-                      </a:r>
-                      <a:r>
-                        <a:rPr lang="en-US" baseline="0" dirty="0" smtClean="0"/>
-                        <a:t>Embedded </a:t>
-                      </a:r>
-                      <a:r>
-                        <a:rPr lang="en-US" baseline="0" dirty="0" err="1" smtClean="0"/>
-                        <a:t>implementiert</a:t>
-                      </a:r>
-                      <a:endParaRPr lang="en-US" dirty="0"/>
-                    </a:p>
-                  </a:txBody>
-                  <a:tcPr/>
-                </a:tc>
-              </a:tr>
-              <a:tr h="370840">
-                <a:tc>
-                  <a:txBody>
-                    <a:bodyPr/>
-                    <a:lstStyle/>
-                    <a:p>
-                      <a:r>
-                        <a:rPr lang="en-US" b="1" dirty="0" smtClean="0"/>
-                        <a:t>Thrift</a:t>
-                      </a:r>
-                      <a:endParaRPr lang="en-US" dirty="0"/>
-                    </a:p>
-                  </a:txBody>
-                  <a:tcPr/>
-                </a:tc>
-                <a:tc>
-                  <a:txBody>
-                    <a:bodyPr/>
-                    <a:lstStyle/>
-                    <a:p>
-                      <a:r>
-                        <a:rPr lang="en-US" dirty="0" smtClean="0"/>
-                        <a:t>IDL, </a:t>
-                      </a:r>
-                      <a:r>
-                        <a:rPr lang="en-US" dirty="0" err="1" smtClean="0"/>
-                        <a:t>Codegenerierung</a:t>
-                      </a:r>
-                      <a:r>
-                        <a:rPr lang="en-US" dirty="0" smtClean="0"/>
-                        <a:t>, Encoding </a:t>
-                      </a:r>
-                      <a:r>
-                        <a:rPr lang="en-US" dirty="0" err="1" smtClean="0"/>
-                        <a:t>binär</a:t>
-                      </a:r>
-                      <a:r>
-                        <a:rPr lang="en-US" dirty="0" smtClean="0"/>
-                        <a:t> </a:t>
-                      </a:r>
-                      <a:r>
-                        <a:rPr lang="en-US" dirty="0" err="1" smtClean="0"/>
-                        <a:t>oder</a:t>
-                      </a:r>
-                      <a:r>
-                        <a:rPr lang="en-US" dirty="0" smtClean="0"/>
-                        <a:t> JSON</a:t>
-                      </a:r>
-                      <a:endParaRPr lang="en-US" dirty="0"/>
-                    </a:p>
-                  </a:txBody>
-                  <a:tcPr/>
-                </a:tc>
-                <a:tc>
-                  <a:txBody>
-                    <a:bodyPr/>
-                    <a:lstStyle/>
-                    <a:p>
-                      <a:r>
-                        <a:rPr lang="en-US" dirty="0" err="1" smtClean="0"/>
-                        <a:t>Wenig</a:t>
-                      </a:r>
-                      <a:r>
-                        <a:rPr lang="en-US" dirty="0" smtClean="0"/>
-                        <a:t> </a:t>
-                      </a:r>
-                      <a:r>
-                        <a:rPr lang="en-US" dirty="0" err="1" smtClean="0"/>
-                        <a:t>Dokumentation</a:t>
-                      </a:r>
-                      <a:r>
-                        <a:rPr lang="en-US" dirty="0" smtClean="0"/>
-                        <a:t>, </a:t>
-                      </a:r>
-                      <a:r>
-                        <a:rPr lang="en-US" dirty="0" err="1" smtClean="0"/>
-                        <a:t>geschlossene</a:t>
-                      </a:r>
-                      <a:r>
-                        <a:rPr lang="en-US" dirty="0" smtClean="0"/>
-                        <a:t> </a:t>
-                      </a:r>
-                      <a:r>
-                        <a:rPr lang="en-US" dirty="0" err="1" smtClean="0"/>
-                        <a:t>Entwicklung</a:t>
-                      </a:r>
-                      <a:r>
-                        <a:rPr lang="en-US" dirty="0" smtClean="0"/>
-                        <a:t>, </a:t>
-                      </a:r>
-                      <a:r>
-                        <a:rPr lang="en-US" dirty="0" err="1" smtClean="0"/>
-                        <a:t>keine</a:t>
-                      </a:r>
-                      <a:r>
-                        <a:rPr lang="en-US" dirty="0" smtClean="0"/>
-                        <a:t> </a:t>
-                      </a:r>
-                      <a:r>
-                        <a:rPr lang="en-US" dirty="0" err="1" smtClean="0"/>
-                        <a:t>Verschlüsselung</a:t>
-                      </a:r>
-                      <a:endParaRPr lang="en-US" dirty="0"/>
-                    </a:p>
-                  </a:txBody>
-                  <a:tcPr/>
-                </a:tc>
-              </a:tr>
-              <a:tr h="370840">
-                <a:tc>
-                  <a:txBody>
-                    <a:bodyPr/>
-                    <a:lstStyle/>
-                    <a:p>
-                      <a:r>
-                        <a:rPr lang="en-US" b="1" dirty="0" smtClean="0"/>
-                        <a:t>Hessian</a:t>
-                      </a:r>
-                      <a:endParaRPr lang="en-US" b="1" dirty="0"/>
-                    </a:p>
-                  </a:txBody>
-                  <a:tcPr>
-                    <a:solidFill>
-                      <a:srgbClr val="76D02B"/>
-                    </a:solidFill>
-                  </a:tcPr>
-                </a:tc>
-                <a:tc>
-                  <a:txBody>
-                    <a:bodyPr/>
-                    <a:lstStyle/>
-                    <a:p>
-                      <a:r>
-                        <a:rPr lang="en-US" dirty="0" err="1" smtClean="0"/>
-                        <a:t>Binär</a:t>
-                      </a:r>
-                      <a:r>
-                        <a:rPr lang="en-US" dirty="0" smtClean="0"/>
-                        <a:t>, </a:t>
-                      </a:r>
-                      <a:r>
-                        <a:rPr lang="en-US" dirty="0" err="1" smtClean="0"/>
-                        <a:t>als</a:t>
-                      </a:r>
-                      <a:r>
-                        <a:rPr lang="en-US" dirty="0" smtClean="0"/>
-                        <a:t> HTTP Payload, hat </a:t>
-                      </a:r>
-                      <a:r>
-                        <a:rPr lang="en-US" dirty="0" err="1" smtClean="0"/>
-                        <a:t>Implementierungen</a:t>
-                      </a:r>
-                      <a:r>
-                        <a:rPr lang="en-US" dirty="0" smtClean="0"/>
-                        <a:t> </a:t>
-                      </a:r>
-                      <a:r>
-                        <a:rPr lang="en-US" dirty="0" err="1" smtClean="0"/>
-                        <a:t>für</a:t>
-                      </a:r>
-                      <a:r>
-                        <a:rPr lang="en-US" baseline="0" dirty="0" smtClean="0"/>
-                        <a:t> Android </a:t>
-                      </a:r>
-                      <a:r>
-                        <a:rPr lang="en-US" baseline="0" dirty="0" smtClean="0"/>
-                        <a:t>&amp; </a:t>
-                      </a:r>
-                      <a:r>
-                        <a:rPr lang="en-US" baseline="0" dirty="0" err="1" smtClean="0"/>
-                        <a:t>iOS</a:t>
-                      </a:r>
-                      <a:r>
-                        <a:rPr lang="en-US" baseline="0" dirty="0" smtClean="0"/>
-                        <a:t>, </a:t>
-                      </a:r>
-                      <a:r>
-                        <a:rPr lang="en-US" baseline="0" dirty="0" err="1" smtClean="0"/>
-                        <a:t>viel</a:t>
-                      </a:r>
-                      <a:r>
-                        <a:rPr lang="en-US" baseline="0" dirty="0" smtClean="0"/>
-                        <a:t> </a:t>
-                      </a:r>
-                      <a:r>
-                        <a:rPr lang="en-US" baseline="0" dirty="0" err="1" smtClean="0"/>
-                        <a:t>eingesetzt</a:t>
-                      </a:r>
-                      <a:endParaRPr lang="en-US" dirty="0"/>
-                    </a:p>
-                  </a:txBody>
-                  <a:tcPr>
-                    <a:solidFill>
-                      <a:srgbClr val="76D02B"/>
-                    </a:solidFill>
-                  </a:tcPr>
-                </a:tc>
-                <a:tc>
-                  <a:txBody>
-                    <a:bodyPr/>
-                    <a:lstStyle/>
-                    <a:p>
-                      <a:r>
-                        <a:rPr lang="en-US" dirty="0" err="1" smtClean="0"/>
-                        <a:t>Schlechte</a:t>
-                      </a:r>
-                      <a:r>
-                        <a:rPr lang="en-US" dirty="0" smtClean="0"/>
-                        <a:t> </a:t>
-                      </a:r>
-                      <a:r>
-                        <a:rPr lang="en-US" dirty="0" err="1" smtClean="0"/>
-                        <a:t>Doku</a:t>
-                      </a:r>
-                      <a:r>
-                        <a:rPr lang="en-US" dirty="0" smtClean="0"/>
-                        <a:t>, </a:t>
-                      </a:r>
-                      <a:r>
-                        <a:rPr lang="en-US" dirty="0" err="1" smtClean="0"/>
-                        <a:t>keine</a:t>
-                      </a:r>
-                      <a:r>
-                        <a:rPr lang="en-US" dirty="0" smtClean="0"/>
-                        <a:t> IDL, </a:t>
-                      </a:r>
-                      <a:r>
-                        <a:rPr lang="en-US" dirty="0" err="1" smtClean="0"/>
-                        <a:t>keine</a:t>
-                      </a:r>
-                      <a:r>
-                        <a:rPr lang="en-US" dirty="0" smtClean="0"/>
-                        <a:t> </a:t>
-                      </a:r>
-                      <a:r>
-                        <a:rPr lang="en-US" dirty="0" err="1" smtClean="0"/>
-                        <a:t>Codegenerierung</a:t>
-                      </a:r>
-                      <a:endParaRPr lang="en-US" dirty="0"/>
-                    </a:p>
-                  </a:txBody>
-                  <a:tcPr>
-                    <a:solidFill>
-                      <a:srgbClr val="76D02B"/>
-                    </a:solidFill>
-                  </a:tcPr>
-                </a:tc>
-              </a:tr>
-              <a:tr h="370840">
-                <a:tc>
-                  <a:txBody>
-                    <a:bodyPr/>
-                    <a:lstStyle/>
-                    <a:p>
-                      <a:r>
-                        <a:rPr lang="en-US" b="1" dirty="0" smtClean="0"/>
-                        <a:t>JSON</a:t>
-                      </a:r>
-                      <a:endParaRPr lang="en-US" b="1" dirty="0"/>
-                    </a:p>
-                  </a:txBody>
-                  <a:tcPr/>
-                </a:tc>
-                <a:tc>
-                  <a:txBody>
-                    <a:bodyPr/>
-                    <a:lstStyle/>
-                    <a:p>
-                      <a:r>
-                        <a:rPr lang="en-US" dirty="0" err="1" smtClean="0"/>
-                        <a:t>Einfach</a:t>
-                      </a:r>
-                      <a:r>
-                        <a:rPr lang="en-US" dirty="0" smtClean="0"/>
-                        <a:t>,</a:t>
-                      </a:r>
-                      <a:r>
-                        <a:rPr lang="en-US" baseline="0" dirty="0" smtClean="0"/>
-                        <a:t> </a:t>
-                      </a:r>
-                      <a:r>
-                        <a:rPr lang="en-US" baseline="0" dirty="0" err="1" smtClean="0"/>
-                        <a:t>beliebt</a:t>
-                      </a:r>
-                      <a:endParaRPr lang="en-US" dirty="0"/>
-                    </a:p>
-                  </a:txBody>
-                  <a:tcPr/>
-                </a:tc>
-                <a:tc>
-                  <a:txBody>
-                    <a:bodyPr/>
-                    <a:lstStyle/>
-                    <a:p>
-                      <a:r>
-                        <a:rPr lang="en-US" dirty="0" err="1" smtClean="0"/>
-                        <a:t>Größere</a:t>
-                      </a:r>
-                      <a:r>
-                        <a:rPr lang="en-US" baseline="0" dirty="0" smtClean="0"/>
-                        <a:t> </a:t>
-                      </a:r>
-                      <a:r>
-                        <a:rPr lang="en-US" baseline="0" dirty="0" err="1" smtClean="0"/>
-                        <a:t>Datenmenge</a:t>
-                      </a:r>
-                      <a:r>
-                        <a:rPr lang="en-US" baseline="0" dirty="0" smtClean="0"/>
-                        <a:t> </a:t>
-                      </a:r>
-                      <a:r>
-                        <a:rPr lang="en-US" baseline="0" dirty="0" err="1" smtClean="0"/>
-                        <a:t>als</a:t>
-                      </a:r>
-                      <a:r>
-                        <a:rPr lang="en-US" baseline="0" dirty="0" smtClean="0"/>
-                        <a:t> </a:t>
-                      </a:r>
-                      <a:r>
-                        <a:rPr lang="en-US" baseline="0" dirty="0" err="1" smtClean="0"/>
-                        <a:t>bei</a:t>
-                      </a:r>
-                      <a:r>
-                        <a:rPr lang="en-US" baseline="0" dirty="0" smtClean="0"/>
-                        <a:t> </a:t>
-                      </a:r>
-                      <a:r>
-                        <a:rPr lang="en-US" baseline="0" dirty="0" err="1" smtClean="0"/>
-                        <a:t>anderen</a:t>
-                      </a:r>
-                      <a:r>
-                        <a:rPr lang="en-US" baseline="0" dirty="0" smtClean="0"/>
-                        <a:t> </a:t>
-                      </a:r>
-                      <a:r>
-                        <a:rPr lang="en-US" baseline="0" dirty="0" err="1" smtClean="0"/>
-                        <a:t>Protokollen</a:t>
-                      </a:r>
-                      <a:r>
-                        <a:rPr lang="en-US" baseline="0" dirty="0" smtClean="0"/>
-                        <a:t>, </a:t>
-                      </a:r>
-                      <a:r>
-                        <a:rPr lang="en-US" baseline="0" dirty="0" err="1" smtClean="0"/>
-                        <a:t>kein</a:t>
-                      </a:r>
-                      <a:r>
-                        <a:rPr lang="en-US" baseline="0" dirty="0" smtClean="0"/>
-                        <a:t> “Standard”-Framework</a:t>
-                      </a:r>
-                      <a:endParaRPr lang="en-US" dirty="0"/>
-                    </a:p>
-                  </a:txBody>
-                  <a:tcPr/>
-                </a:tc>
-              </a:tr>
-            </a:tbl>
-          </a:graphicData>
-        </a:graphic>
-      </p:graphicFrame>
-      <p:sp>
-        <p:nvSpPr>
-          <p:cNvPr id="4" name="Footer Placeholder 3"/>
-          <p:cNvSpPr>
-            <a:spLocks noGrp="1"/>
-          </p:cNvSpPr>
-          <p:nvPr>
-            <p:ph type="ftr" sz="quarter" idx="10"/>
-          </p:nvPr>
-        </p:nvSpPr>
-        <p:spPr/>
-        <p:txBody>
-          <a:bodyPr/>
-          <a:lstStyle/>
-          <a:p>
-            <a:r>
-              <a:rPr lang="de-DE" smtClean="0"/>
-              <a:t>Find All My Friends | Eingebettete Betriebssysteme | 7. Dezember 2011</a:t>
-            </a:r>
-            <a:endParaRPr lang="de-DE"/>
-          </a:p>
-        </p:txBody>
-      </p:sp>
-      <p:sp>
-        <p:nvSpPr>
-          <p:cNvPr id="5" name="Slide Number Placeholder 4"/>
-          <p:cNvSpPr>
-            <a:spLocks noGrp="1"/>
-          </p:cNvSpPr>
-          <p:nvPr>
-            <p:ph type="sldNum" sz="quarter" idx="11"/>
-          </p:nvPr>
-        </p:nvSpPr>
-        <p:spPr/>
-        <p:txBody>
-          <a:bodyPr/>
-          <a:lstStyle/>
-          <a:p>
-            <a:fld id="{0C6113F6-D982-4F1F-82B4-AFA466AB9AFB}" type="slidenum">
-              <a:rPr lang="de-DE" smtClean="0"/>
-              <a:pPr/>
-              <a:t>8</a:t>
-            </a:fld>
-            <a:endParaRPr lang="de-DE"/>
+              <a:rPr lang="en-US" sz="2200" dirty="0" smtClean="0">
+                <a:solidFill>
+                  <a:schemeClr val="tx1"/>
+                </a:solidFill>
+                <a:latin typeface="+mj-lt"/>
+              </a:rPr>
+              <a:t>Server</a:t>
+            </a:r>
+            <a:endParaRPr lang="en-US" sz="2200" dirty="0" smtClean="0">
+              <a:solidFill>
+                <a:schemeClr val="tx1"/>
+              </a:solidFill>
+              <a:latin typeface="+mj-lt"/>
+            </a:endParaRPr>
           </a:p>
         </p:txBody>
       </p:sp>
     </p:spTree>
     <p:extLst>
       <p:ext uri="{BB962C8B-B14F-4D97-AF65-F5344CB8AC3E}">
-        <p14:creationId xmlns:p14="http://schemas.microsoft.com/office/powerpoint/2010/main" val="103542488"/>
+        <p14:creationId xmlns:p14="http://schemas.microsoft.com/office/powerpoint/2010/main" val="1224982621"/>
       </p:ext>
     </p:extLst>
   </p:cSld>
   <p:clrMapOvr>
     <a:masterClrMapping/>
   </p:clrMapOvr>
+  <p:timing>
+    <p:tnLst>
+      <p:par>
+        <p:cTn xmlns:p14="http://schemas.microsoft.com/office/powerpoint/2010/main" id="1" dur="indefinite" restart="never" nodeType="tmRoot"/>
+      </p:par>
+    </p:tnLst>
+  </p:timing>
 </p:sld>
 </file>
 
@@ -13546,10 +13919,10 @@
           <a:lstStyle/>
           <a:p>
             <a:r>
-              <a:rPr lang="en-US" dirty="0" smtClean="0"/>
-              <a:t>Server API Version 1</a:t>
-            </a:r>
-            <a:endParaRPr lang="en-US" dirty="0"/>
+              <a:rPr lang="en-US" noProof="1" smtClean="0"/>
+              <a:t>Die Werkzeuge</a:t>
+            </a:r>
+            <a:endParaRPr lang="en-US" noProof="1"/>
           </a:p>
         </p:txBody>
       </p:sp>
@@ -13563,338 +13936,114 @@
             <p:ph idx="1"/>
           </p:nvPr>
         </p:nvSpPr>
-        <p:spPr>
-          <a:xfrm>
-            <a:off x="719138" y="1503020"/>
-            <a:ext cx="8174037" cy="4795837"/>
-          </a:xfrm>
-        </p:spPr>
+        <p:spPr/>
         <p:txBody>
           <a:bodyPr/>
           <a:lstStyle/>
           <a:p>
-            <a:pPr marL="285750" lvl="0" indent="-285750">
-              <a:spcAft>
-                <a:spcPts val="800"/>
-              </a:spcAft>
+            <a:pPr marL="285750" indent="-285750">
               <a:buFont typeface="Arial"/>
               <a:buChar char="•"/>
             </a:pPr>
             <a:r>
-              <a:rPr lang="en-US" b="1" dirty="0" err="1"/>
-              <a:t>registerAccount</a:t>
-            </a:r>
-            <a:r>
-              <a:rPr lang="en-US" dirty="0"/>
-              <a:t>(</a:t>
-            </a:r>
-            <a:r>
-              <a:rPr lang="en-US" dirty="0" err="1"/>
-              <a:t>userId</a:t>
-            </a:r>
-            <a:r>
-              <a:rPr lang="en-US" dirty="0"/>
-              <a:t>)</a:t>
-            </a:r>
-          </a:p>
-          <a:p>
-            <a:pPr marL="285750" lvl="0" indent="-285750">
-              <a:spcAft>
-                <a:spcPts val="800"/>
-              </a:spcAft>
+              <a:rPr lang="en-US" noProof="1" smtClean="0"/>
+              <a:t>3 SDKs und Programmiersprachen für die mobilen Endgeräte:</a:t>
+            </a:r>
+          </a:p>
+          <a:p>
+            <a:pPr marL="731838" lvl="1" indent="-285750">
               <a:buFont typeface="Arial"/>
               <a:buChar char="•"/>
             </a:pPr>
             <a:r>
-              <a:rPr lang="en-US" b="1" dirty="0" err="1" smtClean="0"/>
-              <a:t>createAppointment</a:t>
-            </a:r>
-            <a:r>
-              <a:rPr lang="en-US" dirty="0" smtClean="0"/>
-              <a:t>(</a:t>
-            </a:r>
-            <a:r>
-              <a:rPr lang="en-US" dirty="0" err="1" smtClean="0"/>
-              <a:t>userId</a:t>
-            </a:r>
-            <a:r>
-              <a:rPr lang="en-US" dirty="0" smtClean="0"/>
-              <a:t>, </a:t>
-            </a:r>
-            <a:r>
-              <a:rPr lang="en-US" dirty="0" err="1" smtClean="0"/>
-              <a:t>travelType</a:t>
-            </a:r>
-            <a:r>
-              <a:rPr lang="en-US" dirty="0" smtClean="0"/>
-              <a:t>, location, invitees, </a:t>
-            </a:r>
-            <a:r>
-              <a:rPr lang="en-US" dirty="0" err="1" smtClean="0"/>
-              <a:t>locationType</a:t>
-            </a:r>
-            <a:r>
-              <a:rPr lang="en-US" dirty="0" smtClean="0"/>
-              <a:t>, </a:t>
-            </a:r>
-            <a:r>
-              <a:rPr lang="en-US" dirty="0" err="1" smtClean="0"/>
-              <a:t>userMessage</a:t>
-            </a:r>
-            <a:r>
-              <a:rPr lang="en-US" dirty="0" smtClean="0"/>
-              <a:t>)</a:t>
-            </a:r>
-            <a:br>
-              <a:rPr lang="en-US" dirty="0" smtClean="0"/>
-            </a:br>
-            <a:r>
-              <a:rPr lang="en-US" dirty="0" smtClean="0">
-                <a:sym typeface="Wingdings"/>
-              </a:rPr>
-              <a:t></a:t>
-            </a:r>
-            <a:r>
-              <a:rPr lang="en-US" dirty="0" smtClean="0"/>
-              <a:t> </a:t>
-            </a:r>
-            <a:r>
-              <a:rPr lang="en-US" dirty="0" err="1" smtClean="0"/>
-              <a:t>appointmentId</a:t>
-            </a:r>
-            <a:r>
-              <a:rPr lang="en-US" dirty="0" smtClean="0"/>
-              <a:t>, </a:t>
-            </a:r>
-            <a:r>
-              <a:rPr lang="en-US" dirty="0" err="1" smtClean="0"/>
-              <a:t>travelPlan</a:t>
-            </a:r>
-            <a:endParaRPr lang="en-US" dirty="0" smtClean="0"/>
-          </a:p>
-          <a:p>
-            <a:pPr marL="285750" lvl="0" indent="-285750">
-              <a:spcAft>
-                <a:spcPts val="800"/>
-              </a:spcAft>
+              <a:rPr lang="en-US" noProof="1" smtClean="0"/>
+              <a:t>iOS/Cocoa Touch &amp; Objective-C</a:t>
+            </a:r>
+          </a:p>
+          <a:p>
+            <a:pPr marL="731838" lvl="1" indent="-285750">
               <a:buFont typeface="Arial"/>
               <a:buChar char="•"/>
             </a:pPr>
             <a:r>
-              <a:rPr lang="en-US" b="1" dirty="0" err="1" smtClean="0"/>
-              <a:t>getAppointment</a:t>
-            </a:r>
-            <a:r>
-              <a:rPr lang="en-US" dirty="0" smtClean="0"/>
-              <a:t>(</a:t>
-            </a:r>
-            <a:r>
-              <a:rPr lang="en-US" dirty="0" err="1" smtClean="0"/>
-              <a:t>appointmentId</a:t>
-            </a:r>
-            <a:r>
-              <a:rPr lang="en-US" dirty="0" smtClean="0"/>
-              <a:t>)</a:t>
-            </a:r>
-            <a:br>
-              <a:rPr lang="en-US" dirty="0" smtClean="0"/>
-            </a:br>
-            <a:r>
-              <a:rPr lang="en-US" dirty="0" smtClean="0">
-                <a:sym typeface="Wingdings"/>
-              </a:rPr>
-              <a:t></a:t>
-            </a:r>
-            <a:r>
-              <a:rPr lang="en-US" dirty="0" smtClean="0"/>
-              <a:t> </a:t>
-            </a:r>
-            <a:r>
-              <a:rPr lang="en-US" dirty="0" err="1" smtClean="0"/>
-              <a:t>locationType</a:t>
-            </a:r>
-            <a:r>
-              <a:rPr lang="en-US" dirty="0" smtClean="0"/>
-              <a:t>, location, participants</a:t>
-            </a:r>
-          </a:p>
-          <a:p>
-            <a:pPr marL="285750" lvl="0" indent="-285750">
-              <a:spcAft>
-                <a:spcPts val="800"/>
-              </a:spcAft>
+              <a:rPr lang="en-US" noProof="1" smtClean="0"/>
+              <a:t>.NET Compact Framework &amp; C#</a:t>
+            </a:r>
+          </a:p>
+          <a:p>
+            <a:pPr marL="731838" lvl="1" indent="-285750">
               <a:buFont typeface="Arial"/>
               <a:buChar char="•"/>
             </a:pPr>
             <a:r>
-              <a:rPr lang="en-US" b="1" dirty="0" err="1" smtClean="0"/>
-              <a:t>getTravelPlan</a:t>
-            </a:r>
-            <a:r>
-              <a:rPr lang="en-US" dirty="0" smtClean="0"/>
-              <a:t>(</a:t>
-            </a:r>
-            <a:r>
-              <a:rPr lang="en-US" dirty="0" err="1" smtClean="0"/>
-              <a:t>appointmentId</a:t>
-            </a:r>
-            <a:r>
-              <a:rPr lang="en-US" dirty="0" smtClean="0"/>
-              <a:t>, </a:t>
-            </a:r>
-            <a:r>
-              <a:rPr lang="en-US" dirty="0" err="1" smtClean="0"/>
-              <a:t>travelType</a:t>
-            </a:r>
-            <a:r>
-              <a:rPr lang="en-US" dirty="0" smtClean="0"/>
-              <a:t>, location)</a:t>
-            </a:r>
-            <a:br>
-              <a:rPr lang="en-US" dirty="0" smtClean="0"/>
-            </a:br>
-            <a:r>
-              <a:rPr lang="en-US" dirty="0" smtClean="0">
-                <a:sym typeface="Wingdings"/>
-              </a:rPr>
-              <a:t></a:t>
-            </a:r>
-            <a:r>
-              <a:rPr lang="en-US" dirty="0" smtClean="0"/>
-              <a:t> </a:t>
-            </a:r>
-            <a:r>
-              <a:rPr lang="en-US" dirty="0" err="1" smtClean="0"/>
-              <a:t>travelPlan</a:t>
-            </a:r>
-            <a:endParaRPr lang="en-US" dirty="0"/>
-          </a:p>
-          <a:p>
-            <a:pPr marL="285750" lvl="0" indent="-285750">
-              <a:spcAft>
-                <a:spcPts val="800"/>
-              </a:spcAft>
+              <a:rPr lang="en-US" noProof="1" smtClean="0"/>
+              <a:t>Android Framework &amp; Java</a:t>
+            </a:r>
+          </a:p>
+          <a:p>
+            <a:pPr marL="285750" indent="-285750">
               <a:buFont typeface="Arial"/>
               <a:buChar char="•"/>
             </a:pPr>
-            <a:r>
-              <a:rPr lang="en-US" b="1" dirty="0" err="1"/>
-              <a:t>joinAppointment</a:t>
-            </a:r>
-            <a:r>
-              <a:rPr lang="en-US" dirty="0"/>
-              <a:t>(</a:t>
-            </a:r>
-            <a:r>
-              <a:rPr lang="en-US" dirty="0" err="1"/>
-              <a:t>appointmentId</a:t>
-            </a:r>
-            <a:r>
-              <a:rPr lang="en-US" dirty="0"/>
-              <a:t>, </a:t>
-            </a:r>
-            <a:r>
-              <a:rPr lang="en-US" dirty="0" err="1"/>
-              <a:t>userId</a:t>
-            </a:r>
-            <a:r>
-              <a:rPr lang="en-US" dirty="0"/>
-              <a:t>, </a:t>
-            </a:r>
-            <a:r>
-              <a:rPr lang="en-US" dirty="0" err="1"/>
-              <a:t>travelType</a:t>
-            </a:r>
-            <a:r>
-              <a:rPr lang="en-US" dirty="0"/>
-              <a:t>, location)</a:t>
-            </a:r>
-            <a:br>
-              <a:rPr lang="en-US" dirty="0"/>
-            </a:br>
-            <a:r>
-              <a:rPr lang="en-US" dirty="0">
-                <a:sym typeface="Wingdings"/>
-              </a:rPr>
-              <a:t></a:t>
-            </a:r>
-            <a:r>
-              <a:rPr lang="en-US" dirty="0"/>
-              <a:t> </a:t>
-            </a:r>
-            <a:r>
-              <a:rPr lang="en-US" dirty="0" err="1"/>
-              <a:t>travelPlan</a:t>
-            </a:r>
-            <a:endParaRPr lang="en-US" dirty="0"/>
-          </a:p>
-          <a:p>
-            <a:pPr marL="285750" lvl="0" indent="-285750">
-              <a:spcAft>
-                <a:spcPts val="800"/>
-              </a:spcAft>
+            <a:endParaRPr lang="en-US" noProof="1" smtClean="0"/>
+          </a:p>
+          <a:p>
+            <a:pPr marL="285750" indent="-285750">
               <a:buFont typeface="Arial"/>
               <a:buChar char="•"/>
             </a:pPr>
             <a:r>
-              <a:rPr lang="en-US" b="1" dirty="0" err="1"/>
-              <a:t>declineAppointment</a:t>
-            </a:r>
-            <a:r>
-              <a:rPr lang="en-US" dirty="0"/>
-              <a:t>(</a:t>
-            </a:r>
-            <a:r>
-              <a:rPr lang="en-US" dirty="0" err="1"/>
-              <a:t>appointmentId</a:t>
-            </a:r>
-            <a:r>
-              <a:rPr lang="en-US" dirty="0"/>
-              <a:t>, </a:t>
-            </a:r>
-            <a:r>
-              <a:rPr lang="en-US" dirty="0" err="1"/>
-              <a:t>userId</a:t>
-            </a:r>
-            <a:r>
-              <a:rPr lang="en-US" dirty="0"/>
-              <a:t>, </a:t>
-            </a:r>
-            <a:r>
-              <a:rPr lang="en-US" dirty="0" err="1"/>
-              <a:t>userMessage</a:t>
-            </a:r>
-            <a:r>
-              <a:rPr lang="en-US" dirty="0"/>
-              <a:t>) </a:t>
-            </a:r>
-            <a:endParaRPr lang="en-US" dirty="0" smtClean="0"/>
-          </a:p>
-          <a:p>
-            <a:pPr marL="285750" lvl="0" indent="-285750">
-              <a:spcAft>
-                <a:spcPts val="800"/>
-              </a:spcAft>
+              <a:rPr lang="en-US" noProof="1" smtClean="0"/>
+              <a:t>1 Server:</a:t>
+            </a:r>
+          </a:p>
+          <a:p>
+            <a:pPr marL="731838" lvl="1" indent="-285750">
               <a:buFont typeface="Arial"/>
               <a:buChar char="•"/>
             </a:pPr>
             <a:r>
-              <a:rPr lang="en-US" b="1" dirty="0" err="1" smtClean="0"/>
-              <a:t>finalizeAppointment</a:t>
-            </a:r>
-            <a:r>
-              <a:rPr lang="en-US" dirty="0" smtClean="0"/>
-              <a:t>(</a:t>
-            </a:r>
-            <a:r>
-              <a:rPr lang="en-US" dirty="0" err="1" smtClean="0"/>
-              <a:t>appointmentId</a:t>
-            </a:r>
-            <a:r>
-              <a:rPr lang="en-US" dirty="0" smtClean="0"/>
-              <a:t>)</a:t>
-            </a:r>
-            <a:endParaRPr lang="en-US" dirty="0"/>
+              <a:rPr lang="en-US" noProof="1" smtClean="0"/>
+              <a:t>Java / JRuby</a:t>
+            </a:r>
+          </a:p>
+          <a:p>
+            <a:pPr marL="731838" lvl="1" indent="-285750">
+              <a:buFont typeface="Arial"/>
+              <a:buChar char="•"/>
+            </a:pPr>
+            <a:endParaRPr lang="en-US" noProof="1"/>
+          </a:p>
+          <a:p>
+            <a:pPr marL="285750" indent="-285750">
+              <a:buFont typeface="Arial"/>
+              <a:buChar char="•"/>
+            </a:pPr>
+            <a:r>
+              <a:rPr lang="en-US" noProof="1" smtClean="0"/>
+              <a:t>Kommunikation zwischen mobilen Endegräten und Server:</a:t>
+            </a:r>
+          </a:p>
+          <a:p>
+            <a:pPr marL="731838" lvl="1" indent="-285750">
+              <a:buFont typeface="Arial"/>
+              <a:buChar char="•"/>
+            </a:pPr>
+            <a:r>
+              <a:rPr lang="en-US" noProof="1" smtClean="0"/>
+              <a:t>Client-Anfragen: plattformübergreifende Middleware</a:t>
+            </a:r>
+          </a:p>
+          <a:p>
+            <a:pPr marL="731838" lvl="1" indent="-285750">
+              <a:buFont typeface="Arial"/>
+              <a:buChar char="•"/>
+            </a:pPr>
+            <a:r>
+              <a:rPr lang="en-US" noProof="1" smtClean="0"/>
+              <a:t>Push-Notifications: spezifisch für die jeweilige mobile Plattform</a:t>
+            </a:r>
+            <a:endParaRPr lang="en-US" noProof="1"/>
           </a:p>
         </p:txBody>
       </p:sp>
@@ -13948,13 +14097,20 @@
     </p:spTree>
     <p:extLst>
       <p:ext uri="{BB962C8B-B14F-4D97-AF65-F5344CB8AC3E}">
-        <p14:creationId xmlns:p14="http://schemas.microsoft.com/office/powerpoint/2010/main" val="2871531802"/>
+        <p14:creationId xmlns:p14="http://schemas.microsoft.com/office/powerpoint/2010/main" val="480089758"/>
       </p:ext>
     </p:extLst>
   </p:cSld>
   <p:clrMapOvr>
     <a:masterClrMapping/>
   </p:clrMapOvr>
+  <p:timing>
+    <p:tnLst>
+      <p:par>
+        <p:cTn xmlns:p14="http://schemas.microsoft.com/office/powerpoint/2010/main" id="1" dur="indefinite" restart="never" nodeType="tmRoot"/>
+      </p:par>
+    </p:tnLst>
+  </p:timing>
 </p:sld>
 </file>
 
